--- a/Hot Pursuit/IPS.pptx
+++ b/Hot Pursuit/IPS.pptx
@@ -123,6 +123,38 @@
 
 <file path=ppt/changesInfos/changesInfo1.xml><?xml version="1.0" encoding="utf-8"?>
 <pc:chgInfo xmlns:a="http://schemas.openxmlformats.org/drawingml/2006/main" xmlns:r="http://schemas.openxmlformats.org/officeDocument/2006/relationships" xmlns:ac="http://schemas.microsoft.com/office/drawing/2013/main/command" xmlns:pc="http://schemas.microsoft.com/office/powerpoint/2013/main/command">
+  <pc:docChgLst>
+    <pc:chgData name="Rick McAlister" userId="fad37fcb1da1ebec" providerId="LiveId" clId="{E41D39D8-1DDF-4D16-8E53-9090773FDB52}"/>
+    <pc:docChg chg="custSel modSld">
+      <pc:chgData name="Rick McAlister" userId="fad37fcb1da1ebec" providerId="LiveId" clId="{E41D39D8-1DDF-4D16-8E53-9090773FDB52}" dt="2021-05-14T04:18:24.716" v="1" actId="22"/>
+      <pc:docMkLst>
+        <pc:docMk/>
+      </pc:docMkLst>
+      <pc:sldChg chg="addSp delSp mod">
+        <pc:chgData name="Rick McAlister" userId="fad37fcb1da1ebec" providerId="LiveId" clId="{E41D39D8-1DDF-4D16-8E53-9090773FDB52}" dt="2021-05-14T04:18:24.716" v="1" actId="22"/>
+        <pc:sldMkLst>
+          <pc:docMk/>
+          <pc:sldMk cId="369419966" sldId="257"/>
+        </pc:sldMkLst>
+        <pc:picChg chg="del">
+          <ac:chgData name="Rick McAlister" userId="fad37fcb1da1ebec" providerId="LiveId" clId="{E41D39D8-1DDF-4D16-8E53-9090773FDB52}" dt="2021-05-14T04:18:18.701" v="0" actId="478"/>
+          <ac:picMkLst>
+            <pc:docMk/>
+            <pc:sldMk cId="369419966" sldId="257"/>
+            <ac:picMk id="3" creationId="{80C57DD1-C852-4F41-9A3C-17BA978CF27C}"/>
+          </ac:picMkLst>
+        </pc:picChg>
+        <pc:picChg chg="add">
+          <ac:chgData name="Rick McAlister" userId="fad37fcb1da1ebec" providerId="LiveId" clId="{E41D39D8-1DDF-4D16-8E53-9090773FDB52}" dt="2021-05-14T04:18:24.716" v="1" actId="22"/>
+          <ac:picMkLst>
+            <pc:docMk/>
+            <pc:sldMk cId="369419966" sldId="257"/>
+            <ac:picMk id="4" creationId="{30918347-4CDE-4FAF-B05B-6A6333096C41}"/>
+          </ac:picMkLst>
+        </pc:picChg>
+      </pc:sldChg>
+    </pc:docChg>
+  </pc:docChgLst>
   <pc:docChgLst>
     <pc:chgData name="Rick McAlister" userId="fad37fcb1da1ebec" providerId="LiveId" clId="{CC2180D3-344B-421C-8A7C-7CF00190F422}"/>
     <pc:docChg chg="custSel modSld">
@@ -4609,32 +4641,28 @@
       </p:grpSpPr>
       <p:pic>
         <p:nvPicPr>
-          <p:cNvPr id="3" name="Picture 2" descr="Graphical user interface, application&#10;&#10;Description automatically generated">
-            <a:extLst>
-              <a:ext uri="{FF2B5EF4-FFF2-40B4-BE49-F238E27FC236}">
-                <a16:creationId xmlns:a16="http://schemas.microsoft.com/office/drawing/2014/main" id="{80C57DD1-C852-4F41-9A3C-17BA978CF27C}"/>
-              </a:ext>
-            </a:extLst>
-          </p:cNvPr>
-          <p:cNvPicPr/>
+          <p:cNvPr id="4" name="Picture 3">
+            <a:extLst>
+              <a:ext uri="{FF2B5EF4-FFF2-40B4-BE49-F238E27FC236}">
+                <a16:creationId xmlns:a16="http://schemas.microsoft.com/office/drawing/2014/main" id="{30918347-4CDE-4FAF-B05B-6A6333096C41}"/>
+              </a:ext>
+            </a:extLst>
+          </p:cNvPr>
+          <p:cNvPicPr>
+            <a:picLocks noChangeAspect="1"/>
+          </p:cNvPicPr>
           <p:nvPr/>
         </p:nvPicPr>
         <p:blipFill>
-          <a:blip r:embed="rId2" cstate="print">
-            <a:extLst>
-              <a:ext uri="{28A0092B-C50C-407E-A947-70E740481C1C}">
-                <a14:useLocalDpi xmlns:a14="http://schemas.microsoft.com/office/drawing/2010/main" val="0"/>
-              </a:ext>
-            </a:extLst>
-          </a:blip>
+          <a:blip r:embed="rId2"/>
           <a:stretch>
             <a:fillRect/>
           </a:stretch>
         </p:blipFill>
         <p:spPr>
           <a:xfrm>
-            <a:off x="2836283" y="1697590"/>
-            <a:ext cx="6878585" cy="3041124"/>
+            <a:off x="4371734" y="2671657"/>
+            <a:ext cx="3448531" cy="1514686"/>
           </a:xfrm>
           <a:prstGeom prst="rect">
             <a:avLst/>

--- a/Hot Pursuit/IPS.pptx
+++ b/Hot Pursuit/IPS.pptx
@@ -7,6 +7,8 @@
   <p:sldIdLst>
     <p:sldId id="256" r:id="rId2"/>
     <p:sldId id="257" r:id="rId3"/>
+    <p:sldId id="259" r:id="rId4"/>
+    <p:sldId id="258" r:id="rId5"/>
   </p:sldIdLst>
   <p:sldSz cx="12192000" cy="6858000"/>
   <p:notesSz cx="6858000" cy="9144000"/>
@@ -116,7 +118,8 @@
 <file path=ppt/revisionInfo.xml><?xml version="1.0" encoding="utf-8"?>
 <p1510:revInfo xmlns:a="http://schemas.openxmlformats.org/drawingml/2006/main" xmlns:r="http://schemas.openxmlformats.org/officeDocument/2006/relationships" xmlns:p1510="http://schemas.microsoft.com/office/powerpoint/2015/10/main">
   <p1510:revLst>
-    <p1510:client id="{CC2180D3-344B-421C-8A7C-7CF00190F422}" v="4" dt="2021-05-13T13:18:59.286"/>
+    <p1510:client id="{CC2180D3-344B-421C-8A7C-7CF00190F422}" v="477" dt="2021-05-18T13:43:34.122"/>
+    <p1510:client id="{E41D39D8-1DDF-4D16-8E53-9090773FDB52}" v="631" dt="2021-05-19T02:59:39.942"/>
   </p1510:revLst>
 </p1510:revInfo>
 </file>
@@ -125,8 +128,8 @@
 <pc:chgInfo xmlns:a="http://schemas.openxmlformats.org/drawingml/2006/main" xmlns:r="http://schemas.openxmlformats.org/officeDocument/2006/relationships" xmlns:ac="http://schemas.microsoft.com/office/drawing/2013/main/command" xmlns:pc="http://schemas.microsoft.com/office/powerpoint/2013/main/command">
   <pc:docChgLst>
     <pc:chgData name="Rick McAlister" userId="fad37fcb1da1ebec" providerId="LiveId" clId="{E41D39D8-1DDF-4D16-8E53-9090773FDB52}"/>
-    <pc:docChg chg="custSel modSld">
-      <pc:chgData name="Rick McAlister" userId="fad37fcb1da1ebec" providerId="LiveId" clId="{E41D39D8-1DDF-4D16-8E53-9090773FDB52}" dt="2021-05-14T04:18:24.716" v="1" actId="22"/>
+    <pc:docChg chg="undo redo custSel modSld">
+      <pc:chgData name="Rick McAlister" userId="fad37fcb1da1ebec" providerId="LiveId" clId="{E41D39D8-1DDF-4D16-8E53-9090773FDB52}" dt="2021-05-19T03:01:33.860" v="788" actId="1076"/>
       <pc:docMkLst>
         <pc:docMk/>
       </pc:docMkLst>
@@ -153,17 +156,360 @@
           </ac:picMkLst>
         </pc:picChg>
       </pc:sldChg>
+      <pc:sldChg chg="addSp delSp modSp mod">
+        <pc:chgData name="Rick McAlister" userId="fad37fcb1da1ebec" providerId="LiveId" clId="{E41D39D8-1DDF-4D16-8E53-9090773FDB52}" dt="2021-05-19T03:01:33.860" v="788" actId="1076"/>
+        <pc:sldMkLst>
+          <pc:docMk/>
+          <pc:sldMk cId="1809675145" sldId="258"/>
+        </pc:sldMkLst>
+        <pc:spChg chg="add mod">
+          <ac:chgData name="Rick McAlister" userId="fad37fcb1da1ebec" providerId="LiveId" clId="{E41D39D8-1DDF-4D16-8E53-9090773FDB52}" dt="2021-05-19T03:01:08.583" v="786" actId="552"/>
+          <ac:spMkLst>
+            <pc:docMk/>
+            <pc:sldMk cId="1809675145" sldId="258"/>
+            <ac:spMk id="2" creationId="{2CA4D580-9F70-4F0B-B269-6B50D60288EA}"/>
+          </ac:spMkLst>
+        </pc:spChg>
+        <pc:spChg chg="add mod">
+          <ac:chgData name="Rick McAlister" userId="fad37fcb1da1ebec" providerId="LiveId" clId="{E41D39D8-1DDF-4D16-8E53-9090773FDB52}" dt="2021-05-19T03:00:24.780" v="782" actId="1076"/>
+          <ac:spMkLst>
+            <pc:docMk/>
+            <pc:sldMk cId="1809675145" sldId="258"/>
+            <ac:spMk id="3" creationId="{2B2E8C3C-E408-4C6F-8BC8-DB421DF1AEFD}"/>
+          </ac:spMkLst>
+        </pc:spChg>
+        <pc:spChg chg="mod">
+          <ac:chgData name="Rick McAlister" userId="fad37fcb1da1ebec" providerId="LiveId" clId="{E41D39D8-1DDF-4D16-8E53-9090773FDB52}" dt="2021-05-19T03:00:24.780" v="782" actId="1076"/>
+          <ac:spMkLst>
+            <pc:docMk/>
+            <pc:sldMk cId="1809675145" sldId="258"/>
+            <ac:spMk id="4" creationId="{973B53A4-349B-4E56-BB55-65779CCF18A4}"/>
+          </ac:spMkLst>
+        </pc:spChg>
+        <pc:spChg chg="add mod">
+          <ac:chgData name="Rick McAlister" userId="fad37fcb1da1ebec" providerId="LiveId" clId="{E41D39D8-1DDF-4D16-8E53-9090773FDB52}" dt="2021-05-19T03:01:08.583" v="786" actId="552"/>
+          <ac:spMkLst>
+            <pc:docMk/>
+            <pc:sldMk cId="1809675145" sldId="258"/>
+            <ac:spMk id="5" creationId="{26CABB56-A01B-446A-BA14-4BE3818877B5}"/>
+          </ac:spMkLst>
+        </pc:spChg>
+        <pc:spChg chg="add mod">
+          <ac:chgData name="Rick McAlister" userId="fad37fcb1da1ebec" providerId="LiveId" clId="{E41D39D8-1DDF-4D16-8E53-9090773FDB52}" dt="2021-05-19T03:01:08.583" v="786" actId="552"/>
+          <ac:spMkLst>
+            <pc:docMk/>
+            <pc:sldMk cId="1809675145" sldId="258"/>
+            <ac:spMk id="8" creationId="{22A0DAB9-03D4-4B8A-91DA-B4FDA695A2D0}"/>
+          </ac:spMkLst>
+        </pc:spChg>
+        <pc:spChg chg="add mod">
+          <ac:chgData name="Rick McAlister" userId="fad37fcb1da1ebec" providerId="LiveId" clId="{E41D39D8-1DDF-4D16-8E53-9090773FDB52}" dt="2021-05-19T03:01:33.860" v="788" actId="1076"/>
+          <ac:spMkLst>
+            <pc:docMk/>
+            <pc:sldMk cId="1809675145" sldId="258"/>
+            <ac:spMk id="9" creationId="{5843CEB4-4A1D-4B11-A90A-1AD5F61E4344}"/>
+          </ac:spMkLst>
+        </pc:spChg>
+        <pc:spChg chg="add mod">
+          <ac:chgData name="Rick McAlister" userId="fad37fcb1da1ebec" providerId="LiveId" clId="{E41D39D8-1DDF-4D16-8E53-9090773FDB52}" dt="2021-05-19T02:32:19.244" v="574" actId="164"/>
+          <ac:spMkLst>
+            <pc:docMk/>
+            <pc:sldMk cId="1809675145" sldId="258"/>
+            <ac:spMk id="11" creationId="{075DB70D-D0CE-4FD8-A5D9-4EC257CEE606}"/>
+          </ac:spMkLst>
+        </pc:spChg>
+        <pc:spChg chg="add mod">
+          <ac:chgData name="Rick McAlister" userId="fad37fcb1da1ebec" providerId="LiveId" clId="{E41D39D8-1DDF-4D16-8E53-9090773FDB52}" dt="2021-05-19T03:00:24.780" v="782" actId="1076"/>
+          <ac:spMkLst>
+            <pc:docMk/>
+            <pc:sldMk cId="1809675145" sldId="258"/>
+            <ac:spMk id="12" creationId="{3527FFA8-12D6-427E-8024-D0BCBA62AD3D}"/>
+          </ac:spMkLst>
+        </pc:spChg>
+        <pc:spChg chg="add mod">
+          <ac:chgData name="Rick McAlister" userId="fad37fcb1da1ebec" providerId="LiveId" clId="{E41D39D8-1DDF-4D16-8E53-9090773FDB52}" dt="2021-05-19T02:32:19.244" v="574" actId="164"/>
+          <ac:spMkLst>
+            <pc:docMk/>
+            <pc:sldMk cId="1809675145" sldId="258"/>
+            <ac:spMk id="13" creationId="{57E9931E-C21C-4DC1-A979-F31BCA5E3BAF}"/>
+          </ac:spMkLst>
+        </pc:spChg>
+        <pc:spChg chg="add mod">
+          <ac:chgData name="Rick McAlister" userId="fad37fcb1da1ebec" providerId="LiveId" clId="{E41D39D8-1DDF-4D16-8E53-9090773FDB52}" dt="2021-05-19T02:32:19.244" v="574" actId="164"/>
+          <ac:spMkLst>
+            <pc:docMk/>
+            <pc:sldMk cId="1809675145" sldId="258"/>
+            <ac:spMk id="14" creationId="{796A75C8-1B67-4920-BB4D-E418F5657856}"/>
+          </ac:spMkLst>
+        </pc:spChg>
+        <pc:spChg chg="add del mod">
+          <ac:chgData name="Rick McAlister" userId="fad37fcb1da1ebec" providerId="LiveId" clId="{E41D39D8-1DDF-4D16-8E53-9090773FDB52}" dt="2021-05-19T02:59:53.540" v="780" actId="478"/>
+          <ac:spMkLst>
+            <pc:docMk/>
+            <pc:sldMk cId="1809675145" sldId="258"/>
+            <ac:spMk id="17" creationId="{7304BC89-ECC0-4B37-99EA-D1EEC5D05916}"/>
+          </ac:spMkLst>
+        </pc:spChg>
+        <pc:spChg chg="mod">
+          <ac:chgData name="Rick McAlister" userId="fad37fcb1da1ebec" providerId="LiveId" clId="{E41D39D8-1DDF-4D16-8E53-9090773FDB52}" dt="2021-05-19T03:00:24.780" v="782" actId="1076"/>
+          <ac:spMkLst>
+            <pc:docMk/>
+            <pc:sldMk cId="1809675145" sldId="258"/>
+            <ac:spMk id="19" creationId="{6FEB324D-BC6E-41AA-B677-849C6CCB97FD}"/>
+          </ac:spMkLst>
+        </pc:spChg>
+        <pc:spChg chg="mod">
+          <ac:chgData name="Rick McAlister" userId="fad37fcb1da1ebec" providerId="LiveId" clId="{E41D39D8-1DDF-4D16-8E53-9090773FDB52}" dt="2021-05-19T03:00:24.780" v="782" actId="1076"/>
+          <ac:spMkLst>
+            <pc:docMk/>
+            <pc:sldMk cId="1809675145" sldId="258"/>
+            <ac:spMk id="20" creationId="{F41EBB94-8AF1-4AD5-BCEF-A3B5B172014D}"/>
+          </ac:spMkLst>
+        </pc:spChg>
+        <pc:spChg chg="mod">
+          <ac:chgData name="Rick McAlister" userId="fad37fcb1da1ebec" providerId="LiveId" clId="{E41D39D8-1DDF-4D16-8E53-9090773FDB52}" dt="2021-05-19T03:00:24.780" v="782" actId="1076"/>
+          <ac:spMkLst>
+            <pc:docMk/>
+            <pc:sldMk cId="1809675145" sldId="258"/>
+            <ac:spMk id="21" creationId="{B67B56BA-4E54-4906-A424-88860CFFE9F2}"/>
+          </ac:spMkLst>
+        </pc:spChg>
+        <pc:spChg chg="mod">
+          <ac:chgData name="Rick McAlister" userId="fad37fcb1da1ebec" providerId="LiveId" clId="{E41D39D8-1DDF-4D16-8E53-9090773FDB52}" dt="2021-05-19T03:00:24.780" v="782" actId="1076"/>
+          <ac:spMkLst>
+            <pc:docMk/>
+            <pc:sldMk cId="1809675145" sldId="258"/>
+            <ac:spMk id="22" creationId="{9621AA1A-194B-433F-8BC8-50BA5C60A0F5}"/>
+          </ac:spMkLst>
+        </pc:spChg>
+        <pc:spChg chg="add mod">
+          <ac:chgData name="Rick McAlister" userId="fad37fcb1da1ebec" providerId="LiveId" clId="{E41D39D8-1DDF-4D16-8E53-9090773FDB52}" dt="2021-05-19T03:00:24.780" v="782" actId="1076"/>
+          <ac:spMkLst>
+            <pc:docMk/>
+            <pc:sldMk cId="1809675145" sldId="258"/>
+            <ac:spMk id="23" creationId="{3E615A88-B004-4736-9296-1E28A2E24404}"/>
+          </ac:spMkLst>
+        </pc:spChg>
+        <pc:spChg chg="del mod">
+          <ac:chgData name="Rick McAlister" userId="fad37fcb1da1ebec" providerId="LiveId" clId="{E41D39D8-1DDF-4D16-8E53-9090773FDB52}" dt="2021-05-19T02:15:40.503" v="320" actId="478"/>
+          <ac:spMkLst>
+            <pc:docMk/>
+            <pc:sldMk cId="1809675145" sldId="258"/>
+            <ac:spMk id="24" creationId="{D1479537-E90D-4897-A25E-9CEA9466CFB5}"/>
+          </ac:spMkLst>
+        </pc:spChg>
+        <pc:spChg chg="add del mod">
+          <ac:chgData name="Rick McAlister" userId="fad37fcb1da1ebec" providerId="LiveId" clId="{E41D39D8-1DDF-4D16-8E53-9090773FDB52}" dt="2021-05-19T02:07:54.420" v="208" actId="478"/>
+          <ac:spMkLst>
+            <pc:docMk/>
+            <pc:sldMk cId="1809675145" sldId="258"/>
+            <ac:spMk id="25" creationId="{54B8F3B0-839A-495C-A391-857782951453}"/>
+          </ac:spMkLst>
+        </pc:spChg>
+        <pc:spChg chg="del mod">
+          <ac:chgData name="Rick McAlister" userId="fad37fcb1da1ebec" providerId="LiveId" clId="{E41D39D8-1DDF-4D16-8E53-9090773FDB52}" dt="2021-05-19T02:15:02.865" v="309" actId="478"/>
+          <ac:spMkLst>
+            <pc:docMk/>
+            <pc:sldMk cId="1809675145" sldId="258"/>
+            <ac:spMk id="27" creationId="{DC11A9FF-9979-422C-B39E-54B2F4A0BD92}"/>
+          </ac:spMkLst>
+        </pc:spChg>
+        <pc:spChg chg="del mod">
+          <ac:chgData name="Rick McAlister" userId="fad37fcb1da1ebec" providerId="LiveId" clId="{E41D39D8-1DDF-4D16-8E53-9090773FDB52}" dt="2021-05-19T02:06:11.878" v="172" actId="478"/>
+          <ac:spMkLst>
+            <pc:docMk/>
+            <pc:sldMk cId="1809675145" sldId="258"/>
+            <ac:spMk id="28" creationId="{AE1721E7-FE62-45E2-8A09-BD3707BD6B61}"/>
+          </ac:spMkLst>
+        </pc:spChg>
+        <pc:spChg chg="mod">
+          <ac:chgData name="Rick McAlister" userId="fad37fcb1da1ebec" providerId="LiveId" clId="{E41D39D8-1DDF-4D16-8E53-9090773FDB52}" dt="2021-05-19T03:00:24.780" v="782" actId="1076"/>
+          <ac:spMkLst>
+            <pc:docMk/>
+            <pc:sldMk cId="1809675145" sldId="258"/>
+            <ac:spMk id="29" creationId="{4804FAF1-AE02-4084-AA46-C24F9B058E78}"/>
+          </ac:spMkLst>
+        </pc:spChg>
+        <pc:spChg chg="add mod">
+          <ac:chgData name="Rick McAlister" userId="fad37fcb1da1ebec" providerId="LiveId" clId="{E41D39D8-1DDF-4D16-8E53-9090773FDB52}" dt="2021-05-19T03:00:24.780" v="782" actId="1076"/>
+          <ac:spMkLst>
+            <pc:docMk/>
+            <pc:sldMk cId="1809675145" sldId="258"/>
+            <ac:spMk id="30" creationId="{2DAFECA7-1182-4987-BBD2-815A8824D29F}"/>
+          </ac:spMkLst>
+        </pc:spChg>
+        <pc:spChg chg="mod">
+          <ac:chgData name="Rick McAlister" userId="fad37fcb1da1ebec" providerId="LiveId" clId="{E41D39D8-1DDF-4D16-8E53-9090773FDB52}" dt="2021-05-19T03:00:24.780" v="782" actId="1076"/>
+          <ac:spMkLst>
+            <pc:docMk/>
+            <pc:sldMk cId="1809675145" sldId="258"/>
+            <ac:spMk id="31" creationId="{E3D00DFD-5FA6-4099-9F1B-ADDE37913124}"/>
+          </ac:spMkLst>
+        </pc:spChg>
+        <pc:spChg chg="del mod">
+          <ac:chgData name="Rick McAlister" userId="fad37fcb1da1ebec" providerId="LiveId" clId="{E41D39D8-1DDF-4D16-8E53-9090773FDB52}" dt="2021-05-19T02:26:08.511" v="535" actId="478"/>
+          <ac:spMkLst>
+            <pc:docMk/>
+            <pc:sldMk cId="1809675145" sldId="258"/>
+            <ac:spMk id="32" creationId="{5019BB05-130E-4217-97D2-F02C8A440E74}"/>
+          </ac:spMkLst>
+        </pc:spChg>
+        <pc:spChg chg="del mod">
+          <ac:chgData name="Rick McAlister" userId="fad37fcb1da1ebec" providerId="LiveId" clId="{E41D39D8-1DDF-4D16-8E53-9090773FDB52}" dt="2021-05-19T02:31:06.054" v="568" actId="478"/>
+          <ac:spMkLst>
+            <pc:docMk/>
+            <pc:sldMk cId="1809675145" sldId="258"/>
+            <ac:spMk id="33" creationId="{0F3D8E35-DDE3-46CA-BD12-97AC821659F7}"/>
+          </ac:spMkLst>
+        </pc:spChg>
+        <pc:spChg chg="add mod">
+          <ac:chgData name="Rick McAlister" userId="fad37fcb1da1ebec" providerId="LiveId" clId="{E41D39D8-1DDF-4D16-8E53-9090773FDB52}" dt="2021-05-19T03:00:24.780" v="782" actId="1076"/>
+          <ac:spMkLst>
+            <pc:docMk/>
+            <pc:sldMk cId="1809675145" sldId="258"/>
+            <ac:spMk id="34" creationId="{C9B1F538-A03C-4B12-8580-A004207F70A5}"/>
+          </ac:spMkLst>
+        </pc:spChg>
+        <pc:spChg chg="add mod">
+          <ac:chgData name="Rick McAlister" userId="fad37fcb1da1ebec" providerId="LiveId" clId="{E41D39D8-1DDF-4D16-8E53-9090773FDB52}" dt="2021-05-19T03:01:08.583" v="786" actId="552"/>
+          <ac:spMkLst>
+            <pc:docMk/>
+            <pc:sldMk cId="1809675145" sldId="258"/>
+            <ac:spMk id="35" creationId="{B65B9E5C-C29C-456B-A585-43E30CA71BE9}"/>
+          </ac:spMkLst>
+        </pc:spChg>
+        <pc:spChg chg="add mod">
+          <ac:chgData name="Rick McAlister" userId="fad37fcb1da1ebec" providerId="LiveId" clId="{E41D39D8-1DDF-4D16-8E53-9090773FDB52}" dt="2021-05-19T03:00:24.780" v="782" actId="1076"/>
+          <ac:spMkLst>
+            <pc:docMk/>
+            <pc:sldMk cId="1809675145" sldId="258"/>
+            <ac:spMk id="36" creationId="{36EE4556-6C91-45F2-BBDC-2AE49534AA33}"/>
+          </ac:spMkLst>
+        </pc:spChg>
+        <pc:spChg chg="add del mod">
+          <ac:chgData name="Rick McAlister" userId="fad37fcb1da1ebec" providerId="LiveId" clId="{E41D39D8-1DDF-4D16-8E53-9090773FDB52}" dt="2021-05-19T02:30:03.361" v="554" actId="478"/>
+          <ac:spMkLst>
+            <pc:docMk/>
+            <pc:sldMk cId="1809675145" sldId="258"/>
+            <ac:spMk id="37" creationId="{739DAE8C-15D2-4FA1-A9B3-70A6C539A197}"/>
+          </ac:spMkLst>
+        </pc:spChg>
+        <pc:spChg chg="add mod">
+          <ac:chgData name="Rick McAlister" userId="fad37fcb1da1ebec" providerId="LiveId" clId="{E41D39D8-1DDF-4D16-8E53-9090773FDB52}" dt="2021-05-19T03:00:24.780" v="782" actId="1076"/>
+          <ac:spMkLst>
+            <pc:docMk/>
+            <pc:sldMk cId="1809675145" sldId="258"/>
+            <ac:spMk id="38" creationId="{0F658854-2048-46A1-B71B-865B96BAE1C1}"/>
+          </ac:spMkLst>
+        </pc:spChg>
+        <pc:spChg chg="add mod">
+          <ac:chgData name="Rick McAlister" userId="fad37fcb1da1ebec" providerId="LiveId" clId="{E41D39D8-1DDF-4D16-8E53-9090773FDB52}" dt="2021-05-19T03:00:29.579" v="783" actId="1076"/>
+          <ac:spMkLst>
+            <pc:docMk/>
+            <pc:sldMk cId="1809675145" sldId="258"/>
+            <ac:spMk id="39" creationId="{E658184F-B1B6-4836-8149-B9060C476044}"/>
+          </ac:spMkLst>
+        </pc:spChg>
+        <pc:spChg chg="add mod">
+          <ac:chgData name="Rick McAlister" userId="fad37fcb1da1ebec" providerId="LiveId" clId="{E41D39D8-1DDF-4D16-8E53-9090773FDB52}" dt="2021-05-19T03:01:08.583" v="786" actId="552"/>
+          <ac:spMkLst>
+            <pc:docMk/>
+            <pc:sldMk cId="1809675145" sldId="258"/>
+            <ac:spMk id="45" creationId="{E647C866-8277-4F30-BBE0-387F6BCE5406}"/>
+          </ac:spMkLst>
+        </pc:spChg>
+        <pc:spChg chg="mod">
+          <ac:chgData name="Rick McAlister" userId="fad37fcb1da1ebec" providerId="LiveId" clId="{E41D39D8-1DDF-4D16-8E53-9090773FDB52}" dt="2021-05-19T03:00:24.780" v="782" actId="1076"/>
+          <ac:spMkLst>
+            <pc:docMk/>
+            <pc:sldMk cId="1809675145" sldId="258"/>
+            <ac:spMk id="49" creationId="{1C8BD9D2-2016-4467-A1B1-484A9FA2550F}"/>
+          </ac:spMkLst>
+        </pc:spChg>
+        <pc:spChg chg="del mod">
+          <ac:chgData name="Rick McAlister" userId="fad37fcb1da1ebec" providerId="LiveId" clId="{E41D39D8-1DDF-4D16-8E53-9090773FDB52}" dt="2021-05-19T02:44:31.344" v="659" actId="478"/>
+          <ac:spMkLst>
+            <pc:docMk/>
+            <pc:sldMk cId="1809675145" sldId="258"/>
+            <ac:spMk id="56" creationId="{40B6D3F8-64A3-4143-B7B1-1877E6E25B4C}"/>
+          </ac:spMkLst>
+        </pc:spChg>
+        <pc:spChg chg="del mod">
+          <ac:chgData name="Rick McAlister" userId="fad37fcb1da1ebec" providerId="LiveId" clId="{E41D39D8-1DDF-4D16-8E53-9090773FDB52}" dt="2021-05-19T02:09:54.422" v="244" actId="478"/>
+          <ac:spMkLst>
+            <pc:docMk/>
+            <pc:sldMk cId="1809675145" sldId="258"/>
+            <ac:spMk id="57" creationId="{A50E972A-DDB0-4753-8E52-E573D9B1DA9C}"/>
+          </ac:spMkLst>
+        </pc:spChg>
+        <pc:grpChg chg="add mod">
+          <ac:chgData name="Rick McAlister" userId="fad37fcb1da1ebec" providerId="LiveId" clId="{E41D39D8-1DDF-4D16-8E53-9090773FDB52}" dt="2021-05-19T03:01:08.583" v="786" actId="552"/>
+          <ac:grpSpMkLst>
+            <pc:docMk/>
+            <pc:sldMk cId="1809675145" sldId="258"/>
+            <ac:grpSpMk id="15" creationId="{6C68E008-0120-413E-8F74-E5064707C1B5}"/>
+          </ac:grpSpMkLst>
+        </pc:grpChg>
+        <pc:cxnChg chg="mod">
+          <ac:chgData name="Rick McAlister" userId="fad37fcb1da1ebec" providerId="LiveId" clId="{E41D39D8-1DDF-4D16-8E53-9090773FDB52}" dt="2021-05-19T03:00:24.780" v="782" actId="1076"/>
+          <ac:cxnSpMkLst>
+            <pc:docMk/>
+            <pc:sldMk cId="1809675145" sldId="258"/>
+            <ac:cxnSpMk id="6" creationId="{C77B2FB8-CFBE-4C6E-8C50-B32E55B74F3B}"/>
+          </ac:cxnSpMkLst>
+        </pc:cxnChg>
+        <pc:cxnChg chg="mod">
+          <ac:chgData name="Rick McAlister" userId="fad37fcb1da1ebec" providerId="LiveId" clId="{E41D39D8-1DDF-4D16-8E53-9090773FDB52}" dt="2021-05-19T03:00:24.780" v="782" actId="1076"/>
+          <ac:cxnSpMkLst>
+            <pc:docMk/>
+            <pc:sldMk cId="1809675145" sldId="258"/>
+            <ac:cxnSpMk id="7" creationId="{DC78697D-C307-4358-BB61-8FDBFF20A6DC}"/>
+          </ac:cxnSpMkLst>
+        </pc:cxnChg>
+        <pc:cxnChg chg="mod">
+          <ac:chgData name="Rick McAlister" userId="fad37fcb1da1ebec" providerId="LiveId" clId="{E41D39D8-1DDF-4D16-8E53-9090773FDB52}" dt="2021-05-19T03:00:24.780" v="782" actId="1076"/>
+          <ac:cxnSpMkLst>
+            <pc:docMk/>
+            <pc:sldMk cId="1809675145" sldId="258"/>
+            <ac:cxnSpMk id="10" creationId="{662BBC98-21BF-40D3-ABDF-B72C24DFC997}"/>
+          </ac:cxnSpMkLst>
+        </pc:cxnChg>
+        <pc:cxnChg chg="mod">
+          <ac:chgData name="Rick McAlister" userId="fad37fcb1da1ebec" providerId="LiveId" clId="{E41D39D8-1DDF-4D16-8E53-9090773FDB52}" dt="2021-05-19T03:00:24.780" v="782" actId="1076"/>
+          <ac:cxnSpMkLst>
+            <pc:docMk/>
+            <pc:sldMk cId="1809675145" sldId="258"/>
+            <ac:cxnSpMk id="16" creationId="{3F575EFD-CACA-4FB4-91F6-4C821308BD97}"/>
+          </ac:cxnSpMkLst>
+        </pc:cxnChg>
+        <pc:cxnChg chg="add mod">
+          <ac:chgData name="Rick McAlister" userId="fad37fcb1da1ebec" providerId="LiveId" clId="{E41D39D8-1DDF-4D16-8E53-9090773FDB52}" dt="2021-05-19T03:00:24.780" v="782" actId="1076"/>
+          <ac:cxnSpMkLst>
+            <pc:docMk/>
+            <pc:sldMk cId="1809675145" sldId="258"/>
+            <ac:cxnSpMk id="26" creationId="{D4778842-8530-4FB4-AEC0-BF1EB6DBE56F}"/>
+          </ac:cxnSpMkLst>
+        </pc:cxnChg>
+        <pc:cxnChg chg="add mod">
+          <ac:chgData name="Rick McAlister" userId="fad37fcb1da1ebec" providerId="LiveId" clId="{E41D39D8-1DDF-4D16-8E53-9090773FDB52}" dt="2021-05-19T03:00:24.780" v="782" actId="1076"/>
+          <ac:cxnSpMkLst>
+            <pc:docMk/>
+            <pc:sldMk cId="1809675145" sldId="258"/>
+            <ac:cxnSpMk id="43" creationId="{186A0791-DC54-495F-963C-DB4ECA7A764E}"/>
+          </ac:cxnSpMkLst>
+        </pc:cxnChg>
+      </pc:sldChg>
     </pc:docChg>
   </pc:docChgLst>
   <pc:docChgLst>
     <pc:chgData name="Rick McAlister" userId="fad37fcb1da1ebec" providerId="LiveId" clId="{CC2180D3-344B-421C-8A7C-7CF00190F422}"/>
-    <pc:docChg chg="custSel modSld">
-      <pc:chgData name="Rick McAlister" userId="fad37fcb1da1ebec" providerId="LiveId" clId="{CC2180D3-344B-421C-8A7C-7CF00190F422}" dt="2021-05-13T13:19:17.706" v="190" actId="14100"/>
+    <pc:docChg chg="undo custSel addSld modSld">
+      <pc:chgData name="Rick McAlister" userId="fad37fcb1da1ebec" providerId="LiveId" clId="{CC2180D3-344B-421C-8A7C-7CF00190F422}" dt="2021-05-18T13:58:52.395" v="1734" actId="14100"/>
       <pc:docMkLst>
         <pc:docMk/>
       </pc:docMkLst>
       <pc:sldChg chg="addSp delSp modSp mod">
-        <pc:chgData name="Rick McAlister" userId="fad37fcb1da1ebec" providerId="LiveId" clId="{CC2180D3-344B-421C-8A7C-7CF00190F422}" dt="2021-05-13T13:15:01.836" v="184" actId="20577"/>
+        <pc:chgData name="Rick McAlister" userId="fad37fcb1da1ebec" providerId="LiveId" clId="{CC2180D3-344B-421C-8A7C-7CF00190F422}" dt="2021-05-18T13:58:52.395" v="1734" actId="14100"/>
         <pc:sldMkLst>
           <pc:docMk/>
           <pc:sldMk cId="2168399988" sldId="256"/>
@@ -217,7 +563,7 @@
           </ac:spMkLst>
         </pc:spChg>
         <pc:spChg chg="mod">
-          <ac:chgData name="Rick McAlister" userId="fad37fcb1da1ebec" providerId="LiveId" clId="{CC2180D3-344B-421C-8A7C-7CF00190F422}" dt="2021-05-13T13:15:01.836" v="184" actId="20577"/>
+          <ac:chgData name="Rick McAlister" userId="fad37fcb1da1ebec" providerId="LiveId" clId="{CC2180D3-344B-421C-8A7C-7CF00190F422}" dt="2021-05-18T13:48:38.521" v="1683" actId="12789"/>
           <ac:spMkLst>
             <pc:docMk/>
             <pc:sldMk cId="2168399988" sldId="256"/>
@@ -249,7 +595,7 @@
           </ac:spMkLst>
         </pc:spChg>
         <pc:spChg chg="mod">
-          <ac:chgData name="Rick McAlister" userId="fad37fcb1da1ebec" providerId="LiveId" clId="{CC2180D3-344B-421C-8A7C-7CF00190F422}" dt="2021-05-13T13:00:58.216" v="134" actId="1076"/>
+          <ac:chgData name="Rick McAlister" userId="fad37fcb1da1ebec" providerId="LiveId" clId="{CC2180D3-344B-421C-8A7C-7CF00190F422}" dt="2021-05-18T13:55:49.258" v="1691" actId="20577"/>
           <ac:spMkLst>
             <pc:docMk/>
             <pc:sldMk cId="2168399988" sldId="256"/>
@@ -257,7 +603,7 @@
           </ac:spMkLst>
         </pc:spChg>
         <pc:spChg chg="mod">
-          <ac:chgData name="Rick McAlister" userId="fad37fcb1da1ebec" providerId="LiveId" clId="{CC2180D3-344B-421C-8A7C-7CF00190F422}" dt="2021-05-13T13:06:40.870" v="183" actId="1076"/>
+          <ac:chgData name="Rick McAlister" userId="fad37fcb1da1ebec" providerId="LiveId" clId="{CC2180D3-344B-421C-8A7C-7CF00190F422}" dt="2021-05-18T13:43:06.198" v="1633" actId="14100"/>
           <ac:spMkLst>
             <pc:docMk/>
             <pc:sldMk cId="2168399988" sldId="256"/>
@@ -281,7 +627,7 @@
           </ac:spMkLst>
         </pc:spChg>
         <pc:spChg chg="mod">
-          <ac:chgData name="Rick McAlister" userId="fad37fcb1da1ebec" providerId="LiveId" clId="{CC2180D3-344B-421C-8A7C-7CF00190F422}" dt="2021-05-13T13:01:07.921" v="135" actId="1076"/>
+          <ac:chgData name="Rick McAlister" userId="fad37fcb1da1ebec" providerId="LiveId" clId="{CC2180D3-344B-421C-8A7C-7CF00190F422}" dt="2021-05-18T13:48:38.521" v="1683" actId="12789"/>
           <ac:spMkLst>
             <pc:docMk/>
             <pc:sldMk cId="2168399988" sldId="256"/>
@@ -297,7 +643,23 @@
           </ac:spMkLst>
         </pc:spChg>
         <pc:spChg chg="add mod">
-          <ac:chgData name="Rick McAlister" userId="fad37fcb1da1ebec" providerId="LiveId" clId="{CC2180D3-344B-421C-8A7C-7CF00190F422}" dt="2021-05-13T13:06:29.208" v="182" actId="14100"/>
+          <ac:chgData name="Rick McAlister" userId="fad37fcb1da1ebec" providerId="LiveId" clId="{CC2180D3-344B-421C-8A7C-7CF00190F422}" dt="2021-05-18T13:42:52.218" v="1631" actId="20577"/>
+          <ac:spMkLst>
+            <pc:docMk/>
+            <pc:sldMk cId="2168399988" sldId="256"/>
+            <ac:spMk id="23" creationId="{406CCF27-5E79-41B9-90C2-0E40945AC4D7}"/>
+          </ac:spMkLst>
+        </pc:spChg>
+        <pc:spChg chg="add mod">
+          <ac:chgData name="Rick McAlister" userId="fad37fcb1da1ebec" providerId="LiveId" clId="{CC2180D3-344B-421C-8A7C-7CF00190F422}" dt="2021-05-18T13:57:46.554" v="1727" actId="1076"/>
+          <ac:spMkLst>
+            <pc:docMk/>
+            <pc:sldMk cId="2168399988" sldId="256"/>
+            <ac:spMk id="27" creationId="{DDE361C8-1556-4554-843A-7AC7995A04E2}"/>
+          </ac:spMkLst>
+        </pc:spChg>
+        <pc:spChg chg="add mod">
+          <ac:chgData name="Rick McAlister" userId="fad37fcb1da1ebec" providerId="LiveId" clId="{CC2180D3-344B-421C-8A7C-7CF00190F422}" dt="2021-05-18T13:58:01.312" v="1728" actId="14100"/>
           <ac:spMkLst>
             <pc:docMk/>
             <pc:sldMk cId="2168399988" sldId="256"/>
@@ -305,7 +667,7 @@
           </ac:spMkLst>
         </pc:spChg>
         <pc:spChg chg="add mod">
-          <ac:chgData name="Rick McAlister" userId="fad37fcb1da1ebec" providerId="LiveId" clId="{CC2180D3-344B-421C-8A7C-7CF00190F422}" dt="2021-05-13T13:06:29.208" v="182" actId="14100"/>
+          <ac:chgData name="Rick McAlister" userId="fad37fcb1da1ebec" providerId="LiveId" clId="{CC2180D3-344B-421C-8A7C-7CF00190F422}" dt="2021-05-18T13:58:52.395" v="1734" actId="14100"/>
           <ac:spMkLst>
             <pc:docMk/>
             <pc:sldMk cId="2168399988" sldId="256"/>
@@ -321,7 +683,7 @@
           </ac:spMkLst>
         </pc:spChg>
         <pc:spChg chg="add mod">
-          <ac:chgData name="Rick McAlister" userId="fad37fcb1da1ebec" providerId="LiveId" clId="{CC2180D3-344B-421C-8A7C-7CF00190F422}" dt="2021-05-13T13:00:58.216" v="134" actId="1076"/>
+          <ac:chgData name="Rick McAlister" userId="fad37fcb1da1ebec" providerId="LiveId" clId="{CC2180D3-344B-421C-8A7C-7CF00190F422}" dt="2021-05-18T13:56:19.210" v="1716" actId="20577"/>
           <ac:spMkLst>
             <pc:docMk/>
             <pc:sldMk cId="2168399988" sldId="256"/>
@@ -329,7 +691,7 @@
           </ac:spMkLst>
         </pc:spChg>
         <pc:spChg chg="add mod">
-          <ac:chgData name="Rick McAlister" userId="fad37fcb1da1ebec" providerId="LiveId" clId="{CC2180D3-344B-421C-8A7C-7CF00190F422}" dt="2021-05-13T13:00:58.216" v="134" actId="1076"/>
+          <ac:chgData name="Rick McAlister" userId="fad37fcb1da1ebec" providerId="LiveId" clId="{CC2180D3-344B-421C-8A7C-7CF00190F422}" dt="2021-05-18T13:56:00.376" v="1695" actId="6549"/>
           <ac:spMkLst>
             <pc:docMk/>
             <pc:sldMk cId="2168399988" sldId="256"/>
@@ -377,7 +739,7 @@
           </ac:spMkLst>
         </pc:spChg>
         <pc:spChg chg="add mod">
-          <ac:chgData name="Rick McAlister" userId="fad37fcb1da1ebec" providerId="LiveId" clId="{CC2180D3-344B-421C-8A7C-7CF00190F422}" dt="2021-05-13T13:06:29.208" v="182" actId="14100"/>
+          <ac:chgData name="Rick McAlister" userId="fad37fcb1da1ebec" providerId="LiveId" clId="{CC2180D3-344B-421C-8A7C-7CF00190F422}" dt="2021-05-18T13:58:38.587" v="1733" actId="1076"/>
           <ac:spMkLst>
             <pc:docMk/>
             <pc:sldMk cId="2168399988" sldId="256"/>
@@ -424,6 +786,14 @@
             <ac:cxnSpMk id="25" creationId="{5F15F49C-698E-4664-B014-2DFFBD33ED7E}"/>
           </ac:cxnSpMkLst>
         </pc:cxnChg>
+        <pc:cxnChg chg="add mod">
+          <ac:chgData name="Rick McAlister" userId="fad37fcb1da1ebec" providerId="LiveId" clId="{CC2180D3-344B-421C-8A7C-7CF00190F422}" dt="2021-05-18T13:44:56.115" v="1651" actId="1582"/>
+          <ac:cxnSpMkLst>
+            <pc:docMk/>
+            <pc:sldMk cId="2168399988" sldId="256"/>
+            <ac:cxnSpMk id="28" creationId="{006817CC-E2E8-4A20-AA43-CEB7FF8D740E}"/>
+          </ac:cxnSpMkLst>
+        </pc:cxnChg>
         <pc:cxnChg chg="add del mod">
           <ac:chgData name="Rick McAlister" userId="fad37fcb1da1ebec" providerId="LiveId" clId="{CC2180D3-344B-421C-8A7C-7CF00190F422}" dt="2021-05-13T13:01:27.141" v="137" actId="478"/>
           <ac:cxnSpMkLst>
@@ -433,15 +803,15 @@
           </ac:cxnSpMkLst>
         </pc:cxnChg>
         <pc:cxnChg chg="add mod">
-          <ac:chgData name="Rick McAlister" userId="fad37fcb1da1ebec" providerId="LiveId" clId="{CC2180D3-344B-421C-8A7C-7CF00190F422}" dt="2021-05-13T13:03:34.582" v="151" actId="14100"/>
+          <ac:chgData name="Rick McAlister" userId="fad37fcb1da1ebec" providerId="LiveId" clId="{CC2180D3-344B-421C-8A7C-7CF00190F422}" dt="2021-05-18T13:44:56.115" v="1651" actId="1582"/>
           <ac:cxnSpMkLst>
             <pc:docMk/>
             <pc:sldMk cId="2168399988" sldId="256"/>
             <ac:cxnSpMk id="31" creationId="{F14BF70D-303D-46A1-90AD-8B514CB898D9}"/>
           </ac:cxnSpMkLst>
         </pc:cxnChg>
-        <pc:cxnChg chg="add">
-          <ac:chgData name="Rick McAlister" userId="fad37fcb1da1ebec" providerId="LiveId" clId="{CC2180D3-344B-421C-8A7C-7CF00190F422}" dt="2021-05-13T13:03:16.663" v="147" actId="11529"/>
+        <pc:cxnChg chg="add mod">
+          <ac:chgData name="Rick McAlister" userId="fad37fcb1da1ebec" providerId="LiveId" clId="{CC2180D3-344B-421C-8A7C-7CF00190F422}" dt="2021-05-18T13:44:56.115" v="1651" actId="1582"/>
           <ac:cxnSpMkLst>
             <pc:docMk/>
             <pc:sldMk cId="2168399988" sldId="256"/>
@@ -456,8 +826,8 @@
             <ac:cxnSpMk id="41" creationId="{3A819193-7045-46A3-9462-9C6B4DABC48F}"/>
           </ac:cxnSpMkLst>
         </pc:cxnChg>
-        <pc:cxnChg chg="add">
-          <ac:chgData name="Rick McAlister" userId="fad37fcb1da1ebec" providerId="LiveId" clId="{CC2180D3-344B-421C-8A7C-7CF00190F422}" dt="2021-05-13T13:03:23.149" v="148" actId="11529"/>
+        <pc:cxnChg chg="add mod">
+          <ac:chgData name="Rick McAlister" userId="fad37fcb1da1ebec" providerId="LiveId" clId="{CC2180D3-344B-421C-8A7C-7CF00190F422}" dt="2021-05-18T13:44:56.115" v="1651" actId="1582"/>
           <ac:cxnSpMkLst>
             <pc:docMk/>
             <pc:sldMk cId="2168399988" sldId="256"/>
@@ -495,6 +865,540 @@
             <ac:picMk id="7" creationId="{7982BCF3-3518-4E4C-AEBF-B1F15687FDBE}"/>
           </ac:picMkLst>
         </pc:picChg>
+      </pc:sldChg>
+      <pc:sldChg chg="addSp delSp modSp new mod">
+        <pc:chgData name="Rick McAlister" userId="fad37fcb1da1ebec" providerId="LiveId" clId="{CC2180D3-344B-421C-8A7C-7CF00190F422}" dt="2021-05-17T16:55:22.967" v="1054"/>
+        <pc:sldMkLst>
+          <pc:docMk/>
+          <pc:sldMk cId="1809675145" sldId="258"/>
+        </pc:sldMkLst>
+        <pc:spChg chg="del">
+          <ac:chgData name="Rick McAlister" userId="fad37fcb1da1ebec" providerId="LiveId" clId="{CC2180D3-344B-421C-8A7C-7CF00190F422}" dt="2021-05-17T14:55:41.980" v="192" actId="478"/>
+          <ac:spMkLst>
+            <pc:docMk/>
+            <pc:sldMk cId="1809675145" sldId="258"/>
+            <ac:spMk id="2" creationId="{F9DA8883-757C-4D86-A2DB-FFB7DAA13C08}"/>
+          </ac:spMkLst>
+        </pc:spChg>
+        <pc:spChg chg="del">
+          <ac:chgData name="Rick McAlister" userId="fad37fcb1da1ebec" providerId="LiveId" clId="{CC2180D3-344B-421C-8A7C-7CF00190F422}" dt="2021-05-17T14:55:47.420" v="193" actId="478"/>
+          <ac:spMkLst>
+            <pc:docMk/>
+            <pc:sldMk cId="1809675145" sldId="258"/>
+            <ac:spMk id="3" creationId="{B6D75ECD-7486-4026-B369-874AD49A9725}"/>
+          </ac:spMkLst>
+        </pc:spChg>
+        <pc:spChg chg="add mod">
+          <ac:chgData name="Rick McAlister" userId="fad37fcb1da1ebec" providerId="LiveId" clId="{CC2180D3-344B-421C-8A7C-7CF00190F422}" dt="2021-05-17T16:23:09.839" v="849" actId="207"/>
+          <ac:spMkLst>
+            <pc:docMk/>
+            <pc:sldMk cId="1809675145" sldId="258"/>
+            <ac:spMk id="4" creationId="{973B53A4-349B-4E56-BB55-65779CCF18A4}"/>
+          </ac:spMkLst>
+        </pc:spChg>
+        <pc:spChg chg="add mod">
+          <ac:chgData name="Rick McAlister" userId="fad37fcb1da1ebec" providerId="LiveId" clId="{CC2180D3-344B-421C-8A7C-7CF00190F422}" dt="2021-05-17T15:44:38.681" v="618" actId="1076"/>
+          <ac:spMkLst>
+            <pc:docMk/>
+            <pc:sldMk cId="1809675145" sldId="258"/>
+            <ac:spMk id="19" creationId="{6FEB324D-BC6E-41AA-B677-849C6CCB97FD}"/>
+          </ac:spMkLst>
+        </pc:spChg>
+        <pc:spChg chg="add mod">
+          <ac:chgData name="Rick McAlister" userId="fad37fcb1da1ebec" providerId="LiveId" clId="{CC2180D3-344B-421C-8A7C-7CF00190F422}" dt="2021-05-17T15:46:45.077" v="634" actId="14100"/>
+          <ac:spMkLst>
+            <pc:docMk/>
+            <pc:sldMk cId="1809675145" sldId="258"/>
+            <ac:spMk id="20" creationId="{F41EBB94-8AF1-4AD5-BCEF-A3B5B172014D}"/>
+          </ac:spMkLst>
+        </pc:spChg>
+        <pc:spChg chg="add mod">
+          <ac:chgData name="Rick McAlister" userId="fad37fcb1da1ebec" providerId="LiveId" clId="{CC2180D3-344B-421C-8A7C-7CF00190F422}" dt="2021-05-17T15:43:04.321" v="601" actId="1076"/>
+          <ac:spMkLst>
+            <pc:docMk/>
+            <pc:sldMk cId="1809675145" sldId="258"/>
+            <ac:spMk id="21" creationId="{B67B56BA-4E54-4906-A424-88860CFFE9F2}"/>
+          </ac:spMkLst>
+        </pc:spChg>
+        <pc:spChg chg="add mod">
+          <ac:chgData name="Rick McAlister" userId="fad37fcb1da1ebec" providerId="LiveId" clId="{CC2180D3-344B-421C-8A7C-7CF00190F422}" dt="2021-05-17T15:54:05.270" v="678" actId="1076"/>
+          <ac:spMkLst>
+            <pc:docMk/>
+            <pc:sldMk cId="1809675145" sldId="258"/>
+            <ac:spMk id="22" creationId="{9621AA1A-194B-433F-8BC8-50BA5C60A0F5}"/>
+          </ac:spMkLst>
+        </pc:spChg>
+        <pc:spChg chg="add del mod">
+          <ac:chgData name="Rick McAlister" userId="fad37fcb1da1ebec" providerId="LiveId" clId="{CC2180D3-344B-421C-8A7C-7CF00190F422}" dt="2021-05-17T15:06:53.168" v="258"/>
+          <ac:spMkLst>
+            <pc:docMk/>
+            <pc:sldMk cId="1809675145" sldId="258"/>
+            <ac:spMk id="23" creationId="{983C91F6-6620-4BE0-ADA3-3B77EF4C7623}"/>
+          </ac:spMkLst>
+        </pc:spChg>
+        <pc:spChg chg="add mod">
+          <ac:chgData name="Rick McAlister" userId="fad37fcb1da1ebec" providerId="LiveId" clId="{CC2180D3-344B-421C-8A7C-7CF00190F422}" dt="2021-05-17T16:22:15.796" v="835"/>
+          <ac:spMkLst>
+            <pc:docMk/>
+            <pc:sldMk cId="1809675145" sldId="258"/>
+            <ac:spMk id="24" creationId="{D1479537-E90D-4897-A25E-9CEA9466CFB5}"/>
+          </ac:spMkLst>
+        </pc:spChg>
+        <pc:spChg chg="add del mod">
+          <ac:chgData name="Rick McAlister" userId="fad37fcb1da1ebec" providerId="LiveId" clId="{CC2180D3-344B-421C-8A7C-7CF00190F422}" dt="2021-05-17T16:22:07.121" v="833" actId="478"/>
+          <ac:spMkLst>
+            <pc:docMk/>
+            <pc:sldMk cId="1809675145" sldId="258"/>
+            <ac:spMk id="25" creationId="{AC921AE2-ABF5-4D16-A2D3-92AE4DEA4C9D}"/>
+          </ac:spMkLst>
+        </pc:spChg>
+        <pc:spChg chg="add del mod">
+          <ac:chgData name="Rick McAlister" userId="fad37fcb1da1ebec" providerId="LiveId" clId="{CC2180D3-344B-421C-8A7C-7CF00190F422}" dt="2021-05-17T15:16:13.589" v="337" actId="478"/>
+          <ac:spMkLst>
+            <pc:docMk/>
+            <pc:sldMk cId="1809675145" sldId="258"/>
+            <ac:spMk id="26" creationId="{9DFC26A8-4B5D-44FD-A48D-34E941C0BFB3}"/>
+          </ac:spMkLst>
+        </pc:spChg>
+        <pc:spChg chg="add mod">
+          <ac:chgData name="Rick McAlister" userId="fad37fcb1da1ebec" providerId="LiveId" clId="{CC2180D3-344B-421C-8A7C-7CF00190F422}" dt="2021-05-17T15:44:51.324" v="619" actId="1076"/>
+          <ac:spMkLst>
+            <pc:docMk/>
+            <pc:sldMk cId="1809675145" sldId="258"/>
+            <ac:spMk id="27" creationId="{DC11A9FF-9979-422C-B39E-54B2F4A0BD92}"/>
+          </ac:spMkLst>
+        </pc:spChg>
+        <pc:spChg chg="add mod">
+          <ac:chgData name="Rick McAlister" userId="fad37fcb1da1ebec" providerId="LiveId" clId="{CC2180D3-344B-421C-8A7C-7CF00190F422}" dt="2021-05-17T15:43:04.321" v="601" actId="1076"/>
+          <ac:spMkLst>
+            <pc:docMk/>
+            <pc:sldMk cId="1809675145" sldId="258"/>
+            <ac:spMk id="28" creationId="{AE1721E7-FE62-45E2-8A09-BD3707BD6B61}"/>
+          </ac:spMkLst>
+        </pc:spChg>
+        <pc:spChg chg="add mod">
+          <ac:chgData name="Rick McAlister" userId="fad37fcb1da1ebec" providerId="LiveId" clId="{CC2180D3-344B-421C-8A7C-7CF00190F422}" dt="2021-05-17T15:50:57.199" v="665" actId="1076"/>
+          <ac:spMkLst>
+            <pc:docMk/>
+            <pc:sldMk cId="1809675145" sldId="258"/>
+            <ac:spMk id="29" creationId="{4804FAF1-AE02-4084-AA46-C24F9B058E78}"/>
+          </ac:spMkLst>
+        </pc:spChg>
+        <pc:spChg chg="add del mod">
+          <ac:chgData name="Rick McAlister" userId="fad37fcb1da1ebec" providerId="LiveId" clId="{CC2180D3-344B-421C-8A7C-7CF00190F422}" dt="2021-05-17T16:23:42.012" v="851" actId="478"/>
+          <ac:spMkLst>
+            <pc:docMk/>
+            <pc:sldMk cId="1809675145" sldId="258"/>
+            <ac:spMk id="30" creationId="{E69F4FE7-4835-496B-8273-A842C054FD17}"/>
+          </ac:spMkLst>
+        </pc:spChg>
+        <pc:spChg chg="add mod">
+          <ac:chgData name="Rick McAlister" userId="fad37fcb1da1ebec" providerId="LiveId" clId="{CC2180D3-344B-421C-8A7C-7CF00190F422}" dt="2021-05-17T15:43:04.321" v="601" actId="1076"/>
+          <ac:spMkLst>
+            <pc:docMk/>
+            <pc:sldMk cId="1809675145" sldId="258"/>
+            <ac:spMk id="31" creationId="{E3D00DFD-5FA6-4099-9F1B-ADDE37913124}"/>
+          </ac:spMkLst>
+        </pc:spChg>
+        <pc:spChg chg="add mod">
+          <ac:chgData name="Rick McAlister" userId="fad37fcb1da1ebec" providerId="LiveId" clId="{CC2180D3-344B-421C-8A7C-7CF00190F422}" dt="2021-05-17T16:45:18.237" v="1035" actId="1076"/>
+          <ac:spMkLst>
+            <pc:docMk/>
+            <pc:sldMk cId="1809675145" sldId="258"/>
+            <ac:spMk id="32" creationId="{5019BB05-130E-4217-97D2-F02C8A440E74}"/>
+          </ac:spMkLst>
+        </pc:spChg>
+        <pc:spChg chg="add mod">
+          <ac:chgData name="Rick McAlister" userId="fad37fcb1da1ebec" providerId="LiveId" clId="{CC2180D3-344B-421C-8A7C-7CF00190F422}" dt="2021-05-17T16:12:56.312" v="792" actId="14100"/>
+          <ac:spMkLst>
+            <pc:docMk/>
+            <pc:sldMk cId="1809675145" sldId="258"/>
+            <ac:spMk id="33" creationId="{0F3D8E35-DDE3-46CA-BD12-97AC821659F7}"/>
+          </ac:spMkLst>
+        </pc:spChg>
+        <pc:spChg chg="add del">
+          <ac:chgData name="Rick McAlister" userId="fad37fcb1da1ebec" providerId="LiveId" clId="{CC2180D3-344B-421C-8A7C-7CF00190F422}" dt="2021-05-17T15:46:12.679" v="630" actId="22"/>
+          <ac:spMkLst>
+            <pc:docMk/>
+            <pc:sldMk cId="1809675145" sldId="258"/>
+            <ac:spMk id="43" creationId="{94CC8E05-F2E1-4ECE-BB8A-B5D0522E20BE}"/>
+          </ac:spMkLst>
+        </pc:spChg>
+        <pc:spChg chg="add del mod">
+          <ac:chgData name="Rick McAlister" userId="fad37fcb1da1ebec" providerId="LiveId" clId="{CC2180D3-344B-421C-8A7C-7CF00190F422}" dt="2021-05-17T15:53:47.711" v="672" actId="478"/>
+          <ac:spMkLst>
+            <pc:docMk/>
+            <pc:sldMk cId="1809675145" sldId="258"/>
+            <ac:spMk id="47" creationId="{5426FBAD-6C04-4EBB-B4EF-2A58800157C4}"/>
+          </ac:spMkLst>
+        </pc:spChg>
+        <pc:spChg chg="add del mod">
+          <ac:chgData name="Rick McAlister" userId="fad37fcb1da1ebec" providerId="LiveId" clId="{CC2180D3-344B-421C-8A7C-7CF00190F422}" dt="2021-05-17T15:53:52.988" v="674" actId="478"/>
+          <ac:spMkLst>
+            <pc:docMk/>
+            <pc:sldMk cId="1809675145" sldId="258"/>
+            <ac:spMk id="48" creationId="{A05AE64A-7117-4A5E-A308-451E93138CB4}"/>
+          </ac:spMkLst>
+        </pc:spChg>
+        <pc:spChg chg="add mod">
+          <ac:chgData name="Rick McAlister" userId="fad37fcb1da1ebec" providerId="LiveId" clId="{CC2180D3-344B-421C-8A7C-7CF00190F422}" dt="2021-05-17T16:37:13.630" v="975" actId="1076"/>
+          <ac:spMkLst>
+            <pc:docMk/>
+            <pc:sldMk cId="1809675145" sldId="258"/>
+            <ac:spMk id="49" creationId="{1C8BD9D2-2016-4467-A1B1-484A9FA2550F}"/>
+          </ac:spMkLst>
+        </pc:spChg>
+        <pc:spChg chg="add del mod">
+          <ac:chgData name="Rick McAlister" userId="fad37fcb1da1ebec" providerId="LiveId" clId="{CC2180D3-344B-421C-8A7C-7CF00190F422}" dt="2021-05-17T15:54:07.480" v="679" actId="478"/>
+          <ac:spMkLst>
+            <pc:docMk/>
+            <pc:sldMk cId="1809675145" sldId="258"/>
+            <ac:spMk id="51" creationId="{A82B287A-747D-4C2D-A49A-B22A82CE0EC7}"/>
+          </ac:spMkLst>
+        </pc:spChg>
+        <pc:spChg chg="add del mod">
+          <ac:chgData name="Rick McAlister" userId="fad37fcb1da1ebec" providerId="LiveId" clId="{CC2180D3-344B-421C-8A7C-7CF00190F422}" dt="2021-05-17T15:53:59.620" v="677" actId="478"/>
+          <ac:spMkLst>
+            <pc:docMk/>
+            <pc:sldMk cId="1809675145" sldId="258"/>
+            <ac:spMk id="53" creationId="{63805443-D372-477A-B2D5-9B4BB12390C8}"/>
+          </ac:spMkLst>
+        </pc:spChg>
+        <pc:spChg chg="add del mod">
+          <ac:chgData name="Rick McAlister" userId="fad37fcb1da1ebec" providerId="LiveId" clId="{CC2180D3-344B-421C-8A7C-7CF00190F422}" dt="2021-05-17T16:06:09.077" v="728"/>
+          <ac:spMkLst>
+            <pc:docMk/>
+            <pc:sldMk cId="1809675145" sldId="258"/>
+            <ac:spMk id="55" creationId="{70ADE517-C6BC-44E1-AD4E-0B6379E70CEE}"/>
+          </ac:spMkLst>
+        </pc:spChg>
+        <pc:spChg chg="add mod">
+          <ac:chgData name="Rick McAlister" userId="fad37fcb1da1ebec" providerId="LiveId" clId="{CC2180D3-344B-421C-8A7C-7CF00190F422}" dt="2021-05-17T16:55:22.967" v="1054"/>
+          <ac:spMkLst>
+            <pc:docMk/>
+            <pc:sldMk cId="1809675145" sldId="258"/>
+            <ac:spMk id="56" creationId="{40B6D3F8-64A3-4143-B7B1-1877E6E25B4C}"/>
+          </ac:spMkLst>
+        </pc:spChg>
+        <pc:spChg chg="add mod">
+          <ac:chgData name="Rick McAlister" userId="fad37fcb1da1ebec" providerId="LiveId" clId="{CC2180D3-344B-421C-8A7C-7CF00190F422}" dt="2021-05-17T16:22:54.443" v="848" actId="1076"/>
+          <ac:spMkLst>
+            <pc:docMk/>
+            <pc:sldMk cId="1809675145" sldId="258"/>
+            <ac:spMk id="57" creationId="{A50E972A-DDB0-4753-8E52-E573D9B1DA9C}"/>
+          </ac:spMkLst>
+        </pc:spChg>
+        <pc:spChg chg="add del mod">
+          <ac:chgData name="Rick McAlister" userId="fad37fcb1da1ebec" providerId="LiveId" clId="{CC2180D3-344B-421C-8A7C-7CF00190F422}" dt="2021-05-17T16:35:23.573" v="937" actId="478"/>
+          <ac:spMkLst>
+            <pc:docMk/>
+            <pc:sldMk cId="1809675145" sldId="258"/>
+            <ac:spMk id="59" creationId="{FFF371D2-5D3A-4EF6-9883-C2937BCB3B4C}"/>
+          </ac:spMkLst>
+        </pc:spChg>
+        <pc:cxnChg chg="add mod">
+          <ac:chgData name="Rick McAlister" userId="fad37fcb1da1ebec" providerId="LiveId" clId="{CC2180D3-344B-421C-8A7C-7CF00190F422}" dt="2021-05-17T15:43:04.321" v="601" actId="1076"/>
+          <ac:cxnSpMkLst>
+            <pc:docMk/>
+            <pc:sldMk cId="1809675145" sldId="258"/>
+            <ac:cxnSpMk id="6" creationId="{C77B2FB8-CFBE-4C6E-8C50-B32E55B74F3B}"/>
+          </ac:cxnSpMkLst>
+        </pc:cxnChg>
+        <pc:cxnChg chg="add mod">
+          <ac:chgData name="Rick McAlister" userId="fad37fcb1da1ebec" providerId="LiveId" clId="{CC2180D3-344B-421C-8A7C-7CF00190F422}" dt="2021-05-17T15:46:06.580" v="628" actId="14100"/>
+          <ac:cxnSpMkLst>
+            <pc:docMk/>
+            <pc:sldMk cId="1809675145" sldId="258"/>
+            <ac:cxnSpMk id="7" creationId="{DC78697D-C307-4358-BB61-8FDBFF20A6DC}"/>
+          </ac:cxnSpMkLst>
+        </pc:cxnChg>
+        <pc:cxnChg chg="add mod">
+          <ac:chgData name="Rick McAlister" userId="fad37fcb1da1ebec" providerId="LiveId" clId="{CC2180D3-344B-421C-8A7C-7CF00190F422}" dt="2021-05-17T15:43:41.389" v="607" actId="1076"/>
+          <ac:cxnSpMkLst>
+            <pc:docMk/>
+            <pc:sldMk cId="1809675145" sldId="258"/>
+            <ac:cxnSpMk id="10" creationId="{662BBC98-21BF-40D3-ABDF-B72C24DFC997}"/>
+          </ac:cxnSpMkLst>
+        </pc:cxnChg>
+        <pc:cxnChg chg="add mod">
+          <ac:chgData name="Rick McAlister" userId="fad37fcb1da1ebec" providerId="LiveId" clId="{CC2180D3-344B-421C-8A7C-7CF00190F422}" dt="2021-05-17T15:45:52.508" v="626" actId="1076"/>
+          <ac:cxnSpMkLst>
+            <pc:docMk/>
+            <pc:sldMk cId="1809675145" sldId="258"/>
+            <ac:cxnSpMk id="16" creationId="{3F575EFD-CACA-4FB4-91F6-4C821308BD97}"/>
+          </ac:cxnSpMkLst>
+        </pc:cxnChg>
+        <pc:cxnChg chg="add del mod">
+          <ac:chgData name="Rick McAlister" userId="fad37fcb1da1ebec" providerId="LiveId" clId="{CC2180D3-344B-421C-8A7C-7CF00190F422}" dt="2021-05-17T15:53:55.171" v="675" actId="478"/>
+          <ac:cxnSpMkLst>
+            <pc:docMk/>
+            <pc:sldMk cId="1809675145" sldId="258"/>
+            <ac:cxnSpMk id="44" creationId="{7C0FA86F-5CC4-4FBC-BDDC-3A47906BD325}"/>
+          </ac:cxnSpMkLst>
+        </pc:cxnChg>
+        <pc:cxnChg chg="add del mod">
+          <ac:chgData name="Rick McAlister" userId="fad37fcb1da1ebec" providerId="LiveId" clId="{CC2180D3-344B-421C-8A7C-7CF00190F422}" dt="2021-05-17T15:53:57.505" v="676" actId="478"/>
+          <ac:cxnSpMkLst>
+            <pc:docMk/>
+            <pc:sldMk cId="1809675145" sldId="258"/>
+            <ac:cxnSpMk id="50" creationId="{89C5EA39-7D84-4FBE-8A02-CCF4236CD9C2}"/>
+          </ac:cxnSpMkLst>
+        </pc:cxnChg>
+        <pc:cxnChg chg="add del mod">
+          <ac:chgData name="Rick McAlister" userId="fad37fcb1da1ebec" providerId="LiveId" clId="{CC2180D3-344B-421C-8A7C-7CF00190F422}" dt="2021-05-17T16:06:09.077" v="728"/>
+          <ac:cxnSpMkLst>
+            <pc:docMk/>
+            <pc:sldMk cId="1809675145" sldId="258"/>
+            <ac:cxnSpMk id="54" creationId="{A78A2DF0-9259-42BD-BCFC-A13A5496DF07}"/>
+          </ac:cxnSpMkLst>
+        </pc:cxnChg>
+      </pc:sldChg>
+      <pc:sldChg chg="addSp delSp modSp add mod">
+        <pc:chgData name="Rick McAlister" userId="fad37fcb1da1ebec" providerId="LiveId" clId="{CC2180D3-344B-421C-8A7C-7CF00190F422}" dt="2021-05-18T13:28:49.771" v="1606" actId="1076"/>
+        <pc:sldMkLst>
+          <pc:docMk/>
+          <pc:sldMk cId="2890310457" sldId="259"/>
+        </pc:sldMkLst>
+        <pc:spChg chg="add del mod">
+          <ac:chgData name="Rick McAlister" userId="fad37fcb1da1ebec" providerId="LiveId" clId="{CC2180D3-344B-421C-8A7C-7CF00190F422}" dt="2021-05-18T12:52:56.046" v="1200" actId="478"/>
+          <ac:spMkLst>
+            <pc:docMk/>
+            <pc:sldMk cId="2890310457" sldId="259"/>
+            <ac:spMk id="2" creationId="{AEA083FA-6943-4213-9895-8138C41397A9}"/>
+          </ac:spMkLst>
+        </pc:spChg>
+        <pc:spChg chg="add mod">
+          <ac:chgData name="Rick McAlister" userId="fad37fcb1da1ebec" providerId="LiveId" clId="{CC2180D3-344B-421C-8A7C-7CF00190F422}" dt="2021-05-18T13:20:43.174" v="1530" actId="12788"/>
+          <ac:spMkLst>
+            <pc:docMk/>
+            <pc:sldMk cId="2890310457" sldId="259"/>
+            <ac:spMk id="3" creationId="{74B27652-223F-4C1D-973E-364F1C982E8C}"/>
+          </ac:spMkLst>
+        </pc:spChg>
+        <pc:spChg chg="add mod">
+          <ac:chgData name="Rick McAlister" userId="fad37fcb1da1ebec" providerId="LiveId" clId="{CC2180D3-344B-421C-8A7C-7CF00190F422}" dt="2021-05-18T13:20:43.174" v="1530" actId="12788"/>
+          <ac:spMkLst>
+            <pc:docMk/>
+            <pc:sldMk cId="2890310457" sldId="259"/>
+            <ac:spMk id="5" creationId="{1599F849-6B29-4419-B33D-FD2512CFC826}"/>
+          </ac:spMkLst>
+        </pc:spChg>
+        <pc:spChg chg="add del mod">
+          <ac:chgData name="Rick McAlister" userId="fad37fcb1da1ebec" providerId="LiveId" clId="{CC2180D3-344B-421C-8A7C-7CF00190F422}" dt="2021-05-18T13:06:33.330" v="1398" actId="478"/>
+          <ac:spMkLst>
+            <pc:docMk/>
+            <pc:sldMk cId="2890310457" sldId="259"/>
+            <ac:spMk id="6" creationId="{2F9B5A10-046B-4B23-B03A-09D830E5EFBE}"/>
+          </ac:spMkLst>
+        </pc:spChg>
+        <pc:spChg chg="add mod">
+          <ac:chgData name="Rick McAlister" userId="fad37fcb1da1ebec" providerId="LiveId" clId="{CC2180D3-344B-421C-8A7C-7CF00190F422}" dt="2021-05-18T13:28:49.771" v="1606" actId="1076"/>
+          <ac:spMkLst>
+            <pc:docMk/>
+            <pc:sldMk cId="2890310457" sldId="259"/>
+            <ac:spMk id="7" creationId="{08FC2AA0-5597-47A2-8986-200A0EA249CB}"/>
+          </ac:spMkLst>
+        </pc:spChg>
+        <pc:spChg chg="add mod">
+          <ac:chgData name="Rick McAlister" userId="fad37fcb1da1ebec" providerId="LiveId" clId="{CC2180D3-344B-421C-8A7C-7CF00190F422}" dt="2021-05-18T13:23:08.216" v="1537" actId="1076"/>
+          <ac:spMkLst>
+            <pc:docMk/>
+            <pc:sldMk cId="2890310457" sldId="259"/>
+            <ac:spMk id="8" creationId="{EF26EE1A-3B51-471B-B67D-8905870ACFAF}"/>
+          </ac:spMkLst>
+        </pc:spChg>
+        <pc:spChg chg="add mod">
+          <ac:chgData name="Rick McAlister" userId="fad37fcb1da1ebec" providerId="LiveId" clId="{CC2180D3-344B-421C-8A7C-7CF00190F422}" dt="2021-05-18T13:26:22.971" v="1570" actId="1076"/>
+          <ac:spMkLst>
+            <pc:docMk/>
+            <pc:sldMk cId="2890310457" sldId="259"/>
+            <ac:spMk id="20" creationId="{A6177C19-C6A5-471B-808E-5CC3D68440B0}"/>
+          </ac:spMkLst>
+        </pc:spChg>
+        <pc:spChg chg="add mod">
+          <ac:chgData name="Rick McAlister" userId="fad37fcb1da1ebec" providerId="LiveId" clId="{CC2180D3-344B-421C-8A7C-7CF00190F422}" dt="2021-05-18T13:20:43.174" v="1530" actId="12788"/>
+          <ac:spMkLst>
+            <pc:docMk/>
+            <pc:sldMk cId="2890310457" sldId="259"/>
+            <ac:spMk id="22" creationId="{9971AA59-8313-4A9F-8461-264F182E7029}"/>
+          </ac:spMkLst>
+        </pc:spChg>
+        <pc:spChg chg="add mod">
+          <ac:chgData name="Rick McAlister" userId="fad37fcb1da1ebec" providerId="LiveId" clId="{CC2180D3-344B-421C-8A7C-7CF00190F422}" dt="2021-05-18T13:19:56.182" v="1529" actId="12788"/>
+          <ac:spMkLst>
+            <pc:docMk/>
+            <pc:sldMk cId="2890310457" sldId="259"/>
+            <ac:spMk id="23" creationId="{1737352A-9118-4836-9213-8E0301AFE3EE}"/>
+          </ac:spMkLst>
+        </pc:spChg>
+        <pc:spChg chg="add mod">
+          <ac:chgData name="Rick McAlister" userId="fad37fcb1da1ebec" providerId="LiveId" clId="{CC2180D3-344B-421C-8A7C-7CF00190F422}" dt="2021-05-18T13:24:15.142" v="1552" actId="1076"/>
+          <ac:spMkLst>
+            <pc:docMk/>
+            <pc:sldMk cId="2890310457" sldId="259"/>
+            <ac:spMk id="24" creationId="{44DE0B47-DC1A-46F0-AD89-5B5DAD211E0F}"/>
+          </ac:spMkLst>
+        </pc:spChg>
+        <pc:spChg chg="add del mod">
+          <ac:chgData name="Rick McAlister" userId="fad37fcb1da1ebec" providerId="LiveId" clId="{CC2180D3-344B-421C-8A7C-7CF00190F422}" dt="2021-05-18T13:10:23.640" v="1433" actId="478"/>
+          <ac:spMkLst>
+            <pc:docMk/>
+            <pc:sldMk cId="2890310457" sldId="259"/>
+            <ac:spMk id="29" creationId="{B92FE7F9-FE30-44D0-A2F4-530E1C716213}"/>
+          </ac:spMkLst>
+        </pc:spChg>
+        <pc:spChg chg="add mod">
+          <ac:chgData name="Rick McAlister" userId="fad37fcb1da1ebec" providerId="LiveId" clId="{CC2180D3-344B-421C-8A7C-7CF00190F422}" dt="2021-05-18T13:15:45.994" v="1484" actId="1076"/>
+          <ac:spMkLst>
+            <pc:docMk/>
+            <pc:sldMk cId="2890310457" sldId="259"/>
+            <ac:spMk id="38" creationId="{72254EA7-7B90-4D0E-B9E1-6F721DD402F1}"/>
+          </ac:spMkLst>
+        </pc:spChg>
+        <pc:spChg chg="add mod">
+          <ac:chgData name="Rick McAlister" userId="fad37fcb1da1ebec" providerId="LiveId" clId="{CC2180D3-344B-421C-8A7C-7CF00190F422}" dt="2021-05-18T13:15:32.349" v="1483" actId="207"/>
+          <ac:spMkLst>
+            <pc:docMk/>
+            <pc:sldMk cId="2890310457" sldId="259"/>
+            <ac:spMk id="39" creationId="{6D8C63B0-365E-4348-90FB-B0B49773630F}"/>
+          </ac:spMkLst>
+        </pc:spChg>
+        <pc:spChg chg="add del mod">
+          <ac:chgData name="Rick McAlister" userId="fad37fcb1da1ebec" providerId="LiveId" clId="{CC2180D3-344B-421C-8A7C-7CF00190F422}" dt="2021-05-18T13:19:31.860" v="1524" actId="478"/>
+          <ac:spMkLst>
+            <pc:docMk/>
+            <pc:sldMk cId="2890310457" sldId="259"/>
+            <ac:spMk id="53" creationId="{343B5AAD-D0EE-4665-8D5C-31B36AD19D30}"/>
+          </ac:spMkLst>
+        </pc:spChg>
+        <pc:spChg chg="add mod">
+          <ac:chgData name="Rick McAlister" userId="fad37fcb1da1ebec" providerId="LiveId" clId="{CC2180D3-344B-421C-8A7C-7CF00190F422}" dt="2021-05-18T13:26:13.829" v="1569" actId="255"/>
+          <ac:spMkLst>
+            <pc:docMk/>
+            <pc:sldMk cId="2890310457" sldId="259"/>
+            <ac:spMk id="79" creationId="{258D4CD1-D126-4E7F-AE10-CE5C3734520F}"/>
+          </ac:spMkLst>
+        </pc:spChg>
+        <pc:picChg chg="del">
+          <ac:chgData name="Rick McAlister" userId="fad37fcb1da1ebec" providerId="LiveId" clId="{CC2180D3-344B-421C-8A7C-7CF00190F422}" dt="2021-05-18T12:43:57.197" v="1056" actId="478"/>
+          <ac:picMkLst>
+            <pc:docMk/>
+            <pc:sldMk cId="2890310457" sldId="259"/>
+            <ac:picMk id="4" creationId="{30918347-4CDE-4FAF-B05B-6A6333096C41}"/>
+          </ac:picMkLst>
+        </pc:picChg>
+        <pc:cxnChg chg="add mod">
+          <ac:chgData name="Rick McAlister" userId="fad37fcb1da1ebec" providerId="LiveId" clId="{CC2180D3-344B-421C-8A7C-7CF00190F422}" dt="2021-05-18T13:28:06.948" v="1597" actId="14100"/>
+          <ac:cxnSpMkLst>
+            <pc:docMk/>
+            <pc:sldMk cId="2890310457" sldId="259"/>
+            <ac:cxnSpMk id="10" creationId="{309FDEEF-7949-47F3-9B15-F58030688A51}"/>
+          </ac:cxnSpMkLst>
+        </pc:cxnChg>
+        <pc:cxnChg chg="add mod">
+          <ac:chgData name="Rick McAlister" userId="fad37fcb1da1ebec" providerId="LiveId" clId="{CC2180D3-344B-421C-8A7C-7CF00190F422}" dt="2021-05-18T13:22:34.401" v="1534" actId="14100"/>
+          <ac:cxnSpMkLst>
+            <pc:docMk/>
+            <pc:sldMk cId="2890310457" sldId="259"/>
+            <ac:cxnSpMk id="13" creationId="{42ED177B-8BE3-4E40-8AB1-955A83DBB763}"/>
+          </ac:cxnSpMkLst>
+        </pc:cxnChg>
+        <pc:cxnChg chg="add mod">
+          <ac:chgData name="Rick McAlister" userId="fad37fcb1da1ebec" providerId="LiveId" clId="{CC2180D3-344B-421C-8A7C-7CF00190F422}" dt="2021-05-18T13:28:47.434" v="1605" actId="14100"/>
+          <ac:cxnSpMkLst>
+            <pc:docMk/>
+            <pc:sldMk cId="2890310457" sldId="259"/>
+            <ac:cxnSpMk id="16" creationId="{015B70AB-D916-4A26-A7A3-0035C3B9FFA5}"/>
+          </ac:cxnSpMkLst>
+        </pc:cxnChg>
+        <pc:cxnChg chg="add mod">
+          <ac:chgData name="Rick McAlister" userId="fad37fcb1da1ebec" providerId="LiveId" clId="{CC2180D3-344B-421C-8A7C-7CF00190F422}" dt="2021-05-18T13:28:29.171" v="1603" actId="14100"/>
+          <ac:cxnSpMkLst>
+            <pc:docMk/>
+            <pc:sldMk cId="2890310457" sldId="259"/>
+            <ac:cxnSpMk id="19" creationId="{9A905CF4-F3DC-47A9-90DD-BE82C685CBD3}"/>
+          </ac:cxnSpMkLst>
+        </pc:cxnChg>
+        <pc:cxnChg chg="add mod">
+          <ac:chgData name="Rick McAlister" userId="fad37fcb1da1ebec" providerId="LiveId" clId="{CC2180D3-344B-421C-8A7C-7CF00190F422}" dt="2021-05-18T13:26:22.971" v="1570" actId="1076"/>
+          <ac:cxnSpMkLst>
+            <pc:docMk/>
+            <pc:sldMk cId="2890310457" sldId="259"/>
+            <ac:cxnSpMk id="21" creationId="{B314748C-AD82-412A-B390-3F2D766E81ED}"/>
+          </ac:cxnSpMkLst>
+        </pc:cxnChg>
+        <pc:cxnChg chg="add mod">
+          <ac:chgData name="Rick McAlister" userId="fad37fcb1da1ebec" providerId="LiveId" clId="{CC2180D3-344B-421C-8A7C-7CF00190F422}" dt="2021-05-18T13:20:43.174" v="1530" actId="12788"/>
+          <ac:cxnSpMkLst>
+            <pc:docMk/>
+            <pc:sldMk cId="2890310457" sldId="259"/>
+            <ac:cxnSpMk id="45" creationId="{2AB79A91-E1D4-43F0-99C8-98B866338C34}"/>
+          </ac:cxnSpMkLst>
+        </pc:cxnChg>
+        <pc:cxnChg chg="add mod">
+          <ac:chgData name="Rick McAlister" userId="fad37fcb1da1ebec" providerId="LiveId" clId="{CC2180D3-344B-421C-8A7C-7CF00190F422}" dt="2021-05-18T13:24:15.142" v="1552" actId="1076"/>
+          <ac:cxnSpMkLst>
+            <pc:docMk/>
+            <pc:sldMk cId="2890310457" sldId="259"/>
+            <ac:cxnSpMk id="46" creationId="{C9795346-9D20-4144-BF0D-4A07539AD6E3}"/>
+          </ac:cxnSpMkLst>
+        </pc:cxnChg>
+        <pc:cxnChg chg="add mod">
+          <ac:chgData name="Rick McAlister" userId="fad37fcb1da1ebec" providerId="LiveId" clId="{CC2180D3-344B-421C-8A7C-7CF00190F422}" dt="2021-05-18T13:26:31.110" v="1573" actId="14100"/>
+          <ac:cxnSpMkLst>
+            <pc:docMk/>
+            <pc:sldMk cId="2890310457" sldId="259"/>
+            <ac:cxnSpMk id="49" creationId="{47EEBB6E-9D75-4F07-8FE3-FA97A556B929}"/>
+          </ac:cxnSpMkLst>
+        </pc:cxnChg>
+        <pc:cxnChg chg="add del mod">
+          <ac:chgData name="Rick McAlister" userId="fad37fcb1da1ebec" providerId="LiveId" clId="{CC2180D3-344B-421C-8A7C-7CF00190F422}" dt="2021-05-18T13:23:24.604" v="1539" actId="478"/>
+          <ac:cxnSpMkLst>
+            <pc:docMk/>
+            <pc:sldMk cId="2890310457" sldId="259"/>
+            <ac:cxnSpMk id="54" creationId="{36503B64-EE8F-453B-A2CE-991D9EA995A7}"/>
+          </ac:cxnSpMkLst>
+        </pc:cxnChg>
+        <pc:cxnChg chg="add mod">
+          <ac:chgData name="Rick McAlister" userId="fad37fcb1da1ebec" providerId="LiveId" clId="{CC2180D3-344B-421C-8A7C-7CF00190F422}" dt="2021-05-18T13:26:22.971" v="1570" actId="1076"/>
+          <ac:cxnSpMkLst>
+            <pc:docMk/>
+            <pc:sldMk cId="2890310457" sldId="259"/>
+            <ac:cxnSpMk id="63" creationId="{B2D16670-EA28-4CB4-9E7F-35ECCF4A8511}"/>
+          </ac:cxnSpMkLst>
+        </pc:cxnChg>
+        <pc:cxnChg chg="add mod">
+          <ac:chgData name="Rick McAlister" userId="fad37fcb1da1ebec" providerId="LiveId" clId="{CC2180D3-344B-421C-8A7C-7CF00190F422}" dt="2021-05-18T13:26:22.971" v="1570" actId="1076"/>
+          <ac:cxnSpMkLst>
+            <pc:docMk/>
+            <pc:sldMk cId="2890310457" sldId="259"/>
+            <ac:cxnSpMk id="66" creationId="{78F01A67-7497-4A28-9CDB-6ED959DE3DBD}"/>
+          </ac:cxnSpMkLst>
+        </pc:cxnChg>
+        <pc:cxnChg chg="add mod">
+          <ac:chgData name="Rick McAlister" userId="fad37fcb1da1ebec" providerId="LiveId" clId="{CC2180D3-344B-421C-8A7C-7CF00190F422}" dt="2021-05-18T13:24:30.149" v="1555" actId="14100"/>
+          <ac:cxnSpMkLst>
+            <pc:docMk/>
+            <pc:sldMk cId="2890310457" sldId="259"/>
+            <ac:cxnSpMk id="69" creationId="{7A1DBCA0-4CAE-4518-BE02-EDCE2E1E3811}"/>
+          </ac:cxnSpMkLst>
+        </pc:cxnChg>
+        <pc:cxnChg chg="add mod">
+          <ac:chgData name="Rick McAlister" userId="fad37fcb1da1ebec" providerId="LiveId" clId="{CC2180D3-344B-421C-8A7C-7CF00190F422}" dt="2021-05-18T13:26:57.882" v="1581" actId="14100"/>
+          <ac:cxnSpMkLst>
+            <pc:docMk/>
+            <pc:sldMk cId="2890310457" sldId="259"/>
+            <ac:cxnSpMk id="84" creationId="{CB2865ED-B200-4C76-9856-F03FFD8150F1}"/>
+          </ac:cxnSpMkLst>
+        </pc:cxnChg>
+        <pc:cxnChg chg="add mod">
+          <ac:chgData name="Rick McAlister" userId="fad37fcb1da1ebec" providerId="LiveId" clId="{CC2180D3-344B-421C-8A7C-7CF00190F422}" dt="2021-05-18T13:27:10.968" v="1586" actId="14100"/>
+          <ac:cxnSpMkLst>
+            <pc:docMk/>
+            <pc:sldMk cId="2890310457" sldId="259"/>
+            <ac:cxnSpMk id="91" creationId="{693378E3-B938-4E0F-A5EC-EC819B92A8CE}"/>
+          </ac:cxnSpMkLst>
+        </pc:cxnChg>
       </pc:sldChg>
     </pc:docChg>
   </pc:docChgLst>
@@ -648,7 +1552,7 @@
           <a:p>
             <a:fld id="{F3FFCF3C-4A0D-4637-8D0F-A75E6B068A0D}" type="datetimeFigureOut">
               <a:rPr lang="en-US" smtClean="0"/>
-              <a:t>5/13/2021</a:t>
+              <a:t>5/18/2021</a:t>
             </a:fld>
             <a:endParaRPr lang="en-US"/>
           </a:p>
@@ -846,7 +1750,7 @@
           <a:p>
             <a:fld id="{F3FFCF3C-4A0D-4637-8D0F-A75E6B068A0D}" type="datetimeFigureOut">
               <a:rPr lang="en-US" smtClean="0"/>
-              <a:t>5/13/2021</a:t>
+              <a:t>5/18/2021</a:t>
             </a:fld>
             <a:endParaRPr lang="en-US"/>
           </a:p>
@@ -1054,7 +1958,7 @@
           <a:p>
             <a:fld id="{F3FFCF3C-4A0D-4637-8D0F-A75E6B068A0D}" type="datetimeFigureOut">
               <a:rPr lang="en-US" smtClean="0"/>
-              <a:t>5/13/2021</a:t>
+              <a:t>5/18/2021</a:t>
             </a:fld>
             <a:endParaRPr lang="en-US"/>
           </a:p>
@@ -1252,7 +2156,7 @@
           <a:p>
             <a:fld id="{F3FFCF3C-4A0D-4637-8D0F-A75E6B068A0D}" type="datetimeFigureOut">
               <a:rPr lang="en-US" smtClean="0"/>
-              <a:t>5/13/2021</a:t>
+              <a:t>5/18/2021</a:t>
             </a:fld>
             <a:endParaRPr lang="en-US"/>
           </a:p>
@@ -1527,7 +2431,7 @@
           <a:p>
             <a:fld id="{F3FFCF3C-4A0D-4637-8D0F-A75E6B068A0D}" type="datetimeFigureOut">
               <a:rPr lang="en-US" smtClean="0"/>
-              <a:t>5/13/2021</a:t>
+              <a:t>5/18/2021</a:t>
             </a:fld>
             <a:endParaRPr lang="en-US"/>
           </a:p>
@@ -1792,7 +2696,7 @@
           <a:p>
             <a:fld id="{F3FFCF3C-4A0D-4637-8D0F-A75E6B068A0D}" type="datetimeFigureOut">
               <a:rPr lang="en-US" smtClean="0"/>
-              <a:t>5/13/2021</a:t>
+              <a:t>5/18/2021</a:t>
             </a:fld>
             <a:endParaRPr lang="en-US"/>
           </a:p>
@@ -2204,7 +3108,7 @@
           <a:p>
             <a:fld id="{F3FFCF3C-4A0D-4637-8D0F-A75E6B068A0D}" type="datetimeFigureOut">
               <a:rPr lang="en-US" smtClean="0"/>
-              <a:t>5/13/2021</a:t>
+              <a:t>5/18/2021</a:t>
             </a:fld>
             <a:endParaRPr lang="en-US"/>
           </a:p>
@@ -2345,7 +3249,7 @@
           <a:p>
             <a:fld id="{F3FFCF3C-4A0D-4637-8D0F-A75E6B068A0D}" type="datetimeFigureOut">
               <a:rPr lang="en-US" smtClean="0"/>
-              <a:t>5/13/2021</a:t>
+              <a:t>5/18/2021</a:t>
             </a:fld>
             <a:endParaRPr lang="en-US"/>
           </a:p>
@@ -2458,7 +3362,7 @@
           <a:p>
             <a:fld id="{F3FFCF3C-4A0D-4637-8D0F-A75E6B068A0D}" type="datetimeFigureOut">
               <a:rPr lang="en-US" smtClean="0"/>
-              <a:t>5/13/2021</a:t>
+              <a:t>5/18/2021</a:t>
             </a:fld>
             <a:endParaRPr lang="en-US"/>
           </a:p>
@@ -2769,7 +3673,7 @@
           <a:p>
             <a:fld id="{F3FFCF3C-4A0D-4637-8D0F-A75E6B068A0D}" type="datetimeFigureOut">
               <a:rPr lang="en-US" smtClean="0"/>
-              <a:t>5/13/2021</a:t>
+              <a:t>5/18/2021</a:t>
             </a:fld>
             <a:endParaRPr lang="en-US"/>
           </a:p>
@@ -3057,7 +3961,7 @@
           <a:p>
             <a:fld id="{F3FFCF3C-4A0D-4637-8D0F-A75E6B068A0D}" type="datetimeFigureOut">
               <a:rPr lang="en-US" smtClean="0"/>
-              <a:t>5/13/2021</a:t>
+              <a:t>5/18/2021</a:t>
             </a:fld>
             <a:endParaRPr lang="en-US"/>
           </a:p>
@@ -3298,7 +4202,7 @@
           <a:p>
             <a:fld id="{F3FFCF3C-4A0D-4637-8D0F-A75E6B068A0D}" type="datetimeFigureOut">
               <a:rPr lang="en-US" smtClean="0"/>
-              <a:t>5/13/2021</a:t>
+              <a:t>5/18/2021</a:t>
             </a:fld>
             <a:endParaRPr lang="en-US"/>
           </a:p>
@@ -3915,7 +4819,7 @@
         </p:nvSpPr>
         <p:spPr>
           <a:xfrm>
-            <a:off x="880282" y="3070889"/>
+            <a:off x="455551" y="3071757"/>
             <a:ext cx="1741394" cy="450476"/>
           </a:xfrm>
           <a:prstGeom prst="flowChartAlternateProcess">
@@ -3964,8 +4868,8 @@
         </p:nvSpPr>
         <p:spPr>
           <a:xfrm>
-            <a:off x="6579314" y="1135887"/>
-            <a:ext cx="1145969" cy="1292988"/>
+            <a:off x="6702211" y="1893125"/>
+            <a:ext cx="1231133" cy="1292988"/>
           </a:xfrm>
           <a:prstGeom prst="flowChartProcess">
             <a:avLst/>
@@ -4004,7 +4908,7 @@
                   <a:schemeClr val="tx1"/>
                 </a:solidFill>
               </a:rPr>
-              <a:t>Get Target</a:t>
+              <a:t>Targeting</a:t>
             </a:r>
           </a:p>
         </p:txBody>
@@ -4023,8 +4927,8 @@
         </p:nvSpPr>
         <p:spPr>
           <a:xfrm>
-            <a:off x="9538083" y="1336989"/>
-            <a:ext cx="1876468" cy="3972256"/>
+            <a:off x="9666671" y="357188"/>
+            <a:ext cx="1876468" cy="5775970"/>
           </a:xfrm>
           <a:prstGeom prst="flowChartAlternateProcess">
             <a:avLst/>
@@ -4073,8 +4977,8 @@
         </p:nvSpPr>
         <p:spPr>
           <a:xfrm>
-            <a:off x="2780996" y="3247793"/>
-            <a:ext cx="623019" cy="166919"/>
+            <a:off x="2297169" y="3045634"/>
+            <a:ext cx="1090401" cy="502722"/>
           </a:xfrm>
           <a:prstGeom prst="leftRightArrow">
             <a:avLst/>
@@ -4101,7 +5005,19 @@
           <a:lstStyle/>
           <a:p>
             <a:pPr algn="ctr"/>
-            <a:endParaRPr lang="en-US"/>
+            <a:r>
+              <a:rPr lang="en-US" sz="1400" dirty="0">
+                <a:solidFill>
+                  <a:schemeClr val="tx1"/>
+                </a:solidFill>
+              </a:rPr>
+              <a:t>Web API</a:t>
+            </a:r>
+            <a:endParaRPr lang="en-US" sz="1200" dirty="0">
+              <a:solidFill>
+                <a:schemeClr val="tx1"/>
+              </a:solidFill>
+            </a:endParaRPr>
           </a:p>
         </p:txBody>
       </p:sp>
@@ -4178,8 +5094,8 @@
         </p:nvSpPr>
         <p:spPr>
           <a:xfrm>
-            <a:off x="6573623" y="2659637"/>
-            <a:ext cx="1145969" cy="1292988"/>
+            <a:off x="6702211" y="3416875"/>
+            <a:ext cx="1231133" cy="1292988"/>
           </a:xfrm>
           <a:prstGeom prst="flowChartProcess">
             <a:avLst/>
@@ -4218,7 +5134,7 @@
                   <a:schemeClr val="tx1"/>
                 </a:solidFill>
               </a:rPr>
-              <a:t>Set Target</a:t>
+              <a:t>Ephemeris</a:t>
             </a:r>
           </a:p>
         </p:txBody>
@@ -4237,8 +5153,8 @@
         </p:nvSpPr>
         <p:spPr>
           <a:xfrm>
-            <a:off x="6573623" y="4161317"/>
-            <a:ext cx="1145969" cy="1292988"/>
+            <a:off x="6702211" y="4918555"/>
+            <a:ext cx="1231133" cy="1292988"/>
           </a:xfrm>
           <a:prstGeom prst="flowChartProcess">
             <a:avLst/>
@@ -4277,7 +5193,7 @@
                   <a:schemeClr val="tx1"/>
                 </a:solidFill>
               </a:rPr>
-              <a:t>Set Tracking</a:t>
+              <a:t>Tracking</a:t>
             </a:r>
           </a:p>
         </p:txBody>
@@ -4293,22 +5209,20 @@
           </p:cNvPr>
           <p:cNvCxnSpPr>
             <a:cxnSpLocks/>
-            <a:stCxn id="14" idx="1"/>
-            <a:endCxn id="44" idx="3"/>
           </p:cNvCxnSpPr>
           <p:nvPr/>
         </p:nvCxnSpPr>
         <p:spPr>
           <a:xfrm rot="10800000" flipV="1">
-            <a:off x="5644638" y="1782380"/>
-            <a:ext cx="934676" cy="1540737"/>
+            <a:off x="5644637" y="2539619"/>
+            <a:ext cx="1057573" cy="783499"/>
           </a:xfrm>
           <a:prstGeom prst="bentConnector3">
             <a:avLst>
               <a:gd name="adj1" fmla="val 50000"/>
             </a:avLst>
           </a:prstGeom>
-          <a:ln>
+          <a:ln w="28575">
             <a:tailEnd type="triangle"/>
           </a:ln>
         </p:spPr>
@@ -4341,8 +5255,8 @@
         </p:nvSpPr>
         <p:spPr>
           <a:xfrm>
-            <a:off x="7897904" y="1513899"/>
-            <a:ext cx="1305837" cy="536959"/>
+            <a:off x="8157105" y="1893125"/>
+            <a:ext cx="1318828" cy="646493"/>
           </a:xfrm>
           <a:prstGeom prst="leftArrow">
             <a:avLst/>
@@ -4400,8 +5314,8 @@
         </p:nvSpPr>
         <p:spPr>
           <a:xfrm>
-            <a:off x="7897904" y="3046095"/>
-            <a:ext cx="1305837" cy="500063"/>
+            <a:off x="8265465" y="2539619"/>
+            <a:ext cx="1305837" cy="698426"/>
           </a:xfrm>
           <a:prstGeom prst="rightArrow">
             <a:avLst/>
@@ -4459,8 +5373,8 @@
         </p:nvSpPr>
         <p:spPr>
           <a:xfrm>
-            <a:off x="7923887" y="4486862"/>
-            <a:ext cx="1305837" cy="500063"/>
+            <a:off x="8170096" y="5212330"/>
+            <a:ext cx="1305837" cy="705438"/>
           </a:xfrm>
           <a:prstGeom prst="rightArrow">
             <a:avLst/>
@@ -4535,20 +5449,21 @@
             </a:extLst>
           </p:cNvPr>
           <p:cNvCxnSpPr>
+            <a:cxnSpLocks/>
             <a:stCxn id="7" idx="3"/>
             <a:endCxn id="36" idx="1"/>
           </p:cNvCxnSpPr>
           <p:nvPr/>
         </p:nvCxnSpPr>
         <p:spPr>
-          <a:xfrm flipV="1">
-            <a:off x="5646582" y="3306131"/>
-            <a:ext cx="927041" cy="22988"/>
+          <a:xfrm>
+            <a:off x="5646582" y="3329119"/>
+            <a:ext cx="1055629" cy="734250"/>
           </a:xfrm>
           <a:prstGeom prst="bentConnector3">
             <a:avLst/>
           </a:prstGeom>
-          <a:ln>
+          <a:ln w="28575">
             <a:tailEnd type="triangle"/>
           </a:ln>
         </p:spPr>
@@ -4577,6 +5492,7 @@
             </a:extLst>
           </p:cNvPr>
           <p:cNvCxnSpPr>
+            <a:cxnSpLocks/>
             <a:stCxn id="44" idx="3"/>
             <a:endCxn id="37" idx="1"/>
           </p:cNvCxnSpPr>
@@ -4585,12 +5501,175 @@
         <p:spPr>
           <a:xfrm>
             <a:off x="5644638" y="3323118"/>
-            <a:ext cx="928985" cy="1484693"/>
+            <a:ext cx="1057573" cy="2241931"/>
           </a:xfrm>
           <a:prstGeom prst="bentConnector3">
             <a:avLst/>
           </a:prstGeom>
-          <a:ln>
+          <a:ln w="28575">
+            <a:tailEnd type="triangle"/>
+          </a:ln>
+        </p:spPr>
+        <p:style>
+          <a:lnRef idx="1">
+            <a:schemeClr val="accent1"/>
+          </a:lnRef>
+          <a:fillRef idx="0">
+            <a:schemeClr val="accent1"/>
+          </a:fillRef>
+          <a:effectRef idx="0">
+            <a:schemeClr val="accent1"/>
+          </a:effectRef>
+          <a:fontRef idx="minor">
+            <a:schemeClr val="tx1"/>
+          </a:fontRef>
+        </p:style>
+      </p:cxnSp>
+      <p:sp>
+        <p:nvSpPr>
+          <p:cNvPr id="23" name="Flowchart: Process 22">
+            <a:extLst>
+              <a:ext uri="{FF2B5EF4-FFF2-40B4-BE49-F238E27FC236}">
+                <a16:creationId xmlns:a16="http://schemas.microsoft.com/office/drawing/2014/main" id="{406CCF27-5E79-41B9-90C2-0E40945AC4D7}"/>
+              </a:ext>
+            </a:extLst>
+          </p:cNvPr>
+          <p:cNvSpPr/>
+          <p:nvPr/>
+        </p:nvSpPr>
+        <p:spPr>
+          <a:xfrm>
+            <a:off x="6722242" y="401439"/>
+            <a:ext cx="1231133" cy="1292988"/>
+          </a:xfrm>
+          <a:prstGeom prst="flowChartProcess">
+            <a:avLst/>
+          </a:prstGeom>
+          <a:solidFill>
+            <a:schemeClr val="accent5">
+              <a:lumMod val="40000"/>
+              <a:lumOff val="60000"/>
+            </a:schemeClr>
+          </a:solidFill>
+        </p:spPr>
+        <p:style>
+          <a:lnRef idx="2">
+            <a:schemeClr val="accent1">
+              <a:shade val="50000"/>
+            </a:schemeClr>
+          </a:lnRef>
+          <a:fillRef idx="1">
+            <a:schemeClr val="accent1"/>
+          </a:fillRef>
+          <a:effectRef idx="0">
+            <a:schemeClr val="accent1"/>
+          </a:effectRef>
+          <a:fontRef idx="minor">
+            <a:schemeClr val="lt1"/>
+          </a:fontRef>
+        </p:style>
+        <p:txBody>
+          <a:bodyPr rtlCol="0" anchor="ctr"/>
+          <a:lstStyle/>
+          <a:p>
+            <a:pPr algn="ctr"/>
+            <a:r>
+              <a:rPr lang="en-US" dirty="0">
+                <a:solidFill>
+                  <a:schemeClr val="tx1"/>
+                </a:solidFill>
+              </a:rPr>
+              <a:t>Site Translation</a:t>
+            </a:r>
+          </a:p>
+        </p:txBody>
+      </p:sp>
+      <p:sp>
+        <p:nvSpPr>
+          <p:cNvPr id="27" name="Arrow: Left 26">
+            <a:extLst>
+              <a:ext uri="{FF2B5EF4-FFF2-40B4-BE49-F238E27FC236}">
+                <a16:creationId xmlns:a16="http://schemas.microsoft.com/office/drawing/2014/main" id="{DDE361C8-1556-4554-843A-7AC7995A04E2}"/>
+              </a:ext>
+            </a:extLst>
+          </p:cNvPr>
+          <p:cNvSpPr/>
+          <p:nvPr/>
+        </p:nvSpPr>
+        <p:spPr>
+          <a:xfrm>
+            <a:off x="8170096" y="763792"/>
+            <a:ext cx="1305837" cy="661988"/>
+          </a:xfrm>
+          <a:prstGeom prst="leftArrow">
+            <a:avLst/>
+          </a:prstGeom>
+          <a:solidFill>
+            <a:schemeClr val="accent2">
+              <a:lumMod val="60000"/>
+              <a:lumOff val="40000"/>
+            </a:schemeClr>
+          </a:solidFill>
+        </p:spPr>
+        <p:style>
+          <a:lnRef idx="2">
+            <a:schemeClr val="accent1">
+              <a:shade val="50000"/>
+            </a:schemeClr>
+          </a:lnRef>
+          <a:fillRef idx="1">
+            <a:schemeClr val="accent1"/>
+          </a:fillRef>
+          <a:effectRef idx="0">
+            <a:schemeClr val="accent1"/>
+          </a:effectRef>
+          <a:fontRef idx="minor">
+            <a:schemeClr val="lt1"/>
+          </a:fontRef>
+        </p:style>
+        <p:txBody>
+          <a:bodyPr rtlCol="0" anchor="ctr"/>
+          <a:lstStyle/>
+          <a:p>
+            <a:pPr algn="ctr"/>
+            <a:r>
+              <a:rPr lang="en-US" dirty="0">
+                <a:solidFill>
+                  <a:schemeClr val="tx1"/>
+                </a:solidFill>
+              </a:rPr>
+              <a:t>Site</a:t>
+            </a:r>
+          </a:p>
+        </p:txBody>
+      </p:sp>
+      <p:cxnSp>
+        <p:nvCxnSpPr>
+          <p:cNvPr id="28" name="Connector: Elbow 27">
+            <a:extLst>
+              <a:ext uri="{FF2B5EF4-FFF2-40B4-BE49-F238E27FC236}">
+                <a16:creationId xmlns:a16="http://schemas.microsoft.com/office/drawing/2014/main" id="{006817CC-E2E8-4A20-AA43-CEB7FF8D740E}"/>
+              </a:ext>
+            </a:extLst>
+          </p:cNvPr>
+          <p:cNvCxnSpPr>
+            <a:cxnSpLocks/>
+            <a:stCxn id="23" idx="1"/>
+            <a:endCxn id="44" idx="3"/>
+          </p:cNvCxnSpPr>
+          <p:nvPr/>
+        </p:nvCxnSpPr>
+        <p:spPr>
+          <a:xfrm rot="10800000" flipV="1">
+            <a:off x="5644638" y="1047932"/>
+            <a:ext cx="1077604" cy="2275185"/>
+          </a:xfrm>
+          <a:prstGeom prst="bentConnector3">
+            <a:avLst>
+              <a:gd name="adj1" fmla="val 50000"/>
+            </a:avLst>
+          </a:prstGeom>
+          <a:ln w="28575">
             <a:tailEnd type="triangle"/>
           </a:ln>
         </p:spPr>
@@ -4673,6 +5752,4172 @@
     <p:extLst>
       <p:ext uri="{BB962C8B-B14F-4D97-AF65-F5344CB8AC3E}">
         <p14:creationId xmlns:p14="http://schemas.microsoft.com/office/powerpoint/2010/main" val="369419966"/>
+      </p:ext>
+    </p:extLst>
+  </p:cSld>
+  <p:clrMapOvr>
+    <a:masterClrMapping/>
+  </p:clrMapOvr>
+</p:sld>
+</file>
+
+<file path=ppt/slides/slide3.xml><?xml version="1.0" encoding="utf-8"?>
+<p:sld xmlns:a="http://schemas.openxmlformats.org/drawingml/2006/main" xmlns:r="http://schemas.openxmlformats.org/officeDocument/2006/relationships" xmlns:p="http://schemas.openxmlformats.org/presentationml/2006/main">
+  <p:cSld>
+    <p:spTree>
+      <p:nvGrpSpPr>
+        <p:cNvPr id="1" name=""/>
+        <p:cNvGrpSpPr/>
+        <p:nvPr/>
+      </p:nvGrpSpPr>
+      <p:grpSpPr>
+        <a:xfrm>
+          <a:off x="0" y="0"/>
+          <a:ext cx="0" cy="0"/>
+          <a:chOff x="0" y="0"/>
+          <a:chExt cx="0" cy="0"/>
+        </a:xfrm>
+      </p:grpSpPr>
+      <p:sp>
+        <p:nvSpPr>
+          <p:cNvPr id="3" name="Flowchart: Preparation 2">
+            <a:extLst>
+              <a:ext uri="{FF2B5EF4-FFF2-40B4-BE49-F238E27FC236}">
+                <a16:creationId xmlns:a16="http://schemas.microsoft.com/office/drawing/2014/main" id="{74B27652-223F-4C1D-973E-364F1C982E8C}"/>
+              </a:ext>
+            </a:extLst>
+          </p:cNvPr>
+          <p:cNvSpPr/>
+          <p:nvPr/>
+        </p:nvSpPr>
+        <p:spPr>
+          <a:xfrm>
+            <a:off x="4843622" y="770411"/>
+            <a:ext cx="1727838" cy="601191"/>
+          </a:xfrm>
+          <a:prstGeom prst="flowChartPreparation">
+            <a:avLst/>
+          </a:prstGeom>
+        </p:spPr>
+        <p:style>
+          <a:lnRef idx="2">
+            <a:schemeClr val="accent1">
+              <a:shade val="50000"/>
+            </a:schemeClr>
+          </a:lnRef>
+          <a:fillRef idx="1">
+            <a:schemeClr val="accent1"/>
+          </a:fillRef>
+          <a:effectRef idx="0">
+            <a:schemeClr val="accent1"/>
+          </a:effectRef>
+          <a:fontRef idx="minor">
+            <a:schemeClr val="lt1"/>
+          </a:fontRef>
+        </p:style>
+        <p:txBody>
+          <a:bodyPr rtlCol="0" anchor="ctr"/>
+          <a:lstStyle/>
+          <a:p>
+            <a:pPr algn="ctr"/>
+            <a:r>
+              <a:rPr lang="en-US" sz="1400" dirty="0"/>
+              <a:t>Get Target Name</a:t>
+            </a:r>
+          </a:p>
+        </p:txBody>
+      </p:sp>
+      <p:sp>
+        <p:nvSpPr>
+          <p:cNvPr id="5" name="Flowchart: Preparation 4">
+            <a:extLst>
+              <a:ext uri="{FF2B5EF4-FFF2-40B4-BE49-F238E27FC236}">
+                <a16:creationId xmlns:a16="http://schemas.microsoft.com/office/drawing/2014/main" id="{1599F849-6B29-4419-B33D-FD2512CFC826}"/>
+              </a:ext>
+            </a:extLst>
+          </p:cNvPr>
+          <p:cNvSpPr/>
+          <p:nvPr/>
+        </p:nvSpPr>
+        <p:spPr>
+          <a:xfrm>
+            <a:off x="4781455" y="1572229"/>
+            <a:ext cx="1852173" cy="601191"/>
+          </a:xfrm>
+          <a:prstGeom prst="flowChartPreparation">
+            <a:avLst/>
+          </a:prstGeom>
+        </p:spPr>
+        <p:style>
+          <a:lnRef idx="2">
+            <a:schemeClr val="accent1">
+              <a:shade val="50000"/>
+            </a:schemeClr>
+          </a:lnRef>
+          <a:fillRef idx="1">
+            <a:schemeClr val="accent1"/>
+          </a:fillRef>
+          <a:effectRef idx="0">
+            <a:schemeClr val="accent1"/>
+          </a:effectRef>
+          <a:fontRef idx="minor">
+            <a:schemeClr val="lt1"/>
+          </a:fontRef>
+        </p:style>
+        <p:txBody>
+          <a:bodyPr rtlCol="0" anchor="ctr"/>
+          <a:lstStyle/>
+          <a:p>
+            <a:pPr algn="ctr"/>
+            <a:r>
+              <a:rPr lang="en-US" sz="1400" dirty="0"/>
+              <a:t>Get Nearest Observatory</a:t>
+            </a:r>
+          </a:p>
+        </p:txBody>
+      </p:sp>
+      <p:sp>
+        <p:nvSpPr>
+          <p:cNvPr id="7" name="Flowchart: Terminator 6">
+            <a:extLst>
+              <a:ext uri="{FF2B5EF4-FFF2-40B4-BE49-F238E27FC236}">
+                <a16:creationId xmlns:a16="http://schemas.microsoft.com/office/drawing/2014/main" id="{08FC2AA0-5597-47A2-8986-200A0EA249CB}"/>
+              </a:ext>
+            </a:extLst>
+          </p:cNvPr>
+          <p:cNvSpPr/>
+          <p:nvPr/>
+        </p:nvSpPr>
+        <p:spPr>
+          <a:xfrm>
+            <a:off x="9270963" y="770787"/>
+            <a:ext cx="1119776" cy="5230340"/>
+          </a:xfrm>
+          <a:prstGeom prst="flowChartTerminator">
+            <a:avLst/>
+          </a:prstGeom>
+          <a:solidFill>
+            <a:schemeClr val="accent2">
+              <a:lumMod val="40000"/>
+              <a:lumOff val="60000"/>
+            </a:schemeClr>
+          </a:solidFill>
+        </p:spPr>
+        <p:style>
+          <a:lnRef idx="2">
+            <a:schemeClr val="accent1">
+              <a:shade val="50000"/>
+            </a:schemeClr>
+          </a:lnRef>
+          <a:fillRef idx="1">
+            <a:schemeClr val="accent1"/>
+          </a:fillRef>
+          <a:effectRef idx="0">
+            <a:schemeClr val="accent1"/>
+          </a:effectRef>
+          <a:fontRef idx="minor">
+            <a:schemeClr val="lt1"/>
+          </a:fontRef>
+        </p:style>
+        <p:txBody>
+          <a:bodyPr rtlCol="0" anchor="ctr"/>
+          <a:lstStyle/>
+          <a:p>
+            <a:pPr algn="ctr"/>
+            <a:r>
+              <a:rPr lang="en-US" sz="1400" dirty="0">
+                <a:solidFill>
+                  <a:schemeClr val="tx1"/>
+                </a:solidFill>
+              </a:rPr>
+              <a:t>TheSky64</a:t>
+            </a:r>
+          </a:p>
+        </p:txBody>
+      </p:sp>
+      <p:sp>
+        <p:nvSpPr>
+          <p:cNvPr id="8" name="Flowchart: Terminator 7">
+            <a:extLst>
+              <a:ext uri="{FF2B5EF4-FFF2-40B4-BE49-F238E27FC236}">
+                <a16:creationId xmlns:a16="http://schemas.microsoft.com/office/drawing/2014/main" id="{EF26EE1A-3B51-471B-B67D-8905870ACFAF}"/>
+              </a:ext>
+            </a:extLst>
+          </p:cNvPr>
+          <p:cNvSpPr/>
+          <p:nvPr/>
+        </p:nvSpPr>
+        <p:spPr>
+          <a:xfrm>
+            <a:off x="537976" y="746226"/>
+            <a:ext cx="1119776" cy="5226250"/>
+          </a:xfrm>
+          <a:prstGeom prst="flowChartTerminator">
+            <a:avLst/>
+          </a:prstGeom>
+          <a:solidFill>
+            <a:schemeClr val="accent6">
+              <a:lumMod val="20000"/>
+              <a:lumOff val="80000"/>
+            </a:schemeClr>
+          </a:solidFill>
+        </p:spPr>
+        <p:style>
+          <a:lnRef idx="2">
+            <a:schemeClr val="accent1">
+              <a:shade val="50000"/>
+            </a:schemeClr>
+          </a:lnRef>
+          <a:fillRef idx="1">
+            <a:schemeClr val="accent1"/>
+          </a:fillRef>
+          <a:effectRef idx="0">
+            <a:schemeClr val="accent1"/>
+          </a:effectRef>
+          <a:fontRef idx="minor">
+            <a:schemeClr val="lt1"/>
+          </a:fontRef>
+        </p:style>
+        <p:txBody>
+          <a:bodyPr rtlCol="0" anchor="ctr"/>
+          <a:lstStyle/>
+          <a:p>
+            <a:pPr algn="ctr"/>
+            <a:r>
+              <a:rPr lang="en-US" sz="1400" dirty="0">
+                <a:solidFill>
+                  <a:schemeClr val="tx1"/>
+                </a:solidFill>
+              </a:rPr>
+              <a:t>CNEOS</a:t>
+            </a:r>
+          </a:p>
+          <a:p>
+            <a:pPr algn="ctr"/>
+            <a:r>
+              <a:rPr lang="en-US" sz="1400" dirty="0">
+                <a:solidFill>
+                  <a:schemeClr val="tx1"/>
+                </a:solidFill>
+              </a:rPr>
+              <a:t>Scout</a:t>
+            </a:r>
+          </a:p>
+        </p:txBody>
+      </p:sp>
+      <p:cxnSp>
+        <p:nvCxnSpPr>
+          <p:cNvPr id="10" name="Straight Arrow Connector 9">
+            <a:extLst>
+              <a:ext uri="{FF2B5EF4-FFF2-40B4-BE49-F238E27FC236}">
+                <a16:creationId xmlns:a16="http://schemas.microsoft.com/office/drawing/2014/main" id="{309FDEEF-7949-47F3-9B15-F58030688A51}"/>
+              </a:ext>
+            </a:extLst>
+          </p:cNvPr>
+          <p:cNvCxnSpPr>
+            <a:cxnSpLocks/>
+            <a:endCxn id="3" idx="3"/>
+          </p:cNvCxnSpPr>
+          <p:nvPr/>
+        </p:nvCxnSpPr>
+        <p:spPr>
+          <a:xfrm flipH="1">
+            <a:off x="6571460" y="1071006"/>
+            <a:ext cx="2786853" cy="1"/>
+          </a:xfrm>
+          <a:prstGeom prst="straightConnector1">
+            <a:avLst/>
+          </a:prstGeom>
+          <a:ln w="25400">
+            <a:headEnd type="triangle" w="lg" len="lg"/>
+            <a:tailEnd type="triangle" w="lg" len="lg"/>
+          </a:ln>
+        </p:spPr>
+        <p:style>
+          <a:lnRef idx="1">
+            <a:schemeClr val="accent1"/>
+          </a:lnRef>
+          <a:fillRef idx="0">
+            <a:schemeClr val="accent1"/>
+          </a:fillRef>
+          <a:effectRef idx="0">
+            <a:schemeClr val="accent1"/>
+          </a:effectRef>
+          <a:fontRef idx="minor">
+            <a:schemeClr val="tx1"/>
+          </a:fontRef>
+        </p:style>
+      </p:cxnSp>
+      <p:cxnSp>
+        <p:nvCxnSpPr>
+          <p:cNvPr id="13" name="Straight Arrow Connector 12">
+            <a:extLst>
+              <a:ext uri="{FF2B5EF4-FFF2-40B4-BE49-F238E27FC236}">
+                <a16:creationId xmlns:a16="http://schemas.microsoft.com/office/drawing/2014/main" id="{42ED177B-8BE3-4E40-8AB1-955A83DBB763}"/>
+              </a:ext>
+            </a:extLst>
+          </p:cNvPr>
+          <p:cNvCxnSpPr>
+            <a:cxnSpLocks/>
+            <a:stCxn id="5" idx="1"/>
+          </p:cNvCxnSpPr>
+          <p:nvPr/>
+        </p:nvCxnSpPr>
+        <p:spPr>
+          <a:xfrm flipH="1">
+            <a:off x="1624013" y="1872825"/>
+            <a:ext cx="3157442" cy="0"/>
+          </a:xfrm>
+          <a:prstGeom prst="straightConnector1">
+            <a:avLst/>
+          </a:prstGeom>
+          <a:ln w="25400">
+            <a:headEnd type="triangle" w="lg" len="lg"/>
+            <a:tailEnd type="triangle" w="lg" len="lg"/>
+          </a:ln>
+        </p:spPr>
+        <p:style>
+          <a:lnRef idx="1">
+            <a:schemeClr val="accent1"/>
+          </a:lnRef>
+          <a:fillRef idx="0">
+            <a:schemeClr val="accent1"/>
+          </a:fillRef>
+          <a:effectRef idx="0">
+            <a:schemeClr val="accent1"/>
+          </a:effectRef>
+          <a:fontRef idx="minor">
+            <a:schemeClr val="tx1"/>
+          </a:fontRef>
+        </p:style>
+      </p:cxnSp>
+      <p:cxnSp>
+        <p:nvCxnSpPr>
+          <p:cNvPr id="16" name="Straight Arrow Connector 15">
+            <a:extLst>
+              <a:ext uri="{FF2B5EF4-FFF2-40B4-BE49-F238E27FC236}">
+                <a16:creationId xmlns:a16="http://schemas.microsoft.com/office/drawing/2014/main" id="{015B70AB-D916-4A26-A7A3-0035C3B9FFA5}"/>
+              </a:ext>
+            </a:extLst>
+          </p:cNvPr>
+          <p:cNvCxnSpPr>
+            <a:cxnSpLocks/>
+            <a:endCxn id="5" idx="3"/>
+          </p:cNvCxnSpPr>
+          <p:nvPr/>
+        </p:nvCxnSpPr>
+        <p:spPr>
+          <a:xfrm flipH="1" flipV="1">
+            <a:off x="6633628" y="1872825"/>
+            <a:ext cx="2681822" cy="8740"/>
+          </a:xfrm>
+          <a:prstGeom prst="straightConnector1">
+            <a:avLst/>
+          </a:prstGeom>
+          <a:ln w="25400">
+            <a:headEnd type="triangle" w="lg" len="lg"/>
+            <a:tailEnd type="triangle" w="lg" len="lg"/>
+          </a:ln>
+        </p:spPr>
+        <p:style>
+          <a:lnRef idx="1">
+            <a:schemeClr val="accent1"/>
+          </a:lnRef>
+          <a:fillRef idx="0">
+            <a:schemeClr val="accent1"/>
+          </a:fillRef>
+          <a:effectRef idx="0">
+            <a:schemeClr val="accent1"/>
+          </a:effectRef>
+          <a:fontRef idx="minor">
+            <a:schemeClr val="tx1"/>
+          </a:fontRef>
+        </p:style>
+      </p:cxnSp>
+      <p:cxnSp>
+        <p:nvCxnSpPr>
+          <p:cNvPr id="19" name="Straight Arrow Connector 18">
+            <a:extLst>
+              <a:ext uri="{FF2B5EF4-FFF2-40B4-BE49-F238E27FC236}">
+                <a16:creationId xmlns:a16="http://schemas.microsoft.com/office/drawing/2014/main" id="{9A905CF4-F3DC-47A9-90DD-BE82C685CBD3}"/>
+              </a:ext>
+            </a:extLst>
+          </p:cNvPr>
+          <p:cNvCxnSpPr>
+            <a:cxnSpLocks/>
+            <a:endCxn id="24" idx="3"/>
+          </p:cNvCxnSpPr>
+          <p:nvPr/>
+        </p:nvCxnSpPr>
+        <p:spPr>
+          <a:xfrm flipH="1">
+            <a:off x="6560108" y="5226295"/>
+            <a:ext cx="2798205" cy="13683"/>
+          </a:xfrm>
+          <a:prstGeom prst="straightConnector1">
+            <a:avLst/>
+          </a:prstGeom>
+          <a:ln w="25400">
+            <a:headEnd type="triangle" w="lg" len="lg"/>
+            <a:tailEnd type="none" w="lg" len="lg"/>
+          </a:ln>
+        </p:spPr>
+        <p:style>
+          <a:lnRef idx="1">
+            <a:schemeClr val="accent1"/>
+          </a:lnRef>
+          <a:fillRef idx="0">
+            <a:schemeClr val="accent1"/>
+          </a:fillRef>
+          <a:effectRef idx="0">
+            <a:schemeClr val="accent1"/>
+          </a:effectRef>
+          <a:fontRef idx="minor">
+            <a:schemeClr val="tx1"/>
+          </a:fontRef>
+        </p:style>
+      </p:cxnSp>
+      <p:sp>
+        <p:nvSpPr>
+          <p:cNvPr id="20" name="Flowchart: Preparation 19">
+            <a:extLst>
+              <a:ext uri="{FF2B5EF4-FFF2-40B4-BE49-F238E27FC236}">
+                <a16:creationId xmlns:a16="http://schemas.microsoft.com/office/drawing/2014/main" id="{A6177C19-C6A5-471B-808E-5CC3D68440B0}"/>
+              </a:ext>
+            </a:extLst>
+          </p:cNvPr>
+          <p:cNvSpPr/>
+          <p:nvPr/>
+        </p:nvSpPr>
+        <p:spPr>
+          <a:xfrm>
+            <a:off x="3424230" y="3300019"/>
+            <a:ext cx="1748743" cy="601191"/>
+          </a:xfrm>
+          <a:prstGeom prst="flowChartPreparation">
+            <a:avLst/>
+          </a:prstGeom>
+        </p:spPr>
+        <p:style>
+          <a:lnRef idx="2">
+            <a:schemeClr val="accent1">
+              <a:shade val="50000"/>
+            </a:schemeClr>
+          </a:lnRef>
+          <a:fillRef idx="1">
+            <a:schemeClr val="accent1"/>
+          </a:fillRef>
+          <a:effectRef idx="0">
+            <a:schemeClr val="accent1"/>
+          </a:effectRef>
+          <a:fontRef idx="minor">
+            <a:schemeClr val="lt1"/>
+          </a:fontRef>
+        </p:style>
+        <p:txBody>
+          <a:bodyPr rtlCol="0" anchor="ctr"/>
+          <a:lstStyle/>
+          <a:p>
+            <a:pPr algn="ctr"/>
+            <a:r>
+              <a:rPr lang="en-US" sz="1400" dirty="0"/>
+              <a:t>Load Ephemeris</a:t>
+            </a:r>
+          </a:p>
+        </p:txBody>
+      </p:sp>
+      <p:cxnSp>
+        <p:nvCxnSpPr>
+          <p:cNvPr id="21" name="Straight Arrow Connector 20">
+            <a:extLst>
+              <a:ext uri="{FF2B5EF4-FFF2-40B4-BE49-F238E27FC236}">
+                <a16:creationId xmlns:a16="http://schemas.microsoft.com/office/drawing/2014/main" id="{B314748C-AD82-412A-B390-3F2D766E81ED}"/>
+              </a:ext>
+            </a:extLst>
+          </p:cNvPr>
+          <p:cNvCxnSpPr>
+            <a:cxnSpLocks/>
+            <a:stCxn id="20" idx="1"/>
+          </p:cNvCxnSpPr>
+          <p:nvPr/>
+        </p:nvCxnSpPr>
+        <p:spPr>
+          <a:xfrm flipH="1">
+            <a:off x="1657752" y="3600615"/>
+            <a:ext cx="1766478" cy="0"/>
+          </a:xfrm>
+          <a:prstGeom prst="straightConnector1">
+            <a:avLst/>
+          </a:prstGeom>
+          <a:ln w="25400">
+            <a:headEnd type="triangle" w="lg" len="lg"/>
+            <a:tailEnd type="triangle" w="lg" len="lg"/>
+          </a:ln>
+        </p:spPr>
+        <p:style>
+          <a:lnRef idx="1">
+            <a:schemeClr val="accent1"/>
+          </a:lnRef>
+          <a:fillRef idx="0">
+            <a:schemeClr val="accent1"/>
+          </a:fillRef>
+          <a:effectRef idx="0">
+            <a:schemeClr val="accent1"/>
+          </a:effectRef>
+          <a:fontRef idx="minor">
+            <a:schemeClr val="tx1"/>
+          </a:fontRef>
+        </p:style>
+      </p:cxnSp>
+      <p:sp>
+        <p:nvSpPr>
+          <p:cNvPr id="22" name="Flowchart: Alternate Process 21">
+            <a:extLst>
+              <a:ext uri="{FF2B5EF4-FFF2-40B4-BE49-F238E27FC236}">
+                <a16:creationId xmlns:a16="http://schemas.microsoft.com/office/drawing/2014/main" id="{9971AA59-8313-4A9F-8461-264F182E7029}"/>
+              </a:ext>
+            </a:extLst>
+          </p:cNvPr>
+          <p:cNvSpPr/>
+          <p:nvPr/>
+        </p:nvSpPr>
+        <p:spPr>
+          <a:xfrm>
+            <a:off x="4862693" y="2382345"/>
+            <a:ext cx="1689696" cy="601191"/>
+          </a:xfrm>
+          <a:prstGeom prst="flowChartAlternateProcess">
+            <a:avLst/>
+          </a:prstGeom>
+        </p:spPr>
+        <p:style>
+          <a:lnRef idx="2">
+            <a:schemeClr val="accent1">
+              <a:shade val="50000"/>
+            </a:schemeClr>
+          </a:lnRef>
+          <a:fillRef idx="1">
+            <a:schemeClr val="accent1"/>
+          </a:fillRef>
+          <a:effectRef idx="0">
+            <a:schemeClr val="accent1"/>
+          </a:effectRef>
+          <a:fontRef idx="minor">
+            <a:schemeClr val="lt1"/>
+          </a:fontRef>
+        </p:style>
+        <p:txBody>
+          <a:bodyPr rtlCol="0" anchor="ctr"/>
+          <a:lstStyle/>
+          <a:p>
+            <a:pPr algn="ctr"/>
+            <a:r>
+              <a:rPr lang="en-US" sz="1400" dirty="0"/>
+              <a:t>Site Translation</a:t>
+            </a:r>
+          </a:p>
+        </p:txBody>
+      </p:sp>
+      <p:sp>
+        <p:nvSpPr>
+          <p:cNvPr id="23" name="Flowchart: Alternate Process 22">
+            <a:extLst>
+              <a:ext uri="{FF2B5EF4-FFF2-40B4-BE49-F238E27FC236}">
+                <a16:creationId xmlns:a16="http://schemas.microsoft.com/office/drawing/2014/main" id="{1737352A-9118-4836-9213-8E0301AFE3EE}"/>
+              </a:ext>
+            </a:extLst>
+          </p:cNvPr>
+          <p:cNvSpPr/>
+          <p:nvPr/>
+        </p:nvSpPr>
+        <p:spPr>
+          <a:xfrm>
+            <a:off x="3453753" y="4085950"/>
+            <a:ext cx="1689696" cy="591475"/>
+          </a:xfrm>
+          <a:prstGeom prst="flowChartAlternateProcess">
+            <a:avLst/>
+          </a:prstGeom>
+        </p:spPr>
+        <p:style>
+          <a:lnRef idx="2">
+            <a:schemeClr val="accent1">
+              <a:shade val="50000"/>
+            </a:schemeClr>
+          </a:lnRef>
+          <a:fillRef idx="1">
+            <a:schemeClr val="accent1"/>
+          </a:fillRef>
+          <a:effectRef idx="0">
+            <a:schemeClr val="accent1"/>
+          </a:effectRef>
+          <a:fontRef idx="minor">
+            <a:schemeClr val="lt1"/>
+          </a:fontRef>
+        </p:style>
+        <p:txBody>
+          <a:bodyPr rtlCol="0" anchor="ctr"/>
+          <a:lstStyle/>
+          <a:p>
+            <a:pPr algn="ctr"/>
+            <a:r>
+              <a:rPr lang="en-US" sz="1400" dirty="0"/>
+              <a:t>Sub-minute Interpolation</a:t>
+            </a:r>
+          </a:p>
+        </p:txBody>
+      </p:sp>
+      <p:sp>
+        <p:nvSpPr>
+          <p:cNvPr id="24" name="Flowchart: Delay 23">
+            <a:extLst>
+              <a:ext uri="{FF2B5EF4-FFF2-40B4-BE49-F238E27FC236}">
+                <a16:creationId xmlns:a16="http://schemas.microsoft.com/office/drawing/2014/main" id="{44DE0B47-DC1A-46F0-AD89-5B5DAD211E0F}"/>
+              </a:ext>
+            </a:extLst>
+          </p:cNvPr>
+          <p:cNvSpPr/>
+          <p:nvPr/>
+        </p:nvSpPr>
+        <p:spPr>
+          <a:xfrm>
+            <a:off x="4854975" y="4939382"/>
+            <a:ext cx="1705133" cy="601191"/>
+          </a:xfrm>
+          <a:prstGeom prst="flowChartDelay">
+            <a:avLst/>
+          </a:prstGeom>
+        </p:spPr>
+        <p:style>
+          <a:lnRef idx="2">
+            <a:schemeClr val="accent1">
+              <a:shade val="50000"/>
+            </a:schemeClr>
+          </a:lnRef>
+          <a:fillRef idx="1">
+            <a:schemeClr val="accent1"/>
+          </a:fillRef>
+          <a:effectRef idx="0">
+            <a:schemeClr val="accent1"/>
+          </a:effectRef>
+          <a:fontRef idx="minor">
+            <a:schemeClr val="lt1"/>
+          </a:fontRef>
+        </p:style>
+        <p:txBody>
+          <a:bodyPr rtlCol="0" anchor="ctr"/>
+          <a:lstStyle/>
+          <a:p>
+            <a:pPr algn="ctr"/>
+            <a:r>
+              <a:rPr lang="en-US" sz="1400" dirty="0"/>
+              <a:t>Iterate Tracking Changes</a:t>
+            </a:r>
+          </a:p>
+        </p:txBody>
+      </p:sp>
+      <p:sp>
+        <p:nvSpPr>
+          <p:cNvPr id="38" name="Flowchart: Off-page Connector 37">
+            <a:extLst>
+              <a:ext uri="{FF2B5EF4-FFF2-40B4-BE49-F238E27FC236}">
+                <a16:creationId xmlns:a16="http://schemas.microsoft.com/office/drawing/2014/main" id="{72254EA7-7B90-4D0E-B9E1-6F721DD402F1}"/>
+              </a:ext>
+            </a:extLst>
+          </p:cNvPr>
+          <p:cNvSpPr/>
+          <p:nvPr/>
+        </p:nvSpPr>
+        <p:spPr>
+          <a:xfrm>
+            <a:off x="2387405" y="292663"/>
+            <a:ext cx="1114747" cy="477748"/>
+          </a:xfrm>
+          <a:prstGeom prst="flowChartOffpageConnector">
+            <a:avLst/>
+          </a:prstGeom>
+          <a:solidFill>
+            <a:schemeClr val="accent4">
+              <a:lumMod val="75000"/>
+            </a:schemeClr>
+          </a:solidFill>
+        </p:spPr>
+        <p:style>
+          <a:lnRef idx="2">
+            <a:schemeClr val="accent1">
+              <a:shade val="50000"/>
+            </a:schemeClr>
+          </a:lnRef>
+          <a:fillRef idx="1">
+            <a:schemeClr val="accent1"/>
+          </a:fillRef>
+          <a:effectRef idx="0">
+            <a:schemeClr val="accent1"/>
+          </a:effectRef>
+          <a:fontRef idx="minor">
+            <a:schemeClr val="lt1"/>
+          </a:fontRef>
+        </p:style>
+        <p:txBody>
+          <a:bodyPr rtlCol="0" anchor="ctr"/>
+          <a:lstStyle/>
+          <a:p>
+            <a:pPr algn="ctr"/>
+            <a:r>
+              <a:rPr lang="en-US" sz="1400" dirty="0"/>
+              <a:t>Pursue</a:t>
+            </a:r>
+          </a:p>
+        </p:txBody>
+      </p:sp>
+      <p:sp>
+        <p:nvSpPr>
+          <p:cNvPr id="39" name="Flowchart: Off-page Connector 38">
+            <a:extLst>
+              <a:ext uri="{FF2B5EF4-FFF2-40B4-BE49-F238E27FC236}">
+                <a16:creationId xmlns:a16="http://schemas.microsoft.com/office/drawing/2014/main" id="{6D8C63B0-365E-4348-90FB-B0B49773630F}"/>
+              </a:ext>
+            </a:extLst>
+          </p:cNvPr>
+          <p:cNvSpPr/>
+          <p:nvPr/>
+        </p:nvSpPr>
+        <p:spPr>
+          <a:xfrm>
+            <a:off x="7642118" y="5975586"/>
+            <a:ext cx="1114747" cy="477748"/>
+          </a:xfrm>
+          <a:prstGeom prst="flowChartOffpageConnector">
+            <a:avLst/>
+          </a:prstGeom>
+          <a:solidFill>
+            <a:schemeClr val="accent4">
+              <a:lumMod val="75000"/>
+            </a:schemeClr>
+          </a:solidFill>
+        </p:spPr>
+        <p:style>
+          <a:lnRef idx="2">
+            <a:schemeClr val="accent1">
+              <a:shade val="50000"/>
+            </a:schemeClr>
+          </a:lnRef>
+          <a:fillRef idx="1">
+            <a:schemeClr val="accent1"/>
+          </a:fillRef>
+          <a:effectRef idx="0">
+            <a:schemeClr val="accent1"/>
+          </a:effectRef>
+          <a:fontRef idx="minor">
+            <a:schemeClr val="lt1"/>
+          </a:fontRef>
+        </p:style>
+        <p:txBody>
+          <a:bodyPr rtlCol="0" anchor="ctr"/>
+          <a:lstStyle/>
+          <a:p>
+            <a:pPr algn="ctr"/>
+            <a:r>
+              <a:rPr lang="en-US" sz="1400" dirty="0"/>
+              <a:t>Abort</a:t>
+            </a:r>
+          </a:p>
+        </p:txBody>
+      </p:sp>
+      <p:cxnSp>
+        <p:nvCxnSpPr>
+          <p:cNvPr id="45" name="Connector: Elbow 44">
+            <a:extLst>
+              <a:ext uri="{FF2B5EF4-FFF2-40B4-BE49-F238E27FC236}">
+                <a16:creationId xmlns:a16="http://schemas.microsoft.com/office/drawing/2014/main" id="{2AB79A91-E1D4-43F0-99C8-98B866338C34}"/>
+              </a:ext>
+            </a:extLst>
+          </p:cNvPr>
+          <p:cNvCxnSpPr>
+            <a:stCxn id="38" idx="2"/>
+            <a:endCxn id="3" idx="1"/>
+          </p:cNvCxnSpPr>
+          <p:nvPr/>
+        </p:nvCxnSpPr>
+        <p:spPr>
+          <a:xfrm rot="16200000" flipH="1">
+            <a:off x="3743902" y="-28713"/>
+            <a:ext cx="300596" cy="1898843"/>
+          </a:xfrm>
+          <a:prstGeom prst="bentConnector2">
+            <a:avLst/>
+          </a:prstGeom>
+          <a:ln w="28575">
+            <a:tailEnd type="triangle"/>
+          </a:ln>
+        </p:spPr>
+        <p:style>
+          <a:lnRef idx="1">
+            <a:schemeClr val="accent1"/>
+          </a:lnRef>
+          <a:fillRef idx="0">
+            <a:schemeClr val="accent1"/>
+          </a:fillRef>
+          <a:effectRef idx="0">
+            <a:schemeClr val="accent1"/>
+          </a:effectRef>
+          <a:fontRef idx="minor">
+            <a:schemeClr val="tx1"/>
+          </a:fontRef>
+        </p:style>
+      </p:cxnSp>
+      <p:cxnSp>
+        <p:nvCxnSpPr>
+          <p:cNvPr id="46" name="Connector: Elbow 45">
+            <a:extLst>
+              <a:ext uri="{FF2B5EF4-FFF2-40B4-BE49-F238E27FC236}">
+                <a16:creationId xmlns:a16="http://schemas.microsoft.com/office/drawing/2014/main" id="{C9795346-9D20-4144-BF0D-4A07539AD6E3}"/>
+              </a:ext>
+            </a:extLst>
+          </p:cNvPr>
+          <p:cNvCxnSpPr>
+            <a:cxnSpLocks/>
+            <a:stCxn id="24" idx="2"/>
+            <a:endCxn id="39" idx="0"/>
+          </p:cNvCxnSpPr>
+          <p:nvPr/>
+        </p:nvCxnSpPr>
+        <p:spPr>
+          <a:xfrm rot="16200000" flipH="1">
+            <a:off x="6736011" y="4512104"/>
+            <a:ext cx="435013" cy="2491950"/>
+          </a:xfrm>
+          <a:prstGeom prst="bentConnector3">
+            <a:avLst>
+              <a:gd name="adj1" fmla="val 50000"/>
+            </a:avLst>
+          </a:prstGeom>
+          <a:ln w="28575">
+            <a:tailEnd type="triangle"/>
+          </a:ln>
+        </p:spPr>
+        <p:style>
+          <a:lnRef idx="1">
+            <a:schemeClr val="accent1"/>
+          </a:lnRef>
+          <a:fillRef idx="0">
+            <a:schemeClr val="accent1"/>
+          </a:fillRef>
+          <a:effectRef idx="0">
+            <a:schemeClr val="accent1"/>
+          </a:effectRef>
+          <a:fontRef idx="minor">
+            <a:schemeClr val="tx1"/>
+          </a:fontRef>
+        </p:style>
+      </p:cxnSp>
+      <p:cxnSp>
+        <p:nvCxnSpPr>
+          <p:cNvPr id="49" name="Connector: Elbow 48">
+            <a:extLst>
+              <a:ext uri="{FF2B5EF4-FFF2-40B4-BE49-F238E27FC236}">
+                <a16:creationId xmlns:a16="http://schemas.microsoft.com/office/drawing/2014/main" id="{47EEBB6E-9D75-4F07-8FE3-FA97A556B929}"/>
+              </a:ext>
+            </a:extLst>
+          </p:cNvPr>
+          <p:cNvCxnSpPr>
+            <a:cxnSpLocks/>
+            <a:stCxn id="24" idx="0"/>
+            <a:endCxn id="20" idx="3"/>
+          </p:cNvCxnSpPr>
+          <p:nvPr/>
+        </p:nvCxnSpPr>
+        <p:spPr>
+          <a:xfrm rot="16200000" flipV="1">
+            <a:off x="4770875" y="4002714"/>
+            <a:ext cx="1338767" cy="534569"/>
+          </a:xfrm>
+          <a:prstGeom prst="bentConnector2">
+            <a:avLst/>
+          </a:prstGeom>
+          <a:ln w="28575">
+            <a:tailEnd type="triangle"/>
+          </a:ln>
+        </p:spPr>
+        <p:style>
+          <a:lnRef idx="1">
+            <a:schemeClr val="accent1"/>
+          </a:lnRef>
+          <a:fillRef idx="0">
+            <a:schemeClr val="accent1"/>
+          </a:fillRef>
+          <a:effectRef idx="0">
+            <a:schemeClr val="accent1"/>
+          </a:effectRef>
+          <a:fontRef idx="minor">
+            <a:schemeClr val="tx1"/>
+          </a:fontRef>
+        </p:style>
+      </p:cxnSp>
+      <p:cxnSp>
+        <p:nvCxnSpPr>
+          <p:cNvPr id="63" name="Connector: Elbow 62">
+            <a:extLst>
+              <a:ext uri="{FF2B5EF4-FFF2-40B4-BE49-F238E27FC236}">
+                <a16:creationId xmlns:a16="http://schemas.microsoft.com/office/drawing/2014/main" id="{B2D16670-EA28-4CB4-9E7F-35ECCF4A8511}"/>
+              </a:ext>
+            </a:extLst>
+          </p:cNvPr>
+          <p:cNvCxnSpPr>
+            <a:cxnSpLocks/>
+            <a:stCxn id="20" idx="2"/>
+            <a:endCxn id="23" idx="0"/>
+          </p:cNvCxnSpPr>
+          <p:nvPr/>
+        </p:nvCxnSpPr>
+        <p:spPr>
+          <a:xfrm rot="5400000">
+            <a:off x="4206232" y="3993580"/>
+            <a:ext cx="184740" cy="1"/>
+          </a:xfrm>
+          <a:prstGeom prst="bentConnector3">
+            <a:avLst>
+              <a:gd name="adj1" fmla="val 50000"/>
+            </a:avLst>
+          </a:prstGeom>
+          <a:ln w="28575">
+            <a:tailEnd type="triangle"/>
+          </a:ln>
+        </p:spPr>
+        <p:style>
+          <a:lnRef idx="1">
+            <a:schemeClr val="accent1"/>
+          </a:lnRef>
+          <a:fillRef idx="0">
+            <a:schemeClr val="accent1"/>
+          </a:fillRef>
+          <a:effectRef idx="0">
+            <a:schemeClr val="accent1"/>
+          </a:effectRef>
+          <a:fontRef idx="minor">
+            <a:schemeClr val="tx1"/>
+          </a:fontRef>
+        </p:style>
+      </p:cxnSp>
+      <p:cxnSp>
+        <p:nvCxnSpPr>
+          <p:cNvPr id="66" name="Connector: Elbow 65">
+            <a:extLst>
+              <a:ext uri="{FF2B5EF4-FFF2-40B4-BE49-F238E27FC236}">
+                <a16:creationId xmlns:a16="http://schemas.microsoft.com/office/drawing/2014/main" id="{78F01A67-7497-4A28-9CDB-6ED959DE3DBD}"/>
+              </a:ext>
+            </a:extLst>
+          </p:cNvPr>
+          <p:cNvCxnSpPr>
+            <a:cxnSpLocks/>
+            <a:stCxn id="20" idx="0"/>
+            <a:endCxn id="22" idx="2"/>
+          </p:cNvCxnSpPr>
+          <p:nvPr/>
+        </p:nvCxnSpPr>
+        <p:spPr>
+          <a:xfrm rot="5400000" flipH="1" flipV="1">
+            <a:off x="4844830" y="2437309"/>
+            <a:ext cx="316483" cy="1408939"/>
+          </a:xfrm>
+          <a:prstGeom prst="bentConnector3">
+            <a:avLst>
+              <a:gd name="adj1" fmla="val 50000"/>
+            </a:avLst>
+          </a:prstGeom>
+          <a:ln w="28575">
+            <a:tailEnd type="triangle"/>
+          </a:ln>
+        </p:spPr>
+        <p:style>
+          <a:lnRef idx="1">
+            <a:schemeClr val="accent1"/>
+          </a:lnRef>
+          <a:fillRef idx="0">
+            <a:schemeClr val="accent1"/>
+          </a:fillRef>
+          <a:effectRef idx="0">
+            <a:schemeClr val="accent1"/>
+          </a:effectRef>
+          <a:fontRef idx="minor">
+            <a:schemeClr val="tx1"/>
+          </a:fontRef>
+        </p:style>
+      </p:cxnSp>
+      <p:cxnSp>
+        <p:nvCxnSpPr>
+          <p:cNvPr id="69" name="Connector: Elbow 68">
+            <a:extLst>
+              <a:ext uri="{FF2B5EF4-FFF2-40B4-BE49-F238E27FC236}">
+                <a16:creationId xmlns:a16="http://schemas.microsoft.com/office/drawing/2014/main" id="{7A1DBCA0-4CAE-4518-BE02-EDCE2E1E3811}"/>
+              </a:ext>
+            </a:extLst>
+          </p:cNvPr>
+          <p:cNvCxnSpPr>
+            <a:cxnSpLocks/>
+            <a:stCxn id="23" idx="2"/>
+            <a:endCxn id="24" idx="1"/>
+          </p:cNvCxnSpPr>
+          <p:nvPr/>
+        </p:nvCxnSpPr>
+        <p:spPr>
+          <a:xfrm rot="16200000" flipH="1">
+            <a:off x="4295512" y="4680514"/>
+            <a:ext cx="562553" cy="556374"/>
+          </a:xfrm>
+          <a:prstGeom prst="bentConnector2">
+            <a:avLst/>
+          </a:prstGeom>
+          <a:ln w="28575">
+            <a:tailEnd type="triangle"/>
+          </a:ln>
+        </p:spPr>
+        <p:style>
+          <a:lnRef idx="1">
+            <a:schemeClr val="accent1"/>
+          </a:lnRef>
+          <a:fillRef idx="0">
+            <a:schemeClr val="accent1"/>
+          </a:fillRef>
+          <a:effectRef idx="0">
+            <a:schemeClr val="accent1"/>
+          </a:effectRef>
+          <a:fontRef idx="minor">
+            <a:schemeClr val="tx1"/>
+          </a:fontRef>
+        </p:style>
+      </p:cxnSp>
+      <p:sp>
+        <p:nvSpPr>
+          <p:cNvPr id="79" name="TextBox 78">
+            <a:extLst>
+              <a:ext uri="{FF2B5EF4-FFF2-40B4-BE49-F238E27FC236}">
+                <a16:creationId xmlns:a16="http://schemas.microsoft.com/office/drawing/2014/main" id="{258D4CD1-D126-4E7F-AE10-CE5C3734520F}"/>
+              </a:ext>
+            </a:extLst>
+          </p:cNvPr>
+          <p:cNvSpPr txBox="1"/>
+          <p:nvPr/>
+        </p:nvSpPr>
+        <p:spPr>
+          <a:xfrm>
+            <a:off x="5737066" y="4107960"/>
+            <a:ext cx="982558" cy="307777"/>
+          </a:xfrm>
+          <a:prstGeom prst="rect">
+            <a:avLst/>
+          </a:prstGeom>
+          <a:noFill/>
+        </p:spPr>
+        <p:txBody>
+          <a:bodyPr wrap="square" rtlCol="0">
+            <a:spAutoFit/>
+          </a:bodyPr>
+          <a:lstStyle/>
+          <a:p>
+            <a:r>
+              <a:rPr lang="en-US" sz="1400" dirty="0"/>
+              <a:t>Reload</a:t>
+            </a:r>
+          </a:p>
+        </p:txBody>
+      </p:sp>
+      <p:cxnSp>
+        <p:nvCxnSpPr>
+          <p:cNvPr id="84" name="Connector: Elbow 83">
+            <a:extLst>
+              <a:ext uri="{FF2B5EF4-FFF2-40B4-BE49-F238E27FC236}">
+                <a16:creationId xmlns:a16="http://schemas.microsoft.com/office/drawing/2014/main" id="{CB2865ED-B200-4C76-9856-F03FFD8150F1}"/>
+              </a:ext>
+            </a:extLst>
+          </p:cNvPr>
+          <p:cNvCxnSpPr>
+            <a:cxnSpLocks/>
+            <a:stCxn id="5" idx="2"/>
+            <a:endCxn id="22" idx="0"/>
+          </p:cNvCxnSpPr>
+          <p:nvPr/>
+        </p:nvCxnSpPr>
+        <p:spPr>
+          <a:xfrm rot="5400000">
+            <a:off x="5603080" y="2277882"/>
+            <a:ext cx="208925" cy="1"/>
+          </a:xfrm>
+          <a:prstGeom prst="bentConnector3">
+            <a:avLst>
+              <a:gd name="adj1" fmla="val 50000"/>
+            </a:avLst>
+          </a:prstGeom>
+          <a:ln w="28575">
+            <a:tailEnd type="triangle"/>
+          </a:ln>
+        </p:spPr>
+        <p:style>
+          <a:lnRef idx="1">
+            <a:schemeClr val="accent1"/>
+          </a:lnRef>
+          <a:fillRef idx="0">
+            <a:schemeClr val="accent1"/>
+          </a:fillRef>
+          <a:effectRef idx="0">
+            <a:schemeClr val="accent1"/>
+          </a:effectRef>
+          <a:fontRef idx="minor">
+            <a:schemeClr val="tx1"/>
+          </a:fontRef>
+        </p:style>
+      </p:cxnSp>
+      <p:cxnSp>
+        <p:nvCxnSpPr>
+          <p:cNvPr id="91" name="Connector: Elbow 90">
+            <a:extLst>
+              <a:ext uri="{FF2B5EF4-FFF2-40B4-BE49-F238E27FC236}">
+                <a16:creationId xmlns:a16="http://schemas.microsoft.com/office/drawing/2014/main" id="{693378E3-B938-4E0F-A5EC-EC819B92A8CE}"/>
+              </a:ext>
+            </a:extLst>
+          </p:cNvPr>
+          <p:cNvCxnSpPr>
+            <a:cxnSpLocks/>
+            <a:endCxn id="5" idx="0"/>
+          </p:cNvCxnSpPr>
+          <p:nvPr/>
+        </p:nvCxnSpPr>
+        <p:spPr>
+          <a:xfrm rot="5400000">
+            <a:off x="5613580" y="1471916"/>
+            <a:ext cx="194276" cy="6351"/>
+          </a:xfrm>
+          <a:prstGeom prst="bentConnector3">
+            <a:avLst>
+              <a:gd name="adj1" fmla="val 50000"/>
+            </a:avLst>
+          </a:prstGeom>
+          <a:ln w="28575">
+            <a:tailEnd type="triangle"/>
+          </a:ln>
+        </p:spPr>
+        <p:style>
+          <a:lnRef idx="1">
+            <a:schemeClr val="accent1"/>
+          </a:lnRef>
+          <a:fillRef idx="0">
+            <a:schemeClr val="accent1"/>
+          </a:fillRef>
+          <a:effectRef idx="0">
+            <a:schemeClr val="accent1"/>
+          </a:effectRef>
+          <a:fontRef idx="minor">
+            <a:schemeClr val="tx1"/>
+          </a:fontRef>
+        </p:style>
+      </p:cxnSp>
+    </p:spTree>
+    <p:extLst>
+      <p:ext uri="{BB962C8B-B14F-4D97-AF65-F5344CB8AC3E}">
+        <p14:creationId xmlns:p14="http://schemas.microsoft.com/office/powerpoint/2010/main" val="2890310457"/>
+      </p:ext>
+    </p:extLst>
+  </p:cSld>
+  <p:clrMapOvr>
+    <a:masterClrMapping/>
+  </p:clrMapOvr>
+</p:sld>
+</file>
+
+<file path=ppt/slides/slide4.xml><?xml version="1.0" encoding="utf-8"?>
+<p:sld xmlns:a="http://schemas.openxmlformats.org/drawingml/2006/main" xmlns:r="http://schemas.openxmlformats.org/officeDocument/2006/relationships" xmlns:p="http://schemas.openxmlformats.org/presentationml/2006/main">
+  <p:cSld>
+    <p:spTree>
+      <p:nvGrpSpPr>
+        <p:cNvPr id="1" name=""/>
+        <p:cNvGrpSpPr/>
+        <p:nvPr/>
+      </p:nvGrpSpPr>
+      <p:grpSpPr>
+        <a:xfrm>
+          <a:off x="0" y="0"/>
+          <a:ext cx="0" cy="0"/>
+          <a:chOff x="0" y="0"/>
+          <a:chExt cx="0" cy="0"/>
+        </a:xfrm>
+      </p:grpSpPr>
+      <p:sp>
+        <p:nvSpPr>
+          <p:cNvPr id="4" name="Oval 3">
+            <a:extLst>
+              <a:ext uri="{FF2B5EF4-FFF2-40B4-BE49-F238E27FC236}">
+                <a16:creationId xmlns:a16="http://schemas.microsoft.com/office/drawing/2014/main" id="{973B53A4-349B-4E56-BB55-65779CCF18A4}"/>
+              </a:ext>
+            </a:extLst>
+          </p:cNvPr>
+          <p:cNvSpPr/>
+          <p:nvPr/>
+        </p:nvSpPr>
+        <p:spPr>
+          <a:xfrm>
+            <a:off x="8587802" y="560571"/>
+            <a:ext cx="3200400" cy="3100388"/>
+          </a:xfrm>
+          <a:prstGeom prst="ellipse">
+            <a:avLst/>
+          </a:prstGeom>
+          <a:solidFill>
+            <a:schemeClr val="accent5">
+              <a:lumMod val="20000"/>
+              <a:lumOff val="80000"/>
+            </a:schemeClr>
+          </a:solidFill>
+        </p:spPr>
+        <p:style>
+          <a:lnRef idx="2">
+            <a:schemeClr val="accent1">
+              <a:shade val="50000"/>
+            </a:schemeClr>
+          </a:lnRef>
+          <a:fillRef idx="1">
+            <a:schemeClr val="accent1"/>
+          </a:fillRef>
+          <a:effectRef idx="0">
+            <a:schemeClr val="accent1"/>
+          </a:effectRef>
+          <a:fontRef idx="minor">
+            <a:schemeClr val="lt1"/>
+          </a:fontRef>
+        </p:style>
+        <p:txBody>
+          <a:bodyPr rtlCol="0" anchor="ctr"/>
+          <a:lstStyle/>
+          <a:p>
+            <a:pPr algn="ctr"/>
+            <a:endParaRPr lang="en-US"/>
+          </a:p>
+        </p:txBody>
+      </p:sp>
+      <p:cxnSp>
+        <p:nvCxnSpPr>
+          <p:cNvPr id="6" name="Straight Connector 5">
+            <a:extLst>
+              <a:ext uri="{FF2B5EF4-FFF2-40B4-BE49-F238E27FC236}">
+                <a16:creationId xmlns:a16="http://schemas.microsoft.com/office/drawing/2014/main" id="{C77B2FB8-CFBE-4C6E-8C50-B32E55B74F3B}"/>
+              </a:ext>
+            </a:extLst>
+          </p:cNvPr>
+          <p:cNvCxnSpPr>
+            <a:cxnSpLocks/>
+          </p:cNvCxnSpPr>
+          <p:nvPr/>
+        </p:nvCxnSpPr>
+        <p:spPr>
+          <a:xfrm flipH="1">
+            <a:off x="3335041" y="2062760"/>
+            <a:ext cx="6843712" cy="48241"/>
+          </a:xfrm>
+          <a:prstGeom prst="line">
+            <a:avLst/>
+          </a:prstGeom>
+          <a:ln w="34925">
+            <a:solidFill>
+              <a:schemeClr val="tx1">
+                <a:lumMod val="95000"/>
+                <a:lumOff val="5000"/>
+              </a:schemeClr>
+            </a:solidFill>
+            <a:headEnd type="oval" w="med" len="lg"/>
+            <a:tailEnd type="oval"/>
+          </a:ln>
+        </p:spPr>
+        <p:style>
+          <a:lnRef idx="1">
+            <a:schemeClr val="accent1"/>
+          </a:lnRef>
+          <a:fillRef idx="0">
+            <a:schemeClr val="accent1"/>
+          </a:fillRef>
+          <a:effectRef idx="0">
+            <a:schemeClr val="accent1"/>
+          </a:effectRef>
+          <a:fontRef idx="minor">
+            <a:schemeClr val="tx1"/>
+          </a:fontRef>
+        </p:style>
+      </p:cxnSp>
+      <p:cxnSp>
+        <p:nvCxnSpPr>
+          <p:cNvPr id="7" name="Straight Connector 6">
+            <a:extLst>
+              <a:ext uri="{FF2B5EF4-FFF2-40B4-BE49-F238E27FC236}">
+                <a16:creationId xmlns:a16="http://schemas.microsoft.com/office/drawing/2014/main" id="{DC78697D-C307-4358-BB61-8FDBFF20A6DC}"/>
+              </a:ext>
+            </a:extLst>
+          </p:cNvPr>
+          <p:cNvCxnSpPr>
+            <a:cxnSpLocks/>
+          </p:cNvCxnSpPr>
+          <p:nvPr/>
+        </p:nvCxnSpPr>
+        <p:spPr>
+          <a:xfrm flipH="1">
+            <a:off x="3378866" y="1138767"/>
+            <a:ext cx="5526599" cy="971998"/>
+          </a:xfrm>
+          <a:prstGeom prst="line">
+            <a:avLst/>
+          </a:prstGeom>
+          <a:ln w="34925">
+            <a:solidFill>
+              <a:schemeClr val="tx1">
+                <a:lumMod val="95000"/>
+                <a:lumOff val="5000"/>
+              </a:schemeClr>
+            </a:solidFill>
+            <a:headEnd type="oval" w="med" len="lg"/>
+            <a:tailEnd type="oval"/>
+          </a:ln>
+        </p:spPr>
+        <p:style>
+          <a:lnRef idx="1">
+            <a:schemeClr val="accent1"/>
+          </a:lnRef>
+          <a:fillRef idx="0">
+            <a:schemeClr val="accent1"/>
+          </a:fillRef>
+          <a:effectRef idx="0">
+            <a:schemeClr val="accent1"/>
+          </a:effectRef>
+          <a:fontRef idx="minor">
+            <a:schemeClr val="tx1"/>
+          </a:fontRef>
+        </p:style>
+      </p:cxnSp>
+      <p:cxnSp>
+        <p:nvCxnSpPr>
+          <p:cNvPr id="10" name="Straight Connector 9">
+            <a:extLst>
+              <a:ext uri="{FF2B5EF4-FFF2-40B4-BE49-F238E27FC236}">
+                <a16:creationId xmlns:a16="http://schemas.microsoft.com/office/drawing/2014/main" id="{662BBC98-21BF-40D3-ABDF-B72C24DFC997}"/>
+              </a:ext>
+            </a:extLst>
+          </p:cNvPr>
+          <p:cNvCxnSpPr>
+            <a:cxnSpLocks/>
+          </p:cNvCxnSpPr>
+          <p:nvPr/>
+        </p:nvCxnSpPr>
+        <p:spPr>
+          <a:xfrm>
+            <a:off x="8942776" y="1143847"/>
+            <a:ext cx="1241652" cy="893425"/>
+          </a:xfrm>
+          <a:prstGeom prst="line">
+            <a:avLst/>
+          </a:prstGeom>
+          <a:ln w="34925">
+            <a:solidFill>
+              <a:schemeClr val="tx1">
+                <a:lumMod val="95000"/>
+                <a:lumOff val="5000"/>
+              </a:schemeClr>
+            </a:solidFill>
+            <a:headEnd type="oval" w="med" len="lg"/>
+            <a:tailEnd type="oval"/>
+          </a:ln>
+        </p:spPr>
+        <p:style>
+          <a:lnRef idx="1">
+            <a:schemeClr val="accent1"/>
+          </a:lnRef>
+          <a:fillRef idx="0">
+            <a:schemeClr val="accent1"/>
+          </a:fillRef>
+          <a:effectRef idx="0">
+            <a:schemeClr val="accent1"/>
+          </a:effectRef>
+          <a:fontRef idx="minor">
+            <a:schemeClr val="tx1"/>
+          </a:fontRef>
+        </p:style>
+      </p:cxnSp>
+      <p:cxnSp>
+        <p:nvCxnSpPr>
+          <p:cNvPr id="16" name="Straight Connector 15">
+            <a:extLst>
+              <a:ext uri="{FF2B5EF4-FFF2-40B4-BE49-F238E27FC236}">
+                <a16:creationId xmlns:a16="http://schemas.microsoft.com/office/drawing/2014/main" id="{3F575EFD-CACA-4FB4-91F6-4C821308BD97}"/>
+              </a:ext>
+            </a:extLst>
+          </p:cNvPr>
+          <p:cNvCxnSpPr>
+            <a:cxnSpLocks/>
+          </p:cNvCxnSpPr>
+          <p:nvPr/>
+        </p:nvCxnSpPr>
+        <p:spPr>
+          <a:xfrm>
+            <a:off x="8943332" y="1141502"/>
+            <a:ext cx="5729" cy="941430"/>
+          </a:xfrm>
+          <a:prstGeom prst="line">
+            <a:avLst/>
+          </a:prstGeom>
+          <a:ln w="34925">
+            <a:solidFill>
+              <a:schemeClr val="tx1">
+                <a:lumMod val="95000"/>
+                <a:lumOff val="5000"/>
+              </a:schemeClr>
+            </a:solidFill>
+            <a:headEnd type="oval" w="med" len="lg"/>
+            <a:tailEnd type="oval"/>
+          </a:ln>
+        </p:spPr>
+        <p:style>
+          <a:lnRef idx="1">
+            <a:schemeClr val="accent1"/>
+          </a:lnRef>
+          <a:fillRef idx="0">
+            <a:schemeClr val="accent1"/>
+          </a:fillRef>
+          <a:effectRef idx="0">
+            <a:schemeClr val="accent1"/>
+          </a:effectRef>
+          <a:fontRef idx="minor">
+            <a:schemeClr val="tx1"/>
+          </a:fontRef>
+        </p:style>
+      </p:cxnSp>
+      <p:sp>
+        <p:nvSpPr>
+          <p:cNvPr id="19" name="Rectangle 18">
+            <a:extLst>
+              <a:ext uri="{FF2B5EF4-FFF2-40B4-BE49-F238E27FC236}">
+                <a16:creationId xmlns:a16="http://schemas.microsoft.com/office/drawing/2014/main" id="{6FEB324D-BC6E-41AA-B677-849C6CCB97FD}"/>
+              </a:ext>
+            </a:extLst>
+          </p:cNvPr>
+          <p:cNvSpPr/>
+          <p:nvPr/>
+        </p:nvSpPr>
+        <p:spPr>
+          <a:xfrm>
+            <a:off x="8961701" y="1881487"/>
+            <a:ext cx="170220" cy="186445"/>
+          </a:xfrm>
+          <a:prstGeom prst="rect">
+            <a:avLst/>
+          </a:prstGeom>
+          <a:noFill/>
+          <a:ln w="25400"/>
+        </p:spPr>
+        <p:style>
+          <a:lnRef idx="2">
+            <a:schemeClr val="accent1">
+              <a:shade val="50000"/>
+            </a:schemeClr>
+          </a:lnRef>
+          <a:fillRef idx="1">
+            <a:schemeClr val="accent1"/>
+          </a:fillRef>
+          <a:effectRef idx="0">
+            <a:schemeClr val="accent1"/>
+          </a:effectRef>
+          <a:fontRef idx="minor">
+            <a:schemeClr val="lt1"/>
+          </a:fontRef>
+        </p:style>
+        <p:txBody>
+          <a:bodyPr rtlCol="0" anchor="ctr"/>
+          <a:lstStyle/>
+          <a:p>
+            <a:pPr algn="ctr"/>
+            <a:endParaRPr lang="en-US"/>
+          </a:p>
+        </p:txBody>
+      </p:sp>
+      <p:sp>
+        <p:nvSpPr>
+          <p:cNvPr id="20" name="Arc 19">
+            <a:extLst>
+              <a:ext uri="{FF2B5EF4-FFF2-40B4-BE49-F238E27FC236}">
+                <a16:creationId xmlns:a16="http://schemas.microsoft.com/office/drawing/2014/main" id="{F41EBB94-8AF1-4AD5-BCEF-A3B5B172014D}"/>
+              </a:ext>
+            </a:extLst>
+          </p:cNvPr>
+          <p:cNvSpPr/>
+          <p:nvPr/>
+        </p:nvSpPr>
+        <p:spPr>
+          <a:xfrm rot="410400">
+            <a:off x="4474893" y="1904190"/>
+            <a:ext cx="60311" cy="453976"/>
+          </a:xfrm>
+          <a:prstGeom prst="arc">
+            <a:avLst/>
+          </a:prstGeom>
+          <a:ln w="25400"/>
+        </p:spPr>
+        <p:style>
+          <a:lnRef idx="1">
+            <a:schemeClr val="accent1"/>
+          </a:lnRef>
+          <a:fillRef idx="0">
+            <a:schemeClr val="accent1"/>
+          </a:fillRef>
+          <a:effectRef idx="0">
+            <a:schemeClr val="accent1"/>
+          </a:effectRef>
+          <a:fontRef idx="minor">
+            <a:schemeClr val="tx1"/>
+          </a:fontRef>
+        </p:style>
+        <p:txBody>
+          <a:bodyPr rtlCol="0" anchor="ctr"/>
+          <a:lstStyle/>
+          <a:p>
+            <a:pPr algn="ctr"/>
+            <a:endParaRPr lang="en-US"/>
+          </a:p>
+        </p:txBody>
+      </p:sp>
+      <p:sp>
+        <p:nvSpPr>
+          <p:cNvPr id="21" name="Arc 20">
+            <a:extLst>
+              <a:ext uri="{FF2B5EF4-FFF2-40B4-BE49-F238E27FC236}">
+                <a16:creationId xmlns:a16="http://schemas.microsoft.com/office/drawing/2014/main" id="{B67B56BA-4E54-4906-A424-88860CFFE9F2}"/>
+              </a:ext>
+            </a:extLst>
+          </p:cNvPr>
+          <p:cNvSpPr/>
+          <p:nvPr/>
+        </p:nvSpPr>
+        <p:spPr>
+          <a:xfrm rot="12576518">
+            <a:off x="9840984" y="1582104"/>
+            <a:ext cx="95036" cy="489113"/>
+          </a:xfrm>
+          <a:prstGeom prst="arc">
+            <a:avLst/>
+          </a:prstGeom>
+          <a:ln w="25400"/>
+        </p:spPr>
+        <p:style>
+          <a:lnRef idx="1">
+            <a:schemeClr val="accent1"/>
+          </a:lnRef>
+          <a:fillRef idx="0">
+            <a:schemeClr val="accent1"/>
+          </a:fillRef>
+          <a:effectRef idx="0">
+            <a:schemeClr val="accent1"/>
+          </a:effectRef>
+          <a:fontRef idx="minor">
+            <a:schemeClr val="tx1"/>
+          </a:fontRef>
+        </p:style>
+        <p:txBody>
+          <a:bodyPr rtlCol="0" anchor="ctr"/>
+          <a:lstStyle/>
+          <a:p>
+            <a:pPr algn="ctr"/>
+            <a:endParaRPr lang="en-US"/>
+          </a:p>
+        </p:txBody>
+      </p:sp>
+      <p:sp>
+        <p:nvSpPr>
+          <p:cNvPr id="22" name="TextBox 21">
+            <a:extLst>
+              <a:ext uri="{FF2B5EF4-FFF2-40B4-BE49-F238E27FC236}">
+                <a16:creationId xmlns:a16="http://schemas.microsoft.com/office/drawing/2014/main" id="{9621AA1A-194B-433F-8BC8-50BA5C60A0F5}"/>
+              </a:ext>
+            </a:extLst>
+          </p:cNvPr>
+          <p:cNvSpPr txBox="1"/>
+          <p:nvPr/>
+        </p:nvSpPr>
+        <p:spPr>
+          <a:xfrm flipH="1">
+            <a:off x="9531225" y="1242885"/>
+            <a:ext cx="432029" cy="369332"/>
+          </a:xfrm>
+          <a:prstGeom prst="rect">
+            <a:avLst/>
+          </a:prstGeom>
+          <a:noFill/>
+        </p:spPr>
+        <p:txBody>
+          <a:bodyPr wrap="square" rtlCol="0">
+            <a:spAutoFit/>
+          </a:bodyPr>
+          <a:lstStyle/>
+          <a:p>
+            <a:r>
+              <a:rPr lang="en-US" dirty="0"/>
+              <a:t>R</a:t>
+            </a:r>
+            <a:r>
+              <a:rPr lang="en-US" baseline="-25000" dirty="0"/>
+              <a:t>e</a:t>
+            </a:r>
+          </a:p>
+        </p:txBody>
+      </p:sp>
+      <p:sp>
+        <p:nvSpPr>
+          <p:cNvPr id="29" name="TextBox 28">
+            <a:extLst>
+              <a:ext uri="{FF2B5EF4-FFF2-40B4-BE49-F238E27FC236}">
+                <a16:creationId xmlns:a16="http://schemas.microsoft.com/office/drawing/2014/main" id="{4804FAF1-AE02-4084-AA46-C24F9B058E78}"/>
+              </a:ext>
+            </a:extLst>
+          </p:cNvPr>
+          <p:cNvSpPr txBox="1"/>
+          <p:nvPr/>
+        </p:nvSpPr>
+        <p:spPr>
+          <a:xfrm flipH="1">
+            <a:off x="10157185" y="2041675"/>
+            <a:ext cx="514162" cy="369332"/>
+          </a:xfrm>
+          <a:prstGeom prst="rect">
+            <a:avLst/>
+          </a:prstGeom>
+          <a:noFill/>
+        </p:spPr>
+        <p:txBody>
+          <a:bodyPr wrap="square" rtlCol="0">
+            <a:spAutoFit/>
+          </a:bodyPr>
+          <a:lstStyle/>
+          <a:p>
+            <a:r>
+              <a:rPr lang="en-US" dirty="0"/>
+              <a:t>C</a:t>
+            </a:r>
+          </a:p>
+        </p:txBody>
+      </p:sp>
+      <p:sp>
+        <p:nvSpPr>
+          <p:cNvPr id="31" name="TextBox 30">
+            <a:extLst>
+              <a:ext uri="{FF2B5EF4-FFF2-40B4-BE49-F238E27FC236}">
+                <a16:creationId xmlns:a16="http://schemas.microsoft.com/office/drawing/2014/main" id="{E3D00DFD-5FA6-4099-9F1B-ADDE37913124}"/>
+              </a:ext>
+            </a:extLst>
+          </p:cNvPr>
+          <p:cNvSpPr txBox="1"/>
+          <p:nvPr/>
+        </p:nvSpPr>
+        <p:spPr>
+          <a:xfrm flipH="1">
+            <a:off x="2887480" y="1902214"/>
+            <a:ext cx="335410" cy="369332"/>
+          </a:xfrm>
+          <a:prstGeom prst="rect">
+            <a:avLst/>
+          </a:prstGeom>
+          <a:noFill/>
+        </p:spPr>
+        <p:txBody>
+          <a:bodyPr wrap="square" rtlCol="0">
+            <a:spAutoFit/>
+          </a:bodyPr>
+          <a:lstStyle/>
+          <a:p>
+            <a:r>
+              <a:rPr lang="en-US" dirty="0"/>
+              <a:t>N</a:t>
+            </a:r>
+          </a:p>
+        </p:txBody>
+      </p:sp>
+      <p:sp>
+        <p:nvSpPr>
+          <p:cNvPr id="49" name="TextBox 48">
+            <a:extLst>
+              <a:ext uri="{FF2B5EF4-FFF2-40B4-BE49-F238E27FC236}">
+                <a16:creationId xmlns:a16="http://schemas.microsoft.com/office/drawing/2014/main" id="{1C8BD9D2-2016-4467-A1B1-484A9FA2550F}"/>
+              </a:ext>
+            </a:extLst>
+          </p:cNvPr>
+          <p:cNvSpPr txBox="1"/>
+          <p:nvPr/>
+        </p:nvSpPr>
+        <p:spPr>
+          <a:xfrm flipH="1">
+            <a:off x="7076393" y="519346"/>
+            <a:ext cx="1924784" cy="369332"/>
+          </a:xfrm>
+          <a:prstGeom prst="rect">
+            <a:avLst/>
+          </a:prstGeom>
+          <a:noFill/>
+        </p:spPr>
+        <p:txBody>
+          <a:bodyPr wrap="square" rtlCol="0">
+            <a:spAutoFit/>
+          </a:bodyPr>
+          <a:lstStyle/>
+          <a:p>
+            <a:r>
+              <a:rPr lang="en-US" dirty="0"/>
+              <a:t>MPC Observatory</a:t>
+            </a:r>
+          </a:p>
+        </p:txBody>
+      </p:sp>
+      <p:sp>
+        <p:nvSpPr>
+          <p:cNvPr id="23" name="TextBox 22">
+            <a:extLst>
+              <a:ext uri="{FF2B5EF4-FFF2-40B4-BE49-F238E27FC236}">
+                <a16:creationId xmlns:a16="http://schemas.microsoft.com/office/drawing/2014/main" id="{3E615A88-B004-4736-9296-1E28A2E24404}"/>
+              </a:ext>
+            </a:extLst>
+          </p:cNvPr>
+          <p:cNvSpPr txBox="1"/>
+          <p:nvPr/>
+        </p:nvSpPr>
+        <p:spPr>
+          <a:xfrm flipH="1">
+            <a:off x="8678911" y="2064311"/>
+            <a:ext cx="263865" cy="369332"/>
+          </a:xfrm>
+          <a:prstGeom prst="rect">
+            <a:avLst/>
+          </a:prstGeom>
+          <a:noFill/>
+        </p:spPr>
+        <p:txBody>
+          <a:bodyPr wrap="square" rtlCol="0">
+            <a:spAutoFit/>
+          </a:bodyPr>
+          <a:lstStyle/>
+          <a:p>
+            <a:r>
+              <a:rPr lang="en-US" dirty="0"/>
+              <a:t>B</a:t>
+            </a:r>
+          </a:p>
+        </p:txBody>
+      </p:sp>
+      <mc:AlternateContent xmlns:mc="http://schemas.openxmlformats.org/markup-compatibility/2006">
+        <mc:Choice xmlns:a14="http://schemas.microsoft.com/office/drawing/2010/main" Requires="a14">
+          <p:sp>
+            <p:nvSpPr>
+              <p:cNvPr id="2" name="TextBox 1">
+                <a:extLst>
+                  <a:ext uri="{FF2B5EF4-FFF2-40B4-BE49-F238E27FC236}">
+                    <a16:creationId xmlns:a16="http://schemas.microsoft.com/office/drawing/2014/main" id="{2CA4D580-9F70-4F0B-B269-6B50D60288EA}"/>
+                  </a:ext>
+                </a:extLst>
+              </p:cNvPr>
+              <p:cNvSpPr txBox="1"/>
+              <p:nvPr/>
+            </p:nvSpPr>
+            <p:spPr>
+              <a:xfrm>
+                <a:off x="564984" y="3243016"/>
+                <a:ext cx="4109971" cy="276999"/>
+              </a:xfrm>
+              <a:prstGeom prst="rect">
+                <a:avLst/>
+              </a:prstGeom>
+              <a:noFill/>
+            </p:spPr>
+            <p:txBody>
+              <a:bodyPr wrap="none" lIns="0" tIns="0" rIns="0" bIns="0" rtlCol="0">
+                <a:spAutoFit/>
+              </a:bodyPr>
+              <a:lstStyle/>
+              <a:p>
+                <a14:m>
+                  <m:oMathPara xmlns:m="http://schemas.openxmlformats.org/officeDocument/2006/math">
+                    <m:oMathParaPr>
+                      <m:jc m:val="centerGroup"/>
+                    </m:oMathParaPr>
+                    <m:oMath xmlns:m="http://schemas.openxmlformats.org/officeDocument/2006/math">
+                      <m:r>
+                        <a:rPr lang="en-US" i="1" smtClean="0">
+                          <a:latin typeface="Cambria Math" panose="02040503050406030204" pitchFamily="18" charset="0"/>
+                        </a:rPr>
+                        <m:t>𝐷𝑖𝑠𝑡𝑎𝑛𝑐𝑒</m:t>
+                      </m:r>
+                      <m:r>
+                        <a:rPr lang="en-US" i="1" baseline="-25000">
+                          <a:latin typeface="Cambria Math" panose="02040503050406030204" pitchFamily="18" charset="0"/>
+                        </a:rPr>
+                        <m:t>𝐶𝑁</m:t>
+                      </m:r>
+                      <m:r>
+                        <a:rPr lang="en-US" b="0" i="1" smtClean="0">
+                          <a:latin typeface="Cambria Math" panose="02040503050406030204" pitchFamily="18" charset="0"/>
+                        </a:rPr>
+                        <m:t>=</m:t>
+                      </m:r>
+                      <m:r>
+                        <a:rPr lang="en-US" i="1">
+                          <a:latin typeface="Cambria Math" panose="02040503050406030204" pitchFamily="18" charset="0"/>
+                        </a:rPr>
+                        <m:t>𝐷𝑖𝑠𝑡𝑎𝑛𝑐𝑒</m:t>
+                      </m:r>
+                      <m:r>
+                        <a:rPr lang="en-US" b="0" i="1" baseline="-25000" smtClean="0">
+                          <a:latin typeface="Cambria Math" panose="02040503050406030204" pitchFamily="18" charset="0"/>
+                        </a:rPr>
+                        <m:t>𝑁𝐵</m:t>
+                      </m:r>
+                      <m:r>
+                        <a:rPr lang="en-US" b="0" i="1" smtClean="0">
+                          <a:latin typeface="Cambria Math" panose="02040503050406030204" pitchFamily="18" charset="0"/>
+                        </a:rPr>
+                        <m:t>+</m:t>
+                      </m:r>
+                      <m:r>
+                        <a:rPr lang="en-US" i="1">
+                          <a:latin typeface="Cambria Math" panose="02040503050406030204" pitchFamily="18" charset="0"/>
+                        </a:rPr>
+                        <m:t>𝐷𝑖𝑠𝑡𝑎𝑛𝑐𝑒</m:t>
+                      </m:r>
+                      <m:r>
+                        <a:rPr lang="en-US" b="0" i="1" baseline="-25000" smtClean="0">
+                          <a:latin typeface="Cambria Math" panose="02040503050406030204" pitchFamily="18" charset="0"/>
+                        </a:rPr>
+                        <m:t>𝐵𝐶</m:t>
+                      </m:r>
+                    </m:oMath>
+                  </m:oMathPara>
+                </a14:m>
+                <a:endParaRPr lang="en-US" dirty="0"/>
+              </a:p>
+            </p:txBody>
+          </p:sp>
+        </mc:Choice>
+        <mc:Fallback>
+          <p:sp>
+            <p:nvSpPr>
+              <p:cNvPr id="2" name="TextBox 1">
+                <a:extLst>
+                  <a:ext uri="{FF2B5EF4-FFF2-40B4-BE49-F238E27FC236}">
+                    <a16:creationId xmlns:a16="http://schemas.microsoft.com/office/drawing/2014/main" id="{2CA4D580-9F70-4F0B-B269-6B50D60288EA}"/>
+                  </a:ext>
+                </a:extLst>
+              </p:cNvPr>
+              <p:cNvSpPr txBox="1">
+                <a:spLocks noRot="1" noChangeAspect="1" noMove="1" noResize="1" noEditPoints="1" noAdjustHandles="1" noChangeArrowheads="1" noChangeShapeType="1" noTextEdit="1"/>
+              </p:cNvSpPr>
+              <p:nvPr/>
+            </p:nvSpPr>
+            <p:spPr>
+              <a:xfrm>
+                <a:off x="564984" y="3243016"/>
+                <a:ext cx="4109971" cy="276999"/>
+              </a:xfrm>
+              <a:prstGeom prst="rect">
+                <a:avLst/>
+              </a:prstGeom>
+              <a:blipFill>
+                <a:blip r:embed="rId2"/>
+                <a:stretch>
+                  <a:fillRect b="-15556"/>
+                </a:stretch>
+              </a:blipFill>
+            </p:spPr>
+            <p:txBody>
+              <a:bodyPr/>
+              <a:lstStyle/>
+              <a:p>
+                <a:r>
+                  <a:rPr lang="en-US">
+                    <a:noFill/>
+                  </a:rPr>
+                  <a:t> </a:t>
+                </a:r>
+              </a:p>
+            </p:txBody>
+          </p:sp>
+        </mc:Fallback>
+      </mc:AlternateContent>
+      <p:sp>
+        <p:nvSpPr>
+          <p:cNvPr id="3" name="Oval 2">
+            <a:extLst>
+              <a:ext uri="{FF2B5EF4-FFF2-40B4-BE49-F238E27FC236}">
+                <a16:creationId xmlns:a16="http://schemas.microsoft.com/office/drawing/2014/main" id="{2B2E8C3C-E408-4C6F-8BC8-DB421DF1AEFD}"/>
+              </a:ext>
+            </a:extLst>
+          </p:cNvPr>
+          <p:cNvSpPr/>
+          <p:nvPr/>
+        </p:nvSpPr>
+        <p:spPr>
+          <a:xfrm>
+            <a:off x="9414552" y="665546"/>
+            <a:ext cx="106330" cy="118830"/>
+          </a:xfrm>
+          <a:prstGeom prst="ellipse">
+            <a:avLst/>
+          </a:prstGeom>
+        </p:spPr>
+        <p:style>
+          <a:lnRef idx="2">
+            <a:schemeClr val="dk1">
+              <a:shade val="50000"/>
+            </a:schemeClr>
+          </a:lnRef>
+          <a:fillRef idx="1">
+            <a:schemeClr val="dk1"/>
+          </a:fillRef>
+          <a:effectRef idx="0">
+            <a:schemeClr val="dk1"/>
+          </a:effectRef>
+          <a:fontRef idx="minor">
+            <a:schemeClr val="lt1"/>
+          </a:fontRef>
+        </p:style>
+        <p:txBody>
+          <a:bodyPr rtlCol="0" anchor="ctr"/>
+          <a:lstStyle/>
+          <a:p>
+            <a:pPr algn="ctr"/>
+            <a:endParaRPr lang="en-US"/>
+          </a:p>
+        </p:txBody>
+      </p:sp>
+      <mc:AlternateContent xmlns:mc="http://schemas.openxmlformats.org/markup-compatibility/2006">
+        <mc:Choice xmlns:a14="http://schemas.microsoft.com/office/drawing/2010/main" Requires="a14">
+          <p:sp>
+            <p:nvSpPr>
+              <p:cNvPr id="5" name="TextBox 4">
+                <a:extLst>
+                  <a:ext uri="{FF2B5EF4-FFF2-40B4-BE49-F238E27FC236}">
+                    <a16:creationId xmlns:a16="http://schemas.microsoft.com/office/drawing/2014/main" id="{26CABB56-A01B-446A-BA14-4BE3818877B5}"/>
+                  </a:ext>
+                </a:extLst>
+              </p:cNvPr>
+              <p:cNvSpPr txBox="1"/>
+              <p:nvPr/>
+            </p:nvSpPr>
+            <p:spPr>
+              <a:xfrm>
+                <a:off x="564984" y="3656035"/>
+                <a:ext cx="3111365" cy="276999"/>
+              </a:xfrm>
+              <a:prstGeom prst="rect">
+                <a:avLst/>
+              </a:prstGeom>
+              <a:noFill/>
+            </p:spPr>
+            <p:txBody>
+              <a:bodyPr wrap="none" lIns="0" tIns="0" rIns="0" bIns="0" rtlCol="0">
+                <a:spAutoFit/>
+              </a:bodyPr>
+              <a:lstStyle/>
+              <a:p>
+                <a14:m>
+                  <m:oMathPara xmlns:m="http://schemas.openxmlformats.org/officeDocument/2006/math">
+                    <m:oMathParaPr>
+                      <m:jc m:val="centerGroup"/>
+                    </m:oMathParaPr>
+                    <m:oMath xmlns:m="http://schemas.openxmlformats.org/officeDocument/2006/math">
+                      <m:r>
+                        <a:rPr lang="en-US" b="0" i="1" dirty="0" smtClean="0">
+                          <a:latin typeface="Cambria Math" panose="02040503050406030204" pitchFamily="18" charset="0"/>
+                        </a:rPr>
+                        <m:t>𝐷𝑖𝑠𝑡𝑎𝑛𝑐𝑒</m:t>
+                      </m:r>
+                      <m:r>
+                        <a:rPr lang="en-US" b="0" i="1" baseline="-25000" dirty="0" smtClean="0">
+                          <a:latin typeface="Cambria Math" panose="02040503050406030204" pitchFamily="18" charset="0"/>
+                        </a:rPr>
+                        <m:t>𝐵𝐶</m:t>
+                      </m:r>
+                      <m:r>
+                        <a:rPr lang="en-US" b="0" i="1" dirty="0" smtClean="0">
+                          <a:latin typeface="Cambria Math" panose="02040503050406030204" pitchFamily="18" charset="0"/>
+                        </a:rPr>
+                        <m:t>= </m:t>
+                      </m:r>
+                      <m:r>
+                        <a:rPr lang="en-US" i="1" dirty="0">
+                          <a:latin typeface="Cambria Math" panose="02040503050406030204" pitchFamily="18" charset="0"/>
+                        </a:rPr>
+                        <m:t>𝑅</m:t>
+                      </m:r>
+                      <m:r>
+                        <a:rPr lang="en-US" i="1" baseline="-25000" dirty="0">
+                          <a:latin typeface="Cambria Math" panose="02040503050406030204" pitchFamily="18" charset="0"/>
+                        </a:rPr>
+                        <m:t>𝑒</m:t>
+                      </m:r>
+                      <m:r>
+                        <a:rPr lang="en-US" i="1" dirty="0">
+                          <a:latin typeface="Cambria Math" panose="02040503050406030204" pitchFamily="18" charset="0"/>
+                        </a:rPr>
+                        <m:t>∗</m:t>
+                      </m:r>
+                      <m:r>
+                        <a:rPr lang="en-US" i="1" dirty="0">
+                          <a:latin typeface="Cambria Math" panose="02040503050406030204" pitchFamily="18" charset="0"/>
+                        </a:rPr>
+                        <m:t>𝐶𝑜𝑠</m:t>
+                      </m:r>
+                      <m:d>
+                        <m:dPr>
+                          <m:ctrlPr>
+                            <a:rPr lang="en-US" i="1" dirty="0">
+                              <a:latin typeface="Cambria Math" panose="02040503050406030204" pitchFamily="18" charset="0"/>
+                            </a:rPr>
+                          </m:ctrlPr>
+                        </m:dPr>
+                        <m:e>
+                          <m:r>
+                            <a:rPr lang="en-US" i="1" dirty="0" smtClean="0">
+                              <a:latin typeface="Cambria Math" panose="02040503050406030204" pitchFamily="18" charset="0"/>
+                              <a:ea typeface="Cambria Math" panose="02040503050406030204" pitchFamily="18" charset="0"/>
+                            </a:rPr>
+                            <m:t>∆</m:t>
+                          </m:r>
+                          <m:r>
+                            <a:rPr lang="en-US" i="1" dirty="0" err="1">
+                              <a:latin typeface="Cambria Math" panose="02040503050406030204" pitchFamily="18" charset="0"/>
+                            </a:rPr>
+                            <m:t>𝐿𝑎𝑡</m:t>
+                          </m:r>
+                        </m:e>
+                      </m:d>
+                    </m:oMath>
+                  </m:oMathPara>
+                </a14:m>
+                <a:endParaRPr lang="en-US" dirty="0"/>
+              </a:p>
+            </p:txBody>
+          </p:sp>
+        </mc:Choice>
+        <mc:Fallback>
+          <p:sp>
+            <p:nvSpPr>
+              <p:cNvPr id="5" name="TextBox 4">
+                <a:extLst>
+                  <a:ext uri="{FF2B5EF4-FFF2-40B4-BE49-F238E27FC236}">
+                    <a16:creationId xmlns:a16="http://schemas.microsoft.com/office/drawing/2014/main" id="{26CABB56-A01B-446A-BA14-4BE3818877B5}"/>
+                  </a:ext>
+                </a:extLst>
+              </p:cNvPr>
+              <p:cNvSpPr txBox="1">
+                <a:spLocks noRot="1" noChangeAspect="1" noMove="1" noResize="1" noEditPoints="1" noAdjustHandles="1" noChangeArrowheads="1" noChangeShapeType="1" noTextEdit="1"/>
+              </p:cNvSpPr>
+              <p:nvPr/>
+            </p:nvSpPr>
+            <p:spPr>
+              <a:xfrm>
+                <a:off x="564984" y="3656035"/>
+                <a:ext cx="3111365" cy="276999"/>
+              </a:xfrm>
+              <a:prstGeom prst="rect">
+                <a:avLst/>
+              </a:prstGeom>
+              <a:blipFill>
+                <a:blip r:embed="rId3"/>
+                <a:stretch>
+                  <a:fillRect b="-15556"/>
+                </a:stretch>
+              </a:blipFill>
+            </p:spPr>
+            <p:txBody>
+              <a:bodyPr/>
+              <a:lstStyle/>
+              <a:p>
+                <a:r>
+                  <a:rPr lang="en-US">
+                    <a:noFill/>
+                  </a:rPr>
+                  <a:t> </a:t>
+                </a:r>
+              </a:p>
+            </p:txBody>
+          </p:sp>
+        </mc:Fallback>
+      </mc:AlternateContent>
+      <mc:AlternateContent xmlns:mc="http://schemas.openxmlformats.org/markup-compatibility/2006">
+        <mc:Choice xmlns:a14="http://schemas.microsoft.com/office/drawing/2010/main" Requires="a14">
+          <p:sp>
+            <p:nvSpPr>
+              <p:cNvPr id="8" name="TextBox 7">
+                <a:extLst>
+                  <a:ext uri="{FF2B5EF4-FFF2-40B4-BE49-F238E27FC236}">
+                    <a16:creationId xmlns:a16="http://schemas.microsoft.com/office/drawing/2014/main" id="{22A0DAB9-03D4-4B8A-91DA-B4FDA695A2D0}"/>
+                  </a:ext>
+                </a:extLst>
+              </p:cNvPr>
+              <p:cNvSpPr txBox="1"/>
+              <p:nvPr/>
+            </p:nvSpPr>
+            <p:spPr>
+              <a:xfrm>
+                <a:off x="564984" y="2829997"/>
+                <a:ext cx="2220864" cy="276999"/>
+              </a:xfrm>
+              <a:prstGeom prst="rect">
+                <a:avLst/>
+              </a:prstGeom>
+              <a:noFill/>
+            </p:spPr>
+            <p:txBody>
+              <a:bodyPr wrap="none" lIns="0" tIns="0" rIns="0" bIns="0" rtlCol="0">
+                <a:spAutoFit/>
+              </a:bodyPr>
+              <a:lstStyle/>
+              <a:p>
+                <a14:m>
+                  <m:oMathPara xmlns:m="http://schemas.openxmlformats.org/officeDocument/2006/math">
+                    <m:oMathParaPr>
+                      <m:jc m:val="centerGroup"/>
+                    </m:oMathParaPr>
+                    <m:oMath xmlns:m="http://schemas.openxmlformats.org/officeDocument/2006/math">
+                      <m:r>
+                        <a:rPr lang="en-US" b="0" i="1" smtClean="0">
+                          <a:latin typeface="Cambria Math" panose="02040503050406030204" pitchFamily="18" charset="0"/>
+                          <a:ea typeface="Cambria Math" panose="02040503050406030204" pitchFamily="18" charset="0"/>
+                        </a:rPr>
+                        <m:t>∆</m:t>
+                      </m:r>
+                      <m:r>
+                        <a:rPr lang="en-US" b="0" i="1" smtClean="0">
+                          <a:latin typeface="Cambria Math" panose="02040503050406030204" pitchFamily="18" charset="0"/>
+                        </a:rPr>
+                        <m:t>𝐿𝑎𝑡</m:t>
+                      </m:r>
+                      <m:r>
+                        <a:rPr lang="en-US" b="0" i="1" smtClean="0">
+                          <a:latin typeface="Cambria Math" panose="02040503050406030204" pitchFamily="18" charset="0"/>
+                        </a:rPr>
+                        <m:t>=</m:t>
+                      </m:r>
+                      <m:sSub>
+                        <m:sSubPr>
+                          <m:ctrlPr>
+                            <a:rPr lang="en-US" b="0" i="1" smtClean="0">
+                              <a:latin typeface="Cambria Math" panose="02040503050406030204" pitchFamily="18" charset="0"/>
+                            </a:rPr>
+                          </m:ctrlPr>
+                        </m:sSubPr>
+                        <m:e>
+                          <m:r>
+                            <a:rPr lang="en-US" b="0" i="1" smtClean="0">
+                              <a:latin typeface="Cambria Math" panose="02040503050406030204" pitchFamily="18" charset="0"/>
+                            </a:rPr>
+                            <m:t>𝐿𝑎𝑡</m:t>
+                          </m:r>
+                        </m:e>
+                        <m:sub>
+                          <m:r>
+                            <a:rPr lang="en-US" b="0" i="1" smtClean="0">
+                              <a:latin typeface="Cambria Math" panose="02040503050406030204" pitchFamily="18" charset="0"/>
+                            </a:rPr>
+                            <m:t>𝑀</m:t>
+                          </m:r>
+                        </m:sub>
+                      </m:sSub>
+                      <m:r>
+                        <a:rPr lang="en-US" b="0" i="1" smtClean="0">
+                          <a:latin typeface="Cambria Math" panose="02040503050406030204" pitchFamily="18" charset="0"/>
+                        </a:rPr>
+                        <m:t> −</m:t>
+                      </m:r>
+                      <m:sSub>
+                        <m:sSubPr>
+                          <m:ctrlPr>
+                            <a:rPr lang="en-US" b="0" i="1" smtClean="0">
+                              <a:latin typeface="Cambria Math" panose="02040503050406030204" pitchFamily="18" charset="0"/>
+                            </a:rPr>
+                          </m:ctrlPr>
+                        </m:sSubPr>
+                        <m:e>
+                          <m:r>
+                            <a:rPr lang="en-US" b="0" i="1" smtClean="0">
+                              <a:latin typeface="Cambria Math" panose="02040503050406030204" pitchFamily="18" charset="0"/>
+                            </a:rPr>
+                            <m:t>𝐷𝑒𝑐</m:t>
+                          </m:r>
+                        </m:e>
+                        <m:sub>
+                          <m:r>
+                            <a:rPr lang="en-US" b="0" i="1" smtClean="0">
+                              <a:latin typeface="Cambria Math" panose="02040503050406030204" pitchFamily="18" charset="0"/>
+                            </a:rPr>
+                            <m:t>𝐺</m:t>
+                          </m:r>
+                        </m:sub>
+                      </m:sSub>
+                    </m:oMath>
+                  </m:oMathPara>
+                </a14:m>
+                <a:endParaRPr lang="en-US" dirty="0"/>
+              </a:p>
+            </p:txBody>
+          </p:sp>
+        </mc:Choice>
+        <mc:Fallback>
+          <p:sp>
+            <p:nvSpPr>
+              <p:cNvPr id="8" name="TextBox 7">
+                <a:extLst>
+                  <a:ext uri="{FF2B5EF4-FFF2-40B4-BE49-F238E27FC236}">
+                    <a16:creationId xmlns:a16="http://schemas.microsoft.com/office/drawing/2014/main" id="{22A0DAB9-03D4-4B8A-91DA-B4FDA695A2D0}"/>
+                  </a:ext>
+                </a:extLst>
+              </p:cNvPr>
+              <p:cNvSpPr txBox="1">
+                <a:spLocks noRot="1" noChangeAspect="1" noMove="1" noResize="1" noEditPoints="1" noAdjustHandles="1" noChangeArrowheads="1" noChangeShapeType="1" noTextEdit="1"/>
+              </p:cNvSpPr>
+              <p:nvPr/>
+            </p:nvSpPr>
+            <p:spPr>
+              <a:xfrm>
+                <a:off x="564984" y="2829997"/>
+                <a:ext cx="2220864" cy="276999"/>
+              </a:xfrm>
+              <a:prstGeom prst="rect">
+                <a:avLst/>
+              </a:prstGeom>
+              <a:blipFill>
+                <a:blip r:embed="rId4"/>
+                <a:stretch>
+                  <a:fillRect l="-1099" b="-15217"/>
+                </a:stretch>
+              </a:blipFill>
+            </p:spPr>
+            <p:txBody>
+              <a:bodyPr/>
+              <a:lstStyle/>
+              <a:p>
+                <a:r>
+                  <a:rPr lang="en-US">
+                    <a:noFill/>
+                  </a:rPr>
+                  <a:t> </a:t>
+                </a:r>
+              </a:p>
+            </p:txBody>
+          </p:sp>
+        </mc:Fallback>
+      </mc:AlternateContent>
+      <mc:AlternateContent xmlns:mc="http://schemas.openxmlformats.org/markup-compatibility/2006">
+        <mc:Choice xmlns:a14="http://schemas.microsoft.com/office/drawing/2010/main" Requires="a14">
+          <p:sp>
+            <p:nvSpPr>
+              <p:cNvPr id="9" name="TextBox 8">
+                <a:extLst>
+                  <a:ext uri="{FF2B5EF4-FFF2-40B4-BE49-F238E27FC236}">
+                    <a16:creationId xmlns:a16="http://schemas.microsoft.com/office/drawing/2014/main" id="{5843CEB4-4A1D-4B11-A90A-1AD5F61E4344}"/>
+                  </a:ext>
+                </a:extLst>
+              </p:cNvPr>
+              <p:cNvSpPr txBox="1"/>
+              <p:nvPr/>
+            </p:nvSpPr>
+            <p:spPr>
+              <a:xfrm>
+                <a:off x="618423" y="2433643"/>
+                <a:ext cx="2220864" cy="276999"/>
+              </a:xfrm>
+              <a:prstGeom prst="rect">
+                <a:avLst/>
+              </a:prstGeom>
+              <a:noFill/>
+            </p:spPr>
+            <p:txBody>
+              <a:bodyPr wrap="square" lIns="0" tIns="0" rIns="0" bIns="0" rtlCol="0">
+                <a:spAutoFit/>
+              </a:bodyPr>
+              <a:lstStyle/>
+              <a:p>
+                <a14:m>
+                  <m:oMath xmlns:m="http://schemas.openxmlformats.org/officeDocument/2006/math">
+                    <m:r>
+                      <a:rPr lang="en-US" b="0" i="1" smtClean="0">
+                        <a:latin typeface="Cambria Math" panose="02040503050406030204" pitchFamily="18" charset="0"/>
+                        <a:ea typeface="Cambria Math" panose="02040503050406030204" pitchFamily="18" charset="0"/>
+                      </a:rPr>
+                      <m:t>∆</m:t>
+                    </m:r>
+                    <m:r>
+                      <a:rPr lang="en-US" b="0" i="1" smtClean="0">
+                        <a:latin typeface="Cambria Math" panose="02040503050406030204" pitchFamily="18" charset="0"/>
+                      </a:rPr>
+                      <m:t>𝐷𝑒𝑐</m:t>
+                    </m:r>
+                    <m:r>
+                      <a:rPr lang="en-US" b="0" i="1" smtClean="0">
+                        <a:latin typeface="Cambria Math" panose="02040503050406030204" pitchFamily="18" charset="0"/>
+                      </a:rPr>
+                      <m:t>= </m:t>
+                    </m:r>
+                    <m:sSub>
+                      <m:sSubPr>
+                        <m:ctrlPr>
+                          <a:rPr lang="en-US" b="0" i="1" smtClean="0">
+                            <a:latin typeface="Cambria Math" panose="02040503050406030204" pitchFamily="18" charset="0"/>
+                          </a:rPr>
+                        </m:ctrlPr>
+                      </m:sSubPr>
+                      <m:e>
+                        <m:r>
+                          <a:rPr lang="en-US" b="0" i="1" smtClean="0">
+                            <a:latin typeface="Cambria Math" panose="02040503050406030204" pitchFamily="18" charset="0"/>
+                          </a:rPr>
+                          <m:t>𝐷𝑒𝑐</m:t>
+                        </m:r>
+                      </m:e>
+                      <m:sub>
+                        <m:r>
+                          <a:rPr lang="en-US" b="0" i="1" smtClean="0">
+                            <a:latin typeface="Cambria Math" panose="02040503050406030204" pitchFamily="18" charset="0"/>
+                          </a:rPr>
+                          <m:t>𝑀</m:t>
+                        </m:r>
+                      </m:sub>
+                    </m:sSub>
+                    <m:r>
+                      <a:rPr lang="en-US" b="0" i="1" smtClean="0">
+                        <a:latin typeface="Cambria Math" panose="02040503050406030204" pitchFamily="18" charset="0"/>
+                      </a:rPr>
+                      <m:t>−</m:t>
+                    </m:r>
+                    <m:sSub>
+                      <m:sSubPr>
+                        <m:ctrlPr>
+                          <a:rPr lang="en-US" b="0" i="1" smtClean="0">
+                            <a:latin typeface="Cambria Math" panose="02040503050406030204" pitchFamily="18" charset="0"/>
+                          </a:rPr>
+                        </m:ctrlPr>
+                      </m:sSubPr>
+                      <m:e>
+                        <m:r>
+                          <a:rPr lang="en-US" b="0" i="1" smtClean="0">
+                            <a:latin typeface="Cambria Math" panose="02040503050406030204" pitchFamily="18" charset="0"/>
+                          </a:rPr>
+                          <m:t>𝐷𝑒𝑐</m:t>
+                        </m:r>
+                      </m:e>
+                      <m:sub>
+                        <m:r>
+                          <a:rPr lang="en-US" b="0" i="1" smtClean="0">
+                            <a:latin typeface="Cambria Math" panose="02040503050406030204" pitchFamily="18" charset="0"/>
+                          </a:rPr>
+                          <m:t>𝐺</m:t>
+                        </m:r>
+                      </m:sub>
+                    </m:sSub>
+                  </m:oMath>
+                </a14:m>
+                <a:r>
+                  <a:rPr lang="en-US" dirty="0"/>
+                  <a:t> </a:t>
+                </a:r>
+              </a:p>
+            </p:txBody>
+          </p:sp>
+        </mc:Choice>
+        <mc:Fallback>
+          <p:sp>
+            <p:nvSpPr>
+              <p:cNvPr id="9" name="TextBox 8">
+                <a:extLst>
+                  <a:ext uri="{FF2B5EF4-FFF2-40B4-BE49-F238E27FC236}">
+                    <a16:creationId xmlns:a16="http://schemas.microsoft.com/office/drawing/2014/main" id="{5843CEB4-4A1D-4B11-A90A-1AD5F61E4344}"/>
+                  </a:ext>
+                </a:extLst>
+              </p:cNvPr>
+              <p:cNvSpPr txBox="1">
+                <a:spLocks noRot="1" noChangeAspect="1" noMove="1" noResize="1" noEditPoints="1" noAdjustHandles="1" noChangeArrowheads="1" noChangeShapeType="1" noTextEdit="1"/>
+              </p:cNvSpPr>
+              <p:nvPr/>
+            </p:nvSpPr>
+            <p:spPr>
+              <a:xfrm>
+                <a:off x="618423" y="2433643"/>
+                <a:ext cx="2220864" cy="276999"/>
+              </a:xfrm>
+              <a:prstGeom prst="rect">
+                <a:avLst/>
+              </a:prstGeom>
+              <a:blipFill>
+                <a:blip r:embed="rId5"/>
+                <a:stretch>
+                  <a:fillRect l="-3562" b="-15217"/>
+                </a:stretch>
+              </a:blipFill>
+            </p:spPr>
+            <p:txBody>
+              <a:bodyPr/>
+              <a:lstStyle/>
+              <a:p>
+                <a:r>
+                  <a:rPr lang="en-US">
+                    <a:noFill/>
+                  </a:rPr>
+                  <a:t> </a:t>
+                </a:r>
+              </a:p>
+            </p:txBody>
+          </p:sp>
+        </mc:Fallback>
+      </mc:AlternateContent>
+      <mc:AlternateContent xmlns:mc="http://schemas.openxmlformats.org/markup-compatibility/2006">
+        <mc:Choice xmlns:a14="http://schemas.microsoft.com/office/drawing/2010/main" Requires="a14">
+          <p:sp>
+            <p:nvSpPr>
+              <p:cNvPr id="30" name="TextBox 29">
+                <a:extLst>
+                  <a:ext uri="{FF2B5EF4-FFF2-40B4-BE49-F238E27FC236}">
+                    <a16:creationId xmlns:a16="http://schemas.microsoft.com/office/drawing/2014/main" id="{2DAFECA7-1182-4987-BBD2-815A8824D29F}"/>
+                  </a:ext>
+                </a:extLst>
+              </p:cNvPr>
+              <p:cNvSpPr txBox="1"/>
+              <p:nvPr/>
+            </p:nvSpPr>
+            <p:spPr>
+              <a:xfrm>
+                <a:off x="4717999" y="1877858"/>
+                <a:ext cx="384785" cy="184666"/>
+              </a:xfrm>
+              <a:prstGeom prst="rect">
+                <a:avLst/>
+              </a:prstGeom>
+              <a:noFill/>
+            </p:spPr>
+            <p:txBody>
+              <a:bodyPr wrap="none" lIns="0" tIns="0" rIns="0" bIns="0" rtlCol="0">
+                <a:spAutoFit/>
+              </a:bodyPr>
+              <a:lstStyle/>
+              <a:p>
+                <a14:m>
+                  <m:oMathPara xmlns:m="http://schemas.openxmlformats.org/officeDocument/2006/math">
+                    <m:oMathParaPr>
+                      <m:jc m:val="centerGroup"/>
+                    </m:oMathParaPr>
+                    <m:oMath xmlns:m="http://schemas.openxmlformats.org/officeDocument/2006/math">
+                      <m:r>
+                        <a:rPr lang="en-US" sz="1200" b="0" i="1" smtClean="0">
+                          <a:latin typeface="Cambria Math" panose="02040503050406030204" pitchFamily="18" charset="0"/>
+                          <a:ea typeface="Cambria Math" panose="02040503050406030204" pitchFamily="18" charset="0"/>
+                        </a:rPr>
+                        <m:t>∆</m:t>
+                      </m:r>
+                      <m:r>
+                        <a:rPr lang="en-US" sz="1200" b="0" i="1" smtClean="0">
+                          <a:latin typeface="Cambria Math" panose="02040503050406030204" pitchFamily="18" charset="0"/>
+                        </a:rPr>
+                        <m:t>𝐷𝑒𝑐</m:t>
+                      </m:r>
+                    </m:oMath>
+                  </m:oMathPara>
+                </a14:m>
+                <a:endParaRPr lang="en-US" sz="1200" dirty="0"/>
+              </a:p>
+            </p:txBody>
+          </p:sp>
+        </mc:Choice>
+        <mc:Fallback>
+          <p:sp>
+            <p:nvSpPr>
+              <p:cNvPr id="30" name="TextBox 29">
+                <a:extLst>
+                  <a:ext uri="{FF2B5EF4-FFF2-40B4-BE49-F238E27FC236}">
+                    <a16:creationId xmlns:a16="http://schemas.microsoft.com/office/drawing/2014/main" id="{2DAFECA7-1182-4987-BBD2-815A8824D29F}"/>
+                  </a:ext>
+                </a:extLst>
+              </p:cNvPr>
+              <p:cNvSpPr txBox="1">
+                <a:spLocks noRot="1" noChangeAspect="1" noMove="1" noResize="1" noEditPoints="1" noAdjustHandles="1" noChangeArrowheads="1" noChangeShapeType="1" noTextEdit="1"/>
+              </p:cNvSpPr>
+              <p:nvPr/>
+            </p:nvSpPr>
+            <p:spPr>
+              <a:xfrm>
+                <a:off x="4717999" y="1877858"/>
+                <a:ext cx="384785" cy="184666"/>
+              </a:xfrm>
+              <a:prstGeom prst="rect">
+                <a:avLst/>
+              </a:prstGeom>
+              <a:blipFill>
+                <a:blip r:embed="rId6"/>
+                <a:stretch>
+                  <a:fillRect l="-9524" r="-7937" b="-6667"/>
+                </a:stretch>
+              </a:blipFill>
+            </p:spPr>
+            <p:txBody>
+              <a:bodyPr/>
+              <a:lstStyle/>
+              <a:p>
+                <a:r>
+                  <a:rPr lang="en-US">
+                    <a:noFill/>
+                  </a:rPr>
+                  <a:t> </a:t>
+                </a:r>
+              </a:p>
+            </p:txBody>
+          </p:sp>
+        </mc:Fallback>
+      </mc:AlternateContent>
+      <mc:AlternateContent xmlns:mc="http://schemas.openxmlformats.org/markup-compatibility/2006">
+        <mc:Choice xmlns:a14="http://schemas.microsoft.com/office/drawing/2010/main" Requires="a14">
+          <p:sp>
+            <p:nvSpPr>
+              <p:cNvPr id="34" name="TextBox 33">
+                <a:extLst>
+                  <a:ext uri="{FF2B5EF4-FFF2-40B4-BE49-F238E27FC236}">
+                    <a16:creationId xmlns:a16="http://schemas.microsoft.com/office/drawing/2014/main" id="{C9B1F538-A03C-4B12-8580-A004207F70A5}"/>
+                  </a:ext>
+                </a:extLst>
+              </p:cNvPr>
+              <p:cNvSpPr txBox="1"/>
+              <p:nvPr/>
+            </p:nvSpPr>
+            <p:spPr>
+              <a:xfrm>
+                <a:off x="9374099" y="1780890"/>
+                <a:ext cx="358047" cy="184666"/>
+              </a:xfrm>
+              <a:prstGeom prst="rect">
+                <a:avLst/>
+              </a:prstGeom>
+              <a:noFill/>
+            </p:spPr>
+            <p:txBody>
+              <a:bodyPr wrap="none" lIns="0" tIns="0" rIns="0" bIns="0" rtlCol="0">
+                <a:spAutoFit/>
+              </a:bodyPr>
+              <a:lstStyle/>
+              <a:p>
+                <a14:m>
+                  <m:oMathPara xmlns:m="http://schemas.openxmlformats.org/officeDocument/2006/math">
+                    <m:oMathParaPr>
+                      <m:jc m:val="centerGroup"/>
+                    </m:oMathParaPr>
+                    <m:oMath xmlns:m="http://schemas.openxmlformats.org/officeDocument/2006/math">
+                      <m:r>
+                        <a:rPr lang="en-US" sz="1200" b="0" i="1" smtClean="0">
+                          <a:latin typeface="Cambria Math" panose="02040503050406030204" pitchFamily="18" charset="0"/>
+                          <a:ea typeface="Cambria Math" panose="02040503050406030204" pitchFamily="18" charset="0"/>
+                        </a:rPr>
+                        <m:t>∆</m:t>
+                      </m:r>
+                      <m:r>
+                        <a:rPr lang="en-US" sz="1200" b="0" i="1" smtClean="0">
+                          <a:latin typeface="Cambria Math" panose="02040503050406030204" pitchFamily="18" charset="0"/>
+                        </a:rPr>
+                        <m:t>𝐿𝑎𝑡</m:t>
+                      </m:r>
+                    </m:oMath>
+                  </m:oMathPara>
+                </a14:m>
+                <a:endParaRPr lang="en-US" sz="1200" dirty="0"/>
+              </a:p>
+            </p:txBody>
+          </p:sp>
+        </mc:Choice>
+        <mc:Fallback>
+          <p:sp>
+            <p:nvSpPr>
+              <p:cNvPr id="34" name="TextBox 33">
+                <a:extLst>
+                  <a:ext uri="{FF2B5EF4-FFF2-40B4-BE49-F238E27FC236}">
+                    <a16:creationId xmlns:a16="http://schemas.microsoft.com/office/drawing/2014/main" id="{C9B1F538-A03C-4B12-8580-A004207F70A5}"/>
+                  </a:ext>
+                </a:extLst>
+              </p:cNvPr>
+              <p:cNvSpPr txBox="1">
+                <a:spLocks noRot="1" noChangeAspect="1" noMove="1" noResize="1" noEditPoints="1" noAdjustHandles="1" noChangeArrowheads="1" noChangeShapeType="1" noTextEdit="1"/>
+              </p:cNvSpPr>
+              <p:nvPr/>
+            </p:nvSpPr>
+            <p:spPr>
+              <a:xfrm>
+                <a:off x="9374099" y="1780890"/>
+                <a:ext cx="358047" cy="184666"/>
+              </a:xfrm>
+              <a:prstGeom prst="rect">
+                <a:avLst/>
+              </a:prstGeom>
+              <a:blipFill>
+                <a:blip r:embed="rId7"/>
+                <a:stretch>
+                  <a:fillRect l="-10345" r="-10345" b="-6667"/>
+                </a:stretch>
+              </a:blipFill>
+            </p:spPr>
+            <p:txBody>
+              <a:bodyPr/>
+              <a:lstStyle/>
+              <a:p>
+                <a:r>
+                  <a:rPr lang="en-US">
+                    <a:noFill/>
+                  </a:rPr>
+                  <a:t> </a:t>
+                </a:r>
+              </a:p>
+            </p:txBody>
+          </p:sp>
+        </mc:Fallback>
+      </mc:AlternateContent>
+      <mc:AlternateContent xmlns:mc="http://schemas.openxmlformats.org/markup-compatibility/2006">
+        <mc:Choice xmlns:a14="http://schemas.microsoft.com/office/drawing/2010/main" Requires="a14">
+          <p:sp>
+            <p:nvSpPr>
+              <p:cNvPr id="12" name="TextBox 11">
+                <a:extLst>
+                  <a:ext uri="{FF2B5EF4-FFF2-40B4-BE49-F238E27FC236}">
+                    <a16:creationId xmlns:a16="http://schemas.microsoft.com/office/drawing/2014/main" id="{3527FFA8-12D6-427E-8024-D0BCBA62AD3D}"/>
+                  </a:ext>
+                </a:extLst>
+              </p:cNvPr>
+              <p:cNvSpPr txBox="1"/>
+              <p:nvPr/>
+            </p:nvSpPr>
+            <p:spPr>
+              <a:xfrm flipH="1">
+                <a:off x="8824126" y="800704"/>
+                <a:ext cx="211709" cy="276999"/>
+              </a:xfrm>
+              <a:prstGeom prst="rect">
+                <a:avLst/>
+              </a:prstGeom>
+              <a:noFill/>
+            </p:spPr>
+            <p:txBody>
+              <a:bodyPr wrap="square" lIns="0" tIns="0" rIns="0" bIns="0" rtlCol="0">
+                <a:spAutoFit/>
+              </a:bodyPr>
+              <a:lstStyle/>
+              <a:p>
+                <a14:m>
+                  <m:oMathPara xmlns:m="http://schemas.openxmlformats.org/officeDocument/2006/math">
+                    <m:oMathParaPr>
+                      <m:jc m:val="centerGroup"/>
+                    </m:oMathParaPr>
+                    <m:oMath xmlns:m="http://schemas.openxmlformats.org/officeDocument/2006/math">
+                      <m:r>
+                        <a:rPr lang="en-US" b="0" i="1" smtClean="0">
+                          <a:latin typeface="Cambria Math" panose="02040503050406030204" pitchFamily="18" charset="0"/>
+                        </a:rPr>
+                        <m:t>𝑀</m:t>
+                      </m:r>
+                    </m:oMath>
+                  </m:oMathPara>
+                </a14:m>
+                <a:endParaRPr lang="en-US" dirty="0"/>
+              </a:p>
+            </p:txBody>
+          </p:sp>
+        </mc:Choice>
+        <mc:Fallback>
+          <p:sp>
+            <p:nvSpPr>
+              <p:cNvPr id="12" name="TextBox 11">
+                <a:extLst>
+                  <a:ext uri="{FF2B5EF4-FFF2-40B4-BE49-F238E27FC236}">
+                    <a16:creationId xmlns:a16="http://schemas.microsoft.com/office/drawing/2014/main" id="{3527FFA8-12D6-427E-8024-D0BCBA62AD3D}"/>
+                  </a:ext>
+                </a:extLst>
+              </p:cNvPr>
+              <p:cNvSpPr txBox="1">
+                <a:spLocks noRot="1" noChangeAspect="1" noMove="1" noResize="1" noEditPoints="1" noAdjustHandles="1" noChangeArrowheads="1" noChangeShapeType="1" noTextEdit="1"/>
+              </p:cNvSpPr>
+              <p:nvPr/>
+            </p:nvSpPr>
+            <p:spPr>
+              <a:xfrm flipH="1">
+                <a:off x="8824126" y="800704"/>
+                <a:ext cx="211709" cy="276999"/>
+              </a:xfrm>
+              <a:prstGeom prst="rect">
+                <a:avLst/>
+              </a:prstGeom>
+              <a:blipFill>
+                <a:blip r:embed="rId8"/>
+                <a:stretch>
+                  <a:fillRect l="-38235" r="-35294" b="-6522"/>
+                </a:stretch>
+              </a:blipFill>
+            </p:spPr>
+            <p:txBody>
+              <a:bodyPr/>
+              <a:lstStyle/>
+              <a:p>
+                <a:r>
+                  <a:rPr lang="en-US">
+                    <a:noFill/>
+                  </a:rPr>
+                  <a:t> </a:t>
+                </a:r>
+              </a:p>
+            </p:txBody>
+          </p:sp>
+        </mc:Fallback>
+      </mc:AlternateContent>
+      <p:grpSp>
+        <p:nvGrpSpPr>
+          <p:cNvPr id="15" name="Group 14">
+            <a:extLst>
+              <a:ext uri="{FF2B5EF4-FFF2-40B4-BE49-F238E27FC236}">
+                <a16:creationId xmlns:a16="http://schemas.microsoft.com/office/drawing/2014/main" id="{6C68E008-0120-413E-8F74-E5064707C1B5}"/>
+              </a:ext>
+            </a:extLst>
+          </p:cNvPr>
+          <p:cNvGrpSpPr/>
+          <p:nvPr/>
+        </p:nvGrpSpPr>
+        <p:grpSpPr>
+          <a:xfrm>
+            <a:off x="564984" y="4069054"/>
+            <a:ext cx="5926435" cy="563872"/>
+            <a:chOff x="572656" y="3958616"/>
+            <a:chExt cx="5926435" cy="563872"/>
+          </a:xfrm>
+        </p:grpSpPr>
+        <mc:AlternateContent xmlns:mc="http://schemas.openxmlformats.org/markup-compatibility/2006">
+          <mc:Choice xmlns:a14="http://schemas.microsoft.com/office/drawing/2010/main" Requires="a14">
+            <p:sp>
+              <p:nvSpPr>
+                <p:cNvPr id="11" name="TextBox 10">
+                  <a:extLst>
+                    <a:ext uri="{FF2B5EF4-FFF2-40B4-BE49-F238E27FC236}">
+                      <a16:creationId xmlns:a16="http://schemas.microsoft.com/office/drawing/2014/main" id="{075DB70D-D0CE-4FD8-A5D9-4EC257CEE606}"/>
+                    </a:ext>
+                  </a:extLst>
+                </p:cNvPr>
+                <p:cNvSpPr txBox="1"/>
+                <p:nvPr/>
+              </p:nvSpPr>
+              <p:spPr>
+                <a:xfrm>
+                  <a:off x="572656" y="3958616"/>
+                  <a:ext cx="2613377" cy="563872"/>
+                </a:xfrm>
+                <a:prstGeom prst="rect">
+                  <a:avLst/>
+                </a:prstGeom>
+                <a:noFill/>
+              </p:spPr>
+              <p:txBody>
+                <a:bodyPr wrap="square" lIns="0" tIns="0" rIns="0" bIns="0" rtlCol="0">
+                  <a:spAutoFit/>
+                </a:bodyPr>
+                <a:lstStyle/>
+                <a:p>
+                  <a14:m>
+                    <m:oMathPara xmlns:m="http://schemas.openxmlformats.org/officeDocument/2006/math">
+                      <m:oMathParaPr>
+                        <m:jc m:val="centerGroup"/>
+                      </m:oMathParaPr>
+                      <m:oMath xmlns:m="http://schemas.openxmlformats.org/officeDocument/2006/math">
+                        <m:r>
+                          <a:rPr lang="en-US" b="0" i="1" smtClean="0">
+                            <a:latin typeface="Cambria Math" panose="02040503050406030204" pitchFamily="18" charset="0"/>
+                          </a:rPr>
+                          <m:t>𝑇𝑎𝑛</m:t>
+                        </m:r>
+                        <m:r>
+                          <a:rPr lang="en-US" b="0" i="1" smtClean="0">
+                            <a:latin typeface="Cambria Math" panose="02040503050406030204" pitchFamily="18" charset="0"/>
+                          </a:rPr>
+                          <m:t> ∆</m:t>
+                        </m:r>
+                        <m:r>
+                          <a:rPr lang="en-US" b="0" i="1" smtClean="0">
+                            <a:latin typeface="Cambria Math" panose="02040503050406030204" pitchFamily="18" charset="0"/>
+                            <a:ea typeface="Cambria Math" panose="02040503050406030204" pitchFamily="18" charset="0"/>
+                          </a:rPr>
+                          <m:t>𝐷𝑒𝑐</m:t>
+                        </m:r>
+                        <m:r>
+                          <a:rPr lang="en-US" b="0" i="1" smtClean="0">
+                            <a:latin typeface="Cambria Math" panose="02040503050406030204" pitchFamily="18" charset="0"/>
+                            <a:ea typeface="Cambria Math" panose="02040503050406030204" pitchFamily="18" charset="0"/>
+                          </a:rPr>
+                          <m:t>=</m:t>
+                        </m:r>
+                        <m:f>
+                          <m:fPr>
+                            <m:ctrlPr>
+                              <a:rPr lang="en-US" b="0" i="1" smtClean="0">
+                                <a:latin typeface="Cambria Math" panose="02040503050406030204" pitchFamily="18" charset="0"/>
+                                <a:ea typeface="Cambria Math" panose="02040503050406030204" pitchFamily="18" charset="0"/>
+                              </a:rPr>
+                            </m:ctrlPr>
+                          </m:fPr>
+                          <m:num>
+                            <m:sSub>
+                              <m:sSubPr>
+                                <m:ctrlPr>
+                                  <a:rPr lang="en-US" b="0" i="1" smtClean="0">
+                                    <a:latin typeface="Cambria Math" panose="02040503050406030204" pitchFamily="18" charset="0"/>
+                                    <a:ea typeface="Cambria Math" panose="02040503050406030204" pitchFamily="18" charset="0"/>
+                                  </a:rPr>
+                                </m:ctrlPr>
+                              </m:sSubPr>
+                              <m:e>
+                                <m:r>
+                                  <a:rPr lang="en-US" b="0" i="1" smtClean="0">
+                                    <a:latin typeface="Cambria Math" panose="02040503050406030204" pitchFamily="18" charset="0"/>
+                                    <a:ea typeface="Cambria Math" panose="02040503050406030204" pitchFamily="18" charset="0"/>
+                                  </a:rPr>
+                                  <m:t>𝐷𝑖𝑠𝑡𝑎𝑛𝑐𝑒</m:t>
+                                </m:r>
+                              </m:e>
+                              <m:sub>
+                                <m:r>
+                                  <a:rPr lang="en-US" b="0" i="1" smtClean="0">
+                                    <a:latin typeface="Cambria Math" panose="02040503050406030204" pitchFamily="18" charset="0"/>
+                                    <a:ea typeface="Cambria Math" panose="02040503050406030204" pitchFamily="18" charset="0"/>
+                                  </a:rPr>
+                                  <m:t>𝑆𝐵</m:t>
+                                </m:r>
+                              </m:sub>
+                            </m:sSub>
+                          </m:num>
+                          <m:den>
+                            <m:sSub>
+                              <m:sSubPr>
+                                <m:ctrlPr>
+                                  <a:rPr lang="en-US" b="0" i="1" smtClean="0">
+                                    <a:latin typeface="Cambria Math" panose="02040503050406030204" pitchFamily="18" charset="0"/>
+                                    <a:ea typeface="Cambria Math" panose="02040503050406030204" pitchFamily="18" charset="0"/>
+                                  </a:rPr>
+                                </m:ctrlPr>
+                              </m:sSubPr>
+                              <m:e>
+                                <m:r>
+                                  <a:rPr lang="en-US" b="0" i="1" smtClean="0">
+                                    <a:latin typeface="Cambria Math" panose="02040503050406030204" pitchFamily="18" charset="0"/>
+                                    <a:ea typeface="Cambria Math" panose="02040503050406030204" pitchFamily="18" charset="0"/>
+                                  </a:rPr>
+                                  <m:t>𝐷𝑖𝑠𝑡𝑎𝑛𝑐𝑒</m:t>
+                                </m:r>
+                              </m:e>
+                              <m:sub>
+                                <m:r>
+                                  <a:rPr lang="en-US" b="0" i="1" smtClean="0">
+                                    <a:latin typeface="Cambria Math" panose="02040503050406030204" pitchFamily="18" charset="0"/>
+                                    <a:ea typeface="Cambria Math" panose="02040503050406030204" pitchFamily="18" charset="0"/>
+                                  </a:rPr>
+                                  <m:t>𝑁𝐵</m:t>
+                                </m:r>
+                              </m:sub>
+                            </m:sSub>
+                          </m:den>
+                        </m:f>
+                      </m:oMath>
+                    </m:oMathPara>
+                  </a14:m>
+                  <a:endParaRPr lang="en-US" dirty="0"/>
+                </a:p>
+              </p:txBody>
+            </p:sp>
+          </mc:Choice>
+          <mc:Fallback>
+            <p:sp>
+              <p:nvSpPr>
+                <p:cNvPr id="11" name="TextBox 10">
+                  <a:extLst>
+                    <a:ext uri="{FF2B5EF4-FFF2-40B4-BE49-F238E27FC236}">
+                      <a16:creationId xmlns:a16="http://schemas.microsoft.com/office/drawing/2014/main" id="{075DB70D-D0CE-4FD8-A5D9-4EC257CEE606}"/>
+                    </a:ext>
+                  </a:extLst>
+                </p:cNvPr>
+                <p:cNvSpPr txBox="1">
+                  <a:spLocks noRot="1" noChangeAspect="1" noMove="1" noResize="1" noEditPoints="1" noAdjustHandles="1" noChangeArrowheads="1" noChangeShapeType="1" noTextEdit="1"/>
+                </p:cNvSpPr>
+                <p:nvPr/>
+              </p:nvSpPr>
+              <p:spPr>
+                <a:xfrm>
+                  <a:off x="572656" y="3958616"/>
+                  <a:ext cx="2613377" cy="563872"/>
+                </a:xfrm>
+                <a:prstGeom prst="rect">
+                  <a:avLst/>
+                </a:prstGeom>
+                <a:blipFill>
+                  <a:blip r:embed="rId9"/>
+                  <a:stretch>
+                    <a:fillRect/>
+                  </a:stretch>
+                </a:blipFill>
+              </p:spPr>
+              <p:txBody>
+                <a:bodyPr/>
+                <a:lstStyle/>
+                <a:p>
+                  <a:r>
+                    <a:rPr lang="en-US">
+                      <a:noFill/>
+                    </a:rPr>
+                    <a:t> </a:t>
+                  </a:r>
+                </a:p>
+              </p:txBody>
+            </p:sp>
+          </mc:Fallback>
+        </mc:AlternateContent>
+        <mc:AlternateContent xmlns:mc="http://schemas.openxmlformats.org/markup-compatibility/2006">
+          <mc:Choice xmlns:a14="http://schemas.microsoft.com/office/drawing/2010/main" Requires="a14">
+            <p:sp>
+              <p:nvSpPr>
+                <p:cNvPr id="13" name="TextBox 12">
+                  <a:extLst>
+                    <a:ext uri="{FF2B5EF4-FFF2-40B4-BE49-F238E27FC236}">
+                      <a16:creationId xmlns:a16="http://schemas.microsoft.com/office/drawing/2014/main" id="{57E9931E-C21C-4DC1-A979-F31BCA5E3BAF}"/>
+                    </a:ext>
+                  </a:extLst>
+                </p:cNvPr>
+                <p:cNvSpPr txBox="1"/>
+                <p:nvPr/>
+              </p:nvSpPr>
+              <p:spPr>
+                <a:xfrm>
+                  <a:off x="3391011" y="4102053"/>
+                  <a:ext cx="266098" cy="276999"/>
+                </a:xfrm>
+                <a:prstGeom prst="rect">
+                  <a:avLst/>
+                </a:prstGeom>
+                <a:noFill/>
+              </p:spPr>
+              <p:txBody>
+                <a:bodyPr wrap="none" lIns="0" tIns="0" rIns="0" bIns="0" rtlCol="0">
+                  <a:spAutoFit/>
+                </a:bodyPr>
+                <a:lstStyle/>
+                <a:p>
+                  <a14:m>
+                    <m:oMathPara xmlns:m="http://schemas.openxmlformats.org/officeDocument/2006/math">
+                      <m:oMathParaPr>
+                        <m:jc m:val="centerGroup"/>
+                      </m:oMathParaPr>
+                      <m:oMath xmlns:m="http://schemas.openxmlformats.org/officeDocument/2006/math">
+                        <m:r>
+                          <a:rPr lang="en-US" i="1" smtClean="0">
+                            <a:latin typeface="Cambria Math" panose="02040503050406030204" pitchFamily="18" charset="0"/>
+                            <a:ea typeface="Cambria Math" panose="02040503050406030204" pitchFamily="18" charset="0"/>
+                          </a:rPr>
+                          <m:t>↔</m:t>
+                        </m:r>
+                      </m:oMath>
+                    </m:oMathPara>
+                  </a14:m>
+                  <a:endParaRPr lang="en-US" dirty="0"/>
+                </a:p>
+              </p:txBody>
+            </p:sp>
+          </mc:Choice>
+          <mc:Fallback>
+            <p:sp>
+              <p:nvSpPr>
+                <p:cNvPr id="13" name="TextBox 12">
+                  <a:extLst>
+                    <a:ext uri="{FF2B5EF4-FFF2-40B4-BE49-F238E27FC236}">
+                      <a16:creationId xmlns:a16="http://schemas.microsoft.com/office/drawing/2014/main" id="{57E9931E-C21C-4DC1-A979-F31BCA5E3BAF}"/>
+                    </a:ext>
+                  </a:extLst>
+                </p:cNvPr>
+                <p:cNvSpPr txBox="1">
+                  <a:spLocks noRot="1" noChangeAspect="1" noMove="1" noResize="1" noEditPoints="1" noAdjustHandles="1" noChangeArrowheads="1" noChangeShapeType="1" noTextEdit="1"/>
+                </p:cNvSpPr>
+                <p:nvPr/>
+              </p:nvSpPr>
+              <p:spPr>
+                <a:xfrm>
+                  <a:off x="3391011" y="4102053"/>
+                  <a:ext cx="266098" cy="276999"/>
+                </a:xfrm>
+                <a:prstGeom prst="rect">
+                  <a:avLst/>
+                </a:prstGeom>
+                <a:blipFill>
+                  <a:blip r:embed="rId10"/>
+                  <a:stretch>
+                    <a:fillRect l="-11364" r="-11364"/>
+                  </a:stretch>
+                </a:blipFill>
+              </p:spPr>
+              <p:txBody>
+                <a:bodyPr/>
+                <a:lstStyle/>
+                <a:p>
+                  <a:r>
+                    <a:rPr lang="en-US">
+                      <a:noFill/>
+                    </a:rPr>
+                    <a:t> </a:t>
+                  </a:r>
+                </a:p>
+              </p:txBody>
+            </p:sp>
+          </mc:Fallback>
+        </mc:AlternateContent>
+        <mc:AlternateContent xmlns:mc="http://schemas.openxmlformats.org/markup-compatibility/2006">
+          <mc:Choice xmlns:a14="http://schemas.microsoft.com/office/drawing/2010/main" Requires="a14">
+            <p:sp>
+              <p:nvSpPr>
+                <p:cNvPr id="14" name="TextBox 13">
+                  <a:extLst>
+                    <a:ext uri="{FF2B5EF4-FFF2-40B4-BE49-F238E27FC236}">
+                      <a16:creationId xmlns:a16="http://schemas.microsoft.com/office/drawing/2014/main" id="{796A75C8-1B67-4920-BB4D-E418F5657856}"/>
+                    </a:ext>
+                  </a:extLst>
+                </p:cNvPr>
+                <p:cNvSpPr txBox="1"/>
+                <p:nvPr/>
+              </p:nvSpPr>
+              <p:spPr>
+                <a:xfrm>
+                  <a:off x="3862087" y="3961662"/>
+                  <a:ext cx="2637004" cy="557781"/>
+                </a:xfrm>
+                <a:prstGeom prst="rect">
+                  <a:avLst/>
+                </a:prstGeom>
+                <a:noFill/>
+              </p:spPr>
+              <p:txBody>
+                <a:bodyPr wrap="none" lIns="0" tIns="0" rIns="0" bIns="0" rtlCol="0">
+                  <a:spAutoFit/>
+                </a:bodyPr>
+                <a:lstStyle/>
+                <a:p>
+                  <a14:m>
+                    <m:oMathPara xmlns:m="http://schemas.openxmlformats.org/officeDocument/2006/math">
+                      <m:oMathParaPr>
+                        <m:jc m:val="centerGroup"/>
+                      </m:oMathParaPr>
+                      <m:oMath xmlns:m="http://schemas.openxmlformats.org/officeDocument/2006/math">
+                        <m:sSub>
+                          <m:sSubPr>
+                            <m:ctrlPr>
+                              <a:rPr lang="en-US" i="1" smtClean="0">
+                                <a:latin typeface="Cambria Math" panose="02040503050406030204" pitchFamily="18" charset="0"/>
+                              </a:rPr>
+                            </m:ctrlPr>
+                          </m:sSubPr>
+                          <m:e>
+                            <m:r>
+                              <a:rPr lang="en-US" b="0" i="1" smtClean="0">
+                                <a:latin typeface="Cambria Math" panose="02040503050406030204" pitchFamily="18" charset="0"/>
+                              </a:rPr>
+                              <m:t>𝐷𝑖𝑠𝑡𝑎𝑛𝑐𝑒</m:t>
+                            </m:r>
+                          </m:e>
+                          <m:sub>
+                            <m:r>
+                              <a:rPr lang="en-US" b="0" i="1" smtClean="0">
+                                <a:latin typeface="Cambria Math" panose="02040503050406030204" pitchFamily="18" charset="0"/>
+                              </a:rPr>
+                              <m:t>𝑁𝐵</m:t>
+                            </m:r>
+                          </m:sub>
+                        </m:sSub>
+                        <m:r>
+                          <a:rPr lang="en-US" b="0" i="1" smtClean="0">
+                            <a:latin typeface="Cambria Math" panose="02040503050406030204" pitchFamily="18" charset="0"/>
+                          </a:rPr>
+                          <m:t>=</m:t>
+                        </m:r>
+                        <m:f>
+                          <m:fPr>
+                            <m:ctrlPr>
+                              <a:rPr lang="en-US" b="0" i="1" smtClean="0">
+                                <a:latin typeface="Cambria Math" panose="02040503050406030204" pitchFamily="18" charset="0"/>
+                              </a:rPr>
+                            </m:ctrlPr>
+                          </m:fPr>
+                          <m:num>
+                            <m:sSub>
+                              <m:sSubPr>
+                                <m:ctrlPr>
+                                  <a:rPr lang="en-US" b="0" i="1" smtClean="0">
+                                    <a:latin typeface="Cambria Math" panose="02040503050406030204" pitchFamily="18" charset="0"/>
+                                  </a:rPr>
+                                </m:ctrlPr>
+                              </m:sSubPr>
+                              <m:e>
+                                <m:r>
+                                  <a:rPr lang="en-US" b="0" i="1" smtClean="0">
+                                    <a:latin typeface="Cambria Math" panose="02040503050406030204" pitchFamily="18" charset="0"/>
+                                  </a:rPr>
+                                  <m:t>𝐷𝑖𝑠𝑡𝑎𝑛𝑐𝑒</m:t>
+                                </m:r>
+                              </m:e>
+                              <m:sub>
+                                <m:r>
+                                  <a:rPr lang="en-US" b="0" i="1" smtClean="0">
+                                    <a:latin typeface="Cambria Math" panose="02040503050406030204" pitchFamily="18" charset="0"/>
+                                  </a:rPr>
+                                  <m:t>𝑆𝐵</m:t>
+                                </m:r>
+                              </m:sub>
+                            </m:sSub>
+                          </m:num>
+                          <m:den>
+                            <m:r>
+                              <a:rPr lang="en-US" b="0" i="1" smtClean="0">
+                                <a:latin typeface="Cambria Math" panose="02040503050406030204" pitchFamily="18" charset="0"/>
+                              </a:rPr>
+                              <m:t>𝑇𝑎𝑛</m:t>
+                            </m:r>
+                            <m:d>
+                              <m:dPr>
+                                <m:ctrlPr>
+                                  <a:rPr lang="en-US" b="0" i="1" smtClean="0">
+                                    <a:latin typeface="Cambria Math" panose="02040503050406030204" pitchFamily="18" charset="0"/>
+                                  </a:rPr>
+                                </m:ctrlPr>
+                              </m:dPr>
+                              <m:e>
+                                <m:r>
+                                  <a:rPr lang="en-US" b="0" i="1" smtClean="0">
+                                    <a:latin typeface="Cambria Math" panose="02040503050406030204" pitchFamily="18" charset="0"/>
+                                    <a:ea typeface="Cambria Math" panose="02040503050406030204" pitchFamily="18" charset="0"/>
+                                  </a:rPr>
+                                  <m:t>∆</m:t>
+                                </m:r>
+                                <m:r>
+                                  <a:rPr lang="en-US" b="0" i="1" smtClean="0">
+                                    <a:latin typeface="Cambria Math" panose="02040503050406030204" pitchFamily="18" charset="0"/>
+                                    <a:ea typeface="Cambria Math" panose="02040503050406030204" pitchFamily="18" charset="0"/>
+                                  </a:rPr>
+                                  <m:t>𝐷𝑒𝑐</m:t>
+                                </m:r>
+                              </m:e>
+                            </m:d>
+                          </m:den>
+                        </m:f>
+                      </m:oMath>
+                    </m:oMathPara>
+                  </a14:m>
+                  <a:endParaRPr lang="en-US" dirty="0"/>
+                </a:p>
+              </p:txBody>
+            </p:sp>
+          </mc:Choice>
+          <mc:Fallback>
+            <p:sp>
+              <p:nvSpPr>
+                <p:cNvPr id="14" name="TextBox 13">
+                  <a:extLst>
+                    <a:ext uri="{FF2B5EF4-FFF2-40B4-BE49-F238E27FC236}">
+                      <a16:creationId xmlns:a16="http://schemas.microsoft.com/office/drawing/2014/main" id="{796A75C8-1B67-4920-BB4D-E418F5657856}"/>
+                    </a:ext>
+                  </a:extLst>
+                </p:cNvPr>
+                <p:cNvSpPr txBox="1">
+                  <a:spLocks noRot="1" noChangeAspect="1" noMove="1" noResize="1" noEditPoints="1" noAdjustHandles="1" noChangeArrowheads="1" noChangeShapeType="1" noTextEdit="1"/>
+                </p:cNvSpPr>
+                <p:nvPr/>
+              </p:nvSpPr>
+              <p:spPr>
+                <a:xfrm>
+                  <a:off x="3862087" y="3961662"/>
+                  <a:ext cx="2637004" cy="557781"/>
+                </a:xfrm>
+                <a:prstGeom prst="rect">
+                  <a:avLst/>
+                </a:prstGeom>
+                <a:blipFill>
+                  <a:blip r:embed="rId11"/>
+                  <a:stretch>
+                    <a:fillRect b="-1099"/>
+                  </a:stretch>
+                </a:blipFill>
+              </p:spPr>
+              <p:txBody>
+                <a:bodyPr/>
+                <a:lstStyle/>
+                <a:p>
+                  <a:r>
+                    <a:rPr lang="en-US">
+                      <a:noFill/>
+                    </a:rPr>
+                    <a:t> </a:t>
+                  </a:r>
+                </a:p>
+              </p:txBody>
+            </p:sp>
+          </mc:Fallback>
+        </mc:AlternateContent>
+      </p:grpSp>
+      <mc:AlternateContent xmlns:mc="http://schemas.openxmlformats.org/markup-compatibility/2006">
+        <mc:Choice xmlns:a14="http://schemas.microsoft.com/office/drawing/2010/main" Requires="a14">
+          <p:sp>
+            <p:nvSpPr>
+              <p:cNvPr id="35" name="TextBox 34">
+                <a:extLst>
+                  <a:ext uri="{FF2B5EF4-FFF2-40B4-BE49-F238E27FC236}">
+                    <a16:creationId xmlns:a16="http://schemas.microsoft.com/office/drawing/2014/main" id="{B65B9E5C-C29C-456B-A585-43E30CA71BE9}"/>
+                  </a:ext>
+                </a:extLst>
+              </p:cNvPr>
+              <p:cNvSpPr txBox="1"/>
+              <p:nvPr/>
+            </p:nvSpPr>
+            <p:spPr>
+              <a:xfrm>
+                <a:off x="564984" y="4768946"/>
+                <a:ext cx="4676217" cy="557781"/>
+              </a:xfrm>
+              <a:prstGeom prst="rect">
+                <a:avLst/>
+              </a:prstGeom>
+              <a:noFill/>
+            </p:spPr>
+            <p:txBody>
+              <a:bodyPr wrap="none" lIns="0" tIns="0" rIns="0" bIns="0" rtlCol="0">
+                <a:spAutoFit/>
+              </a:bodyPr>
+              <a:lstStyle/>
+              <a:p>
+                <a14:m>
+                  <m:oMathPara xmlns:m="http://schemas.openxmlformats.org/officeDocument/2006/math">
+                    <m:oMathParaPr>
+                      <m:jc m:val="centerGroup"/>
+                    </m:oMathParaPr>
+                    <m:oMath xmlns:m="http://schemas.openxmlformats.org/officeDocument/2006/math">
+                      <m:sSub>
+                        <m:sSubPr>
+                          <m:ctrlPr>
+                            <a:rPr lang="en-US" b="0" i="1" smtClean="0">
+                              <a:latin typeface="Cambria Math" panose="02040503050406030204" pitchFamily="18" charset="0"/>
+                            </a:rPr>
+                          </m:ctrlPr>
+                        </m:sSubPr>
+                        <m:e>
+                          <m:r>
+                            <a:rPr lang="en-US" b="0" i="1" smtClean="0">
+                              <a:latin typeface="Cambria Math" panose="02040503050406030204" pitchFamily="18" charset="0"/>
+                            </a:rPr>
+                            <m:t>𝐷𝑖𝑠𝑡𝑎𝑛𝑐𝑒</m:t>
+                          </m:r>
+                        </m:e>
+                        <m:sub>
+                          <m:r>
+                            <a:rPr lang="en-US" b="0" i="1" smtClean="0">
+                              <a:latin typeface="Cambria Math" panose="02040503050406030204" pitchFamily="18" charset="0"/>
+                            </a:rPr>
+                            <m:t>𝐶𝑁</m:t>
+                          </m:r>
+                        </m:sub>
+                      </m:sSub>
+                      <m:r>
+                        <a:rPr lang="en-US" b="0" i="1" smtClean="0">
+                          <a:latin typeface="Cambria Math" panose="02040503050406030204" pitchFamily="18" charset="0"/>
+                        </a:rPr>
+                        <m:t>=</m:t>
+                      </m:r>
+                      <m:d>
+                        <m:dPr>
+                          <m:ctrlPr>
+                            <a:rPr lang="en-US" b="0" i="1" smtClean="0">
+                              <a:latin typeface="Cambria Math" panose="02040503050406030204" pitchFamily="18" charset="0"/>
+                            </a:rPr>
+                          </m:ctrlPr>
+                        </m:dPr>
+                        <m:e>
+                          <m:f>
+                            <m:fPr>
+                              <m:ctrlPr>
+                                <a:rPr lang="en-US" b="0" i="1" smtClean="0">
+                                  <a:latin typeface="Cambria Math" panose="02040503050406030204" pitchFamily="18" charset="0"/>
+                                </a:rPr>
+                              </m:ctrlPr>
+                            </m:fPr>
+                            <m:num>
+                              <m:sSub>
+                                <m:sSubPr>
+                                  <m:ctrlPr>
+                                    <a:rPr lang="en-US" b="0" i="1" smtClean="0">
+                                      <a:latin typeface="Cambria Math" panose="02040503050406030204" pitchFamily="18" charset="0"/>
+                                    </a:rPr>
+                                  </m:ctrlPr>
+                                </m:sSubPr>
+                                <m:e>
+                                  <m:r>
+                                    <a:rPr lang="en-US" b="0" i="1" smtClean="0">
+                                      <a:latin typeface="Cambria Math" panose="02040503050406030204" pitchFamily="18" charset="0"/>
+                                    </a:rPr>
+                                    <m:t>𝐷𝑖𝑠𝑡𝑎𝑛𝑐𝑒</m:t>
+                                  </m:r>
+                                </m:e>
+                                <m:sub>
+                                  <m:r>
+                                    <a:rPr lang="en-US" b="0" i="1" smtClean="0">
+                                      <a:latin typeface="Cambria Math" panose="02040503050406030204" pitchFamily="18" charset="0"/>
+                                    </a:rPr>
+                                    <m:t>𝑆𝐵</m:t>
+                                  </m:r>
+                                </m:sub>
+                              </m:sSub>
+                            </m:num>
+                            <m:den>
+                              <m:r>
+                                <a:rPr lang="en-US" b="0" i="1" smtClean="0">
+                                  <a:latin typeface="Cambria Math" panose="02040503050406030204" pitchFamily="18" charset="0"/>
+                                </a:rPr>
+                                <m:t>𝑇𝑎𝑛</m:t>
+                              </m:r>
+                              <m:d>
+                                <m:dPr>
+                                  <m:ctrlPr>
+                                    <a:rPr lang="en-US" b="0" i="1" smtClean="0">
+                                      <a:latin typeface="Cambria Math" panose="02040503050406030204" pitchFamily="18" charset="0"/>
+                                    </a:rPr>
+                                  </m:ctrlPr>
+                                </m:dPr>
+                                <m:e>
+                                  <m:r>
+                                    <a:rPr lang="en-US" b="0" i="1" smtClean="0">
+                                      <a:latin typeface="Cambria Math" panose="02040503050406030204" pitchFamily="18" charset="0"/>
+                                      <a:ea typeface="Cambria Math" panose="02040503050406030204" pitchFamily="18" charset="0"/>
+                                    </a:rPr>
+                                    <m:t>∆</m:t>
+                                  </m:r>
+                                  <m:r>
+                                    <a:rPr lang="en-US" b="0" i="1" smtClean="0">
+                                      <a:latin typeface="Cambria Math" panose="02040503050406030204" pitchFamily="18" charset="0"/>
+                                      <a:ea typeface="Cambria Math" panose="02040503050406030204" pitchFamily="18" charset="0"/>
+                                    </a:rPr>
+                                    <m:t>𝐷𝑒𝑐</m:t>
+                                  </m:r>
+                                </m:e>
+                              </m:d>
+                            </m:den>
+                          </m:f>
+                        </m:e>
+                      </m:d>
+                      <m:r>
+                        <a:rPr lang="en-US" b="0" i="1" smtClean="0">
+                          <a:latin typeface="Cambria Math" panose="02040503050406030204" pitchFamily="18" charset="0"/>
+                          <a:ea typeface="Cambria Math" panose="02040503050406030204" pitchFamily="18" charset="0"/>
+                        </a:rPr>
+                        <m:t>+ </m:t>
+                      </m:r>
+                      <m:r>
+                        <a:rPr lang="en-US" i="1" dirty="0">
+                          <a:latin typeface="Cambria Math" panose="02040503050406030204" pitchFamily="18" charset="0"/>
+                        </a:rPr>
+                        <m:t>𝑅</m:t>
+                      </m:r>
+                      <m:r>
+                        <a:rPr lang="en-US" i="1" baseline="-25000" dirty="0">
+                          <a:latin typeface="Cambria Math" panose="02040503050406030204" pitchFamily="18" charset="0"/>
+                        </a:rPr>
+                        <m:t>𝑒</m:t>
+                      </m:r>
+                      <m:r>
+                        <a:rPr lang="en-US" i="1" dirty="0">
+                          <a:latin typeface="Cambria Math" panose="02040503050406030204" pitchFamily="18" charset="0"/>
+                        </a:rPr>
+                        <m:t>∗</m:t>
+                      </m:r>
+                      <m:r>
+                        <a:rPr lang="en-US" i="1" dirty="0">
+                          <a:latin typeface="Cambria Math" panose="02040503050406030204" pitchFamily="18" charset="0"/>
+                        </a:rPr>
+                        <m:t>𝐶𝑜𝑠</m:t>
+                      </m:r>
+                      <m:d>
+                        <m:dPr>
+                          <m:ctrlPr>
+                            <a:rPr lang="en-US" i="1" dirty="0">
+                              <a:latin typeface="Cambria Math" panose="02040503050406030204" pitchFamily="18" charset="0"/>
+                            </a:rPr>
+                          </m:ctrlPr>
+                        </m:dPr>
+                        <m:e>
+                          <m:r>
+                            <a:rPr lang="en-US" i="1" dirty="0">
+                              <a:latin typeface="Cambria Math" panose="02040503050406030204" pitchFamily="18" charset="0"/>
+                              <a:ea typeface="Cambria Math" panose="02040503050406030204" pitchFamily="18" charset="0"/>
+                            </a:rPr>
+                            <m:t>∆</m:t>
+                          </m:r>
+                          <m:r>
+                            <a:rPr lang="en-US" i="1" dirty="0" err="1">
+                              <a:latin typeface="Cambria Math" panose="02040503050406030204" pitchFamily="18" charset="0"/>
+                            </a:rPr>
+                            <m:t>𝐿𝑎𝑡</m:t>
+                          </m:r>
+                        </m:e>
+                      </m:d>
+                    </m:oMath>
+                  </m:oMathPara>
+                </a14:m>
+                <a:endParaRPr lang="en-US" dirty="0"/>
+              </a:p>
+            </p:txBody>
+          </p:sp>
+        </mc:Choice>
+        <mc:Fallback>
+          <p:sp>
+            <p:nvSpPr>
+              <p:cNvPr id="35" name="TextBox 34">
+                <a:extLst>
+                  <a:ext uri="{FF2B5EF4-FFF2-40B4-BE49-F238E27FC236}">
+                    <a16:creationId xmlns:a16="http://schemas.microsoft.com/office/drawing/2014/main" id="{B65B9E5C-C29C-456B-A585-43E30CA71BE9}"/>
+                  </a:ext>
+                </a:extLst>
+              </p:cNvPr>
+              <p:cNvSpPr txBox="1">
+                <a:spLocks noRot="1" noChangeAspect="1" noMove="1" noResize="1" noEditPoints="1" noAdjustHandles="1" noChangeArrowheads="1" noChangeShapeType="1" noTextEdit="1"/>
+              </p:cNvSpPr>
+              <p:nvPr/>
+            </p:nvSpPr>
+            <p:spPr>
+              <a:xfrm>
+                <a:off x="564984" y="4768946"/>
+                <a:ext cx="4676217" cy="557781"/>
+              </a:xfrm>
+              <a:prstGeom prst="rect">
+                <a:avLst/>
+              </a:prstGeom>
+              <a:blipFill>
+                <a:blip r:embed="rId12"/>
+                <a:stretch>
+                  <a:fillRect/>
+                </a:stretch>
+              </a:blipFill>
+            </p:spPr>
+            <p:txBody>
+              <a:bodyPr/>
+              <a:lstStyle/>
+              <a:p>
+                <a:r>
+                  <a:rPr lang="en-US">
+                    <a:noFill/>
+                  </a:rPr>
+                  <a:t> </a:t>
+                </a:r>
+              </a:p>
+            </p:txBody>
+          </p:sp>
+        </mc:Fallback>
+      </mc:AlternateContent>
+      <p:sp>
+        <p:nvSpPr>
+          <p:cNvPr id="36" name="Oval 35">
+            <a:extLst>
+              <a:ext uri="{FF2B5EF4-FFF2-40B4-BE49-F238E27FC236}">
+                <a16:creationId xmlns:a16="http://schemas.microsoft.com/office/drawing/2014/main" id="{36EE4556-6C91-45F2-BBDC-2AE49534AA33}"/>
+              </a:ext>
+            </a:extLst>
+          </p:cNvPr>
+          <p:cNvSpPr/>
+          <p:nvPr/>
+        </p:nvSpPr>
+        <p:spPr>
+          <a:xfrm>
+            <a:off x="8534714" y="2019107"/>
+            <a:ext cx="106330" cy="118830"/>
+          </a:xfrm>
+          <a:prstGeom prst="ellipse">
+            <a:avLst/>
+          </a:prstGeom>
+        </p:spPr>
+        <p:style>
+          <a:lnRef idx="2">
+            <a:schemeClr val="dk1">
+              <a:shade val="50000"/>
+            </a:schemeClr>
+          </a:lnRef>
+          <a:fillRef idx="1">
+            <a:schemeClr val="dk1"/>
+          </a:fillRef>
+          <a:effectRef idx="0">
+            <a:schemeClr val="dk1"/>
+          </a:effectRef>
+          <a:fontRef idx="minor">
+            <a:schemeClr val="lt1"/>
+          </a:fontRef>
+        </p:style>
+        <p:txBody>
+          <a:bodyPr rtlCol="0" anchor="ctr"/>
+          <a:lstStyle/>
+          <a:p>
+            <a:pPr algn="ctr"/>
+            <a:endParaRPr lang="en-US"/>
+          </a:p>
+        </p:txBody>
+      </p:sp>
+      <mc:AlternateContent xmlns:mc="http://schemas.openxmlformats.org/markup-compatibility/2006">
+        <mc:Choice xmlns:a14="http://schemas.microsoft.com/office/drawing/2010/main" Requires="a14">
+          <p:sp>
+            <p:nvSpPr>
+              <p:cNvPr id="38" name="TextBox 37">
+                <a:extLst>
+                  <a:ext uri="{FF2B5EF4-FFF2-40B4-BE49-F238E27FC236}">
+                    <a16:creationId xmlns:a16="http://schemas.microsoft.com/office/drawing/2014/main" id="{0F658854-2048-46A1-B71B-865B96BAE1C1}"/>
+                  </a:ext>
+                </a:extLst>
+              </p:cNvPr>
+              <p:cNvSpPr txBox="1"/>
+              <p:nvPr/>
+            </p:nvSpPr>
+            <p:spPr>
+              <a:xfrm flipH="1">
+                <a:off x="9338333" y="382496"/>
+                <a:ext cx="211709" cy="276999"/>
+              </a:xfrm>
+              <a:prstGeom prst="rect">
+                <a:avLst/>
+              </a:prstGeom>
+              <a:noFill/>
+            </p:spPr>
+            <p:txBody>
+              <a:bodyPr wrap="square" lIns="0" tIns="0" rIns="0" bIns="0" rtlCol="0">
+                <a:spAutoFit/>
+              </a:bodyPr>
+              <a:lstStyle/>
+              <a:p>
+                <a14:m>
+                  <m:oMathPara xmlns:m="http://schemas.openxmlformats.org/officeDocument/2006/math">
+                    <m:oMathParaPr>
+                      <m:jc m:val="centerGroup"/>
+                    </m:oMathParaPr>
+                    <m:oMath xmlns:m="http://schemas.openxmlformats.org/officeDocument/2006/math">
+                      <m:r>
+                        <a:rPr lang="en-US" b="0" i="1" smtClean="0">
+                          <a:latin typeface="Cambria Math" panose="02040503050406030204" pitchFamily="18" charset="0"/>
+                        </a:rPr>
+                        <m:t>𝑆</m:t>
+                      </m:r>
+                    </m:oMath>
+                  </m:oMathPara>
+                </a14:m>
+                <a:endParaRPr lang="en-US" dirty="0"/>
+              </a:p>
+            </p:txBody>
+          </p:sp>
+        </mc:Choice>
+        <mc:Fallback>
+          <p:sp>
+            <p:nvSpPr>
+              <p:cNvPr id="38" name="TextBox 37">
+                <a:extLst>
+                  <a:ext uri="{FF2B5EF4-FFF2-40B4-BE49-F238E27FC236}">
+                    <a16:creationId xmlns:a16="http://schemas.microsoft.com/office/drawing/2014/main" id="{0F658854-2048-46A1-B71B-865B96BAE1C1}"/>
+                  </a:ext>
+                </a:extLst>
+              </p:cNvPr>
+              <p:cNvSpPr txBox="1">
+                <a:spLocks noRot="1" noChangeAspect="1" noMove="1" noResize="1" noEditPoints="1" noAdjustHandles="1" noChangeArrowheads="1" noChangeShapeType="1" noTextEdit="1"/>
+              </p:cNvSpPr>
+              <p:nvPr/>
+            </p:nvSpPr>
+            <p:spPr>
+              <a:xfrm flipH="1">
+                <a:off x="9338333" y="382496"/>
+                <a:ext cx="211709" cy="276999"/>
+              </a:xfrm>
+              <a:prstGeom prst="rect">
+                <a:avLst/>
+              </a:prstGeom>
+              <a:blipFill>
+                <a:blip r:embed="rId13"/>
+                <a:stretch>
+                  <a:fillRect l="-20000" r="-14286" b="-6667"/>
+                </a:stretch>
+              </a:blipFill>
+            </p:spPr>
+            <p:txBody>
+              <a:bodyPr/>
+              <a:lstStyle/>
+              <a:p>
+                <a:r>
+                  <a:rPr lang="en-US">
+                    <a:noFill/>
+                  </a:rPr>
+                  <a:t> </a:t>
+                </a:r>
+              </a:p>
+            </p:txBody>
+          </p:sp>
+        </mc:Fallback>
+      </mc:AlternateContent>
+      <p:sp>
+        <p:nvSpPr>
+          <p:cNvPr id="39" name="TextBox 38">
+            <a:extLst>
+              <a:ext uri="{FF2B5EF4-FFF2-40B4-BE49-F238E27FC236}">
+                <a16:creationId xmlns:a16="http://schemas.microsoft.com/office/drawing/2014/main" id="{E658184F-B1B6-4836-8149-B9060C476044}"/>
+              </a:ext>
+            </a:extLst>
+          </p:cNvPr>
+          <p:cNvSpPr txBox="1"/>
+          <p:nvPr/>
+        </p:nvSpPr>
+        <p:spPr>
+          <a:xfrm flipH="1">
+            <a:off x="8898005" y="207633"/>
+            <a:ext cx="591902" cy="369332"/>
+          </a:xfrm>
+          <a:prstGeom prst="rect">
+            <a:avLst/>
+          </a:prstGeom>
+          <a:noFill/>
+        </p:spPr>
+        <p:txBody>
+          <a:bodyPr wrap="square" rtlCol="0">
+            <a:spAutoFit/>
+          </a:bodyPr>
+          <a:lstStyle/>
+          <a:p>
+            <a:r>
+              <a:rPr lang="en-US" dirty="0"/>
+              <a:t>Site</a:t>
+            </a:r>
+          </a:p>
+        </p:txBody>
+      </p:sp>
+      <p:cxnSp>
+        <p:nvCxnSpPr>
+          <p:cNvPr id="26" name="Straight Connector 25">
+            <a:extLst>
+              <a:ext uri="{FF2B5EF4-FFF2-40B4-BE49-F238E27FC236}">
+                <a16:creationId xmlns:a16="http://schemas.microsoft.com/office/drawing/2014/main" id="{D4778842-8530-4FB4-AEC0-BF1EB6DBE56F}"/>
+              </a:ext>
+            </a:extLst>
+          </p:cNvPr>
+          <p:cNvCxnSpPr>
+            <a:cxnSpLocks/>
+            <a:stCxn id="3" idx="1"/>
+          </p:cNvCxnSpPr>
+          <p:nvPr/>
+        </p:nvCxnSpPr>
+        <p:spPr>
+          <a:xfrm>
+            <a:off x="9430124" y="682948"/>
+            <a:ext cx="748629" cy="1379576"/>
+          </a:xfrm>
+          <a:prstGeom prst="line">
+            <a:avLst/>
+          </a:prstGeom>
+          <a:ln w="28575"/>
+        </p:spPr>
+        <p:style>
+          <a:lnRef idx="1">
+            <a:schemeClr val="accent1"/>
+          </a:lnRef>
+          <a:fillRef idx="0">
+            <a:schemeClr val="accent1"/>
+          </a:fillRef>
+          <a:effectRef idx="0">
+            <a:schemeClr val="accent1"/>
+          </a:effectRef>
+          <a:fontRef idx="minor">
+            <a:schemeClr val="tx1"/>
+          </a:fontRef>
+        </p:style>
+      </p:cxnSp>
+      <p:cxnSp>
+        <p:nvCxnSpPr>
+          <p:cNvPr id="43" name="Straight Connector 42">
+            <a:extLst>
+              <a:ext uri="{FF2B5EF4-FFF2-40B4-BE49-F238E27FC236}">
+                <a16:creationId xmlns:a16="http://schemas.microsoft.com/office/drawing/2014/main" id="{186A0791-DC54-495F-963C-DB4ECA7A764E}"/>
+              </a:ext>
+            </a:extLst>
+          </p:cNvPr>
+          <p:cNvCxnSpPr>
+            <a:cxnSpLocks/>
+            <a:endCxn id="3" idx="2"/>
+          </p:cNvCxnSpPr>
+          <p:nvPr/>
+        </p:nvCxnSpPr>
+        <p:spPr>
+          <a:xfrm flipV="1">
+            <a:off x="3347219" y="724961"/>
+            <a:ext cx="6067333" cy="1385804"/>
+          </a:xfrm>
+          <a:prstGeom prst="line">
+            <a:avLst/>
+          </a:prstGeom>
+        </p:spPr>
+        <p:style>
+          <a:lnRef idx="1">
+            <a:schemeClr val="accent1"/>
+          </a:lnRef>
+          <a:fillRef idx="0">
+            <a:schemeClr val="accent1"/>
+          </a:fillRef>
+          <a:effectRef idx="0">
+            <a:schemeClr val="accent1"/>
+          </a:effectRef>
+          <a:fontRef idx="minor">
+            <a:schemeClr val="tx1"/>
+          </a:fontRef>
+        </p:style>
+      </p:cxnSp>
+      <mc:AlternateContent xmlns:mc="http://schemas.openxmlformats.org/markup-compatibility/2006">
+        <mc:Choice xmlns:a14="http://schemas.microsoft.com/office/drawing/2010/main" Requires="a14">
+          <p:sp>
+            <p:nvSpPr>
+              <p:cNvPr id="45" name="TextBox 44">
+                <a:extLst>
+                  <a:ext uri="{FF2B5EF4-FFF2-40B4-BE49-F238E27FC236}">
+                    <a16:creationId xmlns:a16="http://schemas.microsoft.com/office/drawing/2014/main" id="{E647C866-8277-4F30-BBE0-387F6BCE5406}"/>
+                  </a:ext>
+                </a:extLst>
+              </p:cNvPr>
+              <p:cNvSpPr txBox="1"/>
+              <p:nvPr/>
+            </p:nvSpPr>
+            <p:spPr>
+              <a:xfrm>
+                <a:off x="564984" y="5462747"/>
+                <a:ext cx="6869573" cy="414537"/>
+              </a:xfrm>
+              <a:prstGeom prst="rect">
+                <a:avLst/>
+              </a:prstGeom>
+              <a:noFill/>
+            </p:spPr>
+            <p:txBody>
+              <a:bodyPr wrap="none" lIns="0" tIns="0" rIns="0" bIns="0" rtlCol="0">
+                <a:spAutoFit/>
+              </a:bodyPr>
+              <a:lstStyle/>
+              <a:p>
+                <a14:m>
+                  <m:oMathPara xmlns:m="http://schemas.openxmlformats.org/officeDocument/2006/math">
+                    <m:oMathParaPr>
+                      <m:jc m:val="centerGroup"/>
+                    </m:oMathParaPr>
+                    <m:oMath xmlns:m="http://schemas.openxmlformats.org/officeDocument/2006/math">
+                      <m:sSub>
+                        <m:sSubPr>
+                          <m:ctrlPr>
+                            <a:rPr lang="en-US" i="1" smtClean="0">
+                              <a:latin typeface="Cambria Math" panose="02040503050406030204" pitchFamily="18" charset="0"/>
+                            </a:rPr>
+                          </m:ctrlPr>
+                        </m:sSubPr>
+                        <m:e>
+                          <m:r>
+                            <a:rPr lang="en-US" i="1" smtClean="0">
+                              <a:latin typeface="Cambria Math" panose="02040503050406030204" pitchFamily="18" charset="0"/>
+                              <a:ea typeface="Cambria Math" panose="02040503050406030204" pitchFamily="18" charset="0"/>
+                            </a:rPr>
+                            <m:t>∆</m:t>
+                          </m:r>
+                          <m:r>
+                            <a:rPr lang="en-US" b="0" i="1" smtClean="0">
+                              <a:latin typeface="Cambria Math" panose="02040503050406030204" pitchFamily="18" charset="0"/>
+                              <a:ea typeface="Cambria Math" panose="02040503050406030204" pitchFamily="18" charset="0"/>
+                            </a:rPr>
+                            <m:t>𝐷𝑒𝑐</m:t>
+                          </m:r>
+                        </m:e>
+                        <m:sub>
+                          <m:r>
+                            <a:rPr lang="en-US" b="0" i="1" smtClean="0">
+                              <a:latin typeface="Cambria Math" panose="02040503050406030204" pitchFamily="18" charset="0"/>
+                            </a:rPr>
+                            <m:t>𝑆</m:t>
+                          </m:r>
+                        </m:sub>
+                      </m:sSub>
+                      <m:r>
+                        <a:rPr lang="en-US" b="0" i="1" smtClean="0">
+                          <a:latin typeface="Cambria Math" panose="02040503050406030204" pitchFamily="18" charset="0"/>
+                        </a:rPr>
+                        <m:t>=</m:t>
+                      </m:r>
+                      <m:func>
+                        <m:funcPr>
+                          <m:ctrlPr>
+                            <a:rPr lang="en-US" b="0" i="1" smtClean="0">
+                              <a:latin typeface="Cambria Math" panose="02040503050406030204" pitchFamily="18" charset="0"/>
+                            </a:rPr>
+                          </m:ctrlPr>
+                        </m:funcPr>
+                        <m:fName>
+                          <m:sSup>
+                            <m:sSupPr>
+                              <m:ctrlPr>
+                                <a:rPr lang="en-US" b="0" i="1" smtClean="0">
+                                  <a:latin typeface="Cambria Math" panose="02040503050406030204" pitchFamily="18" charset="0"/>
+                                </a:rPr>
+                              </m:ctrlPr>
+                            </m:sSupPr>
+                            <m:e>
+                              <m:r>
+                                <m:rPr>
+                                  <m:sty m:val="p"/>
+                                </m:rPr>
+                                <a:rPr lang="en-US" b="0" i="0" smtClean="0">
+                                  <a:latin typeface="Cambria Math" panose="02040503050406030204" pitchFamily="18" charset="0"/>
+                                </a:rPr>
+                                <m:t>tan</m:t>
+                              </m:r>
+                            </m:e>
+                            <m:sup>
+                              <m:r>
+                                <a:rPr lang="en-US" b="0" i="1" smtClean="0">
+                                  <a:latin typeface="Cambria Math" panose="02040503050406030204" pitchFamily="18" charset="0"/>
+                                </a:rPr>
+                                <m:t>−1</m:t>
+                              </m:r>
+                            </m:sup>
+                          </m:sSup>
+                        </m:fName>
+                        <m:e>
+                          <m:d>
+                            <m:dPr>
+                              <m:ctrlPr>
+                                <a:rPr lang="en-US" b="0" i="1" smtClean="0">
+                                  <a:latin typeface="Cambria Math" panose="02040503050406030204" pitchFamily="18" charset="0"/>
+                                </a:rPr>
+                              </m:ctrlPr>
+                            </m:dPr>
+                            <m:e>
+                              <m:d>
+                                <m:dPr>
+                                  <m:ctrlPr>
+                                    <a:rPr lang="en-US" b="0" i="1" smtClean="0">
+                                      <a:latin typeface="Cambria Math" panose="02040503050406030204" pitchFamily="18" charset="0"/>
+                                    </a:rPr>
+                                  </m:ctrlPr>
+                                </m:dPr>
+                                <m:e>
+                                  <m:sSub>
+                                    <m:sSubPr>
+                                      <m:ctrlPr>
+                                        <a:rPr lang="en-US" b="0" i="1" smtClean="0">
+                                          <a:latin typeface="Cambria Math" panose="02040503050406030204" pitchFamily="18" charset="0"/>
+                                        </a:rPr>
+                                      </m:ctrlPr>
+                                    </m:sSubPr>
+                                    <m:e>
+                                      <m:r>
+                                        <a:rPr lang="en-US" b="0" i="1" smtClean="0">
+                                          <a:latin typeface="Cambria Math" panose="02040503050406030204" pitchFamily="18" charset="0"/>
+                                        </a:rPr>
+                                        <m:t>𝑅</m:t>
+                                      </m:r>
+                                    </m:e>
+                                    <m:sub>
+                                      <m:r>
+                                        <a:rPr lang="en-US" b="0" i="1" smtClean="0">
+                                          <a:latin typeface="Cambria Math" panose="02040503050406030204" pitchFamily="18" charset="0"/>
+                                        </a:rPr>
+                                        <m:t>𝑒</m:t>
+                                      </m:r>
+                                    </m:sub>
+                                  </m:sSub>
+                                  <m:r>
+                                    <a:rPr lang="en-US" b="0" i="1" smtClean="0">
+                                      <a:latin typeface="Cambria Math" panose="02040503050406030204" pitchFamily="18" charset="0"/>
+                                      <a:ea typeface="Cambria Math" panose="02040503050406030204" pitchFamily="18" charset="0"/>
+                                    </a:rPr>
+                                    <m:t>×</m:t>
+                                  </m:r>
+                                  <m:func>
+                                    <m:funcPr>
+                                      <m:ctrlPr>
+                                        <a:rPr lang="en-US" b="0" i="1" smtClean="0">
+                                          <a:latin typeface="Cambria Math" panose="02040503050406030204" pitchFamily="18" charset="0"/>
+                                          <a:ea typeface="Cambria Math" panose="02040503050406030204" pitchFamily="18" charset="0"/>
+                                        </a:rPr>
+                                      </m:ctrlPr>
+                                    </m:funcPr>
+                                    <m:fName>
+                                      <m:r>
+                                        <m:rPr>
+                                          <m:sty m:val="p"/>
+                                        </m:rPr>
+                                        <a:rPr lang="en-US" b="0" i="0" smtClean="0">
+                                          <a:latin typeface="Cambria Math" panose="02040503050406030204" pitchFamily="18" charset="0"/>
+                                          <a:ea typeface="Cambria Math" panose="02040503050406030204" pitchFamily="18" charset="0"/>
+                                        </a:rPr>
+                                        <m:t>sin</m:t>
+                                      </m:r>
+                                    </m:fName>
+                                    <m:e>
+                                      <m:d>
+                                        <m:dPr>
+                                          <m:ctrlPr>
+                                            <a:rPr lang="en-US" b="0" i="1" smtClean="0">
+                                              <a:latin typeface="Cambria Math" panose="02040503050406030204" pitchFamily="18" charset="0"/>
+                                              <a:ea typeface="Cambria Math" panose="02040503050406030204" pitchFamily="18" charset="0"/>
+                                            </a:rPr>
+                                          </m:ctrlPr>
+                                        </m:dPr>
+                                        <m:e>
+                                          <m:sSub>
+                                            <m:sSubPr>
+                                              <m:ctrlPr>
+                                                <a:rPr lang="en-US" i="1">
+                                                  <a:latin typeface="Cambria Math" panose="02040503050406030204" pitchFamily="18" charset="0"/>
+                                                  <a:ea typeface="Cambria Math" panose="02040503050406030204" pitchFamily="18" charset="0"/>
+                                                </a:rPr>
+                                              </m:ctrlPr>
+                                            </m:sSubPr>
+                                            <m:e>
+                                              <m:r>
+                                                <a:rPr lang="en-US" i="1">
+                                                  <a:latin typeface="Cambria Math" panose="02040503050406030204" pitchFamily="18" charset="0"/>
+                                                  <a:ea typeface="Cambria Math" panose="02040503050406030204" pitchFamily="18" charset="0"/>
+                                                </a:rPr>
+                                                <m:t>𝐿𝑎𝑡</m:t>
+                                              </m:r>
+                                            </m:e>
+                                            <m:sub>
+                                              <m:r>
+                                                <a:rPr lang="en-US" i="1">
+                                                  <a:latin typeface="Cambria Math" panose="02040503050406030204" pitchFamily="18" charset="0"/>
+                                                  <a:ea typeface="Cambria Math" panose="02040503050406030204" pitchFamily="18" charset="0"/>
+                                                </a:rPr>
+                                                <m:t>𝑠</m:t>
+                                              </m:r>
+                                            </m:sub>
+                                          </m:sSub>
+                                        </m:e>
+                                      </m:d>
+                                    </m:e>
+                                  </m:func>
+                                </m:e>
+                              </m:d>
+                              <m:r>
+                                <a:rPr lang="en-US" b="0" i="1" smtClean="0">
+                                  <a:latin typeface="Cambria Math" panose="02040503050406030204" pitchFamily="18" charset="0"/>
+                                </a:rPr>
+                                <m:t>/</m:t>
+                              </m:r>
+                              <m:d>
+                                <m:dPr>
+                                  <m:ctrlPr>
+                                    <a:rPr lang="en-US" b="0" i="1" smtClean="0">
+                                      <a:latin typeface="Cambria Math" panose="02040503050406030204" pitchFamily="18" charset="0"/>
+                                    </a:rPr>
+                                  </m:ctrlPr>
+                                </m:dPr>
+                                <m:e>
+                                  <m:sSub>
+                                    <m:sSubPr>
+                                      <m:ctrlPr>
+                                        <a:rPr lang="en-US" b="0" i="1" smtClean="0">
+                                          <a:latin typeface="Cambria Math" panose="02040503050406030204" pitchFamily="18" charset="0"/>
+                                        </a:rPr>
+                                      </m:ctrlPr>
+                                    </m:sSubPr>
+                                    <m:e>
+                                      <m:r>
+                                        <a:rPr lang="en-US" b="0" i="1" smtClean="0">
+                                          <a:latin typeface="Cambria Math" panose="02040503050406030204" pitchFamily="18" charset="0"/>
+                                        </a:rPr>
+                                        <m:t>𝐷𝑖𝑠𝑡𝑎𝑛𝑐𝑒</m:t>
+                                      </m:r>
+                                    </m:e>
+                                    <m:sub>
+                                      <m:r>
+                                        <a:rPr lang="en-US" b="0" i="1" smtClean="0">
+                                          <a:latin typeface="Cambria Math" panose="02040503050406030204" pitchFamily="18" charset="0"/>
+                                        </a:rPr>
+                                        <m:t>𝐶𝑁</m:t>
+                                      </m:r>
+                                    </m:sub>
+                                  </m:sSub>
+                                  <m:r>
+                                    <a:rPr lang="en-US" b="0" i="1" smtClean="0">
+                                      <a:latin typeface="Cambria Math" panose="02040503050406030204" pitchFamily="18" charset="0"/>
+                                    </a:rPr>
+                                    <m:t>−</m:t>
+                                  </m:r>
+                                  <m:d>
+                                    <m:dPr>
+                                      <m:ctrlPr>
+                                        <a:rPr lang="en-US" b="0" i="1" smtClean="0">
+                                          <a:latin typeface="Cambria Math" panose="02040503050406030204" pitchFamily="18" charset="0"/>
+                                        </a:rPr>
+                                      </m:ctrlPr>
+                                    </m:dPr>
+                                    <m:e>
+                                      <m:sSub>
+                                        <m:sSubPr>
+                                          <m:ctrlPr>
+                                            <a:rPr lang="en-US" b="0" i="1" smtClean="0">
+                                              <a:latin typeface="Cambria Math" panose="02040503050406030204" pitchFamily="18" charset="0"/>
+                                            </a:rPr>
+                                          </m:ctrlPr>
+                                        </m:sSubPr>
+                                        <m:e>
+                                          <m:r>
+                                            <a:rPr lang="en-US" b="0" i="1" smtClean="0">
+                                              <a:latin typeface="Cambria Math" panose="02040503050406030204" pitchFamily="18" charset="0"/>
+                                            </a:rPr>
+                                            <m:t>𝑅</m:t>
+                                          </m:r>
+                                        </m:e>
+                                        <m:sub>
+                                          <m:r>
+                                            <a:rPr lang="en-US" b="0" i="1" smtClean="0">
+                                              <a:latin typeface="Cambria Math" panose="02040503050406030204" pitchFamily="18" charset="0"/>
+                                            </a:rPr>
+                                            <m:t>𝑒</m:t>
+                                          </m:r>
+                                        </m:sub>
+                                      </m:sSub>
+                                      <m:r>
+                                        <a:rPr lang="en-US" b="0" i="1" smtClean="0">
+                                          <a:latin typeface="Cambria Math" panose="02040503050406030204" pitchFamily="18" charset="0"/>
+                                          <a:ea typeface="Cambria Math" panose="02040503050406030204" pitchFamily="18" charset="0"/>
+                                        </a:rPr>
+                                        <m:t>×</m:t>
+                                      </m:r>
+                                      <m:func>
+                                        <m:funcPr>
+                                          <m:ctrlPr>
+                                            <a:rPr lang="en-US" b="0" i="1" smtClean="0">
+                                              <a:latin typeface="Cambria Math" panose="02040503050406030204" pitchFamily="18" charset="0"/>
+                                              <a:ea typeface="Cambria Math" panose="02040503050406030204" pitchFamily="18" charset="0"/>
+                                            </a:rPr>
+                                          </m:ctrlPr>
+                                        </m:funcPr>
+                                        <m:fName>
+                                          <m:r>
+                                            <m:rPr>
+                                              <m:sty m:val="p"/>
+                                            </m:rPr>
+                                            <a:rPr lang="en-US" b="0" i="0" smtClean="0">
+                                              <a:latin typeface="Cambria Math" panose="02040503050406030204" pitchFamily="18" charset="0"/>
+                                              <a:ea typeface="Cambria Math" panose="02040503050406030204" pitchFamily="18" charset="0"/>
+                                            </a:rPr>
+                                            <m:t>cos</m:t>
+                                          </m:r>
+                                        </m:fName>
+                                        <m:e>
+                                          <m:d>
+                                            <m:dPr>
+                                              <m:ctrlPr>
+                                                <a:rPr lang="en-US" b="0" i="1" smtClean="0">
+                                                  <a:latin typeface="Cambria Math" panose="02040503050406030204" pitchFamily="18" charset="0"/>
+                                                  <a:ea typeface="Cambria Math" panose="02040503050406030204" pitchFamily="18" charset="0"/>
+                                                </a:rPr>
+                                              </m:ctrlPr>
+                                            </m:dPr>
+                                            <m:e>
+                                              <m:sSub>
+                                                <m:sSubPr>
+                                                  <m:ctrlPr>
+                                                    <a:rPr lang="en-US" b="0" i="1" smtClean="0">
+                                                      <a:latin typeface="Cambria Math" panose="02040503050406030204" pitchFamily="18" charset="0"/>
+                                                      <a:ea typeface="Cambria Math" panose="02040503050406030204" pitchFamily="18" charset="0"/>
+                                                    </a:rPr>
+                                                  </m:ctrlPr>
+                                                </m:sSubPr>
+                                                <m:e>
+                                                  <m:r>
+                                                    <a:rPr lang="en-US" b="0" i="1" smtClean="0">
+                                                      <a:latin typeface="Cambria Math" panose="02040503050406030204" pitchFamily="18" charset="0"/>
+                                                      <a:ea typeface="Cambria Math" panose="02040503050406030204" pitchFamily="18" charset="0"/>
+                                                    </a:rPr>
+                                                    <m:t>𝐿𝑎𝑡</m:t>
+                                                  </m:r>
+                                                </m:e>
+                                                <m:sub>
+                                                  <m:r>
+                                                    <a:rPr lang="en-US" b="0" i="1" smtClean="0">
+                                                      <a:latin typeface="Cambria Math" panose="02040503050406030204" pitchFamily="18" charset="0"/>
+                                                      <a:ea typeface="Cambria Math" panose="02040503050406030204" pitchFamily="18" charset="0"/>
+                                                    </a:rPr>
+                                                    <m:t>𝑆</m:t>
+                                                  </m:r>
+                                                </m:sub>
+                                              </m:sSub>
+                                            </m:e>
+                                          </m:d>
+                                        </m:e>
+                                      </m:func>
+                                    </m:e>
+                                  </m:d>
+                                </m:e>
+                              </m:d>
+                              <m:r>
+                                <a:rPr lang="en-US" b="0" i="1" smtClean="0">
+                                  <a:latin typeface="Cambria Math" panose="02040503050406030204" pitchFamily="18" charset="0"/>
+                                </a:rPr>
+                                <m:t> </m:t>
+                              </m:r>
+                            </m:e>
+                          </m:d>
+                        </m:e>
+                      </m:func>
+                    </m:oMath>
+                  </m:oMathPara>
+                </a14:m>
+                <a:endParaRPr lang="en-US" dirty="0"/>
+              </a:p>
+            </p:txBody>
+          </p:sp>
+        </mc:Choice>
+        <mc:Fallback>
+          <p:sp>
+            <p:nvSpPr>
+              <p:cNvPr id="45" name="TextBox 44">
+                <a:extLst>
+                  <a:ext uri="{FF2B5EF4-FFF2-40B4-BE49-F238E27FC236}">
+                    <a16:creationId xmlns:a16="http://schemas.microsoft.com/office/drawing/2014/main" id="{E647C866-8277-4F30-BBE0-387F6BCE5406}"/>
+                  </a:ext>
+                </a:extLst>
+              </p:cNvPr>
+              <p:cNvSpPr txBox="1">
+                <a:spLocks noRot="1" noChangeAspect="1" noMove="1" noResize="1" noEditPoints="1" noAdjustHandles="1" noChangeArrowheads="1" noChangeShapeType="1" noTextEdit="1"/>
+              </p:cNvSpPr>
+              <p:nvPr/>
+            </p:nvSpPr>
+            <p:spPr>
+              <a:xfrm>
+                <a:off x="564984" y="5462747"/>
+                <a:ext cx="6869573" cy="414537"/>
+              </a:xfrm>
+              <a:prstGeom prst="rect">
+                <a:avLst/>
+              </a:prstGeom>
+              <a:blipFill>
+                <a:blip r:embed="rId14"/>
+                <a:stretch>
+                  <a:fillRect b="-7353"/>
+                </a:stretch>
+              </a:blipFill>
+            </p:spPr>
+            <p:txBody>
+              <a:bodyPr/>
+              <a:lstStyle/>
+              <a:p>
+                <a:r>
+                  <a:rPr lang="en-US">
+                    <a:noFill/>
+                  </a:rPr>
+                  <a:t> </a:t>
+                </a:r>
+              </a:p>
+            </p:txBody>
+          </p:sp>
+        </mc:Fallback>
+      </mc:AlternateContent>
+    </p:spTree>
+    <p:extLst>
+      <p:ext uri="{BB962C8B-B14F-4D97-AF65-F5344CB8AC3E}">
+        <p14:creationId xmlns:p14="http://schemas.microsoft.com/office/powerpoint/2010/main" val="1809675145"/>
       </p:ext>
     </p:extLst>
   </p:cSld>

--- a/Hot Pursuit/IPS.pptx
+++ b/Hot Pursuit/IPS.pptx
@@ -118,8 +118,7 @@
 <file path=ppt/revisionInfo.xml><?xml version="1.0" encoding="utf-8"?>
 <p1510:revInfo xmlns:a="http://schemas.openxmlformats.org/drawingml/2006/main" xmlns:r="http://schemas.openxmlformats.org/officeDocument/2006/relationships" xmlns:p1510="http://schemas.microsoft.com/office/powerpoint/2015/10/main">
   <p1510:revLst>
-    <p1510:client id="{CC2180D3-344B-421C-8A7C-7CF00190F422}" v="477" dt="2021-05-18T13:43:34.122"/>
-    <p1510:client id="{E41D39D8-1DDF-4D16-8E53-9090773FDB52}" v="631" dt="2021-05-19T02:59:39.942"/>
+    <p1510:client id="{E41D39D8-1DDF-4D16-8E53-9090773FDB52}" v="768" dt="2021-05-19T23:57:07.314"/>
   </p1510:revLst>
 </p1510:revInfo>
 </file>
@@ -129,7 +128,7 @@
   <pc:docChgLst>
     <pc:chgData name="Rick McAlister" userId="fad37fcb1da1ebec" providerId="LiveId" clId="{E41D39D8-1DDF-4D16-8E53-9090773FDB52}"/>
     <pc:docChg chg="undo redo custSel modSld">
-      <pc:chgData name="Rick McAlister" userId="fad37fcb1da1ebec" providerId="LiveId" clId="{E41D39D8-1DDF-4D16-8E53-9090773FDB52}" dt="2021-05-19T03:01:33.860" v="788" actId="1076"/>
+      <pc:chgData name="Rick McAlister" userId="fad37fcb1da1ebec" providerId="LiveId" clId="{E41D39D8-1DDF-4D16-8E53-9090773FDB52}" dt="2021-05-19T23:57:07.314" v="1101" actId="20577"/>
       <pc:docMkLst>
         <pc:docMk/>
       </pc:docMkLst>
@@ -157,13 +156,13 @@
         </pc:picChg>
       </pc:sldChg>
       <pc:sldChg chg="addSp delSp modSp mod">
-        <pc:chgData name="Rick McAlister" userId="fad37fcb1da1ebec" providerId="LiveId" clId="{E41D39D8-1DDF-4D16-8E53-9090773FDB52}" dt="2021-05-19T03:01:33.860" v="788" actId="1076"/>
+        <pc:chgData name="Rick McAlister" userId="fad37fcb1da1ebec" providerId="LiveId" clId="{E41D39D8-1DDF-4D16-8E53-9090773FDB52}" dt="2021-05-19T23:57:07.314" v="1101" actId="20577"/>
         <pc:sldMkLst>
           <pc:docMk/>
           <pc:sldMk cId="1809675145" sldId="258"/>
         </pc:sldMkLst>
         <pc:spChg chg="add mod">
-          <ac:chgData name="Rick McAlister" userId="fad37fcb1da1ebec" providerId="LiveId" clId="{E41D39D8-1DDF-4D16-8E53-9090773FDB52}" dt="2021-05-19T03:01:08.583" v="786" actId="552"/>
+          <ac:chgData name="Rick McAlister" userId="fad37fcb1da1ebec" providerId="LiveId" clId="{E41D39D8-1DDF-4D16-8E53-9090773FDB52}" dt="2021-05-19T17:58:52.486" v="1030" actId="1076"/>
           <ac:spMkLst>
             <pc:docMk/>
             <pc:sldMk cId="1809675145" sldId="258"/>
@@ -171,7 +170,7 @@
           </ac:spMkLst>
         </pc:spChg>
         <pc:spChg chg="add mod">
-          <ac:chgData name="Rick McAlister" userId="fad37fcb1da1ebec" providerId="LiveId" clId="{E41D39D8-1DDF-4D16-8E53-9090773FDB52}" dt="2021-05-19T03:00:24.780" v="782" actId="1076"/>
+          <ac:chgData name="Rick McAlister" userId="fad37fcb1da1ebec" providerId="LiveId" clId="{E41D39D8-1DDF-4D16-8E53-9090773FDB52}" dt="2021-05-19T17:56:04.015" v="1015" actId="688"/>
           <ac:spMkLst>
             <pc:docMk/>
             <pc:sldMk cId="1809675145" sldId="258"/>
@@ -179,7 +178,7 @@
           </ac:spMkLst>
         </pc:spChg>
         <pc:spChg chg="mod">
-          <ac:chgData name="Rick McAlister" userId="fad37fcb1da1ebec" providerId="LiveId" clId="{E41D39D8-1DDF-4D16-8E53-9090773FDB52}" dt="2021-05-19T03:00:24.780" v="782" actId="1076"/>
+          <ac:chgData name="Rick McAlister" userId="fad37fcb1da1ebec" providerId="LiveId" clId="{E41D39D8-1DDF-4D16-8E53-9090773FDB52}" dt="2021-05-19T17:56:04.015" v="1015" actId="688"/>
           <ac:spMkLst>
             <pc:docMk/>
             <pc:sldMk cId="1809675145" sldId="258"/>
@@ -187,7 +186,7 @@
           </ac:spMkLst>
         </pc:spChg>
         <pc:spChg chg="add mod">
-          <ac:chgData name="Rick McAlister" userId="fad37fcb1da1ebec" providerId="LiveId" clId="{E41D39D8-1DDF-4D16-8E53-9090773FDB52}" dt="2021-05-19T03:01:08.583" v="786" actId="552"/>
+          <ac:chgData name="Rick McAlister" userId="fad37fcb1da1ebec" providerId="LiveId" clId="{E41D39D8-1DDF-4D16-8E53-9090773FDB52}" dt="2021-05-19T17:59:02.191" v="1031" actId="1076"/>
           <ac:spMkLst>
             <pc:docMk/>
             <pc:sldMk cId="1809675145" sldId="258"/>
@@ -195,7 +194,7 @@
           </ac:spMkLst>
         </pc:spChg>
         <pc:spChg chg="add mod">
-          <ac:chgData name="Rick McAlister" userId="fad37fcb1da1ebec" providerId="LiveId" clId="{E41D39D8-1DDF-4D16-8E53-9090773FDB52}" dt="2021-05-19T03:01:08.583" v="786" actId="552"/>
+          <ac:chgData name="Rick McAlister" userId="fad37fcb1da1ebec" providerId="LiveId" clId="{E41D39D8-1DDF-4D16-8E53-9090773FDB52}" dt="2021-05-19T17:58:45.142" v="1029" actId="1076"/>
           <ac:spMkLst>
             <pc:docMk/>
             <pc:sldMk cId="1809675145" sldId="258"/>
@@ -203,7 +202,7 @@
           </ac:spMkLst>
         </pc:spChg>
         <pc:spChg chg="add mod">
-          <ac:chgData name="Rick McAlister" userId="fad37fcb1da1ebec" providerId="LiveId" clId="{E41D39D8-1DDF-4D16-8E53-9090773FDB52}" dt="2021-05-19T03:01:33.860" v="788" actId="1076"/>
+          <ac:chgData name="Rick McAlister" userId="fad37fcb1da1ebec" providerId="LiveId" clId="{E41D39D8-1DDF-4D16-8E53-9090773FDB52}" dt="2021-05-19T17:58:45.142" v="1029" actId="1076"/>
           <ac:spMkLst>
             <pc:docMk/>
             <pc:sldMk cId="1809675145" sldId="258"/>
@@ -211,7 +210,7 @@
           </ac:spMkLst>
         </pc:spChg>
         <pc:spChg chg="add mod">
-          <ac:chgData name="Rick McAlister" userId="fad37fcb1da1ebec" providerId="LiveId" clId="{E41D39D8-1DDF-4D16-8E53-9090773FDB52}" dt="2021-05-19T02:32:19.244" v="574" actId="164"/>
+          <ac:chgData name="Rick McAlister" userId="fad37fcb1da1ebec" providerId="LiveId" clId="{E41D39D8-1DDF-4D16-8E53-9090773FDB52}" dt="2021-05-19T17:42:52.117" v="845" actId="20577"/>
           <ac:spMkLst>
             <pc:docMk/>
             <pc:sldMk cId="1809675145" sldId="258"/>
@@ -219,7 +218,7 @@
           </ac:spMkLst>
         </pc:spChg>
         <pc:spChg chg="add mod">
-          <ac:chgData name="Rick McAlister" userId="fad37fcb1da1ebec" providerId="LiveId" clId="{E41D39D8-1DDF-4D16-8E53-9090773FDB52}" dt="2021-05-19T03:00:24.780" v="782" actId="1076"/>
+          <ac:chgData name="Rick McAlister" userId="fad37fcb1da1ebec" providerId="LiveId" clId="{E41D39D8-1DDF-4D16-8E53-9090773FDB52}" dt="2021-05-19T17:56:04.015" v="1015" actId="688"/>
           <ac:spMkLst>
             <pc:docMk/>
             <pc:sldMk cId="1809675145" sldId="258"/>
@@ -227,7 +226,7 @@
           </ac:spMkLst>
         </pc:spChg>
         <pc:spChg chg="add mod">
-          <ac:chgData name="Rick McAlister" userId="fad37fcb1da1ebec" providerId="LiveId" clId="{E41D39D8-1DDF-4D16-8E53-9090773FDB52}" dt="2021-05-19T02:32:19.244" v="574" actId="164"/>
+          <ac:chgData name="Rick McAlister" userId="fad37fcb1da1ebec" providerId="LiveId" clId="{E41D39D8-1DDF-4D16-8E53-9090773FDB52}" dt="2021-05-19T17:42:52.117" v="845" actId="20577"/>
           <ac:spMkLst>
             <pc:docMk/>
             <pc:sldMk cId="1809675145" sldId="258"/>
@@ -235,7 +234,7 @@
           </ac:spMkLst>
         </pc:spChg>
         <pc:spChg chg="add mod">
-          <ac:chgData name="Rick McAlister" userId="fad37fcb1da1ebec" providerId="LiveId" clId="{E41D39D8-1DDF-4D16-8E53-9090773FDB52}" dt="2021-05-19T02:32:19.244" v="574" actId="164"/>
+          <ac:chgData name="Rick McAlister" userId="fad37fcb1da1ebec" providerId="LiveId" clId="{E41D39D8-1DDF-4D16-8E53-9090773FDB52}" dt="2021-05-19T17:42:52.117" v="845" actId="20577"/>
           <ac:spMkLst>
             <pc:docMk/>
             <pc:sldMk cId="1809675145" sldId="258"/>
@@ -250,24 +249,40 @@
             <ac:spMk id="17" creationId="{7304BC89-ECC0-4B37-99EA-D1EEC5D05916}"/>
           </ac:spMkLst>
         </pc:spChg>
+        <pc:spChg chg="add del mod">
+          <ac:chgData name="Rick McAlister" userId="fad37fcb1da1ebec" providerId="LiveId" clId="{E41D39D8-1DDF-4D16-8E53-9090773FDB52}" dt="2021-05-19T21:32:54.004" v="1045" actId="478"/>
+          <ac:spMkLst>
+            <pc:docMk/>
+            <pc:sldMk cId="1809675145" sldId="258"/>
+            <ac:spMk id="17" creationId="{A6BE7A88-2F88-4030-9BD6-790BB9529C3F}"/>
+          </ac:spMkLst>
+        </pc:spChg>
+        <pc:spChg chg="add mod">
+          <ac:chgData name="Rick McAlister" userId="fad37fcb1da1ebec" providerId="LiveId" clId="{E41D39D8-1DDF-4D16-8E53-9090773FDB52}" dt="2021-05-19T23:57:07.314" v="1101" actId="20577"/>
+          <ac:spMkLst>
+            <pc:docMk/>
+            <pc:sldMk cId="1809675145" sldId="258"/>
+            <ac:spMk id="18" creationId="{2CFED8A8-9E02-4F65-8543-EEDDE141D5DE}"/>
+          </ac:spMkLst>
+        </pc:spChg>
         <pc:spChg chg="mod">
-          <ac:chgData name="Rick McAlister" userId="fad37fcb1da1ebec" providerId="LiveId" clId="{E41D39D8-1DDF-4D16-8E53-9090773FDB52}" dt="2021-05-19T03:00:24.780" v="782" actId="1076"/>
+          <ac:chgData name="Rick McAlister" userId="fad37fcb1da1ebec" providerId="LiveId" clId="{E41D39D8-1DDF-4D16-8E53-9090773FDB52}" dt="2021-05-19T17:57:39.391" v="1022" actId="14100"/>
           <ac:spMkLst>
             <pc:docMk/>
             <pc:sldMk cId="1809675145" sldId="258"/>
             <ac:spMk id="19" creationId="{6FEB324D-BC6E-41AA-B677-849C6CCB97FD}"/>
           </ac:spMkLst>
         </pc:spChg>
-        <pc:spChg chg="mod">
-          <ac:chgData name="Rick McAlister" userId="fad37fcb1da1ebec" providerId="LiveId" clId="{E41D39D8-1DDF-4D16-8E53-9090773FDB52}" dt="2021-05-19T03:00:24.780" v="782" actId="1076"/>
+        <pc:spChg chg="del mod">
+          <ac:chgData name="Rick McAlister" userId="fad37fcb1da1ebec" providerId="LiveId" clId="{E41D39D8-1DDF-4D16-8E53-9090773FDB52}" dt="2021-05-19T17:35:46.007" v="792" actId="478"/>
           <ac:spMkLst>
             <pc:docMk/>
             <pc:sldMk cId="1809675145" sldId="258"/>
             <ac:spMk id="20" creationId="{F41EBB94-8AF1-4AD5-BCEF-A3B5B172014D}"/>
           </ac:spMkLst>
         </pc:spChg>
-        <pc:spChg chg="mod">
-          <ac:chgData name="Rick McAlister" userId="fad37fcb1da1ebec" providerId="LiveId" clId="{E41D39D8-1DDF-4D16-8E53-9090773FDB52}" dt="2021-05-19T03:00:24.780" v="782" actId="1076"/>
+        <pc:spChg chg="del mod">
+          <ac:chgData name="Rick McAlister" userId="fad37fcb1da1ebec" providerId="LiveId" clId="{E41D39D8-1DDF-4D16-8E53-9090773FDB52}" dt="2021-05-19T17:35:48.538" v="793" actId="478"/>
           <ac:spMkLst>
             <pc:docMk/>
             <pc:sldMk cId="1809675145" sldId="258"/>
@@ -275,7 +290,7 @@
           </ac:spMkLst>
         </pc:spChg>
         <pc:spChg chg="mod">
-          <ac:chgData name="Rick McAlister" userId="fad37fcb1da1ebec" providerId="LiveId" clId="{E41D39D8-1DDF-4D16-8E53-9090773FDB52}" dt="2021-05-19T03:00:24.780" v="782" actId="1076"/>
+          <ac:chgData name="Rick McAlister" userId="fad37fcb1da1ebec" providerId="LiveId" clId="{E41D39D8-1DDF-4D16-8E53-9090773FDB52}" dt="2021-05-19T17:56:04.015" v="1015" actId="688"/>
           <ac:spMkLst>
             <pc:docMk/>
             <pc:sldMk cId="1809675145" sldId="258"/>
@@ -283,7 +298,7 @@
           </ac:spMkLst>
         </pc:spChg>
         <pc:spChg chg="add mod">
-          <ac:chgData name="Rick McAlister" userId="fad37fcb1da1ebec" providerId="LiveId" clId="{E41D39D8-1DDF-4D16-8E53-9090773FDB52}" dt="2021-05-19T03:00:24.780" v="782" actId="1076"/>
+          <ac:chgData name="Rick McAlister" userId="fad37fcb1da1ebec" providerId="LiveId" clId="{E41D39D8-1DDF-4D16-8E53-9090773FDB52}" dt="2021-05-19T17:58:29.403" v="1028" actId="1076"/>
           <ac:spMkLst>
             <pc:docMk/>
             <pc:sldMk cId="1809675145" sldId="258"/>
@@ -323,15 +338,15 @@
           </ac:spMkLst>
         </pc:spChg>
         <pc:spChg chg="mod">
-          <ac:chgData name="Rick McAlister" userId="fad37fcb1da1ebec" providerId="LiveId" clId="{E41D39D8-1DDF-4D16-8E53-9090773FDB52}" dt="2021-05-19T03:00:24.780" v="782" actId="1076"/>
+          <ac:chgData name="Rick McAlister" userId="fad37fcb1da1ebec" providerId="LiveId" clId="{E41D39D8-1DDF-4D16-8E53-9090773FDB52}" dt="2021-05-19T17:56:04.015" v="1015" actId="688"/>
           <ac:spMkLst>
             <pc:docMk/>
             <pc:sldMk cId="1809675145" sldId="258"/>
             <ac:spMk id="29" creationId="{4804FAF1-AE02-4084-AA46-C24F9B058E78}"/>
           </ac:spMkLst>
         </pc:spChg>
-        <pc:spChg chg="add mod">
-          <ac:chgData name="Rick McAlister" userId="fad37fcb1da1ebec" providerId="LiveId" clId="{E41D39D8-1DDF-4D16-8E53-9090773FDB52}" dt="2021-05-19T03:00:24.780" v="782" actId="1076"/>
+        <pc:spChg chg="add del mod">
+          <ac:chgData name="Rick McAlister" userId="fad37fcb1da1ebec" providerId="LiveId" clId="{E41D39D8-1DDF-4D16-8E53-9090773FDB52}" dt="2021-05-19T17:35:42.648" v="791" actId="478"/>
           <ac:spMkLst>
             <pc:docMk/>
             <pc:sldMk cId="1809675145" sldId="258"/>
@@ -339,7 +354,7 @@
           </ac:spMkLst>
         </pc:spChg>
         <pc:spChg chg="mod">
-          <ac:chgData name="Rick McAlister" userId="fad37fcb1da1ebec" providerId="LiveId" clId="{E41D39D8-1DDF-4D16-8E53-9090773FDB52}" dt="2021-05-19T03:00:24.780" v="782" actId="1076"/>
+          <ac:chgData name="Rick McAlister" userId="fad37fcb1da1ebec" providerId="LiveId" clId="{E41D39D8-1DDF-4D16-8E53-9090773FDB52}" dt="2021-05-19T17:58:20.137" v="1026" actId="1076"/>
           <ac:spMkLst>
             <pc:docMk/>
             <pc:sldMk cId="1809675145" sldId="258"/>
@@ -362,8 +377,8 @@
             <ac:spMk id="33" creationId="{0F3D8E35-DDE3-46CA-BD12-97AC821659F7}"/>
           </ac:spMkLst>
         </pc:spChg>
-        <pc:spChg chg="add mod">
-          <ac:chgData name="Rick McAlister" userId="fad37fcb1da1ebec" providerId="LiveId" clId="{E41D39D8-1DDF-4D16-8E53-9090773FDB52}" dt="2021-05-19T03:00:24.780" v="782" actId="1076"/>
+        <pc:spChg chg="add del mod">
+          <ac:chgData name="Rick McAlister" userId="fad37fcb1da1ebec" providerId="LiveId" clId="{E41D39D8-1DDF-4D16-8E53-9090773FDB52}" dt="2021-05-19T17:35:38.476" v="790" actId="478"/>
           <ac:spMkLst>
             <pc:docMk/>
             <pc:sldMk cId="1809675145" sldId="258"/>
@@ -371,15 +386,15 @@
           </ac:spMkLst>
         </pc:spChg>
         <pc:spChg chg="add mod">
-          <ac:chgData name="Rick McAlister" userId="fad37fcb1da1ebec" providerId="LiveId" clId="{E41D39D8-1DDF-4D16-8E53-9090773FDB52}" dt="2021-05-19T03:01:08.583" v="786" actId="552"/>
+          <ac:chgData name="Rick McAlister" userId="fad37fcb1da1ebec" providerId="LiveId" clId="{E41D39D8-1DDF-4D16-8E53-9090773FDB52}" dt="2021-05-19T17:59:15.483" v="1033" actId="1076"/>
           <ac:spMkLst>
             <pc:docMk/>
             <pc:sldMk cId="1809675145" sldId="258"/>
             <ac:spMk id="35" creationId="{B65B9E5C-C29C-456B-A585-43E30CA71BE9}"/>
           </ac:spMkLst>
         </pc:spChg>
-        <pc:spChg chg="add mod">
-          <ac:chgData name="Rick McAlister" userId="fad37fcb1da1ebec" providerId="LiveId" clId="{E41D39D8-1DDF-4D16-8E53-9090773FDB52}" dt="2021-05-19T03:00:24.780" v="782" actId="1076"/>
+        <pc:spChg chg="add del mod">
+          <ac:chgData name="Rick McAlister" userId="fad37fcb1da1ebec" providerId="LiveId" clId="{E41D39D8-1DDF-4D16-8E53-9090773FDB52}" dt="2021-05-19T18:00:20.854" v="1036" actId="478"/>
           <ac:spMkLst>
             <pc:docMk/>
             <pc:sldMk cId="1809675145" sldId="258"/>
@@ -394,16 +409,24 @@
             <ac:spMk id="37" creationId="{739DAE8C-15D2-4FA1-A9B3-70A6C539A197}"/>
           </ac:spMkLst>
         </pc:spChg>
+        <pc:spChg chg="add del mod">
+          <ac:chgData name="Rick McAlister" userId="fad37fcb1da1ebec" providerId="LiveId" clId="{E41D39D8-1DDF-4D16-8E53-9090773FDB52}" dt="2021-05-19T18:00:22.885" v="1039"/>
+          <ac:spMkLst>
+            <pc:docMk/>
+            <pc:sldMk cId="1809675145" sldId="258"/>
+            <ac:spMk id="37" creationId="{F849DBA2-6494-4479-99C2-AB570ECC3627}"/>
+          </ac:spMkLst>
+        </pc:spChg>
         <pc:spChg chg="add mod">
-          <ac:chgData name="Rick McAlister" userId="fad37fcb1da1ebec" providerId="LiveId" clId="{E41D39D8-1DDF-4D16-8E53-9090773FDB52}" dt="2021-05-19T03:00:24.780" v="782" actId="1076"/>
+          <ac:chgData name="Rick McAlister" userId="fad37fcb1da1ebec" providerId="LiveId" clId="{E41D39D8-1DDF-4D16-8E53-9090773FDB52}" dt="2021-05-19T17:56:04.015" v="1015" actId="688"/>
           <ac:spMkLst>
             <pc:docMk/>
             <pc:sldMk cId="1809675145" sldId="258"/>
             <ac:spMk id="38" creationId="{0F658854-2048-46A1-B71B-865B96BAE1C1}"/>
           </ac:spMkLst>
         </pc:spChg>
-        <pc:spChg chg="add mod">
-          <ac:chgData name="Rick McAlister" userId="fad37fcb1da1ebec" providerId="LiveId" clId="{E41D39D8-1DDF-4D16-8E53-9090773FDB52}" dt="2021-05-19T03:00:29.579" v="783" actId="1076"/>
+        <pc:spChg chg="add del mod">
+          <ac:chgData name="Rick McAlister" userId="fad37fcb1da1ebec" providerId="LiveId" clId="{E41D39D8-1DDF-4D16-8E53-9090773FDB52}" dt="2021-05-19T17:54:55.206" v="982" actId="478"/>
           <ac:spMkLst>
             <pc:docMk/>
             <pc:sldMk cId="1809675145" sldId="258"/>
@@ -411,7 +434,31 @@
           </ac:spMkLst>
         </pc:spChg>
         <pc:spChg chg="add mod">
-          <ac:chgData name="Rick McAlister" userId="fad37fcb1da1ebec" providerId="LiveId" clId="{E41D39D8-1DDF-4D16-8E53-9090773FDB52}" dt="2021-05-19T03:01:08.583" v="786" actId="552"/>
+          <ac:chgData name="Rick McAlister" userId="fad37fcb1da1ebec" providerId="LiveId" clId="{E41D39D8-1DDF-4D16-8E53-9090773FDB52}" dt="2021-05-19T17:59:20.936" v="1034" actId="1076"/>
+          <ac:spMkLst>
+            <pc:docMk/>
+            <pc:sldMk cId="1809675145" sldId="258"/>
+            <ac:spMk id="40" creationId="{D802676C-E991-4864-B570-4AF6499D3B4D}"/>
+          </ac:spMkLst>
+        </pc:spChg>
+        <pc:spChg chg="add mod">
+          <ac:chgData name="Rick McAlister" userId="fad37fcb1da1ebec" providerId="LiveId" clId="{E41D39D8-1DDF-4D16-8E53-9090773FDB52}" dt="2021-05-19T17:56:57.258" v="1016" actId="1076"/>
+          <ac:spMkLst>
+            <pc:docMk/>
+            <pc:sldMk cId="1809675145" sldId="258"/>
+            <ac:spMk id="41" creationId="{717E84D2-553B-40FD-B02B-1F5D3342D0B4}"/>
+          </ac:spMkLst>
+        </pc:spChg>
+        <pc:spChg chg="add mod">
+          <ac:chgData name="Rick McAlister" userId="fad37fcb1da1ebec" providerId="LiveId" clId="{E41D39D8-1DDF-4D16-8E53-9090773FDB52}" dt="2021-05-19T17:56:04.015" v="1015" actId="688"/>
+          <ac:spMkLst>
+            <pc:docMk/>
+            <pc:sldMk cId="1809675145" sldId="258"/>
+            <ac:spMk id="42" creationId="{32BBF9C8-C50E-477A-8D22-67BCF19B880A}"/>
+          </ac:spMkLst>
+        </pc:spChg>
+        <pc:spChg chg="add mod">
+          <ac:chgData name="Rick McAlister" userId="fad37fcb1da1ebec" providerId="LiveId" clId="{E41D39D8-1DDF-4D16-8E53-9090773FDB52}" dt="2021-05-19T17:59:24.922" v="1035" actId="1076"/>
           <ac:spMkLst>
             <pc:docMk/>
             <pc:sldMk cId="1809675145" sldId="258"/>
@@ -419,7 +466,7 @@
           </ac:spMkLst>
         </pc:spChg>
         <pc:spChg chg="mod">
-          <ac:chgData name="Rick McAlister" userId="fad37fcb1da1ebec" providerId="LiveId" clId="{E41D39D8-1DDF-4D16-8E53-9090773FDB52}" dt="2021-05-19T03:00:24.780" v="782" actId="1076"/>
+          <ac:chgData name="Rick McAlister" userId="fad37fcb1da1ebec" providerId="LiveId" clId="{E41D39D8-1DDF-4D16-8E53-9090773FDB52}" dt="2021-05-19T17:55:15.834" v="1011" actId="20577"/>
           <ac:spMkLst>
             <pc:docMk/>
             <pc:sldMk cId="1809675145" sldId="258"/>
@@ -434,6 +481,14 @@
             <ac:spMk id="56" creationId="{40B6D3F8-64A3-4143-B7B1-1877E6E25B4C}"/>
           </ac:spMkLst>
         </pc:spChg>
+        <pc:spChg chg="add mod">
+          <ac:chgData name="Rick McAlister" userId="fad37fcb1da1ebec" providerId="LiveId" clId="{E41D39D8-1DDF-4D16-8E53-9090773FDB52}" dt="2021-05-19T17:56:04.015" v="1015" actId="688"/>
+          <ac:spMkLst>
+            <pc:docMk/>
+            <pc:sldMk cId="1809675145" sldId="258"/>
+            <ac:spMk id="57" creationId="{3C2DD6FE-1026-4186-AE97-5B059498700D}"/>
+          </ac:spMkLst>
+        </pc:spChg>
         <pc:spChg chg="del mod">
           <ac:chgData name="Rick McAlister" userId="fad37fcb1da1ebec" providerId="LiveId" clId="{E41D39D8-1DDF-4D16-8E53-9090773FDB52}" dt="2021-05-19T02:09:54.422" v="244" actId="478"/>
           <ac:spMkLst>
@@ -442,8 +497,32 @@
             <ac:spMk id="57" creationId="{A50E972A-DDB0-4753-8E52-E573D9B1DA9C}"/>
           </ac:spMkLst>
         </pc:spChg>
+        <pc:spChg chg="add mod">
+          <ac:chgData name="Rick McAlister" userId="fad37fcb1da1ebec" providerId="LiveId" clId="{E41D39D8-1DDF-4D16-8E53-9090773FDB52}" dt="2021-05-19T17:57:16.932" v="1018" actId="1076"/>
+          <ac:spMkLst>
+            <pc:docMk/>
+            <pc:sldMk cId="1809675145" sldId="258"/>
+            <ac:spMk id="72" creationId="{C1867D76-ACBF-48D3-9A92-49B1CBBEAF85}"/>
+          </ac:spMkLst>
+        </pc:spChg>
+        <pc:spChg chg="add mod">
+          <ac:chgData name="Rick McAlister" userId="fad37fcb1da1ebec" providerId="LiveId" clId="{E41D39D8-1DDF-4D16-8E53-9090773FDB52}" dt="2021-05-19T17:57:49.284" v="1023" actId="1076"/>
+          <ac:spMkLst>
+            <pc:docMk/>
+            <pc:sldMk cId="1809675145" sldId="258"/>
+            <ac:spMk id="74" creationId="{FC6E7EC6-90CD-4476-878F-90F17503620D}"/>
+          </ac:spMkLst>
+        </pc:spChg>
+        <pc:spChg chg="add mod">
+          <ac:chgData name="Rick McAlister" userId="fad37fcb1da1ebec" providerId="LiveId" clId="{E41D39D8-1DDF-4D16-8E53-9090773FDB52}" dt="2021-05-19T17:57:57.991" v="1025" actId="1076"/>
+          <ac:spMkLst>
+            <pc:docMk/>
+            <pc:sldMk cId="1809675145" sldId="258"/>
+            <ac:spMk id="91" creationId="{2C539BFA-DF16-4800-A8B0-37A22E5570A0}"/>
+          </ac:spMkLst>
+        </pc:spChg>
         <pc:grpChg chg="add mod">
-          <ac:chgData name="Rick McAlister" userId="fad37fcb1da1ebec" providerId="LiveId" clId="{E41D39D8-1DDF-4D16-8E53-9090773FDB52}" dt="2021-05-19T03:01:08.583" v="786" actId="552"/>
+          <ac:chgData name="Rick McAlister" userId="fad37fcb1da1ebec" providerId="LiveId" clId="{E41D39D8-1DDF-4D16-8E53-9090773FDB52}" dt="2021-05-19T17:59:09.353" v="1032" actId="1076"/>
           <ac:grpSpMkLst>
             <pc:docMk/>
             <pc:sldMk cId="1809675145" sldId="258"/>
@@ -451,7 +530,7 @@
           </ac:grpSpMkLst>
         </pc:grpChg>
         <pc:cxnChg chg="mod">
-          <ac:chgData name="Rick McAlister" userId="fad37fcb1da1ebec" providerId="LiveId" clId="{E41D39D8-1DDF-4D16-8E53-9090773FDB52}" dt="2021-05-19T03:00:24.780" v="782" actId="1076"/>
+          <ac:chgData name="Rick McAlister" userId="fad37fcb1da1ebec" providerId="LiveId" clId="{E41D39D8-1DDF-4D16-8E53-9090773FDB52}" dt="2021-05-19T17:56:57.258" v="1016" actId="1076"/>
           <ac:cxnSpMkLst>
             <pc:docMk/>
             <pc:sldMk cId="1809675145" sldId="258"/>
@@ -459,7 +538,7 @@
           </ac:cxnSpMkLst>
         </pc:cxnChg>
         <pc:cxnChg chg="mod">
-          <ac:chgData name="Rick McAlister" userId="fad37fcb1da1ebec" providerId="LiveId" clId="{E41D39D8-1DDF-4D16-8E53-9090773FDB52}" dt="2021-05-19T03:00:24.780" v="782" actId="1076"/>
+          <ac:chgData name="Rick McAlister" userId="fad37fcb1da1ebec" providerId="LiveId" clId="{E41D39D8-1DDF-4D16-8E53-9090773FDB52}" dt="2021-05-19T17:56:57.258" v="1016" actId="1076"/>
           <ac:cxnSpMkLst>
             <pc:docMk/>
             <pc:sldMk cId="1809675145" sldId="258"/>
@@ -467,7 +546,7 @@
           </ac:cxnSpMkLst>
         </pc:cxnChg>
         <pc:cxnChg chg="mod">
-          <ac:chgData name="Rick McAlister" userId="fad37fcb1da1ebec" providerId="LiveId" clId="{E41D39D8-1DDF-4D16-8E53-9090773FDB52}" dt="2021-05-19T03:00:24.780" v="782" actId="1076"/>
+          <ac:chgData name="Rick McAlister" userId="fad37fcb1da1ebec" providerId="LiveId" clId="{E41D39D8-1DDF-4D16-8E53-9090773FDB52}" dt="2021-05-19T17:56:04.015" v="1015" actId="688"/>
           <ac:cxnSpMkLst>
             <pc:docMk/>
             <pc:sldMk cId="1809675145" sldId="258"/>
@@ -475,7 +554,7 @@
           </ac:cxnSpMkLst>
         </pc:cxnChg>
         <pc:cxnChg chg="mod">
-          <ac:chgData name="Rick McAlister" userId="fad37fcb1da1ebec" providerId="LiveId" clId="{E41D39D8-1DDF-4D16-8E53-9090773FDB52}" dt="2021-05-19T03:00:24.780" v="782" actId="1076"/>
+          <ac:chgData name="Rick McAlister" userId="fad37fcb1da1ebec" providerId="LiveId" clId="{E41D39D8-1DDF-4D16-8E53-9090773FDB52}" dt="2021-05-19T17:57:16.932" v="1018" actId="1076"/>
           <ac:cxnSpMkLst>
             <pc:docMk/>
             <pc:sldMk cId="1809675145" sldId="258"/>
@@ -483,7 +562,7 @@
           </ac:cxnSpMkLst>
         </pc:cxnChg>
         <pc:cxnChg chg="add mod">
-          <ac:chgData name="Rick McAlister" userId="fad37fcb1da1ebec" providerId="LiveId" clId="{E41D39D8-1DDF-4D16-8E53-9090773FDB52}" dt="2021-05-19T03:00:24.780" v="782" actId="1076"/>
+          <ac:chgData name="Rick McAlister" userId="fad37fcb1da1ebec" providerId="LiveId" clId="{E41D39D8-1DDF-4D16-8E53-9090773FDB52}" dt="2021-05-19T17:56:04.015" v="1015" actId="688"/>
           <ac:cxnSpMkLst>
             <pc:docMk/>
             <pc:sldMk cId="1809675145" sldId="258"/>
@@ -491,11 +570,19 @@
           </ac:cxnSpMkLst>
         </pc:cxnChg>
         <pc:cxnChg chg="add mod">
-          <ac:chgData name="Rick McAlister" userId="fad37fcb1da1ebec" providerId="LiveId" clId="{E41D39D8-1DDF-4D16-8E53-9090773FDB52}" dt="2021-05-19T03:00:24.780" v="782" actId="1076"/>
+          <ac:chgData name="Rick McAlister" userId="fad37fcb1da1ebec" providerId="LiveId" clId="{E41D39D8-1DDF-4D16-8E53-9090773FDB52}" dt="2021-05-19T17:56:57.258" v="1016" actId="1076"/>
           <ac:cxnSpMkLst>
             <pc:docMk/>
             <pc:sldMk cId="1809675145" sldId="258"/>
             <ac:cxnSpMk id="43" creationId="{186A0791-DC54-495F-963C-DB4ECA7A764E}"/>
+          </ac:cxnSpMkLst>
+        </pc:cxnChg>
+        <pc:cxnChg chg="add mod">
+          <ac:chgData name="Rick McAlister" userId="fad37fcb1da1ebec" providerId="LiveId" clId="{E41D39D8-1DDF-4D16-8E53-9090773FDB52}" dt="2021-05-19T17:57:49.284" v="1023" actId="1076"/>
+          <ac:cxnSpMkLst>
+            <pc:docMk/>
+            <pc:sldMk cId="1809675145" sldId="258"/>
+            <ac:cxnSpMk id="75" creationId="{7D7E8D98-47B2-4C95-B150-2BAA41117295}"/>
           </ac:cxnSpMkLst>
         </pc:cxnChg>
       </pc:sldChg>
@@ -1552,7 +1639,7 @@
           <a:p>
             <a:fld id="{F3FFCF3C-4A0D-4637-8D0F-A75E6B068A0D}" type="datetimeFigureOut">
               <a:rPr lang="en-US" smtClean="0"/>
-              <a:t>5/18/2021</a:t>
+              <a:t>5/19/2021</a:t>
             </a:fld>
             <a:endParaRPr lang="en-US"/>
           </a:p>
@@ -1750,7 +1837,7 @@
           <a:p>
             <a:fld id="{F3FFCF3C-4A0D-4637-8D0F-A75E6B068A0D}" type="datetimeFigureOut">
               <a:rPr lang="en-US" smtClean="0"/>
-              <a:t>5/18/2021</a:t>
+              <a:t>5/19/2021</a:t>
             </a:fld>
             <a:endParaRPr lang="en-US"/>
           </a:p>
@@ -1958,7 +2045,7 @@
           <a:p>
             <a:fld id="{F3FFCF3C-4A0D-4637-8D0F-A75E6B068A0D}" type="datetimeFigureOut">
               <a:rPr lang="en-US" smtClean="0"/>
-              <a:t>5/18/2021</a:t>
+              <a:t>5/19/2021</a:t>
             </a:fld>
             <a:endParaRPr lang="en-US"/>
           </a:p>
@@ -2156,7 +2243,7 @@
           <a:p>
             <a:fld id="{F3FFCF3C-4A0D-4637-8D0F-A75E6B068A0D}" type="datetimeFigureOut">
               <a:rPr lang="en-US" smtClean="0"/>
-              <a:t>5/18/2021</a:t>
+              <a:t>5/19/2021</a:t>
             </a:fld>
             <a:endParaRPr lang="en-US"/>
           </a:p>
@@ -2431,7 +2518,7 @@
           <a:p>
             <a:fld id="{F3FFCF3C-4A0D-4637-8D0F-A75E6B068A0D}" type="datetimeFigureOut">
               <a:rPr lang="en-US" smtClean="0"/>
-              <a:t>5/18/2021</a:t>
+              <a:t>5/19/2021</a:t>
             </a:fld>
             <a:endParaRPr lang="en-US"/>
           </a:p>
@@ -2696,7 +2783,7 @@
           <a:p>
             <a:fld id="{F3FFCF3C-4A0D-4637-8D0F-A75E6B068A0D}" type="datetimeFigureOut">
               <a:rPr lang="en-US" smtClean="0"/>
-              <a:t>5/18/2021</a:t>
+              <a:t>5/19/2021</a:t>
             </a:fld>
             <a:endParaRPr lang="en-US"/>
           </a:p>
@@ -3108,7 +3195,7 @@
           <a:p>
             <a:fld id="{F3FFCF3C-4A0D-4637-8D0F-A75E6B068A0D}" type="datetimeFigureOut">
               <a:rPr lang="en-US" smtClean="0"/>
-              <a:t>5/18/2021</a:t>
+              <a:t>5/19/2021</a:t>
             </a:fld>
             <a:endParaRPr lang="en-US"/>
           </a:p>
@@ -3249,7 +3336,7 @@
           <a:p>
             <a:fld id="{F3FFCF3C-4A0D-4637-8D0F-A75E6B068A0D}" type="datetimeFigureOut">
               <a:rPr lang="en-US" smtClean="0"/>
-              <a:t>5/18/2021</a:t>
+              <a:t>5/19/2021</a:t>
             </a:fld>
             <a:endParaRPr lang="en-US"/>
           </a:p>
@@ -3362,7 +3449,7 @@
           <a:p>
             <a:fld id="{F3FFCF3C-4A0D-4637-8D0F-A75E6B068A0D}" type="datetimeFigureOut">
               <a:rPr lang="en-US" smtClean="0"/>
-              <a:t>5/18/2021</a:t>
+              <a:t>5/19/2021</a:t>
             </a:fld>
             <a:endParaRPr lang="en-US"/>
           </a:p>
@@ -3673,7 +3760,7 @@
           <a:p>
             <a:fld id="{F3FFCF3C-4A0D-4637-8D0F-A75E6B068A0D}" type="datetimeFigureOut">
               <a:rPr lang="en-US" smtClean="0"/>
-              <a:t>5/18/2021</a:t>
+              <a:t>5/19/2021</a:t>
             </a:fld>
             <a:endParaRPr lang="en-US"/>
           </a:p>
@@ -3961,7 +4048,7 @@
           <a:p>
             <a:fld id="{F3FFCF3C-4A0D-4637-8D0F-A75E6B068A0D}" type="datetimeFigureOut">
               <a:rPr lang="en-US" smtClean="0"/>
-              <a:t>5/18/2021</a:t>
+              <a:t>5/19/2021</a:t>
             </a:fld>
             <a:endParaRPr lang="en-US"/>
           </a:p>
@@ -4202,7 +4289,7 @@
           <a:p>
             <a:fld id="{F3FFCF3C-4A0D-4637-8D0F-A75E6B068A0D}" type="datetimeFigureOut">
               <a:rPr lang="en-US" smtClean="0"/>
-              <a:t>5/18/2021</a:t>
+              <a:t>5/19/2021</a:t>
             </a:fld>
             <a:endParaRPr lang="en-US"/>
           </a:p>
@@ -6955,7 +7042,7 @@
         </p:nvSpPr>
         <p:spPr>
           <a:xfrm>
-            <a:off x="8587802" y="560571"/>
+            <a:off x="8584228" y="587743"/>
             <a:ext cx="3200400" cy="3100388"/>
           </a:xfrm>
           <a:prstGeom prst="ellipse">
@@ -7004,13 +7091,15 @@
           </p:cNvPr>
           <p:cNvCxnSpPr>
             <a:cxnSpLocks/>
+            <a:stCxn id="57" idx="2"/>
+            <a:endCxn id="41" idx="5"/>
           </p:cNvCxnSpPr>
           <p:nvPr/>
         </p:nvCxnSpPr>
         <p:spPr>
-          <a:xfrm flipH="1">
-            <a:off x="3335041" y="2062760"/>
-            <a:ext cx="6843712" cy="48241"/>
+          <a:xfrm flipH="1" flipV="1">
+            <a:off x="4903907" y="1346094"/>
+            <a:ext cx="5208395" cy="686138"/>
           </a:xfrm>
           <a:prstGeom prst="line">
             <a:avLst/>
@@ -7022,8 +7111,8 @@
                 <a:lumOff val="5000"/>
               </a:schemeClr>
             </a:solidFill>
-            <a:headEnd type="oval" w="med" len="lg"/>
-            <a:tailEnd type="oval"/>
+            <a:headEnd type="none" w="med" len="med"/>
+            <a:tailEnd type="none" w="med" len="med"/>
           </a:ln>
         </p:spPr>
         <p:style>
@@ -7052,13 +7141,15 @@
           </p:cNvPr>
           <p:cNvCxnSpPr>
             <a:cxnSpLocks/>
+            <a:stCxn id="42" idx="2"/>
+            <a:endCxn id="41" idx="6"/>
           </p:cNvCxnSpPr>
           <p:nvPr/>
         </p:nvCxnSpPr>
         <p:spPr>
-          <a:xfrm flipH="1">
-            <a:off x="3378866" y="1138767"/>
-            <a:ext cx="5526599" cy="971998"/>
+          <a:xfrm flipH="1" flipV="1">
+            <a:off x="4919479" y="1304081"/>
+            <a:ext cx="3820726" cy="67377"/>
           </a:xfrm>
           <a:prstGeom prst="line">
             <a:avLst/>
@@ -7070,8 +7161,8 @@
                 <a:lumOff val="5000"/>
               </a:schemeClr>
             </a:solidFill>
-            <a:headEnd type="oval" w="med" len="lg"/>
-            <a:tailEnd type="oval"/>
+            <a:headEnd type="none" w="med" len="med"/>
+            <a:tailEnd type="none" w="med" len="med"/>
           </a:ln>
         </p:spPr>
         <p:style>
@@ -7100,13 +7191,15 @@
           </p:cNvPr>
           <p:cNvCxnSpPr>
             <a:cxnSpLocks/>
+            <a:stCxn id="42" idx="6"/>
+            <a:endCxn id="57" idx="1"/>
           </p:cNvCxnSpPr>
           <p:nvPr/>
         </p:nvCxnSpPr>
         <p:spPr>
           <a:xfrm>
-            <a:off x="8942776" y="1143847"/>
-            <a:ext cx="1241652" cy="893425"/>
+            <a:off x="8846535" y="1371458"/>
+            <a:ext cx="1281339" cy="618761"/>
           </a:xfrm>
           <a:prstGeom prst="line">
             <a:avLst/>
@@ -7118,8 +7211,8 @@
                 <a:lumOff val="5000"/>
               </a:schemeClr>
             </a:solidFill>
-            <a:headEnd type="oval" w="med" len="lg"/>
-            <a:tailEnd type="oval"/>
+            <a:headEnd type="none" w="med" len="med"/>
+            <a:tailEnd type="none" w="med" len="med"/>
           </a:ln>
         </p:spPr>
         <p:style>
@@ -7148,13 +7241,15 @@
           </p:cNvPr>
           <p:cNvCxnSpPr>
             <a:cxnSpLocks/>
+            <a:stCxn id="42" idx="4"/>
+            <a:endCxn id="72" idx="0"/>
           </p:cNvCxnSpPr>
           <p:nvPr/>
         </p:nvCxnSpPr>
         <p:spPr>
-          <a:xfrm>
-            <a:off x="8943332" y="1141502"/>
-            <a:ext cx="5729" cy="941430"/>
+          <a:xfrm flipH="1">
+            <a:off x="8749227" y="1430873"/>
+            <a:ext cx="44143" cy="353717"/>
           </a:xfrm>
           <a:prstGeom prst="line">
             <a:avLst/>
@@ -7166,8 +7261,8 @@
                 <a:lumOff val="5000"/>
               </a:schemeClr>
             </a:solidFill>
-            <a:headEnd type="oval" w="med" len="lg"/>
-            <a:tailEnd type="oval"/>
+            <a:headEnd type="none" w="med" len="med"/>
+            <a:tailEnd type="none" w="med" len="med"/>
           </a:ln>
         </p:spPr>
         <p:style>
@@ -7198,9 +7293,9 @@
           <p:nvPr/>
         </p:nvSpPr>
         <p:spPr>
-          <a:xfrm>
-            <a:off x="8961701" y="1881487"/>
-            <a:ext cx="170220" cy="186445"/>
+          <a:xfrm rot="510549">
+            <a:off x="8763532" y="1735243"/>
+            <a:ext cx="90819" cy="111581"/>
           </a:xfrm>
           <a:prstGeom prst="rect">
             <a:avLst/>
@@ -7235,96 +7330,6 @@
       </p:sp>
       <p:sp>
         <p:nvSpPr>
-          <p:cNvPr id="20" name="Arc 19">
-            <a:extLst>
-              <a:ext uri="{FF2B5EF4-FFF2-40B4-BE49-F238E27FC236}">
-                <a16:creationId xmlns:a16="http://schemas.microsoft.com/office/drawing/2014/main" id="{F41EBB94-8AF1-4AD5-BCEF-A3B5B172014D}"/>
-              </a:ext>
-            </a:extLst>
-          </p:cNvPr>
-          <p:cNvSpPr/>
-          <p:nvPr/>
-        </p:nvSpPr>
-        <p:spPr>
-          <a:xfrm rot="410400">
-            <a:off x="4474893" y="1904190"/>
-            <a:ext cx="60311" cy="453976"/>
-          </a:xfrm>
-          <a:prstGeom prst="arc">
-            <a:avLst/>
-          </a:prstGeom>
-          <a:ln w="25400"/>
-        </p:spPr>
-        <p:style>
-          <a:lnRef idx="1">
-            <a:schemeClr val="accent1"/>
-          </a:lnRef>
-          <a:fillRef idx="0">
-            <a:schemeClr val="accent1"/>
-          </a:fillRef>
-          <a:effectRef idx="0">
-            <a:schemeClr val="accent1"/>
-          </a:effectRef>
-          <a:fontRef idx="minor">
-            <a:schemeClr val="tx1"/>
-          </a:fontRef>
-        </p:style>
-        <p:txBody>
-          <a:bodyPr rtlCol="0" anchor="ctr"/>
-          <a:lstStyle/>
-          <a:p>
-            <a:pPr algn="ctr"/>
-            <a:endParaRPr lang="en-US"/>
-          </a:p>
-        </p:txBody>
-      </p:sp>
-      <p:sp>
-        <p:nvSpPr>
-          <p:cNvPr id="21" name="Arc 20">
-            <a:extLst>
-              <a:ext uri="{FF2B5EF4-FFF2-40B4-BE49-F238E27FC236}">
-                <a16:creationId xmlns:a16="http://schemas.microsoft.com/office/drawing/2014/main" id="{B67B56BA-4E54-4906-A424-88860CFFE9F2}"/>
-              </a:ext>
-            </a:extLst>
-          </p:cNvPr>
-          <p:cNvSpPr/>
-          <p:nvPr/>
-        </p:nvSpPr>
-        <p:spPr>
-          <a:xfrm rot="12576518">
-            <a:off x="9840984" y="1582104"/>
-            <a:ext cx="95036" cy="489113"/>
-          </a:xfrm>
-          <a:prstGeom prst="arc">
-            <a:avLst/>
-          </a:prstGeom>
-          <a:ln w="25400"/>
-        </p:spPr>
-        <p:style>
-          <a:lnRef idx="1">
-            <a:schemeClr val="accent1"/>
-          </a:lnRef>
-          <a:fillRef idx="0">
-            <a:schemeClr val="accent1"/>
-          </a:fillRef>
-          <a:effectRef idx="0">
-            <a:schemeClr val="accent1"/>
-          </a:effectRef>
-          <a:fontRef idx="minor">
-            <a:schemeClr val="tx1"/>
-          </a:fontRef>
-        </p:style>
-        <p:txBody>
-          <a:bodyPr rtlCol="0" anchor="ctr"/>
-          <a:lstStyle/>
-          <a:p>
-            <a:pPr algn="ctr"/>
-            <a:endParaRPr lang="en-US"/>
-          </a:p>
-        </p:txBody>
-      </p:sp>
-      <p:sp>
-        <p:nvSpPr>
           <p:cNvPr id="22" name="TextBox 21">
             <a:extLst>
               <a:ext uri="{FF2B5EF4-FFF2-40B4-BE49-F238E27FC236}">
@@ -7337,7 +7342,7 @@
         </p:nvSpPr>
         <p:spPr>
           <a:xfrm flipH="1">
-            <a:off x="9531225" y="1242885"/>
+            <a:off x="9733438" y="1186974"/>
             <a:ext cx="432029" cy="369332"/>
           </a:xfrm>
           <a:prstGeom prst="rect">
@@ -7376,7 +7381,7 @@
         </p:nvSpPr>
         <p:spPr>
           <a:xfrm flipH="1">
-            <a:off x="10157185" y="2041675"/>
+            <a:off x="10127874" y="2032232"/>
             <a:ext cx="514162" cy="369332"/>
           </a:xfrm>
           <a:prstGeom prst="rect">
@@ -7411,7 +7416,7 @@
         </p:nvSpPr>
         <p:spPr>
           <a:xfrm flipH="1">
-            <a:off x="2887480" y="1902214"/>
+            <a:off x="4560711" y="1290089"/>
             <a:ext cx="335410" cy="369332"/>
           </a:xfrm>
           <a:prstGeom prst="rect">
@@ -7446,8 +7451,8 @@
         </p:nvSpPr>
         <p:spPr>
           <a:xfrm flipH="1">
-            <a:off x="7076393" y="519346"/>
-            <a:ext cx="1924784" cy="369332"/>
+            <a:off x="564983" y="266525"/>
+            <a:ext cx="2766045" cy="1200329"/>
           </a:xfrm>
           <a:prstGeom prst="rect">
             <a:avLst/>
@@ -7462,7 +7467,25 @@
           <a:p>
             <a:r>
               <a:rPr lang="en-US" dirty="0"/>
-              <a:t>MPC Observatory</a:t>
+              <a:t>M:	MPC Observatory</a:t>
+            </a:r>
+          </a:p>
+          <a:p>
+            <a:r>
+              <a:rPr lang="en-US" dirty="0"/>
+              <a:t>S: 	Site</a:t>
+            </a:r>
+          </a:p>
+          <a:p>
+            <a:r>
+              <a:rPr lang="en-US" dirty="0"/>
+              <a:t>N:	NEO</a:t>
+            </a:r>
+          </a:p>
+          <a:p>
+            <a:r>
+              <a:rPr lang="en-US" dirty="0"/>
+              <a:t>C:	Center of Earth</a:t>
             </a:r>
           </a:p>
         </p:txBody>
@@ -7481,7 +7504,7 @@
         </p:nvSpPr>
         <p:spPr>
           <a:xfrm flipH="1">
-            <a:off x="8678911" y="2064311"/>
+            <a:off x="8632732" y="1859820"/>
             <a:ext cx="263865" cy="369332"/>
           </a:xfrm>
           <a:prstGeom prst="rect">
@@ -7502,8 +7525,8 @@
           </a:p>
         </p:txBody>
       </p:sp>
-      <mc:AlternateContent xmlns:mc="http://schemas.openxmlformats.org/markup-compatibility/2006">
-        <mc:Choice xmlns:a14="http://schemas.microsoft.com/office/drawing/2010/main" Requires="a14">
+      <mc:AlternateContent xmlns:mc="http://schemas.openxmlformats.org/markup-compatibility/2006" xmlns:a14="http://schemas.microsoft.com/office/drawing/2010/main">
+        <mc:Choice Requires="a14">
           <p:sp>
             <p:nvSpPr>
               <p:cNvPr id="2" name="TextBox 1">
@@ -7518,7 +7541,7 @@
             </p:nvSpPr>
             <p:spPr>
               <a:xfrm>
-                <a:off x="564984" y="3243016"/>
+                <a:off x="523419" y="2672152"/>
                 <a:ext cx="4109971" cy="276999"/>
               </a:xfrm>
               <a:prstGeom prst="rect">
@@ -7532,6 +7555,7 @@
               </a:bodyPr>
               <a:lstStyle/>
               <a:p>
+                <a:pPr/>
                 <a14:m>
                   <m:oMathPara xmlns:m="http://schemas.openxmlformats.org/officeDocument/2006/math">
                     <m:oMathParaPr>
@@ -7594,7 +7618,7 @@
             </p:txBody>
           </p:sp>
         </mc:Choice>
-        <mc:Fallback>
+        <mc:Fallback xmlns="">
           <p:sp>
             <p:nvSpPr>
               <p:cNvPr id="2" name="TextBox 1">
@@ -7611,7 +7635,7 @@
             </p:nvSpPr>
             <p:spPr>
               <a:xfrm>
-                <a:off x="564984" y="3243016"/>
+                <a:off x="523419" y="2672152"/>
                 <a:ext cx="4109971" cy="276999"/>
               </a:xfrm>
               <a:prstGeom prst="rect">
@@ -7620,7 +7644,7 @@
               <a:blipFill>
                 <a:blip r:embed="rId2"/>
                 <a:stretch>
-                  <a:fillRect b="-15556"/>
+                  <a:fillRect b="-13043"/>
                 </a:stretch>
               </a:blipFill>
             </p:spPr>
@@ -7653,7 +7677,7 @@
         </p:nvSpPr>
         <p:spPr>
           <a:xfrm>
-            <a:off x="9414552" y="665546"/>
+            <a:off x="9300784" y="780471"/>
             <a:ext cx="106330" cy="118830"/>
           </a:xfrm>
           <a:prstGeom prst="ellipse">
@@ -7685,8 +7709,8 @@
           </a:p>
         </p:txBody>
       </p:sp>
-      <mc:AlternateContent xmlns:mc="http://schemas.openxmlformats.org/markup-compatibility/2006">
-        <mc:Choice xmlns:a14="http://schemas.microsoft.com/office/drawing/2010/main" Requires="a14">
+      <mc:AlternateContent xmlns:mc="http://schemas.openxmlformats.org/markup-compatibility/2006" xmlns:a14="http://schemas.microsoft.com/office/drawing/2010/main">
+        <mc:Choice Requires="a14">
           <p:sp>
             <p:nvSpPr>
               <p:cNvPr id="5" name="TextBox 4">
@@ -7701,8 +7725,8 @@
             </p:nvSpPr>
             <p:spPr>
               <a:xfrm>
-                <a:off x="564984" y="3656035"/>
-                <a:ext cx="3111365" cy="276999"/>
+                <a:off x="587481" y="3058499"/>
+                <a:ext cx="3177921" cy="276999"/>
               </a:xfrm>
               <a:prstGeom prst="rect">
                 <a:avLst/>
@@ -7715,6 +7739,7 @@
               </a:bodyPr>
               <a:lstStyle/>
               <a:p>
+                <a:pPr/>
                 <a14:m>
                   <m:oMathPara xmlns:m="http://schemas.openxmlformats.org/officeDocument/2006/math">
                     <m:oMathParaPr>
@@ -7780,10 +7805,11 @@
                             <m:t>∆</m:t>
                           </m:r>
                           <m:r>
-                            <a:rPr lang="en-US" i="1" dirty="0" err="1">
+                            <a:rPr lang="en-US" b="0" i="1" dirty="0" smtClean="0">
                               <a:latin typeface="Cambria Math" panose="02040503050406030204" pitchFamily="18" charset="0"/>
+                              <a:ea typeface="Cambria Math" panose="02040503050406030204" pitchFamily="18" charset="0"/>
                             </a:rPr>
-                            <m:t>𝐿𝑎𝑡</m:t>
+                            <m:t>𝑀𝐶𝑁</m:t>
                           </m:r>
                         </m:e>
                       </m:d>
@@ -7795,7 +7821,7 @@
             </p:txBody>
           </p:sp>
         </mc:Choice>
-        <mc:Fallback>
+        <mc:Fallback xmlns="">
           <p:sp>
             <p:nvSpPr>
               <p:cNvPr id="5" name="TextBox 4">
@@ -7812,8 +7838,8 @@
             </p:nvSpPr>
             <p:spPr>
               <a:xfrm>
-                <a:off x="564984" y="3656035"/>
-                <a:ext cx="3111365" cy="276999"/>
+                <a:off x="587481" y="3058499"/>
+                <a:ext cx="3177921" cy="276999"/>
               </a:xfrm>
               <a:prstGeom prst="rect">
                 <a:avLst/>
@@ -7821,7 +7847,7 @@
               <a:blipFill>
                 <a:blip r:embed="rId3"/>
                 <a:stretch>
-                  <a:fillRect b="-15556"/>
+                  <a:fillRect l="-1341" b="-15556"/>
                 </a:stretch>
               </a:blipFill>
             </p:spPr>
@@ -7840,8 +7866,8 @@
           </p:sp>
         </mc:Fallback>
       </mc:AlternateContent>
-      <mc:AlternateContent xmlns:mc="http://schemas.openxmlformats.org/markup-compatibility/2006">
-        <mc:Choice xmlns:a14="http://schemas.microsoft.com/office/drawing/2010/main" Requires="a14">
+      <mc:AlternateContent xmlns:mc="http://schemas.openxmlformats.org/markup-compatibility/2006" xmlns:a14="http://schemas.microsoft.com/office/drawing/2010/main">
+        <mc:Choice Requires="a14">
           <p:sp>
             <p:nvSpPr>
               <p:cNvPr id="8" name="TextBox 7">
@@ -7856,8 +7882,8 @@
             </p:nvSpPr>
             <p:spPr>
               <a:xfrm>
-                <a:off x="564984" y="2829997"/>
-                <a:ext cx="2220864" cy="276999"/>
+                <a:off x="587481" y="2230671"/>
+                <a:ext cx="2330703" cy="276999"/>
               </a:xfrm>
               <a:prstGeom prst="rect">
                 <a:avLst/>
@@ -7870,6 +7896,7 @@
               </a:bodyPr>
               <a:lstStyle/>
               <a:p>
+                <a:pPr/>
                 <a14:m>
                   <m:oMathPara xmlns:m="http://schemas.openxmlformats.org/officeDocument/2006/math">
                     <m:oMathParaPr>
@@ -7887,7 +7914,7 @@
                         <a:rPr lang="en-US" b="0" i="1" smtClean="0">
                           <a:latin typeface="Cambria Math" panose="02040503050406030204" pitchFamily="18" charset="0"/>
                         </a:rPr>
-                        <m:t>𝐿𝑎𝑡</m:t>
+                        <m:t>𝑀𝐶𝑁</m:t>
                       </m:r>
                       <m:r>
                         <a:rPr lang="en-US" b="0" i="1" smtClean="0">
@@ -7959,7 +7986,7 @@
             </p:txBody>
           </p:sp>
         </mc:Choice>
-        <mc:Fallback>
+        <mc:Fallback xmlns="">
           <p:sp>
             <p:nvSpPr>
               <p:cNvPr id="8" name="TextBox 7">
@@ -7976,8 +8003,8 @@
             </p:nvSpPr>
             <p:spPr>
               <a:xfrm>
-                <a:off x="564984" y="2829997"/>
-                <a:ext cx="2220864" cy="276999"/>
+                <a:off x="587481" y="2230671"/>
+                <a:ext cx="2330703" cy="276999"/>
               </a:xfrm>
               <a:prstGeom prst="rect">
                 <a:avLst/>
@@ -7985,7 +8012,7 @@
               <a:blipFill>
                 <a:blip r:embed="rId4"/>
                 <a:stretch>
-                  <a:fillRect l="-1099" b="-15217"/>
+                  <a:fillRect l="-1828" r="-261" b="-15556"/>
                 </a:stretch>
               </a:blipFill>
             </p:spPr>
@@ -8004,8 +8031,8 @@
           </p:sp>
         </mc:Fallback>
       </mc:AlternateContent>
-      <mc:AlternateContent xmlns:mc="http://schemas.openxmlformats.org/markup-compatibility/2006">
-        <mc:Choice xmlns:a14="http://schemas.microsoft.com/office/drawing/2010/main" Requires="a14">
+      <mc:AlternateContent xmlns:mc="http://schemas.openxmlformats.org/markup-compatibility/2006" xmlns:a14="http://schemas.microsoft.com/office/drawing/2010/main">
+        <mc:Choice Requires="a14">
           <p:sp>
             <p:nvSpPr>
               <p:cNvPr id="9" name="TextBox 8">
@@ -8020,8 +8047,8 @@
             </p:nvSpPr>
             <p:spPr>
               <a:xfrm>
-                <a:off x="618423" y="2433643"/>
-                <a:ext cx="2220864" cy="276999"/>
+                <a:off x="640920" y="1834317"/>
+                <a:ext cx="2559938" cy="276999"/>
               </a:xfrm>
               <a:prstGeom prst="rect">
                 <a:avLst/>
@@ -8047,7 +8074,7 @@
                       <a:rPr lang="en-US" b="0" i="1" smtClean="0">
                         <a:latin typeface="Cambria Math" panose="02040503050406030204" pitchFamily="18" charset="0"/>
                       </a:rPr>
-                      <m:t>𝐷𝑒𝑐</m:t>
+                      <m:t>𝑀𝑁𝐶</m:t>
                     </m:r>
                     <m:r>
                       <a:rPr lang="en-US" b="0" i="1" smtClean="0">
@@ -8121,7 +8148,7 @@
             </p:txBody>
           </p:sp>
         </mc:Choice>
-        <mc:Fallback>
+        <mc:Fallback xmlns="">
           <p:sp>
             <p:nvSpPr>
               <p:cNvPr id="9" name="TextBox 8">
@@ -8138,8 +8165,8 @@
             </p:nvSpPr>
             <p:spPr>
               <a:xfrm>
-                <a:off x="618423" y="2433643"/>
-                <a:ext cx="2220864" cy="276999"/>
+                <a:off x="640920" y="1834317"/>
+                <a:ext cx="2559938" cy="276999"/>
               </a:xfrm>
               <a:prstGeom prst="rect">
                 <a:avLst/>
@@ -8147,7 +8174,7 @@
               <a:blipFill>
                 <a:blip r:embed="rId5"/>
                 <a:stretch>
-                  <a:fillRect l="-3562" b="-15217"/>
+                  <a:fillRect l="-3095" b="-15556"/>
                 </a:stretch>
               </a:blipFill>
             </p:spPr>
@@ -8166,212 +8193,8 @@
           </p:sp>
         </mc:Fallback>
       </mc:AlternateContent>
-      <mc:AlternateContent xmlns:mc="http://schemas.openxmlformats.org/markup-compatibility/2006">
-        <mc:Choice xmlns:a14="http://schemas.microsoft.com/office/drawing/2010/main" Requires="a14">
-          <p:sp>
-            <p:nvSpPr>
-              <p:cNvPr id="30" name="TextBox 29">
-                <a:extLst>
-                  <a:ext uri="{FF2B5EF4-FFF2-40B4-BE49-F238E27FC236}">
-                    <a16:creationId xmlns:a16="http://schemas.microsoft.com/office/drawing/2014/main" id="{2DAFECA7-1182-4987-BBD2-815A8824D29F}"/>
-                  </a:ext>
-                </a:extLst>
-              </p:cNvPr>
-              <p:cNvSpPr txBox="1"/>
-              <p:nvPr/>
-            </p:nvSpPr>
-            <p:spPr>
-              <a:xfrm>
-                <a:off x="4717999" y="1877858"/>
-                <a:ext cx="384785" cy="184666"/>
-              </a:xfrm>
-              <a:prstGeom prst="rect">
-                <a:avLst/>
-              </a:prstGeom>
-              <a:noFill/>
-            </p:spPr>
-            <p:txBody>
-              <a:bodyPr wrap="none" lIns="0" tIns="0" rIns="0" bIns="0" rtlCol="0">
-                <a:spAutoFit/>
-              </a:bodyPr>
-              <a:lstStyle/>
-              <a:p>
-                <a14:m>
-                  <m:oMathPara xmlns:m="http://schemas.openxmlformats.org/officeDocument/2006/math">
-                    <m:oMathParaPr>
-                      <m:jc m:val="centerGroup"/>
-                    </m:oMathParaPr>
-                    <m:oMath xmlns:m="http://schemas.openxmlformats.org/officeDocument/2006/math">
-                      <m:r>
-                        <a:rPr lang="en-US" sz="1200" b="0" i="1" smtClean="0">
-                          <a:latin typeface="Cambria Math" panose="02040503050406030204" pitchFamily="18" charset="0"/>
-                          <a:ea typeface="Cambria Math" panose="02040503050406030204" pitchFamily="18" charset="0"/>
-                        </a:rPr>
-                        <m:t>∆</m:t>
-                      </m:r>
-                      <m:r>
-                        <a:rPr lang="en-US" sz="1200" b="0" i="1" smtClean="0">
-                          <a:latin typeface="Cambria Math" panose="02040503050406030204" pitchFamily="18" charset="0"/>
-                        </a:rPr>
-                        <m:t>𝐷𝑒𝑐</m:t>
-                      </m:r>
-                    </m:oMath>
-                  </m:oMathPara>
-                </a14:m>
-                <a:endParaRPr lang="en-US" sz="1200" dirty="0"/>
-              </a:p>
-            </p:txBody>
-          </p:sp>
-        </mc:Choice>
-        <mc:Fallback>
-          <p:sp>
-            <p:nvSpPr>
-              <p:cNvPr id="30" name="TextBox 29">
-                <a:extLst>
-                  <a:ext uri="{FF2B5EF4-FFF2-40B4-BE49-F238E27FC236}">
-                    <a16:creationId xmlns:a16="http://schemas.microsoft.com/office/drawing/2014/main" id="{2DAFECA7-1182-4987-BBD2-815A8824D29F}"/>
-                  </a:ext>
-                </a:extLst>
-              </p:cNvPr>
-              <p:cNvSpPr txBox="1">
-                <a:spLocks noRot="1" noChangeAspect="1" noMove="1" noResize="1" noEditPoints="1" noAdjustHandles="1" noChangeArrowheads="1" noChangeShapeType="1" noTextEdit="1"/>
-              </p:cNvSpPr>
-              <p:nvPr/>
-            </p:nvSpPr>
-            <p:spPr>
-              <a:xfrm>
-                <a:off x="4717999" y="1877858"/>
-                <a:ext cx="384785" cy="184666"/>
-              </a:xfrm>
-              <a:prstGeom prst="rect">
-                <a:avLst/>
-              </a:prstGeom>
-              <a:blipFill>
-                <a:blip r:embed="rId6"/>
-                <a:stretch>
-                  <a:fillRect l="-9524" r="-7937" b="-6667"/>
-                </a:stretch>
-              </a:blipFill>
-            </p:spPr>
-            <p:txBody>
-              <a:bodyPr/>
-              <a:lstStyle/>
-              <a:p>
-                <a:r>
-                  <a:rPr lang="en-US">
-                    <a:noFill/>
-                  </a:rPr>
-                  <a:t> </a:t>
-                </a:r>
-              </a:p>
-            </p:txBody>
-          </p:sp>
-        </mc:Fallback>
-      </mc:AlternateContent>
-      <mc:AlternateContent xmlns:mc="http://schemas.openxmlformats.org/markup-compatibility/2006">
-        <mc:Choice xmlns:a14="http://schemas.microsoft.com/office/drawing/2010/main" Requires="a14">
-          <p:sp>
-            <p:nvSpPr>
-              <p:cNvPr id="34" name="TextBox 33">
-                <a:extLst>
-                  <a:ext uri="{FF2B5EF4-FFF2-40B4-BE49-F238E27FC236}">
-                    <a16:creationId xmlns:a16="http://schemas.microsoft.com/office/drawing/2014/main" id="{C9B1F538-A03C-4B12-8580-A004207F70A5}"/>
-                  </a:ext>
-                </a:extLst>
-              </p:cNvPr>
-              <p:cNvSpPr txBox="1"/>
-              <p:nvPr/>
-            </p:nvSpPr>
-            <p:spPr>
-              <a:xfrm>
-                <a:off x="9374099" y="1780890"/>
-                <a:ext cx="358047" cy="184666"/>
-              </a:xfrm>
-              <a:prstGeom prst="rect">
-                <a:avLst/>
-              </a:prstGeom>
-              <a:noFill/>
-            </p:spPr>
-            <p:txBody>
-              <a:bodyPr wrap="none" lIns="0" tIns="0" rIns="0" bIns="0" rtlCol="0">
-                <a:spAutoFit/>
-              </a:bodyPr>
-              <a:lstStyle/>
-              <a:p>
-                <a14:m>
-                  <m:oMathPara xmlns:m="http://schemas.openxmlformats.org/officeDocument/2006/math">
-                    <m:oMathParaPr>
-                      <m:jc m:val="centerGroup"/>
-                    </m:oMathParaPr>
-                    <m:oMath xmlns:m="http://schemas.openxmlformats.org/officeDocument/2006/math">
-                      <m:r>
-                        <a:rPr lang="en-US" sz="1200" b="0" i="1" smtClean="0">
-                          <a:latin typeface="Cambria Math" panose="02040503050406030204" pitchFamily="18" charset="0"/>
-                          <a:ea typeface="Cambria Math" panose="02040503050406030204" pitchFamily="18" charset="0"/>
-                        </a:rPr>
-                        <m:t>∆</m:t>
-                      </m:r>
-                      <m:r>
-                        <a:rPr lang="en-US" sz="1200" b="0" i="1" smtClean="0">
-                          <a:latin typeface="Cambria Math" panose="02040503050406030204" pitchFamily="18" charset="0"/>
-                        </a:rPr>
-                        <m:t>𝐿𝑎𝑡</m:t>
-                      </m:r>
-                    </m:oMath>
-                  </m:oMathPara>
-                </a14:m>
-                <a:endParaRPr lang="en-US" sz="1200" dirty="0"/>
-              </a:p>
-            </p:txBody>
-          </p:sp>
-        </mc:Choice>
-        <mc:Fallback>
-          <p:sp>
-            <p:nvSpPr>
-              <p:cNvPr id="34" name="TextBox 33">
-                <a:extLst>
-                  <a:ext uri="{FF2B5EF4-FFF2-40B4-BE49-F238E27FC236}">
-                    <a16:creationId xmlns:a16="http://schemas.microsoft.com/office/drawing/2014/main" id="{C9B1F538-A03C-4B12-8580-A004207F70A5}"/>
-                  </a:ext>
-                </a:extLst>
-              </p:cNvPr>
-              <p:cNvSpPr txBox="1">
-                <a:spLocks noRot="1" noChangeAspect="1" noMove="1" noResize="1" noEditPoints="1" noAdjustHandles="1" noChangeArrowheads="1" noChangeShapeType="1" noTextEdit="1"/>
-              </p:cNvSpPr>
-              <p:nvPr/>
-            </p:nvSpPr>
-            <p:spPr>
-              <a:xfrm>
-                <a:off x="9374099" y="1780890"/>
-                <a:ext cx="358047" cy="184666"/>
-              </a:xfrm>
-              <a:prstGeom prst="rect">
-                <a:avLst/>
-              </a:prstGeom>
-              <a:blipFill>
-                <a:blip r:embed="rId7"/>
-                <a:stretch>
-                  <a:fillRect l="-10345" r="-10345" b="-6667"/>
-                </a:stretch>
-              </a:blipFill>
-            </p:spPr>
-            <p:txBody>
-              <a:bodyPr/>
-              <a:lstStyle/>
-              <a:p>
-                <a:r>
-                  <a:rPr lang="en-US">
-                    <a:noFill/>
-                  </a:rPr>
-                  <a:t> </a:t>
-                </a:r>
-              </a:p>
-            </p:txBody>
-          </p:sp>
-        </mc:Fallback>
-      </mc:AlternateContent>
-      <mc:AlternateContent xmlns:mc="http://schemas.openxmlformats.org/markup-compatibility/2006">
-        <mc:Choice xmlns:a14="http://schemas.microsoft.com/office/drawing/2010/main" Requires="a14">
+      <mc:AlternateContent xmlns:mc="http://schemas.openxmlformats.org/markup-compatibility/2006" xmlns:a14="http://schemas.microsoft.com/office/drawing/2010/main">
+        <mc:Choice Requires="a14">
           <p:sp>
             <p:nvSpPr>
               <p:cNvPr id="12" name="TextBox 11">
@@ -8386,7 +8209,7 @@
             </p:nvSpPr>
             <p:spPr>
               <a:xfrm flipH="1">
-                <a:off x="8824126" y="800704"/>
+                <a:off x="8623601" y="1050337"/>
                 <a:ext cx="211709" cy="276999"/>
               </a:xfrm>
               <a:prstGeom prst="rect">
@@ -8400,6 +8223,7 @@
               </a:bodyPr>
               <a:lstStyle/>
               <a:p>
+                <a:pPr/>
                 <a14:m>
                   <m:oMathPara xmlns:m="http://schemas.openxmlformats.org/officeDocument/2006/math">
                     <m:oMathParaPr>
@@ -8420,7 +8244,7 @@
             </p:txBody>
           </p:sp>
         </mc:Choice>
-        <mc:Fallback>
+        <mc:Fallback xmlns="">
           <p:sp>
             <p:nvSpPr>
               <p:cNvPr id="12" name="TextBox 11">
@@ -8437,14 +8261,14 @@
             </p:nvSpPr>
             <p:spPr>
               <a:xfrm flipH="1">
-                <a:off x="8824126" y="800704"/>
+                <a:off x="8623601" y="1050337"/>
                 <a:ext cx="211709" cy="276999"/>
               </a:xfrm>
               <a:prstGeom prst="rect">
                 <a:avLst/>
               </a:prstGeom>
               <a:blipFill>
-                <a:blip r:embed="rId8"/>
+                <a:blip r:embed="rId6"/>
                 <a:stretch>
                   <a:fillRect l="-38235" r="-35294" b="-6522"/>
                 </a:stretch>
@@ -8479,14 +8303,14 @@
         </p:nvGrpSpPr>
         <p:grpSpPr>
           <a:xfrm>
-            <a:off x="564984" y="4069054"/>
-            <a:ext cx="5926435" cy="563872"/>
+            <a:off x="523419" y="3444846"/>
+            <a:ext cx="6061728" cy="563872"/>
             <a:chOff x="572656" y="3958616"/>
-            <a:chExt cx="5926435" cy="563872"/>
+            <a:chExt cx="6061728" cy="563872"/>
           </a:xfrm>
         </p:grpSpPr>
-        <mc:AlternateContent xmlns:mc="http://schemas.openxmlformats.org/markup-compatibility/2006">
-          <mc:Choice xmlns:a14="http://schemas.microsoft.com/office/drawing/2010/main" Requires="a14">
+        <mc:AlternateContent xmlns:mc="http://schemas.openxmlformats.org/markup-compatibility/2006" xmlns:a14="http://schemas.microsoft.com/office/drawing/2010/main">
+          <mc:Choice Requires="a14">
             <p:sp>
               <p:nvSpPr>
                 <p:cNvPr id="11" name="TextBox 10">
@@ -8515,6 +8339,7 @@
                 </a:bodyPr>
                 <a:lstStyle/>
                 <a:p>
+                  <a:pPr/>
                   <a14:m>
                     <m:oMathPara xmlns:m="http://schemas.openxmlformats.org/officeDocument/2006/math">
                       <m:oMathParaPr>
@@ -8625,7 +8450,7 @@
               </p:txBody>
             </p:sp>
           </mc:Choice>
-          <mc:Fallback>
+          <mc:Fallback xmlns="">
             <p:sp>
               <p:nvSpPr>
                 <p:cNvPr id="11" name="TextBox 10">
@@ -8670,8 +8495,8 @@
             </p:sp>
           </mc:Fallback>
         </mc:AlternateContent>
-        <mc:AlternateContent xmlns:mc="http://schemas.openxmlformats.org/markup-compatibility/2006">
-          <mc:Choice xmlns:a14="http://schemas.microsoft.com/office/drawing/2010/main" Requires="a14">
+        <mc:AlternateContent xmlns:mc="http://schemas.openxmlformats.org/markup-compatibility/2006" xmlns:a14="http://schemas.microsoft.com/office/drawing/2010/main">
+          <mc:Choice Requires="a14">
             <p:sp>
               <p:nvSpPr>
                 <p:cNvPr id="13" name="TextBox 12">
@@ -8700,6 +8525,7 @@
                 </a:bodyPr>
                 <a:lstStyle/>
                 <a:p>
+                  <a:pPr/>
                   <a14:m>
                     <m:oMathPara xmlns:m="http://schemas.openxmlformats.org/officeDocument/2006/math">
                       <m:oMathParaPr>
@@ -8721,7 +8547,7 @@
               </p:txBody>
             </p:sp>
           </mc:Choice>
-          <mc:Fallback>
+          <mc:Fallback xmlns="">
             <p:sp>
               <p:nvSpPr>
                 <p:cNvPr id="13" name="TextBox 12">
@@ -8766,8 +8592,8 @@
             </p:sp>
           </mc:Fallback>
         </mc:AlternateContent>
-        <mc:AlternateContent xmlns:mc="http://schemas.openxmlformats.org/markup-compatibility/2006">
-          <mc:Choice xmlns:a14="http://schemas.microsoft.com/office/drawing/2010/main" Requires="a14">
+        <mc:AlternateContent xmlns:mc="http://schemas.openxmlformats.org/markup-compatibility/2006" xmlns:a14="http://schemas.microsoft.com/office/drawing/2010/main">
+          <mc:Choice Requires="a14">
             <p:sp>
               <p:nvSpPr>
                 <p:cNvPr id="14" name="TextBox 13">
@@ -8783,7 +8609,7 @@
               <p:spPr>
                 <a:xfrm>
                   <a:off x="3862087" y="3961662"/>
-                  <a:ext cx="2637004" cy="557781"/>
+                  <a:ext cx="2772297" cy="557781"/>
                 </a:xfrm>
                 <a:prstGeom prst="rect">
                   <a:avLst/>
@@ -8796,6 +8622,7 @@
                 </a:bodyPr>
                 <a:lstStyle/>
                 <a:p>
+                  <a:pPr/>
                   <a14:m>
                     <m:oMathPara xmlns:m="http://schemas.openxmlformats.org/officeDocument/2006/math">
                       <m:oMathParaPr>
@@ -8896,7 +8723,7 @@
                                     <a:latin typeface="Cambria Math" panose="02040503050406030204" pitchFamily="18" charset="0"/>
                                     <a:ea typeface="Cambria Math" panose="02040503050406030204" pitchFamily="18" charset="0"/>
                                   </a:rPr>
-                                  <m:t>𝐷𝑒𝑐</m:t>
+                                  <m:t>𝑀𝑁𝐵</m:t>
                                 </m:r>
                               </m:e>
                             </m:d>
@@ -8910,7 +8737,7 @@
               </p:txBody>
             </p:sp>
           </mc:Choice>
-          <mc:Fallback>
+          <mc:Fallback xmlns="">
             <p:sp>
               <p:nvSpPr>
                 <p:cNvPr id="14" name="TextBox 13">
@@ -8928,7 +8755,7 @@
               <p:spPr>
                 <a:xfrm>
                   <a:off x="3862087" y="3961662"/>
-                  <a:ext cx="2637004" cy="557781"/>
+                  <a:ext cx="2772297" cy="557781"/>
                 </a:xfrm>
                 <a:prstGeom prst="rect">
                   <a:avLst/>
@@ -8936,7 +8763,7 @@
                 <a:blipFill>
                   <a:blip r:embed="rId11"/>
                   <a:stretch>
-                    <a:fillRect b="-1099"/>
+                    <a:fillRect/>
                   </a:stretch>
                 </a:blipFill>
               </p:spPr>
@@ -8956,8 +8783,8 @@
           </mc:Fallback>
         </mc:AlternateContent>
       </p:grpSp>
-      <mc:AlternateContent xmlns:mc="http://schemas.openxmlformats.org/markup-compatibility/2006">
-        <mc:Choice xmlns:a14="http://schemas.microsoft.com/office/drawing/2010/main" Requires="a14">
+      <mc:AlternateContent xmlns:mc="http://schemas.openxmlformats.org/markup-compatibility/2006" xmlns:a14="http://schemas.microsoft.com/office/drawing/2010/main">
+        <mc:Choice Requires="a14">
           <p:sp>
             <p:nvSpPr>
               <p:cNvPr id="35" name="TextBox 34">
@@ -8972,8 +8799,8 @@
             </p:nvSpPr>
             <p:spPr>
               <a:xfrm>
-                <a:off x="564984" y="4768946"/>
-                <a:ext cx="4676217" cy="557781"/>
+                <a:off x="564983" y="4126327"/>
+                <a:ext cx="4971810" cy="557781"/>
               </a:xfrm>
               <a:prstGeom prst="rect">
                 <a:avLst/>
@@ -8986,6 +8813,7 @@
               </a:bodyPr>
               <a:lstStyle/>
               <a:p>
+                <a:pPr/>
                 <a14:m>
                   <m:oMathPara xmlns:m="http://schemas.openxmlformats.org/officeDocument/2006/math">
                     <m:oMathParaPr>
@@ -9095,7 +8923,7 @@
                                       <a:latin typeface="Cambria Math" panose="02040503050406030204" pitchFamily="18" charset="0"/>
                                       <a:ea typeface="Cambria Math" panose="02040503050406030204" pitchFamily="18" charset="0"/>
                                     </a:rPr>
-                                    <m:t>𝐷𝑒𝑐</m:t>
+                                    <m:t>𝑀𝑁𝐵</m:t>
                                   </m:r>
                                 </m:e>
                               </m:d>
@@ -9151,10 +8979,11 @@
                             <m:t>∆</m:t>
                           </m:r>
                           <m:r>
-                            <a:rPr lang="en-US" i="1" dirty="0" err="1">
+                            <a:rPr lang="en-US" b="0" i="1" dirty="0" smtClean="0">
                               <a:latin typeface="Cambria Math" panose="02040503050406030204" pitchFamily="18" charset="0"/>
+                              <a:ea typeface="Cambria Math" panose="02040503050406030204" pitchFamily="18" charset="0"/>
                             </a:rPr>
-                            <m:t>𝐿𝑎𝑡</m:t>
+                            <m:t>𝑀𝐶𝑁</m:t>
                           </m:r>
                         </m:e>
                       </m:d>
@@ -9166,7 +8995,7 @@
             </p:txBody>
           </p:sp>
         </mc:Choice>
-        <mc:Fallback>
+        <mc:Fallback xmlns="">
           <p:sp>
             <p:nvSpPr>
               <p:cNvPr id="35" name="TextBox 34">
@@ -9183,8 +9012,8 @@
             </p:nvSpPr>
             <p:spPr>
               <a:xfrm>
-                <a:off x="564984" y="4768946"/>
-                <a:ext cx="4676217" cy="557781"/>
+                <a:off x="564983" y="4126327"/>
+                <a:ext cx="4971810" cy="557781"/>
               </a:xfrm>
               <a:prstGeom prst="rect">
                 <a:avLst/>
@@ -9192,7 +9021,7 @@
               <a:blipFill>
                 <a:blip r:embed="rId12"/>
                 <a:stretch>
-                  <a:fillRect/>
+                  <a:fillRect b="-1099"/>
                 </a:stretch>
               </a:blipFill>
             </p:spPr>
@@ -9211,54 +9040,8 @@
           </p:sp>
         </mc:Fallback>
       </mc:AlternateContent>
-      <p:sp>
-        <p:nvSpPr>
-          <p:cNvPr id="36" name="Oval 35">
-            <a:extLst>
-              <a:ext uri="{FF2B5EF4-FFF2-40B4-BE49-F238E27FC236}">
-                <a16:creationId xmlns:a16="http://schemas.microsoft.com/office/drawing/2014/main" id="{36EE4556-6C91-45F2-BBDC-2AE49534AA33}"/>
-              </a:ext>
-            </a:extLst>
-          </p:cNvPr>
-          <p:cNvSpPr/>
-          <p:nvPr/>
-        </p:nvSpPr>
-        <p:spPr>
-          <a:xfrm>
-            <a:off x="8534714" y="2019107"/>
-            <a:ext cx="106330" cy="118830"/>
-          </a:xfrm>
-          <a:prstGeom prst="ellipse">
-            <a:avLst/>
-          </a:prstGeom>
-        </p:spPr>
-        <p:style>
-          <a:lnRef idx="2">
-            <a:schemeClr val="dk1">
-              <a:shade val="50000"/>
-            </a:schemeClr>
-          </a:lnRef>
-          <a:fillRef idx="1">
-            <a:schemeClr val="dk1"/>
-          </a:fillRef>
-          <a:effectRef idx="0">
-            <a:schemeClr val="dk1"/>
-          </a:effectRef>
-          <a:fontRef idx="minor">
-            <a:schemeClr val="lt1"/>
-          </a:fontRef>
-        </p:style>
-        <p:txBody>
-          <a:bodyPr rtlCol="0" anchor="ctr"/>
-          <a:lstStyle/>
-          <a:p>
-            <a:pPr algn="ctr"/>
-            <a:endParaRPr lang="en-US"/>
-          </a:p>
-        </p:txBody>
-      </p:sp>
-      <mc:AlternateContent xmlns:mc="http://schemas.openxmlformats.org/markup-compatibility/2006">
-        <mc:Choice xmlns:a14="http://schemas.microsoft.com/office/drawing/2010/main" Requires="a14">
+      <mc:AlternateContent xmlns:mc="http://schemas.openxmlformats.org/markup-compatibility/2006" xmlns:a14="http://schemas.microsoft.com/office/drawing/2010/main">
+        <mc:Choice Requires="a14">
           <p:sp>
             <p:nvSpPr>
               <p:cNvPr id="38" name="TextBox 37">
@@ -9273,7 +9056,7 @@
             </p:nvSpPr>
             <p:spPr>
               <a:xfrm flipH="1">
-                <a:off x="9338333" y="382496"/>
+                <a:off x="9487204" y="683984"/>
                 <a:ext cx="211709" cy="276999"/>
               </a:xfrm>
               <a:prstGeom prst="rect">
@@ -9287,6 +9070,7 @@
               </a:bodyPr>
               <a:lstStyle/>
               <a:p>
+                <a:pPr/>
                 <a14:m>
                   <m:oMathPara xmlns:m="http://schemas.openxmlformats.org/officeDocument/2006/math">
                     <m:oMathParaPr>
@@ -9307,7 +9091,7 @@
             </p:txBody>
           </p:sp>
         </mc:Choice>
-        <mc:Fallback>
+        <mc:Fallback xmlns="">
           <p:sp>
             <p:nvSpPr>
               <p:cNvPr id="38" name="TextBox 37">
@@ -9324,7 +9108,7 @@
             </p:nvSpPr>
             <p:spPr>
               <a:xfrm flipH="1">
-                <a:off x="9338333" y="382496"/>
+                <a:off x="9487204" y="683984"/>
                 <a:ext cx="211709" cy="276999"/>
               </a:xfrm>
               <a:prstGeom prst="rect">
@@ -9333,7 +9117,7 @@
               <a:blipFill>
                 <a:blip r:embed="rId13"/>
                 <a:stretch>
-                  <a:fillRect l="-20000" r="-14286" b="-6667"/>
+                  <a:fillRect l="-17143" r="-17143" b="-6522"/>
                 </a:stretch>
               </a:blipFill>
             </p:spPr>
@@ -9352,41 +9136,6 @@
           </p:sp>
         </mc:Fallback>
       </mc:AlternateContent>
-      <p:sp>
-        <p:nvSpPr>
-          <p:cNvPr id="39" name="TextBox 38">
-            <a:extLst>
-              <a:ext uri="{FF2B5EF4-FFF2-40B4-BE49-F238E27FC236}">
-                <a16:creationId xmlns:a16="http://schemas.microsoft.com/office/drawing/2014/main" id="{E658184F-B1B6-4836-8149-B9060C476044}"/>
-              </a:ext>
-            </a:extLst>
-          </p:cNvPr>
-          <p:cNvSpPr txBox="1"/>
-          <p:nvPr/>
-        </p:nvSpPr>
-        <p:spPr>
-          <a:xfrm flipH="1">
-            <a:off x="8898005" y="207633"/>
-            <a:ext cx="591902" cy="369332"/>
-          </a:xfrm>
-          <a:prstGeom prst="rect">
-            <a:avLst/>
-          </a:prstGeom>
-          <a:noFill/>
-        </p:spPr>
-        <p:txBody>
-          <a:bodyPr wrap="square" rtlCol="0">
-            <a:spAutoFit/>
-          </a:bodyPr>
-          <a:lstStyle/>
-          <a:p>
-            <a:r>
-              <a:rPr lang="en-US" dirty="0"/>
-              <a:t>Site</a:t>
-            </a:r>
-          </a:p>
-        </p:txBody>
-      </p:sp>
       <p:cxnSp>
         <p:nvCxnSpPr>
           <p:cNvPr id="26" name="Straight Connector 25">
@@ -9398,14 +9147,15 @@
           </p:cNvPr>
           <p:cNvCxnSpPr>
             <a:cxnSpLocks/>
-            <a:stCxn id="3" idx="1"/>
+            <a:stCxn id="3" idx="5"/>
+            <a:endCxn id="57" idx="0"/>
           </p:cNvCxnSpPr>
           <p:nvPr/>
         </p:nvCxnSpPr>
         <p:spPr>
           <a:xfrm>
-            <a:off x="9430124" y="682948"/>
-            <a:ext cx="748629" cy="1379576"/>
+            <a:off x="9391542" y="881899"/>
+            <a:ext cx="773925" cy="1090918"/>
           </a:xfrm>
           <a:prstGeom prst="line">
             <a:avLst/>
@@ -9438,18 +9188,20 @@
           </p:cNvPr>
           <p:cNvCxnSpPr>
             <a:cxnSpLocks/>
+            <a:stCxn id="41" idx="7"/>
             <a:endCxn id="3" idx="2"/>
           </p:cNvCxnSpPr>
           <p:nvPr/>
         </p:nvCxnSpPr>
         <p:spPr>
           <a:xfrm flipV="1">
-            <a:off x="3347219" y="724961"/>
-            <a:ext cx="6067333" cy="1385804"/>
+            <a:off x="4903907" y="839886"/>
+            <a:ext cx="4396877" cy="422182"/>
           </a:xfrm>
           <a:prstGeom prst="line">
             <a:avLst/>
           </a:prstGeom>
+          <a:ln w="28575"/>
         </p:spPr>
         <p:style>
           <a:lnRef idx="1">
@@ -9466,8 +9218,8 @@
           </a:fontRef>
         </p:style>
       </p:cxnSp>
-      <mc:AlternateContent xmlns:mc="http://schemas.openxmlformats.org/markup-compatibility/2006">
-        <mc:Choice xmlns:a14="http://schemas.microsoft.com/office/drawing/2010/main" Requires="a14">
+      <mc:AlternateContent xmlns:mc="http://schemas.openxmlformats.org/markup-compatibility/2006" xmlns:a14="http://schemas.microsoft.com/office/drawing/2010/main">
+        <mc:Choice Requires="a14">
           <p:sp>
             <p:nvSpPr>
               <p:cNvPr id="45" name="TextBox 44">
@@ -9482,8 +9234,8 @@
             </p:nvSpPr>
             <p:spPr>
               <a:xfrm>
-                <a:off x="564984" y="5462747"/>
-                <a:ext cx="6869573" cy="414537"/>
+                <a:off x="523419" y="5419894"/>
+                <a:ext cx="7098803" cy="414537"/>
               </a:xfrm>
               <a:prstGeom prst="rect">
                 <a:avLst/>
@@ -9496,45 +9248,27 @@
               </a:bodyPr>
               <a:lstStyle/>
               <a:p>
+                <a:pPr/>
                 <a14:m>
                   <m:oMathPara xmlns:m="http://schemas.openxmlformats.org/officeDocument/2006/math">
                     <m:oMathParaPr>
                       <m:jc m:val="centerGroup"/>
                     </m:oMathParaPr>
                     <m:oMath xmlns:m="http://schemas.openxmlformats.org/officeDocument/2006/math">
-                      <m:sSub>
-                        <m:sSubPr>
-                          <m:ctrlPr>
-                            <a:rPr lang="en-US" i="1" smtClean="0">
-                              <a:latin typeface="Cambria Math" panose="02040503050406030204" pitchFamily="18" charset="0"/>
-                            </a:rPr>
-                          </m:ctrlPr>
-                        </m:sSubPr>
-                        <m:e>
-                          <m:r>
-                            <a:rPr lang="en-US" i="1" smtClean="0">
-                              <a:latin typeface="Cambria Math" panose="02040503050406030204" pitchFamily="18" charset="0"/>
-                              <a:ea typeface="Cambria Math" panose="02040503050406030204" pitchFamily="18" charset="0"/>
-                            </a:rPr>
-                            <m:t>∆</m:t>
-                          </m:r>
-                          <m:r>
-                            <a:rPr lang="en-US" b="0" i="1" smtClean="0">
-                              <a:latin typeface="Cambria Math" panose="02040503050406030204" pitchFamily="18" charset="0"/>
-                              <a:ea typeface="Cambria Math" panose="02040503050406030204" pitchFamily="18" charset="0"/>
-                            </a:rPr>
-                            <m:t>𝐷𝑒𝑐</m:t>
-                          </m:r>
-                        </m:e>
-                        <m:sub>
-                          <m:r>
-                            <a:rPr lang="en-US" b="0" i="1" smtClean="0">
-                              <a:latin typeface="Cambria Math" panose="02040503050406030204" pitchFamily="18" charset="0"/>
-                            </a:rPr>
-                            <m:t>𝑆</m:t>
-                          </m:r>
-                        </m:sub>
-                      </m:sSub>
+                      <m:r>
+                        <a:rPr lang="en-US" b="0" i="1" smtClean="0">
+                          <a:latin typeface="Cambria Math" panose="02040503050406030204" pitchFamily="18" charset="0"/>
+                          <a:ea typeface="Cambria Math" panose="02040503050406030204" pitchFamily="18" charset="0"/>
+                        </a:rPr>
+                        <m:t>∆</m:t>
+                      </m:r>
+                      <m:r>
+                        <a:rPr lang="en-US" b="0" i="1" smtClean="0">
+                          <a:latin typeface="Cambria Math" panose="02040503050406030204" pitchFamily="18" charset="0"/>
+                          <a:ea typeface="Cambria Math" panose="02040503050406030204" pitchFamily="18" charset="0"/>
+                        </a:rPr>
+                        <m:t>𝑆𝑁𝐶</m:t>
+                      </m:r>
                       <m:r>
                         <a:rPr lang="en-US" b="0" i="1" smtClean="0">
                           <a:latin typeface="Cambria Math" panose="02040503050406030204" pitchFamily="18" charset="0"/>
@@ -9662,34 +9396,19 @@
                                           </m:ctrlPr>
                                         </m:dPr>
                                         <m:e>
-                                          <m:sSub>
-                                            <m:sSubPr>
-                                              <m:ctrlPr>
-                                                <a:rPr lang="en-US" i="1">
-                                                  <a:latin typeface="Cambria Math" panose="02040503050406030204" pitchFamily="18" charset="0"/>
-                                                  <a:ea typeface="Cambria Math" panose="02040503050406030204" pitchFamily="18" charset="0"/>
-                                                </a:rPr>
-                                              </m:ctrlPr>
-                                            </m:sSubPr>
-                                            <m:e>
-                                              <m:r>
-                                                <a:rPr lang="en-US" i="1">
-                                                  <a:latin typeface="Cambria Math" panose="02040503050406030204" pitchFamily="18" charset="0"/>
-                                                  <a:ea typeface="Cambria Math" panose="02040503050406030204" pitchFamily="18" charset="0"/>
-                                                </a:rPr>
-                                                <m:t>𝐿𝑎𝑡</m:t>
-                                              </m:r>
-                                            </m:e>
-                                            <m:sub>
-                                              <m:r>
-                                                <a:rPr lang="en-US" i="1">
-                                                  <a:latin typeface="Cambria Math" panose="02040503050406030204" pitchFamily="18" charset="0"/>
-                                                  <a:ea typeface="Cambria Math" panose="02040503050406030204" pitchFamily="18" charset="0"/>
-                                                </a:rPr>
-                                                <m:t>𝑠</m:t>
-                                              </m:r>
-                                            </m:sub>
-                                          </m:sSub>
+                                          <m:r>
+                                            <a:rPr lang="en-US" i="1">
+                                              <a:latin typeface="Cambria Math" panose="02040503050406030204" pitchFamily="18" charset="0"/>
+                                              <a:ea typeface="Cambria Math" panose="02040503050406030204" pitchFamily="18" charset="0"/>
+                                            </a:rPr>
+                                            <m:t>∆</m:t>
+                                          </m:r>
+                                          <m:r>
+                                            <a:rPr lang="en-US" i="1">
+                                              <a:latin typeface="Cambria Math" panose="02040503050406030204" pitchFamily="18" charset="0"/>
+                                            </a:rPr>
+                                            <m:t>𝑆𝐶𝑁</m:t>
+                                          </m:r>
                                         </m:e>
                                       </m:d>
                                     </m:e>
@@ -9815,34 +9534,19 @@
                                               </m:ctrlPr>
                                             </m:dPr>
                                             <m:e>
-                                              <m:sSub>
-                                                <m:sSubPr>
-                                                  <m:ctrlPr>
-                                                    <a:rPr lang="en-US" b="0" i="1" smtClean="0">
-                                                      <a:latin typeface="Cambria Math" panose="02040503050406030204" pitchFamily="18" charset="0"/>
-                                                      <a:ea typeface="Cambria Math" panose="02040503050406030204" pitchFamily="18" charset="0"/>
-                                                    </a:rPr>
-                                                  </m:ctrlPr>
-                                                </m:sSubPr>
-                                                <m:e>
-                                                  <m:r>
-                                                    <a:rPr lang="en-US" b="0" i="1" smtClean="0">
-                                                      <a:latin typeface="Cambria Math" panose="02040503050406030204" pitchFamily="18" charset="0"/>
-                                                      <a:ea typeface="Cambria Math" panose="02040503050406030204" pitchFamily="18" charset="0"/>
-                                                    </a:rPr>
-                                                    <m:t>𝐿𝑎𝑡</m:t>
-                                                  </m:r>
-                                                </m:e>
-                                                <m:sub>
-                                                  <m:r>
-                                                    <a:rPr lang="en-US" b="0" i="1" smtClean="0">
-                                                      <a:latin typeface="Cambria Math" panose="02040503050406030204" pitchFamily="18" charset="0"/>
-                                                      <a:ea typeface="Cambria Math" panose="02040503050406030204" pitchFamily="18" charset="0"/>
-                                                    </a:rPr>
-                                                    <m:t>𝑆</m:t>
-                                                  </m:r>
-                                                </m:sub>
-                                              </m:sSub>
+                                              <m:r>
+                                                <a:rPr lang="en-US" i="1">
+                                                  <a:latin typeface="Cambria Math" panose="02040503050406030204" pitchFamily="18" charset="0"/>
+                                                  <a:ea typeface="Cambria Math" panose="02040503050406030204" pitchFamily="18" charset="0"/>
+                                                </a:rPr>
+                                                <m:t>∆</m:t>
+                                              </m:r>
+                                              <m:r>
+                                                <a:rPr lang="en-US" i="1">
+                                                  <a:latin typeface="Cambria Math" panose="02040503050406030204" pitchFamily="18" charset="0"/>
+                                                </a:rPr>
+                                                <m:t>𝑆𝐶𝑁</m:t>
+                                              </m:r>
                                             </m:e>
                                           </m:d>
                                         </m:e>
@@ -9869,7 +9573,7 @@
             </p:txBody>
           </p:sp>
         </mc:Choice>
-        <mc:Fallback>
+        <mc:Fallback xmlns="">
           <p:sp>
             <p:nvSpPr>
               <p:cNvPr id="45" name="TextBox 44">
@@ -9886,8 +9590,8 @@
             </p:nvSpPr>
             <p:spPr>
               <a:xfrm>
-                <a:off x="564984" y="5462747"/>
-                <a:ext cx="6869573" cy="414537"/>
+                <a:off x="523419" y="5419894"/>
+                <a:ext cx="7098803" cy="414537"/>
               </a:xfrm>
               <a:prstGeom prst="rect">
                 <a:avLst/>
@@ -9895,7 +9599,710 @@
               <a:blipFill>
                 <a:blip r:embed="rId14"/>
                 <a:stretch>
-                  <a:fillRect b="-7353"/>
+                  <a:fillRect l="-344" b="-7353"/>
+                </a:stretch>
+              </a:blipFill>
+            </p:spPr>
+            <p:txBody>
+              <a:bodyPr/>
+              <a:lstStyle/>
+              <a:p>
+                <a:r>
+                  <a:rPr lang="en-US">
+                    <a:noFill/>
+                  </a:rPr>
+                  <a:t> </a:t>
+                </a:r>
+              </a:p>
+            </p:txBody>
+          </p:sp>
+        </mc:Fallback>
+      </mc:AlternateContent>
+      <mc:AlternateContent xmlns:mc="http://schemas.openxmlformats.org/markup-compatibility/2006" xmlns:a14="http://schemas.microsoft.com/office/drawing/2010/main">
+        <mc:Choice Requires="a14">
+          <p:sp>
+            <p:nvSpPr>
+              <p:cNvPr id="40" name="TextBox 39">
+                <a:extLst>
+                  <a:ext uri="{FF2B5EF4-FFF2-40B4-BE49-F238E27FC236}">
+                    <a16:creationId xmlns:a16="http://schemas.microsoft.com/office/drawing/2014/main" id="{D802676C-E991-4864-B570-4AF6499D3B4D}"/>
+                  </a:ext>
+                </a:extLst>
+              </p:cNvPr>
+              <p:cNvSpPr txBox="1"/>
+              <p:nvPr/>
+            </p:nvSpPr>
+            <p:spPr>
+              <a:xfrm>
+                <a:off x="587481" y="4940615"/>
+                <a:ext cx="2193486" cy="276999"/>
+              </a:xfrm>
+              <a:prstGeom prst="rect">
+                <a:avLst/>
+              </a:prstGeom>
+              <a:noFill/>
+            </p:spPr>
+            <p:txBody>
+              <a:bodyPr wrap="none" lIns="0" tIns="0" rIns="0" bIns="0" rtlCol="0">
+                <a:spAutoFit/>
+              </a:bodyPr>
+              <a:lstStyle/>
+              <a:p>
+                <a:pPr/>
+                <a14:m>
+                  <m:oMathPara xmlns:m="http://schemas.openxmlformats.org/officeDocument/2006/math">
+                    <m:oMathParaPr>
+                      <m:jc m:val="centerGroup"/>
+                    </m:oMathParaPr>
+                    <m:oMath xmlns:m="http://schemas.openxmlformats.org/officeDocument/2006/math">
+                      <m:r>
+                        <a:rPr lang="en-US" b="0" i="1" smtClean="0">
+                          <a:latin typeface="Cambria Math" panose="02040503050406030204" pitchFamily="18" charset="0"/>
+                          <a:ea typeface="Cambria Math" panose="02040503050406030204" pitchFamily="18" charset="0"/>
+                        </a:rPr>
+                        <m:t>∆</m:t>
+                      </m:r>
+                      <m:r>
+                        <a:rPr lang="en-US" b="0" i="1" smtClean="0">
+                          <a:latin typeface="Cambria Math" panose="02040503050406030204" pitchFamily="18" charset="0"/>
+                        </a:rPr>
+                        <m:t>𝑆𝐶𝑁</m:t>
+                      </m:r>
+                      <m:r>
+                        <a:rPr lang="en-US" b="0" i="1" smtClean="0">
+                          <a:latin typeface="Cambria Math" panose="02040503050406030204" pitchFamily="18" charset="0"/>
+                        </a:rPr>
+                        <m:t>=</m:t>
+                      </m:r>
+                      <m:sSub>
+                        <m:sSubPr>
+                          <m:ctrlPr>
+                            <a:rPr lang="en-US" b="0" i="1" smtClean="0">
+                              <a:latin typeface="Cambria Math" panose="02040503050406030204" pitchFamily="18" charset="0"/>
+                            </a:rPr>
+                          </m:ctrlPr>
+                        </m:sSubPr>
+                        <m:e>
+                          <m:r>
+                            <a:rPr lang="en-US" b="0" i="1" smtClean="0">
+                              <a:latin typeface="Cambria Math" panose="02040503050406030204" pitchFamily="18" charset="0"/>
+                            </a:rPr>
+                            <m:t>𝐿𝑎𝑡</m:t>
+                          </m:r>
+                        </m:e>
+                        <m:sub>
+                          <m:r>
+                            <a:rPr lang="en-US" b="0" i="1" smtClean="0">
+                              <a:latin typeface="Cambria Math" panose="02040503050406030204" pitchFamily="18" charset="0"/>
+                            </a:rPr>
+                            <m:t>𝑆</m:t>
+                          </m:r>
+                        </m:sub>
+                      </m:sSub>
+                      <m:r>
+                        <a:rPr lang="en-US" b="0" i="1" smtClean="0">
+                          <a:latin typeface="Cambria Math" panose="02040503050406030204" pitchFamily="18" charset="0"/>
+                        </a:rPr>
+                        <m:t> −</m:t>
+                      </m:r>
+                      <m:sSub>
+                        <m:sSubPr>
+                          <m:ctrlPr>
+                            <a:rPr lang="en-US" b="0" i="1" smtClean="0">
+                              <a:latin typeface="Cambria Math" panose="02040503050406030204" pitchFamily="18" charset="0"/>
+                            </a:rPr>
+                          </m:ctrlPr>
+                        </m:sSubPr>
+                        <m:e>
+                          <m:r>
+                            <a:rPr lang="en-US" b="0" i="1" smtClean="0">
+                              <a:latin typeface="Cambria Math" panose="02040503050406030204" pitchFamily="18" charset="0"/>
+                            </a:rPr>
+                            <m:t>𝐷𝑒𝑐</m:t>
+                          </m:r>
+                        </m:e>
+                        <m:sub>
+                          <m:r>
+                            <a:rPr lang="en-US" b="0" i="1" smtClean="0">
+                              <a:latin typeface="Cambria Math" panose="02040503050406030204" pitchFamily="18" charset="0"/>
+                            </a:rPr>
+                            <m:t>𝐺</m:t>
+                          </m:r>
+                        </m:sub>
+                      </m:sSub>
+                    </m:oMath>
+                  </m:oMathPara>
+                </a14:m>
+                <a:endParaRPr lang="en-US" dirty="0"/>
+              </a:p>
+            </p:txBody>
+          </p:sp>
+        </mc:Choice>
+        <mc:Fallback xmlns="">
+          <p:sp>
+            <p:nvSpPr>
+              <p:cNvPr id="40" name="TextBox 39">
+                <a:extLst>
+                  <a:ext uri="{FF2B5EF4-FFF2-40B4-BE49-F238E27FC236}">
+                    <a16:creationId xmlns:a16="http://schemas.microsoft.com/office/drawing/2014/main" id="{D802676C-E991-4864-B570-4AF6499D3B4D}"/>
+                  </a:ext>
+                </a:extLst>
+              </p:cNvPr>
+              <p:cNvSpPr txBox="1">
+                <a:spLocks noRot="1" noChangeAspect="1" noMove="1" noResize="1" noEditPoints="1" noAdjustHandles="1" noChangeArrowheads="1" noChangeShapeType="1" noTextEdit="1"/>
+              </p:cNvSpPr>
+              <p:nvPr/>
+            </p:nvSpPr>
+            <p:spPr>
+              <a:xfrm>
+                <a:off x="587481" y="4940615"/>
+                <a:ext cx="2193486" cy="276999"/>
+              </a:xfrm>
+              <a:prstGeom prst="rect">
+                <a:avLst/>
+              </a:prstGeom>
+              <a:blipFill>
+                <a:blip r:embed="rId15"/>
+                <a:stretch>
+                  <a:fillRect l="-1944" r="-278" b="-15217"/>
+                </a:stretch>
+              </a:blipFill>
+            </p:spPr>
+            <p:txBody>
+              <a:bodyPr/>
+              <a:lstStyle/>
+              <a:p>
+                <a:r>
+                  <a:rPr lang="en-US">
+                    <a:noFill/>
+                  </a:rPr>
+                  <a:t> </a:t>
+                </a:r>
+              </a:p>
+            </p:txBody>
+          </p:sp>
+        </mc:Fallback>
+      </mc:AlternateContent>
+      <p:sp>
+        <p:nvSpPr>
+          <p:cNvPr id="41" name="Oval 40">
+            <a:extLst>
+              <a:ext uri="{FF2B5EF4-FFF2-40B4-BE49-F238E27FC236}">
+                <a16:creationId xmlns:a16="http://schemas.microsoft.com/office/drawing/2014/main" id="{717E84D2-553B-40FD-B02B-1F5D3342D0B4}"/>
+              </a:ext>
+            </a:extLst>
+          </p:cNvPr>
+          <p:cNvSpPr/>
+          <p:nvPr/>
+        </p:nvSpPr>
+        <p:spPr>
+          <a:xfrm>
+            <a:off x="4813149" y="1244666"/>
+            <a:ext cx="106330" cy="118830"/>
+          </a:xfrm>
+          <a:prstGeom prst="ellipse">
+            <a:avLst/>
+          </a:prstGeom>
+        </p:spPr>
+        <p:style>
+          <a:lnRef idx="2">
+            <a:schemeClr val="dk1">
+              <a:shade val="50000"/>
+            </a:schemeClr>
+          </a:lnRef>
+          <a:fillRef idx="1">
+            <a:schemeClr val="dk1"/>
+          </a:fillRef>
+          <a:effectRef idx="0">
+            <a:schemeClr val="dk1"/>
+          </a:effectRef>
+          <a:fontRef idx="minor">
+            <a:schemeClr val="lt1"/>
+          </a:fontRef>
+        </p:style>
+        <p:txBody>
+          <a:bodyPr rtlCol="0" anchor="ctr"/>
+          <a:lstStyle/>
+          <a:p>
+            <a:pPr algn="ctr"/>
+            <a:endParaRPr lang="en-US"/>
+          </a:p>
+        </p:txBody>
+      </p:sp>
+      <p:sp>
+        <p:nvSpPr>
+          <p:cNvPr id="42" name="Oval 41">
+            <a:extLst>
+              <a:ext uri="{FF2B5EF4-FFF2-40B4-BE49-F238E27FC236}">
+                <a16:creationId xmlns:a16="http://schemas.microsoft.com/office/drawing/2014/main" id="{32BBF9C8-C50E-477A-8D22-67BCF19B880A}"/>
+              </a:ext>
+            </a:extLst>
+          </p:cNvPr>
+          <p:cNvSpPr/>
+          <p:nvPr/>
+        </p:nvSpPr>
+        <p:spPr>
+          <a:xfrm>
+            <a:off x="8740205" y="1312043"/>
+            <a:ext cx="106330" cy="118830"/>
+          </a:xfrm>
+          <a:prstGeom prst="ellipse">
+            <a:avLst/>
+          </a:prstGeom>
+        </p:spPr>
+        <p:style>
+          <a:lnRef idx="2">
+            <a:schemeClr val="dk1">
+              <a:shade val="50000"/>
+            </a:schemeClr>
+          </a:lnRef>
+          <a:fillRef idx="1">
+            <a:schemeClr val="dk1"/>
+          </a:fillRef>
+          <a:effectRef idx="0">
+            <a:schemeClr val="dk1"/>
+          </a:effectRef>
+          <a:fontRef idx="minor">
+            <a:schemeClr val="lt1"/>
+          </a:fontRef>
+        </p:style>
+        <p:txBody>
+          <a:bodyPr rtlCol="0" anchor="ctr"/>
+          <a:lstStyle/>
+          <a:p>
+            <a:pPr algn="ctr"/>
+            <a:endParaRPr lang="en-US"/>
+          </a:p>
+        </p:txBody>
+      </p:sp>
+      <p:sp>
+        <p:nvSpPr>
+          <p:cNvPr id="57" name="Oval 56">
+            <a:extLst>
+              <a:ext uri="{FF2B5EF4-FFF2-40B4-BE49-F238E27FC236}">
+                <a16:creationId xmlns:a16="http://schemas.microsoft.com/office/drawing/2014/main" id="{3C2DD6FE-1026-4186-AE97-5B059498700D}"/>
+              </a:ext>
+            </a:extLst>
+          </p:cNvPr>
+          <p:cNvSpPr/>
+          <p:nvPr/>
+        </p:nvSpPr>
+        <p:spPr>
+          <a:xfrm>
+            <a:off x="10112302" y="1972817"/>
+            <a:ext cx="106330" cy="118830"/>
+          </a:xfrm>
+          <a:prstGeom prst="ellipse">
+            <a:avLst/>
+          </a:prstGeom>
+        </p:spPr>
+        <p:style>
+          <a:lnRef idx="2">
+            <a:schemeClr val="dk1">
+              <a:shade val="50000"/>
+            </a:schemeClr>
+          </a:lnRef>
+          <a:fillRef idx="1">
+            <a:schemeClr val="dk1"/>
+          </a:fillRef>
+          <a:effectRef idx="0">
+            <a:schemeClr val="dk1"/>
+          </a:effectRef>
+          <a:fontRef idx="minor">
+            <a:schemeClr val="lt1"/>
+          </a:fontRef>
+        </p:style>
+        <p:txBody>
+          <a:bodyPr rtlCol="0" anchor="ctr"/>
+          <a:lstStyle/>
+          <a:p>
+            <a:pPr algn="ctr"/>
+            <a:endParaRPr lang="en-US"/>
+          </a:p>
+        </p:txBody>
+      </p:sp>
+      <p:sp>
+        <p:nvSpPr>
+          <p:cNvPr id="72" name="Oval 71">
+            <a:extLst>
+              <a:ext uri="{FF2B5EF4-FFF2-40B4-BE49-F238E27FC236}">
+                <a16:creationId xmlns:a16="http://schemas.microsoft.com/office/drawing/2014/main" id="{C1867D76-ACBF-48D3-9A92-49B1CBBEAF85}"/>
+              </a:ext>
+            </a:extLst>
+          </p:cNvPr>
+          <p:cNvSpPr/>
+          <p:nvPr/>
+        </p:nvSpPr>
+        <p:spPr>
+          <a:xfrm>
+            <a:off x="8696062" y="1784590"/>
+            <a:ext cx="106330" cy="118830"/>
+          </a:xfrm>
+          <a:prstGeom prst="ellipse">
+            <a:avLst/>
+          </a:prstGeom>
+        </p:spPr>
+        <p:style>
+          <a:lnRef idx="2">
+            <a:schemeClr val="dk1">
+              <a:shade val="50000"/>
+            </a:schemeClr>
+          </a:lnRef>
+          <a:fillRef idx="1">
+            <a:schemeClr val="dk1"/>
+          </a:fillRef>
+          <a:effectRef idx="0">
+            <a:schemeClr val="dk1"/>
+          </a:effectRef>
+          <a:fontRef idx="minor">
+            <a:schemeClr val="lt1"/>
+          </a:fontRef>
+        </p:style>
+        <p:txBody>
+          <a:bodyPr rtlCol="0" anchor="ctr"/>
+          <a:lstStyle/>
+          <a:p>
+            <a:pPr algn="ctr"/>
+            <a:endParaRPr lang="en-US"/>
+          </a:p>
+        </p:txBody>
+      </p:sp>
+      <p:sp>
+        <p:nvSpPr>
+          <p:cNvPr id="74" name="Oval 73">
+            <a:extLst>
+              <a:ext uri="{FF2B5EF4-FFF2-40B4-BE49-F238E27FC236}">
+                <a16:creationId xmlns:a16="http://schemas.microsoft.com/office/drawing/2014/main" id="{FC6E7EC6-90CD-4476-878F-90F17503620D}"/>
+              </a:ext>
+            </a:extLst>
+          </p:cNvPr>
+          <p:cNvSpPr/>
+          <p:nvPr/>
+        </p:nvSpPr>
+        <p:spPr>
+          <a:xfrm>
+            <a:off x="9213251" y="1859820"/>
+            <a:ext cx="106330" cy="118830"/>
+          </a:xfrm>
+          <a:prstGeom prst="ellipse">
+            <a:avLst/>
+          </a:prstGeom>
+        </p:spPr>
+        <p:style>
+          <a:lnRef idx="2">
+            <a:schemeClr val="dk1">
+              <a:shade val="50000"/>
+            </a:schemeClr>
+          </a:lnRef>
+          <a:fillRef idx="1">
+            <a:schemeClr val="dk1"/>
+          </a:fillRef>
+          <a:effectRef idx="0">
+            <a:schemeClr val="dk1"/>
+          </a:effectRef>
+          <a:fontRef idx="minor">
+            <a:schemeClr val="lt1"/>
+          </a:fontRef>
+        </p:style>
+        <p:txBody>
+          <a:bodyPr rtlCol="0" anchor="ctr"/>
+          <a:lstStyle/>
+          <a:p>
+            <a:pPr algn="ctr"/>
+            <a:endParaRPr lang="en-US"/>
+          </a:p>
+        </p:txBody>
+      </p:sp>
+      <p:cxnSp>
+        <p:nvCxnSpPr>
+          <p:cNvPr id="75" name="Straight Connector 74">
+            <a:extLst>
+              <a:ext uri="{FF2B5EF4-FFF2-40B4-BE49-F238E27FC236}">
+                <a16:creationId xmlns:a16="http://schemas.microsoft.com/office/drawing/2014/main" id="{7D7E8D98-47B2-4C95-B150-2BAA41117295}"/>
+              </a:ext>
+            </a:extLst>
+          </p:cNvPr>
+          <p:cNvCxnSpPr>
+            <a:cxnSpLocks/>
+            <a:stCxn id="3" idx="4"/>
+            <a:endCxn id="74" idx="0"/>
+          </p:cNvCxnSpPr>
+          <p:nvPr/>
+        </p:nvCxnSpPr>
+        <p:spPr>
+          <a:xfrm flipH="1">
+            <a:off x="9266416" y="899301"/>
+            <a:ext cx="87533" cy="960519"/>
+          </a:xfrm>
+          <a:prstGeom prst="line">
+            <a:avLst/>
+          </a:prstGeom>
+          <a:ln w="28575"/>
+        </p:spPr>
+        <p:style>
+          <a:lnRef idx="1">
+            <a:schemeClr val="accent1"/>
+          </a:lnRef>
+          <a:fillRef idx="0">
+            <a:schemeClr val="accent1"/>
+          </a:fillRef>
+          <a:effectRef idx="0">
+            <a:schemeClr val="accent1"/>
+          </a:effectRef>
+          <a:fontRef idx="minor">
+            <a:schemeClr val="tx1"/>
+          </a:fontRef>
+        </p:style>
+      </p:cxnSp>
+      <p:sp>
+        <p:nvSpPr>
+          <p:cNvPr id="91" name="Rectangle 90">
+            <a:extLst>
+              <a:ext uri="{FF2B5EF4-FFF2-40B4-BE49-F238E27FC236}">
+                <a16:creationId xmlns:a16="http://schemas.microsoft.com/office/drawing/2014/main" id="{2C539BFA-DF16-4800-A8B0-37A22E5570A0}"/>
+              </a:ext>
+            </a:extLst>
+          </p:cNvPr>
+          <p:cNvSpPr/>
+          <p:nvPr/>
+        </p:nvSpPr>
+        <p:spPr>
+          <a:xfrm rot="510549">
+            <a:off x="9278358" y="1806511"/>
+            <a:ext cx="90819" cy="111581"/>
+          </a:xfrm>
+          <a:prstGeom prst="rect">
+            <a:avLst/>
+          </a:prstGeom>
+          <a:noFill/>
+          <a:ln w="25400"/>
+        </p:spPr>
+        <p:style>
+          <a:lnRef idx="2">
+            <a:schemeClr val="accent1">
+              <a:shade val="50000"/>
+            </a:schemeClr>
+          </a:lnRef>
+          <a:fillRef idx="1">
+            <a:schemeClr val="accent1"/>
+          </a:fillRef>
+          <a:effectRef idx="0">
+            <a:schemeClr val="accent1"/>
+          </a:effectRef>
+          <a:fontRef idx="minor">
+            <a:schemeClr val="lt1"/>
+          </a:fontRef>
+        </p:style>
+        <p:txBody>
+          <a:bodyPr rtlCol="0" anchor="ctr"/>
+          <a:lstStyle/>
+          <a:p>
+            <a:pPr algn="ctr"/>
+            <a:endParaRPr lang="en-US"/>
+          </a:p>
+        </p:txBody>
+      </p:sp>
+      <mc:AlternateContent xmlns:mc="http://schemas.openxmlformats.org/markup-compatibility/2006">
+        <mc:Choice xmlns:a14="http://schemas.microsoft.com/office/drawing/2010/main" Requires="a14">
+          <p:sp>
+            <p:nvSpPr>
+              <p:cNvPr id="18" name="TextBox 17">
+                <a:extLst>
+                  <a:ext uri="{FF2B5EF4-FFF2-40B4-BE49-F238E27FC236}">
+                    <a16:creationId xmlns:a16="http://schemas.microsoft.com/office/drawing/2014/main" id="{2CFED8A8-9E02-4F65-8543-EEDDE141D5DE}"/>
+                  </a:ext>
+                </a:extLst>
+              </p:cNvPr>
+              <p:cNvSpPr txBox="1"/>
+              <p:nvPr/>
+            </p:nvSpPr>
+            <p:spPr>
+              <a:xfrm>
+                <a:off x="523419" y="5953400"/>
+                <a:ext cx="2323200" cy="532197"/>
+              </a:xfrm>
+              <a:prstGeom prst="rect">
+                <a:avLst/>
+              </a:prstGeom>
+              <a:noFill/>
+            </p:spPr>
+            <p:txBody>
+              <a:bodyPr wrap="none" lIns="0" tIns="0" rIns="0" bIns="0" rtlCol="0">
+                <a:spAutoFit/>
+              </a:bodyPr>
+              <a:lstStyle/>
+              <a:p>
+                <a14:m>
+                  <m:oMathPara xmlns:m="http://schemas.openxmlformats.org/officeDocument/2006/math">
+                    <m:oMathParaPr>
+                      <m:jc m:val="centerGroup"/>
+                    </m:oMathParaPr>
+                    <m:oMath xmlns:m="http://schemas.openxmlformats.org/officeDocument/2006/math">
+                      <m:f>
+                        <m:fPr>
+                          <m:ctrlPr>
+                            <a:rPr lang="en-US" b="0" i="1" smtClean="0">
+                              <a:latin typeface="Cambria Math" panose="02040503050406030204" pitchFamily="18" charset="0"/>
+                            </a:rPr>
+                          </m:ctrlPr>
+                        </m:fPr>
+                        <m:num>
+                          <m:r>
+                            <a:rPr lang="en-US" b="0" i="1" smtClean="0">
+                              <a:latin typeface="Cambria Math" panose="02040503050406030204" pitchFamily="18" charset="0"/>
+                            </a:rPr>
+                            <m:t>𝑑</m:t>
+                          </m:r>
+                          <m:r>
+                            <a:rPr lang="en-US" b="0" i="1" smtClean="0">
+                              <a:latin typeface="Cambria Math" panose="02040503050406030204" pitchFamily="18" charset="0"/>
+                              <a:ea typeface="Cambria Math" panose="02040503050406030204" pitchFamily="18" charset="0"/>
+                            </a:rPr>
+                            <m:t>∆</m:t>
+                          </m:r>
+                          <m:r>
+                            <a:rPr lang="en-US" b="0" i="1" smtClean="0">
+                              <a:latin typeface="Cambria Math" panose="02040503050406030204" pitchFamily="18" charset="0"/>
+                              <a:ea typeface="Cambria Math" panose="02040503050406030204" pitchFamily="18" charset="0"/>
+                            </a:rPr>
+                            <m:t>𝑆𝑁𝐶</m:t>
+                          </m:r>
+                        </m:num>
+                        <m:den>
+                          <m:r>
+                            <a:rPr lang="en-US" b="0" i="1" smtClean="0">
+                              <a:latin typeface="Cambria Math" panose="02040503050406030204" pitchFamily="18" charset="0"/>
+                            </a:rPr>
+                            <m:t>𝑑𝑡</m:t>
+                          </m:r>
+                        </m:den>
+                      </m:f>
+                      <m:r>
+                        <a:rPr lang="en-US" b="0" i="1" smtClean="0">
+                          <a:latin typeface="Cambria Math" panose="02040503050406030204" pitchFamily="18" charset="0"/>
+                        </a:rPr>
+                        <m:t>=</m:t>
+                      </m:r>
+                      <m:f>
+                        <m:fPr>
+                          <m:ctrlPr>
+                            <a:rPr lang="en-US" b="0" i="1" smtClean="0">
+                              <a:latin typeface="Cambria Math" panose="02040503050406030204" pitchFamily="18" charset="0"/>
+                            </a:rPr>
+                          </m:ctrlPr>
+                        </m:fPr>
+                        <m:num>
+                          <m:r>
+                            <a:rPr lang="en-US" b="0" i="1" smtClean="0">
+                              <a:latin typeface="Cambria Math" panose="02040503050406030204" pitchFamily="18" charset="0"/>
+                            </a:rPr>
+                            <m:t>𝑑</m:t>
+                          </m:r>
+                          <m:r>
+                            <a:rPr lang="en-US" b="0" i="1" smtClean="0">
+                              <a:latin typeface="Cambria Math" panose="02040503050406030204" pitchFamily="18" charset="0"/>
+                            </a:rPr>
+                            <m:t>(∆</m:t>
+                          </m:r>
+                          <m:r>
+                            <a:rPr lang="en-US" b="0" i="1" smtClean="0">
+                              <a:latin typeface="Cambria Math" panose="02040503050406030204" pitchFamily="18" charset="0"/>
+                              <a:ea typeface="Cambria Math" panose="02040503050406030204" pitchFamily="18" charset="0"/>
+                            </a:rPr>
+                            <m:t>𝑆𝑁𝐶</m:t>
+                          </m:r>
+                          <m:r>
+                            <a:rPr lang="en-US" b="0" i="1" smtClean="0">
+                              <a:latin typeface="Cambria Math" panose="02040503050406030204" pitchFamily="18" charset="0"/>
+                              <a:ea typeface="Cambria Math" panose="02040503050406030204" pitchFamily="18" charset="0"/>
+                            </a:rPr>
+                            <m:t>)/</m:t>
+                          </m:r>
+                          <m:r>
+                            <a:rPr lang="en-US" b="0" i="1" smtClean="0">
+                              <a:latin typeface="Cambria Math" panose="02040503050406030204" pitchFamily="18" charset="0"/>
+                              <a:ea typeface="Cambria Math" panose="02040503050406030204" pitchFamily="18" charset="0"/>
+                            </a:rPr>
+                            <m:t>𝑑𝑡</m:t>
+                          </m:r>
+                        </m:num>
+                        <m:den>
+                          <m:r>
+                            <a:rPr lang="en-US" b="0" i="1" smtClean="0">
+                              <a:latin typeface="Cambria Math" panose="02040503050406030204" pitchFamily="18" charset="0"/>
+                            </a:rPr>
+                            <m:t>1+</m:t>
+                          </m:r>
+                          <m:sSup>
+                            <m:sSupPr>
+                              <m:ctrlPr>
+                                <a:rPr lang="en-US" b="0" i="1" smtClean="0">
+                                  <a:latin typeface="Cambria Math" panose="02040503050406030204" pitchFamily="18" charset="0"/>
+                                </a:rPr>
+                              </m:ctrlPr>
+                            </m:sSupPr>
+                            <m:e>
+                              <m:r>
+                                <a:rPr lang="en-US" b="0" i="1" smtClean="0">
+                                  <a:latin typeface="Cambria Math" panose="02040503050406030204" pitchFamily="18" charset="0"/>
+                                  <a:ea typeface="Cambria Math" panose="02040503050406030204" pitchFamily="18" charset="0"/>
+                                </a:rPr>
+                                <m:t>∆</m:t>
+                              </m:r>
+                              <m:r>
+                                <a:rPr lang="en-US" b="0" i="1" smtClean="0">
+                                  <a:latin typeface="Cambria Math" panose="02040503050406030204" pitchFamily="18" charset="0"/>
+                                  <a:ea typeface="Cambria Math" panose="02040503050406030204" pitchFamily="18" charset="0"/>
+                                </a:rPr>
+                                <m:t>𝑆𝑁𝐶</m:t>
+                              </m:r>
+                            </m:e>
+                            <m:sup>
+                              <m:r>
+                                <a:rPr lang="en-US" b="0" i="1" smtClean="0">
+                                  <a:latin typeface="Cambria Math" panose="02040503050406030204" pitchFamily="18" charset="0"/>
+                                </a:rPr>
+                                <m:t>2</m:t>
+                              </m:r>
+                            </m:sup>
+                          </m:sSup>
+                        </m:den>
+                      </m:f>
+                    </m:oMath>
+                  </m:oMathPara>
+                </a14:m>
+                <a:endParaRPr lang="en-US" dirty="0"/>
+              </a:p>
+            </p:txBody>
+          </p:sp>
+        </mc:Choice>
+        <mc:Fallback>
+          <p:sp>
+            <p:nvSpPr>
+              <p:cNvPr id="18" name="TextBox 17">
+                <a:extLst>
+                  <a:ext uri="{FF2B5EF4-FFF2-40B4-BE49-F238E27FC236}">
+                    <a16:creationId xmlns:a16="http://schemas.microsoft.com/office/drawing/2014/main" id="{2CFED8A8-9E02-4F65-8543-EEDDE141D5DE}"/>
+                  </a:ext>
+                </a:extLst>
+              </p:cNvPr>
+              <p:cNvSpPr txBox="1">
+                <a:spLocks noRot="1" noChangeAspect="1" noMove="1" noResize="1" noEditPoints="1" noAdjustHandles="1" noChangeArrowheads="1" noChangeShapeType="1" noTextEdit="1"/>
+              </p:cNvSpPr>
+              <p:nvPr/>
+            </p:nvSpPr>
+            <p:spPr>
+              <a:xfrm>
+                <a:off x="523419" y="5953400"/>
+                <a:ext cx="2323200" cy="532197"/>
+              </a:xfrm>
+              <a:prstGeom prst="rect">
+                <a:avLst/>
+              </a:prstGeom>
+              <a:blipFill>
+                <a:blip r:embed="rId16"/>
+                <a:stretch>
+                  <a:fillRect/>
                 </a:stretch>
               </a:blipFill>
             </p:spPr>

--- a/Hot Pursuit/IPS.pptx
+++ b/Hot Pursuit/IPS.pptx
@@ -118,13 +118,68 @@
 <file path=ppt/revisionInfo.xml><?xml version="1.0" encoding="utf-8"?>
 <p1510:revInfo xmlns:a="http://schemas.openxmlformats.org/drawingml/2006/main" xmlns:r="http://schemas.openxmlformats.org/officeDocument/2006/relationships" xmlns:p1510="http://schemas.microsoft.com/office/powerpoint/2015/10/main">
   <p1510:revLst>
-    <p1510:client id="{E41D39D8-1DDF-4D16-8E53-9090773FDB52}" v="768" dt="2021-05-19T23:57:07.314"/>
+    <p1510:client id="{AC9E2B05-E9DC-482B-9E68-1D609AE5FBEA}" v="1" dt="2022-01-30T01:19:05.186"/>
   </p1510:revLst>
 </p1510:revInfo>
 </file>
 
 <file path=ppt/changesInfos/changesInfo1.xml><?xml version="1.0" encoding="utf-8"?>
 <pc:chgInfo xmlns:a="http://schemas.openxmlformats.org/drawingml/2006/main" xmlns:r="http://schemas.openxmlformats.org/officeDocument/2006/relationships" xmlns:ac="http://schemas.microsoft.com/office/drawing/2013/main/command" xmlns:pc="http://schemas.microsoft.com/office/powerpoint/2013/main/command">
+  <pc:docChgLst>
+    <pc:chgData name="Rick McAlister" userId="fad37fcb1da1ebec" providerId="LiveId" clId="{AC9E2B05-E9DC-482B-9E68-1D609AE5FBEA}"/>
+    <pc:docChg chg="custSel modSld">
+      <pc:chgData name="Rick McAlister" userId="fad37fcb1da1ebec" providerId="LiveId" clId="{AC9E2B05-E9DC-482B-9E68-1D609AE5FBEA}" dt="2022-01-30T01:20:33.358" v="68" actId="20577"/>
+      <pc:docMkLst>
+        <pc:docMk/>
+      </pc:docMkLst>
+      <pc:sldChg chg="addSp modSp mod">
+        <pc:chgData name="Rick McAlister" userId="fad37fcb1da1ebec" providerId="LiveId" clId="{AC9E2B05-E9DC-482B-9E68-1D609AE5FBEA}" dt="2022-01-30T01:19:31.652" v="15" actId="20577"/>
+        <pc:sldMkLst>
+          <pc:docMk/>
+          <pc:sldMk cId="2168399988" sldId="256"/>
+        </pc:sldMkLst>
+        <pc:spChg chg="mod">
+          <ac:chgData name="Rick McAlister" userId="fad37fcb1da1ebec" providerId="LiveId" clId="{AC9E2B05-E9DC-482B-9E68-1D609AE5FBEA}" dt="2022-01-30T01:19:08.975" v="1" actId="1076"/>
+          <ac:spMkLst>
+            <pc:docMk/>
+            <pc:sldMk cId="2168399988" sldId="256"/>
+            <ac:spMk id="10" creationId="{423EB3C8-DDFF-48F7-AA6F-5162B4695F58}"/>
+          </ac:spMkLst>
+        </pc:spChg>
+        <pc:spChg chg="add mod">
+          <ac:chgData name="Rick McAlister" userId="fad37fcb1da1ebec" providerId="LiveId" clId="{AC9E2B05-E9DC-482B-9E68-1D609AE5FBEA}" dt="2022-01-30T01:19:31.652" v="15" actId="20577"/>
+          <ac:spMkLst>
+            <pc:docMk/>
+            <pc:sldMk cId="2168399988" sldId="256"/>
+            <ac:spMk id="21" creationId="{2626E4B0-0F1A-4C83-A493-0D9B66645390}"/>
+          </ac:spMkLst>
+        </pc:spChg>
+      </pc:sldChg>
+      <pc:sldChg chg="modSp mod">
+        <pc:chgData name="Rick McAlister" userId="fad37fcb1da1ebec" providerId="LiveId" clId="{AC9E2B05-E9DC-482B-9E68-1D609AE5FBEA}" dt="2022-01-30T01:20:33.358" v="68" actId="20577"/>
+        <pc:sldMkLst>
+          <pc:docMk/>
+          <pc:sldMk cId="2890310457" sldId="259"/>
+        </pc:sldMkLst>
+        <pc:spChg chg="mod">
+          <ac:chgData name="Rick McAlister" userId="fad37fcb1da1ebec" providerId="LiveId" clId="{AC9E2B05-E9DC-482B-9E68-1D609AE5FBEA}" dt="2022-01-30T01:19:55.343" v="39" actId="20577"/>
+          <ac:spMkLst>
+            <pc:docMk/>
+            <pc:sldMk cId="2890310457" sldId="259"/>
+            <ac:spMk id="8" creationId="{EF26EE1A-3B51-471B-B67D-8905870ACFAF}"/>
+          </ac:spMkLst>
+        </pc:spChg>
+        <pc:spChg chg="mod">
+          <ac:chgData name="Rick McAlister" userId="fad37fcb1da1ebec" providerId="LiveId" clId="{AC9E2B05-E9DC-482B-9E68-1D609AE5FBEA}" dt="2022-01-30T01:20:33.358" v="68" actId="20577"/>
+          <ac:spMkLst>
+            <pc:docMk/>
+            <pc:sldMk cId="2890310457" sldId="259"/>
+            <ac:spMk id="22" creationId="{9971AA59-8313-4A9F-8461-264F182E7029}"/>
+          </ac:spMkLst>
+        </pc:spChg>
+      </pc:sldChg>
+    </pc:docChg>
+  </pc:docChgLst>
   <pc:docChgLst>
     <pc:chgData name="Rick McAlister" userId="fad37fcb1da1ebec" providerId="LiveId" clId="{E41D39D8-1DDF-4D16-8E53-9090773FDB52}"/>
     <pc:docChg chg="undo redo custSel modSld">
@@ -1639,7 +1694,7 @@
           <a:p>
             <a:fld id="{F3FFCF3C-4A0D-4637-8D0F-A75E6B068A0D}" type="datetimeFigureOut">
               <a:rPr lang="en-US" smtClean="0"/>
-              <a:t>5/19/2021</a:t>
+              <a:t>1/29/2022</a:t>
             </a:fld>
             <a:endParaRPr lang="en-US"/>
           </a:p>
@@ -1837,7 +1892,7 @@
           <a:p>
             <a:fld id="{F3FFCF3C-4A0D-4637-8D0F-A75E6B068A0D}" type="datetimeFigureOut">
               <a:rPr lang="en-US" smtClean="0"/>
-              <a:t>5/19/2021</a:t>
+              <a:t>1/29/2022</a:t>
             </a:fld>
             <a:endParaRPr lang="en-US"/>
           </a:p>
@@ -2045,7 +2100,7 @@
           <a:p>
             <a:fld id="{F3FFCF3C-4A0D-4637-8D0F-A75E6B068A0D}" type="datetimeFigureOut">
               <a:rPr lang="en-US" smtClean="0"/>
-              <a:t>5/19/2021</a:t>
+              <a:t>1/29/2022</a:t>
             </a:fld>
             <a:endParaRPr lang="en-US"/>
           </a:p>
@@ -2243,7 +2298,7 @@
           <a:p>
             <a:fld id="{F3FFCF3C-4A0D-4637-8D0F-A75E6B068A0D}" type="datetimeFigureOut">
               <a:rPr lang="en-US" smtClean="0"/>
-              <a:t>5/19/2021</a:t>
+              <a:t>1/29/2022</a:t>
             </a:fld>
             <a:endParaRPr lang="en-US"/>
           </a:p>
@@ -2518,7 +2573,7 @@
           <a:p>
             <a:fld id="{F3FFCF3C-4A0D-4637-8D0F-A75E6B068A0D}" type="datetimeFigureOut">
               <a:rPr lang="en-US" smtClean="0"/>
-              <a:t>5/19/2021</a:t>
+              <a:t>1/29/2022</a:t>
             </a:fld>
             <a:endParaRPr lang="en-US"/>
           </a:p>
@@ -2783,7 +2838,7 @@
           <a:p>
             <a:fld id="{F3FFCF3C-4A0D-4637-8D0F-A75E6B068A0D}" type="datetimeFigureOut">
               <a:rPr lang="en-US" smtClean="0"/>
-              <a:t>5/19/2021</a:t>
+              <a:t>1/29/2022</a:t>
             </a:fld>
             <a:endParaRPr lang="en-US"/>
           </a:p>
@@ -3195,7 +3250,7 @@
           <a:p>
             <a:fld id="{F3FFCF3C-4A0D-4637-8D0F-A75E6B068A0D}" type="datetimeFigureOut">
               <a:rPr lang="en-US" smtClean="0"/>
-              <a:t>5/19/2021</a:t>
+              <a:t>1/29/2022</a:t>
             </a:fld>
             <a:endParaRPr lang="en-US"/>
           </a:p>
@@ -3336,7 +3391,7 @@
           <a:p>
             <a:fld id="{F3FFCF3C-4A0D-4637-8D0F-A75E6B068A0D}" type="datetimeFigureOut">
               <a:rPr lang="en-US" smtClean="0"/>
-              <a:t>5/19/2021</a:t>
+              <a:t>1/29/2022</a:t>
             </a:fld>
             <a:endParaRPr lang="en-US"/>
           </a:p>
@@ -3449,7 +3504,7 @@
           <a:p>
             <a:fld id="{F3FFCF3C-4A0D-4637-8D0F-A75E6B068A0D}" type="datetimeFigureOut">
               <a:rPr lang="en-US" smtClean="0"/>
-              <a:t>5/19/2021</a:t>
+              <a:t>1/29/2022</a:t>
             </a:fld>
             <a:endParaRPr lang="en-US"/>
           </a:p>
@@ -3760,7 +3815,7 @@
           <a:p>
             <a:fld id="{F3FFCF3C-4A0D-4637-8D0F-A75E6B068A0D}" type="datetimeFigureOut">
               <a:rPr lang="en-US" smtClean="0"/>
-              <a:t>5/19/2021</a:t>
+              <a:t>1/29/2022</a:t>
             </a:fld>
             <a:endParaRPr lang="en-US"/>
           </a:p>
@@ -4048,7 +4103,7 @@
           <a:p>
             <a:fld id="{F3FFCF3C-4A0D-4637-8D0F-A75E6B068A0D}" type="datetimeFigureOut">
               <a:rPr lang="en-US" smtClean="0"/>
-              <a:t>5/19/2021</a:t>
+              <a:t>1/29/2022</a:t>
             </a:fld>
             <a:endParaRPr lang="en-US"/>
           </a:p>
@@ -4289,7 +4344,7 @@
           <a:p>
             <a:fld id="{F3FFCF3C-4A0D-4637-8D0F-A75E6B068A0D}" type="datetimeFigureOut">
               <a:rPr lang="en-US" smtClean="0"/>
-              <a:t>5/19/2021</a:t>
+              <a:t>1/29/2022</a:t>
             </a:fld>
             <a:endParaRPr lang="en-US"/>
           </a:p>
@@ -4906,7 +4961,7 @@
         </p:nvSpPr>
         <p:spPr>
           <a:xfrm>
-            <a:off x="455551" y="3071757"/>
+            <a:off x="543365" y="2535069"/>
             <a:ext cx="1741394" cy="450476"/>
           </a:xfrm>
           <a:prstGeom prst="flowChartAlternateProcess">
@@ -5775,6 +5830,55 @@
           </a:fontRef>
         </p:style>
       </p:cxnSp>
+      <p:sp>
+        <p:nvSpPr>
+          <p:cNvPr id="21" name="Flowchart: Alternate Process 20">
+            <a:extLst>
+              <a:ext uri="{FF2B5EF4-FFF2-40B4-BE49-F238E27FC236}">
+                <a16:creationId xmlns:a16="http://schemas.microsoft.com/office/drawing/2014/main" id="{2626E4B0-0F1A-4C83-A493-0D9B66645390}"/>
+              </a:ext>
+            </a:extLst>
+          </p:cNvPr>
+          <p:cNvSpPr/>
+          <p:nvPr/>
+        </p:nvSpPr>
+        <p:spPr>
+          <a:xfrm>
+            <a:off x="553831" y="3548356"/>
+            <a:ext cx="1741394" cy="450476"/>
+          </a:xfrm>
+          <a:prstGeom prst="flowChartAlternateProcess">
+            <a:avLst/>
+          </a:prstGeom>
+        </p:spPr>
+        <p:style>
+          <a:lnRef idx="2">
+            <a:schemeClr val="accent6">
+              <a:shade val="50000"/>
+            </a:schemeClr>
+          </a:lnRef>
+          <a:fillRef idx="1">
+            <a:schemeClr val="accent6"/>
+          </a:fillRef>
+          <a:effectRef idx="0">
+            <a:schemeClr val="accent6"/>
+          </a:effectRef>
+          <a:fontRef idx="minor">
+            <a:schemeClr val="lt1"/>
+          </a:fontRef>
+        </p:style>
+        <p:txBody>
+          <a:bodyPr rtlCol="0" anchor="ctr"/>
+          <a:lstStyle/>
+          <a:p>
+            <a:pPr algn="ctr"/>
+            <a:r>
+              <a:rPr lang="en-US" dirty="0"/>
+              <a:t>NASA Horizons</a:t>
+            </a:r>
+          </a:p>
+        </p:txBody>
+      </p:sp>
     </p:spTree>
     <p:extLst>
       <p:ext uri="{BB962C8B-B14F-4D97-AF65-F5344CB8AC3E}">
@@ -6090,6 +6194,39 @@
               <a:t>Scout</a:t>
             </a:r>
           </a:p>
+          <a:p>
+            <a:pPr algn="ctr"/>
+            <a:r>
+              <a:rPr lang="en-US" sz="1400" dirty="0">
+                <a:solidFill>
+                  <a:schemeClr val="tx1"/>
+                </a:solidFill>
+              </a:rPr>
+              <a:t>or</a:t>
+            </a:r>
+          </a:p>
+          <a:p>
+            <a:pPr algn="ctr"/>
+            <a:r>
+              <a:rPr lang="en-US" sz="1400" dirty="0">
+                <a:solidFill>
+                  <a:schemeClr val="tx1"/>
+                </a:solidFill>
+              </a:rPr>
+              <a:t>NASA</a:t>
+            </a:r>
+          </a:p>
+          <a:p>
+            <a:pPr algn="ctr"/>
+            <a:r>
+              <a:rPr lang="en-US" sz="1400" dirty="0">
+                <a:solidFill>
+                  <a:schemeClr val="tx1"/>
+                </a:solidFill>
+              </a:rPr>
+              <a:t>Horizons</a:t>
+            </a:r>
+          </a:p>
         </p:txBody>
       </p:sp>
       <p:cxnSp>
@@ -6401,6 +6538,13 @@
             <a:r>
               <a:rPr lang="en-US" sz="1400" dirty="0"/>
               <a:t>Site Translation</a:t>
+            </a:r>
+          </a:p>
+          <a:p>
+            <a:pPr algn="ctr"/>
+            <a:r>
+              <a:rPr lang="en-US" sz="1400" dirty="0"/>
+              <a:t>(if required)</a:t>
             </a:r>
           </a:p>
         </p:txBody>
@@ -10102,8 +10246,8 @@
           </a:p>
         </p:txBody>
       </p:sp>
-      <mc:AlternateContent xmlns:mc="http://schemas.openxmlformats.org/markup-compatibility/2006">
-        <mc:Choice xmlns:a14="http://schemas.microsoft.com/office/drawing/2010/main" Requires="a14">
+      <mc:AlternateContent xmlns:mc="http://schemas.openxmlformats.org/markup-compatibility/2006" xmlns:a14="http://schemas.microsoft.com/office/drawing/2010/main">
+        <mc:Choice Requires="a14">
           <p:sp>
             <p:nvSpPr>
               <p:cNvPr id="18" name="TextBox 17">
@@ -10132,6 +10276,7 @@
               </a:bodyPr>
               <a:lstStyle/>
               <a:p>
+                <a:pPr/>
                 <a14:m>
                   <m:oMathPara xmlns:m="http://schemas.openxmlformats.org/officeDocument/2006/math">
                     <m:oMathParaPr>
@@ -10276,7 +10421,7 @@
             </p:txBody>
           </p:sp>
         </mc:Choice>
-        <mc:Fallback>
+        <mc:Fallback xmlns="">
           <p:sp>
             <p:nvSpPr>
               <p:cNvPr id="18" name="TextBox 17">
